--- a/OneMillionSC/res/ico.pptx
+++ b/OneMillionSC/res/ico.pptx
@@ -6,6 +6,7 @@
   </p:sldMasterIdLst>
   <p:sldIdLst>
     <p:sldId id="256" r:id="rId2"/>
+    <p:sldId id="257" r:id="rId3"/>
   </p:sldIdLst>
   <p:sldSz cx="9144000" cy="6858000" type="screen4x3"/>
   <p:notesSz cx="6858000" cy="9144000"/>
@@ -3097,21 +3098,19 @@
       </p:grpSpPr>
       <p:sp>
         <p:nvSpPr>
-          <p:cNvPr id="26" name="Rettangolo 25"/>
+          <p:cNvPr id="67" name="Rettangolo 66"/>
           <p:cNvSpPr/>
           <p:nvPr/>
         </p:nvSpPr>
         <p:spPr>
           <a:xfrm>
-            <a:off x="1645605" y="3897248"/>
-            <a:ext cx="2628000" cy="2628000"/>
+            <a:off x="4991348" y="845460"/>
+            <a:ext cx="2232000" cy="2232000"/>
           </a:xfrm>
           <a:prstGeom prst="rect">
             <a:avLst/>
           </a:prstGeom>
-          <a:solidFill>
-            <a:schemeClr val="bg1"/>
-          </a:solidFill>
+          <a:noFill/>
           <a:ln>
             <a:noFill/>
           </a:ln>
@@ -3141,168 +3140,54 @@
           </a:p>
         </p:txBody>
       </p:sp>
+      <p:sp>
+        <p:nvSpPr>
+          <p:cNvPr id="3" name="AutoShape 6" descr="http://www.iconarchive.com/download/i48697/custom-icon-design/pretty-office-2/man.ico"/>
+          <p:cNvSpPr>
+            <a:spLocks noChangeAspect="1" noChangeArrowheads="1"/>
+          </p:cNvSpPr>
+          <p:nvPr/>
+        </p:nvSpPr>
+        <p:spPr bwMode="auto">
+          <a:xfrm>
+            <a:off x="155575" y="-144463"/>
+            <a:ext cx="304800" cy="304801"/>
+          </a:xfrm>
+          <a:prstGeom prst="rect">
+            <a:avLst/>
+          </a:prstGeom>
+          <a:noFill/>
+          <a:extLst>
+            <a:ext uri="{909E8E84-426E-40DD-AFC4-6F175D3DCCD1}">
+              <a14:hiddenFill xmlns:a14="http://schemas.microsoft.com/office/drawing/2010/main">
+                <a:solidFill>
+                  <a:srgbClr val="FFFFFF"/>
+                </a:solidFill>
+              </a14:hiddenFill>
+            </a:ext>
+          </a:extLst>
+        </p:spPr>
+        <p:txBody>
+          <a:bodyPr vert="horz" wrap="square" lIns="91440" tIns="45720" rIns="91440" bIns="45720" numCol="1" anchor="t" anchorCtr="0" compatLnSpc="1">
+            <a:prstTxWarp prst="textNoShape">
+              <a:avLst/>
+            </a:prstTxWarp>
+          </a:bodyPr>
+          <a:lstStyle/>
+          <a:p>
+            <a:endParaRPr lang="it-IT"/>
+          </a:p>
+        </p:txBody>
+      </p:sp>
       <p:grpSp>
         <p:nvGrpSpPr>
-          <p:cNvPr id="52" name="Gruppo 51"/>
+          <p:cNvPr id="27" name="Gruppo 26"/>
           <p:cNvGrpSpPr/>
           <p:nvPr/>
         </p:nvGrpSpPr>
         <p:grpSpPr>
           <a:xfrm>
-            <a:off x="1547664" y="1833633"/>
-            <a:ext cx="1706488" cy="1736679"/>
-            <a:chOff x="3635896" y="1627708"/>
-            <a:chExt cx="2520281" cy="2521372"/>
-          </a:xfrm>
-        </p:grpSpPr>
-        <p:sp>
-          <p:nvSpPr>
-            <p:cNvPr id="53" name="Ovale 52"/>
-            <p:cNvSpPr/>
-            <p:nvPr/>
-          </p:nvSpPr>
-          <p:spPr>
-            <a:xfrm>
-              <a:off x="4292433" y="1628799"/>
-              <a:ext cx="1207203" cy="2520281"/>
-            </a:xfrm>
-            <a:prstGeom prst="ellipse">
-              <a:avLst/>
-            </a:prstGeom>
-            <a:noFill/>
-            <a:ln w="57150">
-              <a:solidFill>
-                <a:schemeClr val="tx1"/>
-              </a:solidFill>
-            </a:ln>
-          </p:spPr>
-          <p:style>
-            <a:lnRef idx="2">
-              <a:schemeClr val="accent1">
-                <a:shade val="50000"/>
-              </a:schemeClr>
-            </a:lnRef>
-            <a:fillRef idx="1">
-              <a:schemeClr val="accent1"/>
-            </a:fillRef>
-            <a:effectRef idx="0">
-              <a:schemeClr val="accent1"/>
-            </a:effectRef>
-            <a:fontRef idx="minor">
-              <a:schemeClr val="lt1"/>
-            </a:fontRef>
-          </p:style>
-          <p:txBody>
-            <a:bodyPr rtlCol="0" anchor="ctr"/>
-            <a:lstStyle/>
-            <a:p>
-              <a:pPr algn="ctr"/>
-              <a:endParaRPr lang="it-IT"/>
-            </a:p>
-          </p:txBody>
-        </p:sp>
-        <p:sp>
-          <p:nvSpPr>
-            <p:cNvPr id="54" name="Ovale 53"/>
-            <p:cNvSpPr/>
-            <p:nvPr/>
-          </p:nvSpPr>
-          <p:spPr>
-            <a:xfrm rot="16200000">
-              <a:off x="4292435" y="1664803"/>
-              <a:ext cx="1207204" cy="2520280"/>
-            </a:xfrm>
-            <a:prstGeom prst="ellipse">
-              <a:avLst/>
-            </a:prstGeom>
-            <a:noFill/>
-            <a:ln w="57150">
-              <a:solidFill>
-                <a:schemeClr val="tx1"/>
-              </a:solidFill>
-            </a:ln>
-          </p:spPr>
-          <p:style>
-            <a:lnRef idx="2">
-              <a:schemeClr val="accent1">
-                <a:shade val="50000"/>
-              </a:schemeClr>
-            </a:lnRef>
-            <a:fillRef idx="1">
-              <a:schemeClr val="accent1"/>
-            </a:fillRef>
-            <a:effectRef idx="0">
-              <a:schemeClr val="accent1"/>
-            </a:effectRef>
-            <a:fontRef idx="minor">
-              <a:schemeClr val="lt1"/>
-            </a:fontRef>
-          </p:style>
-          <p:txBody>
-            <a:bodyPr rtlCol="0" anchor="ctr"/>
-            <a:lstStyle/>
-            <a:p>
-              <a:pPr algn="ctr"/>
-              <a:endParaRPr lang="it-IT"/>
-            </a:p>
-          </p:txBody>
-        </p:sp>
-        <p:sp>
-          <p:nvSpPr>
-            <p:cNvPr id="55" name="Ovale 54"/>
-            <p:cNvSpPr/>
-            <p:nvPr/>
-          </p:nvSpPr>
-          <p:spPr>
-            <a:xfrm>
-              <a:off x="3635896" y="1627708"/>
-              <a:ext cx="2520280" cy="2520280"/>
-            </a:xfrm>
-            <a:prstGeom prst="ellipse">
-              <a:avLst/>
-            </a:prstGeom>
-            <a:noFill/>
-            <a:ln w="57150">
-              <a:solidFill>
-                <a:schemeClr val="tx1"/>
-              </a:solidFill>
-            </a:ln>
-          </p:spPr>
-          <p:style>
-            <a:lnRef idx="2">
-              <a:schemeClr val="accent1">
-                <a:shade val="50000"/>
-              </a:schemeClr>
-            </a:lnRef>
-            <a:fillRef idx="1">
-              <a:schemeClr val="accent1"/>
-            </a:fillRef>
-            <a:effectRef idx="0">
-              <a:schemeClr val="accent1"/>
-            </a:effectRef>
-            <a:fontRef idx="minor">
-              <a:schemeClr val="lt1"/>
-            </a:fontRef>
-          </p:style>
-          <p:txBody>
-            <a:bodyPr rtlCol="0" anchor="ctr"/>
-            <a:lstStyle/>
-            <a:p>
-              <a:pPr algn="ctr"/>
-              <a:endParaRPr lang="it-IT"/>
-            </a:p>
-          </p:txBody>
-        </p:sp>
-      </p:grpSp>
-      <p:grpSp>
-        <p:nvGrpSpPr>
-          <p:cNvPr id="56" name="Gruppo 55"/>
-          <p:cNvGrpSpPr/>
-          <p:nvPr/>
-        </p:nvGrpSpPr>
-        <p:grpSpPr>
-          <a:xfrm>
-            <a:off x="5590122" y="875377"/>
+            <a:off x="1763688" y="950996"/>
             <a:ext cx="1080000" cy="2160000"/>
             <a:chOff x="2195736" y="4005064"/>
             <a:chExt cx="663319" cy="1249791"/>
@@ -3310,7 +3195,7 @@
         </p:grpSpPr>
         <p:sp>
           <p:nvSpPr>
-            <p:cNvPr id="57" name="Cuore 44"/>
+            <p:cNvPr id="28" name="Cuore 44"/>
             <p:cNvSpPr/>
             <p:nvPr/>
           </p:nvSpPr>
@@ -3416,7 +3301,7 @@
         </p:sp>
         <p:sp>
           <p:nvSpPr>
-            <p:cNvPr id="58" name="Ovale 57"/>
+            <p:cNvPr id="29" name="Ovale 28"/>
             <p:cNvSpPr/>
             <p:nvPr/>
           </p:nvSpPr>
@@ -3462,7 +3347,7 @@
         </p:sp>
         <p:sp>
           <p:nvSpPr>
-            <p:cNvPr id="59" name="Figura a mano libera 58"/>
+            <p:cNvPr id="30" name="Figura a mano libera 29"/>
             <p:cNvSpPr/>
             <p:nvPr/>
           </p:nvSpPr>
@@ -3566,7 +3451,7 @@
         </p:sp>
         <p:sp>
           <p:nvSpPr>
-            <p:cNvPr id="60" name="Cuore 44"/>
+            <p:cNvPr id="31" name="Cuore 44"/>
             <p:cNvSpPr/>
             <p:nvPr/>
           </p:nvSpPr>
@@ -3674,67 +3559,104 @@
           </p:txBody>
         </p:sp>
       </p:grpSp>
-      <p:sp>
-        <p:nvSpPr>
-          <p:cNvPr id="67" name="Rettangolo 66"/>
-          <p:cNvSpPr/>
+      <p:pic>
+        <p:nvPicPr>
+          <p:cNvPr id="1026" name="Picture 2" descr="F:\xampp\htdocs\OMSC\OneMillionSC\res\ico.png"/>
+          <p:cNvPicPr>
+            <a:picLocks noChangeAspect="1" noChangeArrowheads="1"/>
+          </p:cNvPicPr>
           <p:nvPr/>
-        </p:nvSpPr>
-        <p:spPr>
+        </p:nvPicPr>
+        <p:blipFill>
+          <a:blip r:embed="rId2">
+            <a:clrChange>
+              <a:clrFrom>
+                <a:srgbClr val="FFFFFF"/>
+              </a:clrFrom>
+              <a:clrTo>
+                <a:srgbClr val="FFFFFF">
+                  <a:alpha val="0"/>
+                </a:srgbClr>
+              </a:clrTo>
+            </a:clrChange>
+            <a:extLst>
+              <a:ext uri="{28A0092B-C50C-407E-A947-70E740481C1C}">
+                <a14:useLocalDpi xmlns:a14="http://schemas.microsoft.com/office/drawing/2010/main" val="0"/>
+              </a:ext>
+            </a:extLst>
+          </a:blip>
+          <a:srcRect/>
+          <a:stretch>
+            <a:fillRect/>
+          </a:stretch>
+        </p:blipFill>
+        <p:spPr bwMode="auto">
           <a:xfrm>
-            <a:off x="4991348" y="845460"/>
-            <a:ext cx="2232000" cy="2232000"/>
+            <a:off x="4572000" y="1442304"/>
+            <a:ext cx="2230952" cy="2230952"/>
           </a:xfrm>
           <a:prstGeom prst="rect">
             <a:avLst/>
           </a:prstGeom>
           <a:noFill/>
-          <a:ln>
-            <a:noFill/>
-          </a:ln>
+          <a:extLst>
+            <a:ext uri="{909E8E84-426E-40DD-AFC4-6F175D3DCCD1}">
+              <a14:hiddenFill xmlns:a14="http://schemas.microsoft.com/office/drawing/2010/main">
+                <a:solidFill>
+                  <a:srgbClr val="FFFFFF"/>
+                </a:solidFill>
+              </a14:hiddenFill>
+            </a:ext>
+          </a:extLst>
         </p:spPr>
-        <p:style>
-          <a:lnRef idx="2">
-            <a:schemeClr val="accent1">
-              <a:shade val="50000"/>
-            </a:schemeClr>
-          </a:lnRef>
-          <a:fillRef idx="1">
-            <a:schemeClr val="accent1"/>
-          </a:fillRef>
-          <a:effectRef idx="0">
-            <a:schemeClr val="accent1"/>
-          </a:effectRef>
-          <a:fontRef idx="minor">
-            <a:schemeClr val="lt1"/>
-          </a:fontRef>
-        </p:style>
-        <p:txBody>
-          <a:bodyPr rtlCol="0" anchor="ctr"/>
-          <a:lstStyle/>
-          <a:p>
-            <a:pPr algn="ctr"/>
-            <a:endParaRPr lang="it-IT"/>
-          </a:p>
-        </p:txBody>
-      </p:sp>
+      </p:pic>
+    </p:spTree>
+    <p:extLst>
+      <p:ext uri="{BB962C8B-B14F-4D97-AF65-F5344CB8AC3E}">
+        <p14:creationId xmlns:p14="http://schemas.microsoft.com/office/powerpoint/2010/main" val="2534858553"/>
+      </p:ext>
+    </p:extLst>
+  </p:cSld>
+  <p:clrMapOvr>
+    <a:masterClrMapping/>
+  </p:clrMapOvr>
+</p:sld>
+</file>
+
+<file path=ppt/slides/slide2.xml><?xml version="1.0" encoding="utf-8"?>
+<p:sld xmlns:a="http://schemas.openxmlformats.org/drawingml/2006/main" xmlns:r="http://schemas.openxmlformats.org/officeDocument/2006/relationships" xmlns:p="http://schemas.openxmlformats.org/presentationml/2006/main">
+  <p:cSld>
+    <p:spTree>
+      <p:nvGrpSpPr>
+        <p:cNvPr id="1" name=""/>
+        <p:cNvGrpSpPr/>
+        <p:nvPr/>
+      </p:nvGrpSpPr>
+      <p:grpSpPr>
+        <a:xfrm>
+          <a:off x="0" y="0"/>
+          <a:ext cx="0" cy="0"/>
+          <a:chOff x="0" y="0"/>
+          <a:chExt cx="0" cy="0"/>
+        </a:xfrm>
+      </p:grpSpPr>
       <p:grpSp>
         <p:nvGrpSpPr>
-          <p:cNvPr id="86" name="Gruppo 85"/>
+          <p:cNvPr id="4" name="Gruppo 3"/>
           <p:cNvGrpSpPr/>
           <p:nvPr/>
         </p:nvGrpSpPr>
         <p:grpSpPr>
           <a:xfrm>
-            <a:off x="6489101" y="5013176"/>
-            <a:ext cx="720000" cy="720000"/>
+            <a:off x="1547664" y="1833633"/>
+            <a:ext cx="1706488" cy="1736679"/>
             <a:chOff x="3635896" y="1627708"/>
             <a:chExt cx="2520281" cy="2521372"/>
           </a:xfrm>
         </p:grpSpPr>
         <p:sp>
           <p:nvSpPr>
-            <p:cNvPr id="87" name="Ovale 86"/>
+            <p:cNvPr id="5" name="Ovale 4"/>
             <p:cNvSpPr/>
             <p:nvPr/>
           </p:nvSpPr>
@@ -3780,7 +3702,7 @@
         </p:sp>
         <p:sp>
           <p:nvSpPr>
-            <p:cNvPr id="88" name="Ovale 87"/>
+            <p:cNvPr id="6" name="Ovale 5"/>
             <p:cNvSpPr/>
             <p:nvPr/>
           </p:nvSpPr>
@@ -3826,7 +3748,7 @@
         </p:sp>
         <p:sp>
           <p:nvSpPr>
-            <p:cNvPr id="89" name="Ovale 88"/>
+            <p:cNvPr id="7" name="Ovale 6"/>
             <p:cNvSpPr/>
             <p:nvPr/>
           </p:nvSpPr>
@@ -3873,389 +3795,7 @@
       </p:grpSp>
       <p:grpSp>
         <p:nvGrpSpPr>
-          <p:cNvPr id="6" name="Gruppo 5"/>
-          <p:cNvGrpSpPr/>
-          <p:nvPr/>
-        </p:nvGrpSpPr>
-        <p:grpSpPr>
-          <a:xfrm>
-            <a:off x="7596336" y="3423432"/>
-            <a:ext cx="1080000" cy="2160000"/>
-            <a:chOff x="5653538" y="908720"/>
-            <a:chExt cx="1080000" cy="2160000"/>
-          </a:xfrm>
-        </p:grpSpPr>
-        <p:sp>
-          <p:nvSpPr>
-            <p:cNvPr id="91" name="Cuore 44"/>
-            <p:cNvSpPr/>
-            <p:nvPr/>
-          </p:nvSpPr>
-          <p:spPr>
-            <a:xfrm>
-              <a:off x="5653538" y="908720"/>
-              <a:ext cx="1080000" cy="2160000"/>
-            </a:xfrm>
-            <a:custGeom>
-              <a:avLst/>
-              <a:gdLst>
-                <a:gd name="connsiteX0" fmla="*/ 828092 w 1656184"/>
-                <a:gd name="connsiteY0" fmla="*/ 432048 h 1728192"/>
-                <a:gd name="connsiteX1" fmla="*/ 828092 w 1656184"/>
-                <a:gd name="connsiteY1" fmla="*/ 1728192 h 1728192"/>
-                <a:gd name="connsiteX2" fmla="*/ 828092 w 1656184"/>
-                <a:gd name="connsiteY2" fmla="*/ 432048 h 1728192"/>
-                <a:gd name="connsiteX0" fmla="*/ 827477 w 1668278"/>
-                <a:gd name="connsiteY0" fmla="*/ 533452 h 1329082"/>
-                <a:gd name="connsiteX1" fmla="*/ 837102 w 1668278"/>
-                <a:gd name="connsiteY1" fmla="*/ 1329082 h 1329082"/>
-                <a:gd name="connsiteX2" fmla="*/ 827477 w 1668278"/>
-                <a:gd name="connsiteY2" fmla="*/ 533452 h 1329082"/>
-                <a:gd name="connsiteX0" fmla="*/ 834130 w 1668259"/>
-                <a:gd name="connsiteY0" fmla="*/ 420315 h 1668332"/>
-                <a:gd name="connsiteX1" fmla="*/ 834130 w 1668259"/>
-                <a:gd name="connsiteY1" fmla="*/ 1668332 h 1668332"/>
-                <a:gd name="connsiteX2" fmla="*/ 834130 w 1668259"/>
-                <a:gd name="connsiteY2" fmla="*/ 420315 h 1668332"/>
-                <a:gd name="connsiteX0" fmla="*/ 834130 w 1589513"/>
-                <a:gd name="connsiteY0" fmla="*/ 420315 h 1668332"/>
-                <a:gd name="connsiteX1" fmla="*/ 834130 w 1589513"/>
-                <a:gd name="connsiteY1" fmla="*/ 1668332 h 1668332"/>
-                <a:gd name="connsiteX2" fmla="*/ 834130 w 1589513"/>
-                <a:gd name="connsiteY2" fmla="*/ 420315 h 1668332"/>
-                <a:gd name="connsiteX0" fmla="*/ 748958 w 1504341"/>
-                <a:gd name="connsiteY0" fmla="*/ 1774 h 1249791"/>
-                <a:gd name="connsiteX1" fmla="*/ 748958 w 1504341"/>
-                <a:gd name="connsiteY1" fmla="*/ 1249791 h 1249791"/>
-                <a:gd name="connsiteX2" fmla="*/ 748958 w 1504341"/>
-                <a:gd name="connsiteY2" fmla="*/ 1774 h 1249791"/>
-              </a:gdLst>
-              <a:ahLst/>
-              <a:cxnLst>
-                <a:cxn ang="0">
-                  <a:pos x="connsiteX0" y="connsiteY0"/>
-                </a:cxn>
-                <a:cxn ang="0">
-                  <a:pos x="connsiteX1" y="connsiteY1"/>
-                </a:cxn>
-                <a:cxn ang="0">
-                  <a:pos x="connsiteX2" y="connsiteY2"/>
-                </a:cxn>
-              </a:cxnLst>
-              <a:rect l="l" t="t" r="r" b="b"/>
-              <a:pathLst>
-                <a:path w="1504341" h="1249791">
-                  <a:moveTo>
-                    <a:pt x="748958" y="1774"/>
-                  </a:moveTo>
-                  <a:cubicBezTo>
-                    <a:pt x="766737" y="4315"/>
-                    <a:pt x="2439646" y="-46353"/>
-                    <a:pt x="748958" y="1249791"/>
-                  </a:cubicBezTo>
-                  <a:cubicBezTo>
-                    <a:pt x="-941730" y="-46353"/>
-                    <a:pt x="760054" y="-5311"/>
-                    <a:pt x="748958" y="1774"/>
-                  </a:cubicBezTo>
-                  <a:close/>
-                </a:path>
-              </a:pathLst>
-            </a:custGeom>
-            <a:ln>
-              <a:solidFill>
-                <a:schemeClr val="tx1"/>
-              </a:solidFill>
-            </a:ln>
-          </p:spPr>
-          <p:style>
-            <a:lnRef idx="2">
-              <a:schemeClr val="accent1">
-                <a:shade val="50000"/>
-              </a:schemeClr>
-            </a:lnRef>
-            <a:fillRef idx="1">
-              <a:schemeClr val="accent1"/>
-            </a:fillRef>
-            <a:effectRef idx="0">
-              <a:schemeClr val="accent1"/>
-            </a:effectRef>
-            <a:fontRef idx="minor">
-              <a:schemeClr val="lt1"/>
-            </a:fontRef>
-          </p:style>
-          <p:txBody>
-            <a:bodyPr rtlCol="0" anchor="ctr"/>
-            <a:lstStyle/>
-            <a:p>
-              <a:pPr algn="ctr"/>
-              <a:endParaRPr lang="it-IT"/>
-            </a:p>
-          </p:txBody>
-        </p:sp>
-        <p:sp>
-          <p:nvSpPr>
-            <p:cNvPr id="92" name="Ovale 91"/>
-            <p:cNvSpPr/>
-            <p:nvPr/>
-          </p:nvSpPr>
-          <p:spPr>
-            <a:xfrm>
-              <a:off x="6013578" y="1387204"/>
-              <a:ext cx="409855" cy="425008"/>
-            </a:xfrm>
-            <a:prstGeom prst="ellipse">
-              <a:avLst/>
-            </a:prstGeom>
-            <a:solidFill>
-              <a:schemeClr val="bg1"/>
-            </a:solidFill>
-            <a:ln>
-              <a:noFill/>
-            </a:ln>
-          </p:spPr>
-          <p:style>
-            <a:lnRef idx="2">
-              <a:schemeClr val="accent1">
-                <a:shade val="50000"/>
-              </a:schemeClr>
-            </a:lnRef>
-            <a:fillRef idx="1">
-              <a:schemeClr val="accent1"/>
-            </a:fillRef>
-            <a:effectRef idx="0">
-              <a:schemeClr val="accent1"/>
-            </a:effectRef>
-            <a:fontRef idx="minor">
-              <a:schemeClr val="lt1"/>
-            </a:fontRef>
-          </p:style>
-          <p:txBody>
-            <a:bodyPr rtlCol="0" anchor="ctr"/>
-            <a:lstStyle/>
-            <a:p>
-              <a:pPr algn="ctr"/>
-              <a:endParaRPr lang="it-IT"/>
-            </a:p>
-          </p:txBody>
-        </p:sp>
-        <p:sp>
-          <p:nvSpPr>
-            <p:cNvPr id="93" name="Figura a mano libera 92"/>
-            <p:cNvSpPr/>
-            <p:nvPr/>
-          </p:nvSpPr>
-          <p:spPr>
-            <a:xfrm>
-              <a:off x="5765752" y="1804746"/>
-              <a:ext cx="864000" cy="248874"/>
-            </a:xfrm>
-            <a:custGeom>
-              <a:avLst/>
-              <a:gdLst>
-                <a:gd name="connsiteX0" fmla="*/ 0 w 1549668"/>
-                <a:gd name="connsiteY0" fmla="*/ 722824 h 761325"/>
-                <a:gd name="connsiteX1" fmla="*/ 481264 w 1549668"/>
-                <a:gd name="connsiteY1" fmla="*/ 116432 h 761325"/>
-                <a:gd name="connsiteX2" fmla="*/ 770021 w 1549668"/>
-                <a:gd name="connsiteY2" fmla="*/ 929 h 761325"/>
-                <a:gd name="connsiteX3" fmla="*/ 1010653 w 1549668"/>
-                <a:gd name="connsiteY3" fmla="*/ 135683 h 761325"/>
-                <a:gd name="connsiteX4" fmla="*/ 1549668 w 1549668"/>
-                <a:gd name="connsiteY4" fmla="*/ 761325 h 761325"/>
-              </a:gdLst>
-              <a:ahLst/>
-              <a:cxnLst>
-                <a:cxn ang="0">
-                  <a:pos x="connsiteX0" y="connsiteY0"/>
-                </a:cxn>
-                <a:cxn ang="0">
-                  <a:pos x="connsiteX1" y="connsiteY1"/>
-                </a:cxn>
-                <a:cxn ang="0">
-                  <a:pos x="connsiteX2" y="connsiteY2"/>
-                </a:cxn>
-                <a:cxn ang="0">
-                  <a:pos x="connsiteX3" y="connsiteY3"/>
-                </a:cxn>
-                <a:cxn ang="0">
-                  <a:pos x="connsiteX4" y="connsiteY4"/>
-                </a:cxn>
-              </a:cxnLst>
-              <a:rect l="l" t="t" r="r" b="b"/>
-              <a:pathLst>
-                <a:path w="1549668" h="761325">
-                  <a:moveTo>
-                    <a:pt x="0" y="722824"/>
-                  </a:moveTo>
-                  <a:cubicBezTo>
-                    <a:pt x="176463" y="479786"/>
-                    <a:pt x="352927" y="236748"/>
-                    <a:pt x="481264" y="116432"/>
-                  </a:cubicBezTo>
-                  <a:cubicBezTo>
-                    <a:pt x="609601" y="-3884"/>
-                    <a:pt x="681790" y="-2279"/>
-                    <a:pt x="770021" y="929"/>
-                  </a:cubicBezTo>
-                  <a:cubicBezTo>
-                    <a:pt x="858252" y="4137"/>
-                    <a:pt x="880712" y="8950"/>
-                    <a:pt x="1010653" y="135683"/>
-                  </a:cubicBezTo>
-                  <a:cubicBezTo>
-                    <a:pt x="1140594" y="262416"/>
-                    <a:pt x="1345131" y="511870"/>
-                    <a:pt x="1549668" y="761325"/>
-                  </a:cubicBezTo>
-                </a:path>
-              </a:pathLst>
-            </a:custGeom>
-            <a:noFill/>
-            <a:ln w="57150">
-              <a:solidFill>
-                <a:schemeClr val="bg1"/>
-              </a:solidFill>
-            </a:ln>
-          </p:spPr>
-          <p:style>
-            <a:lnRef idx="2">
-              <a:schemeClr val="accent1">
-                <a:shade val="50000"/>
-              </a:schemeClr>
-            </a:lnRef>
-            <a:fillRef idx="1">
-              <a:schemeClr val="accent1"/>
-            </a:fillRef>
-            <a:effectRef idx="0">
-              <a:schemeClr val="accent1"/>
-            </a:effectRef>
-            <a:fontRef idx="minor">
-              <a:schemeClr val="lt1"/>
-            </a:fontRef>
-          </p:style>
-          <p:txBody>
-            <a:bodyPr rtlCol="0" anchor="ctr"/>
-            <a:lstStyle/>
-            <a:p>
-              <a:pPr algn="ctr"/>
-              <a:endParaRPr lang="it-IT"/>
-            </a:p>
-          </p:txBody>
-        </p:sp>
-        <p:sp>
-          <p:nvSpPr>
-            <p:cNvPr id="94" name="Cuore 44"/>
-            <p:cNvSpPr/>
-            <p:nvPr/>
-          </p:nvSpPr>
-          <p:spPr>
-            <a:xfrm>
-              <a:off x="6062087" y="1779874"/>
-              <a:ext cx="312838" cy="470081"/>
-            </a:xfrm>
-            <a:custGeom>
-              <a:avLst/>
-              <a:gdLst>
-                <a:gd name="connsiteX0" fmla="*/ 828092 w 1656184"/>
-                <a:gd name="connsiteY0" fmla="*/ 432048 h 1728192"/>
-                <a:gd name="connsiteX1" fmla="*/ 828092 w 1656184"/>
-                <a:gd name="connsiteY1" fmla="*/ 1728192 h 1728192"/>
-                <a:gd name="connsiteX2" fmla="*/ 828092 w 1656184"/>
-                <a:gd name="connsiteY2" fmla="*/ 432048 h 1728192"/>
-                <a:gd name="connsiteX0" fmla="*/ 827477 w 1668278"/>
-                <a:gd name="connsiteY0" fmla="*/ 533452 h 1329082"/>
-                <a:gd name="connsiteX1" fmla="*/ 837102 w 1668278"/>
-                <a:gd name="connsiteY1" fmla="*/ 1329082 h 1329082"/>
-                <a:gd name="connsiteX2" fmla="*/ 827477 w 1668278"/>
-                <a:gd name="connsiteY2" fmla="*/ 533452 h 1329082"/>
-                <a:gd name="connsiteX0" fmla="*/ 834130 w 1668259"/>
-                <a:gd name="connsiteY0" fmla="*/ 420315 h 1668332"/>
-                <a:gd name="connsiteX1" fmla="*/ 834130 w 1668259"/>
-                <a:gd name="connsiteY1" fmla="*/ 1668332 h 1668332"/>
-                <a:gd name="connsiteX2" fmla="*/ 834130 w 1668259"/>
-                <a:gd name="connsiteY2" fmla="*/ 420315 h 1668332"/>
-                <a:gd name="connsiteX0" fmla="*/ 834130 w 1589513"/>
-                <a:gd name="connsiteY0" fmla="*/ 420315 h 1668332"/>
-                <a:gd name="connsiteX1" fmla="*/ 834130 w 1589513"/>
-                <a:gd name="connsiteY1" fmla="*/ 1668332 h 1668332"/>
-                <a:gd name="connsiteX2" fmla="*/ 834130 w 1589513"/>
-                <a:gd name="connsiteY2" fmla="*/ 420315 h 1668332"/>
-                <a:gd name="connsiteX0" fmla="*/ 748958 w 1504341"/>
-                <a:gd name="connsiteY0" fmla="*/ 1774 h 1249791"/>
-                <a:gd name="connsiteX1" fmla="*/ 748958 w 1504341"/>
-                <a:gd name="connsiteY1" fmla="*/ 1249791 h 1249791"/>
-                <a:gd name="connsiteX2" fmla="*/ 748958 w 1504341"/>
-                <a:gd name="connsiteY2" fmla="*/ 1774 h 1249791"/>
-              </a:gdLst>
-              <a:ahLst/>
-              <a:cxnLst>
-                <a:cxn ang="0">
-                  <a:pos x="connsiteX0" y="connsiteY0"/>
-                </a:cxn>
-                <a:cxn ang="0">
-                  <a:pos x="connsiteX1" y="connsiteY1"/>
-                </a:cxn>
-                <a:cxn ang="0">
-                  <a:pos x="connsiteX2" y="connsiteY2"/>
-                </a:cxn>
-              </a:cxnLst>
-              <a:rect l="l" t="t" r="r" b="b"/>
-              <a:pathLst>
-                <a:path w="1504341" h="1249791">
-                  <a:moveTo>
-                    <a:pt x="748958" y="1774"/>
-                  </a:moveTo>
-                  <a:cubicBezTo>
-                    <a:pt x="766737" y="4315"/>
-                    <a:pt x="2439646" y="-46353"/>
-                    <a:pt x="748958" y="1249791"/>
-                  </a:cubicBezTo>
-                  <a:cubicBezTo>
-                    <a:pt x="-941730" y="-46353"/>
-                    <a:pt x="760054" y="-5311"/>
-                    <a:pt x="748958" y="1774"/>
-                  </a:cubicBezTo>
-                  <a:close/>
-                </a:path>
-              </a:pathLst>
-            </a:custGeom>
-            <a:solidFill>
-              <a:schemeClr val="bg1"/>
-            </a:solidFill>
-            <a:ln>
-              <a:noFill/>
-            </a:ln>
-          </p:spPr>
-          <p:style>
-            <a:lnRef idx="2">
-              <a:schemeClr val="accent1">
-                <a:shade val="50000"/>
-              </a:schemeClr>
-            </a:lnRef>
-            <a:fillRef idx="1">
-              <a:schemeClr val="accent1"/>
-            </a:fillRef>
-            <a:effectRef idx="0">
-              <a:schemeClr val="accent1"/>
-            </a:effectRef>
-            <a:fontRef idx="minor">
-              <a:schemeClr val="lt1"/>
-            </a:fontRef>
-          </p:style>
-          <p:txBody>
-            <a:bodyPr rtlCol="0" anchor="ctr"/>
-            <a:lstStyle/>
-            <a:p>
-              <a:pPr algn="ctr"/>
-              <a:endParaRPr lang="it-IT"/>
-            </a:p>
-          </p:txBody>
-        </p:sp>
-      </p:grpSp>
-      <p:grpSp>
-        <p:nvGrpSpPr>
-          <p:cNvPr id="22" name="Gruppo 21"/>
+          <p:cNvPr id="9" name="Gruppo 8"/>
           <p:cNvGrpSpPr/>
           <p:nvPr/>
         </p:nvGrpSpPr>
@@ -4269,7 +3809,7 @@
         </p:grpSpPr>
         <p:sp>
           <p:nvSpPr>
-            <p:cNvPr id="23" name="Ovale 22"/>
+            <p:cNvPr id="10" name="Ovale 9"/>
             <p:cNvSpPr/>
             <p:nvPr/>
           </p:nvSpPr>
@@ -4318,7 +3858,7 @@
         </p:sp>
         <p:sp>
           <p:nvSpPr>
-            <p:cNvPr id="24" name="Ovale 23"/>
+            <p:cNvPr id="11" name="Ovale 10"/>
             <p:cNvSpPr/>
             <p:nvPr/>
           </p:nvSpPr>
@@ -4364,7 +3904,7 @@
         </p:sp>
         <p:sp>
           <p:nvSpPr>
-            <p:cNvPr id="25" name="Ovale 24"/>
+            <p:cNvPr id="12" name="Ovale 11"/>
             <p:cNvSpPr/>
             <p:nvPr/>
           </p:nvSpPr>
@@ -4409,49 +3949,163 @@
           </p:txBody>
         </p:sp>
       </p:grpSp>
-      <p:sp>
-        <p:nvSpPr>
-          <p:cNvPr id="3" name="AutoShape 6" descr="http://www.iconarchive.com/download/i48697/custom-icon-design/pretty-office-2/man.ico"/>
-          <p:cNvSpPr>
-            <a:spLocks noChangeAspect="1" noChangeArrowheads="1"/>
-          </p:cNvSpPr>
+      <p:grpSp>
+        <p:nvGrpSpPr>
+          <p:cNvPr id="13" name="Gruppo 12"/>
+          <p:cNvGrpSpPr/>
           <p:nvPr/>
-        </p:nvSpPr>
-        <p:spPr bwMode="auto">
+        </p:nvGrpSpPr>
+        <p:grpSpPr>
           <a:xfrm>
-            <a:off x="155575" y="-144463"/>
-            <a:ext cx="304800" cy="304801"/>
+            <a:off x="6489101" y="5013176"/>
+            <a:ext cx="720000" cy="720000"/>
+            <a:chOff x="3635896" y="1627708"/>
+            <a:chExt cx="2520281" cy="2521372"/>
           </a:xfrm>
-          <a:prstGeom prst="rect">
-            <a:avLst/>
-          </a:prstGeom>
-          <a:noFill/>
-          <a:extLst>
-            <a:ext uri="{909E8E84-426E-40DD-AFC4-6F175D3DCCD1}">
-              <a14:hiddenFill xmlns:a14="http://schemas.microsoft.com/office/drawing/2010/main">
-                <a:solidFill>
-                  <a:srgbClr val="FFFFFF"/>
-                </a:solidFill>
-              </a14:hiddenFill>
-            </a:ext>
-          </a:extLst>
-        </p:spPr>
-        <p:txBody>
-          <a:bodyPr vert="horz" wrap="square" lIns="91440" tIns="45720" rIns="91440" bIns="45720" numCol="1" anchor="t" anchorCtr="0" compatLnSpc="1">
-            <a:prstTxWarp prst="textNoShape">
+        </p:grpSpPr>
+        <p:sp>
+          <p:nvSpPr>
+            <p:cNvPr id="14" name="Ovale 13"/>
+            <p:cNvSpPr/>
+            <p:nvPr/>
+          </p:nvSpPr>
+          <p:spPr>
+            <a:xfrm>
+              <a:off x="4292433" y="1628799"/>
+              <a:ext cx="1207203" cy="2520281"/>
+            </a:xfrm>
+            <a:prstGeom prst="ellipse">
               <a:avLst/>
-            </a:prstTxWarp>
-          </a:bodyPr>
-          <a:lstStyle/>
-          <a:p>
-            <a:endParaRPr lang="it-IT"/>
-          </a:p>
-        </p:txBody>
-      </p:sp>
+            </a:prstGeom>
+            <a:noFill/>
+            <a:ln w="57150">
+              <a:solidFill>
+                <a:schemeClr val="tx1"/>
+              </a:solidFill>
+            </a:ln>
+          </p:spPr>
+          <p:style>
+            <a:lnRef idx="2">
+              <a:schemeClr val="accent1">
+                <a:shade val="50000"/>
+              </a:schemeClr>
+            </a:lnRef>
+            <a:fillRef idx="1">
+              <a:schemeClr val="accent1"/>
+            </a:fillRef>
+            <a:effectRef idx="0">
+              <a:schemeClr val="accent1"/>
+            </a:effectRef>
+            <a:fontRef idx="minor">
+              <a:schemeClr val="lt1"/>
+            </a:fontRef>
+          </p:style>
+          <p:txBody>
+            <a:bodyPr rtlCol="0" anchor="ctr"/>
+            <a:lstStyle/>
+            <a:p>
+              <a:pPr algn="ctr"/>
+              <a:endParaRPr lang="it-IT"/>
+            </a:p>
+          </p:txBody>
+        </p:sp>
+        <p:sp>
+          <p:nvSpPr>
+            <p:cNvPr id="15" name="Ovale 14"/>
+            <p:cNvSpPr/>
+            <p:nvPr/>
+          </p:nvSpPr>
+          <p:spPr>
+            <a:xfrm rot="16200000">
+              <a:off x="4292435" y="1664803"/>
+              <a:ext cx="1207204" cy="2520280"/>
+            </a:xfrm>
+            <a:prstGeom prst="ellipse">
+              <a:avLst/>
+            </a:prstGeom>
+            <a:noFill/>
+            <a:ln w="57150">
+              <a:solidFill>
+                <a:schemeClr val="tx1"/>
+              </a:solidFill>
+            </a:ln>
+          </p:spPr>
+          <p:style>
+            <a:lnRef idx="2">
+              <a:schemeClr val="accent1">
+                <a:shade val="50000"/>
+              </a:schemeClr>
+            </a:lnRef>
+            <a:fillRef idx="1">
+              <a:schemeClr val="accent1"/>
+            </a:fillRef>
+            <a:effectRef idx="0">
+              <a:schemeClr val="accent1"/>
+            </a:effectRef>
+            <a:fontRef idx="minor">
+              <a:schemeClr val="lt1"/>
+            </a:fontRef>
+          </p:style>
+          <p:txBody>
+            <a:bodyPr rtlCol="0" anchor="ctr"/>
+            <a:lstStyle/>
+            <a:p>
+              <a:pPr algn="ctr"/>
+              <a:endParaRPr lang="it-IT"/>
+            </a:p>
+          </p:txBody>
+        </p:sp>
+        <p:sp>
+          <p:nvSpPr>
+            <p:cNvPr id="16" name="Ovale 15"/>
+            <p:cNvSpPr/>
+            <p:nvPr/>
+          </p:nvSpPr>
+          <p:spPr>
+            <a:xfrm>
+              <a:off x="3635896" y="1627708"/>
+              <a:ext cx="2520280" cy="2520280"/>
+            </a:xfrm>
+            <a:prstGeom prst="ellipse">
+              <a:avLst/>
+            </a:prstGeom>
+            <a:noFill/>
+            <a:ln w="57150">
+              <a:solidFill>
+                <a:schemeClr val="tx1"/>
+              </a:solidFill>
+            </a:ln>
+          </p:spPr>
+          <p:style>
+            <a:lnRef idx="2">
+              <a:schemeClr val="accent1">
+                <a:shade val="50000"/>
+              </a:schemeClr>
+            </a:lnRef>
+            <a:fillRef idx="1">
+              <a:schemeClr val="accent1"/>
+            </a:fillRef>
+            <a:effectRef idx="0">
+              <a:schemeClr val="accent1"/>
+            </a:effectRef>
+            <a:fontRef idx="minor">
+              <a:schemeClr val="lt1"/>
+            </a:fontRef>
+          </p:style>
+          <p:txBody>
+            <a:bodyPr rtlCol="0" anchor="ctr"/>
+            <a:lstStyle/>
+            <a:p>
+              <a:pPr algn="ctr"/>
+              <a:endParaRPr lang="it-IT"/>
+            </a:p>
+          </p:txBody>
+        </p:sp>
+      </p:grpSp>
     </p:spTree>
     <p:extLst>
       <p:ext uri="{BB962C8B-B14F-4D97-AF65-F5344CB8AC3E}">
-        <p14:creationId xmlns:p14="http://schemas.microsoft.com/office/powerpoint/2010/main" val="2534858553"/>
+        <p14:creationId xmlns:p14="http://schemas.microsoft.com/office/powerpoint/2010/main" val="2923409438"/>
       </p:ext>
     </p:extLst>
   </p:cSld>

--- a/OneMillionSC/res/ico.pptx
+++ b/OneMillionSC/res/ico.pptx
@@ -6,7 +6,8 @@
   </p:sldMasterIdLst>
   <p:sldIdLst>
     <p:sldId id="256" r:id="rId2"/>
-    <p:sldId id="257" r:id="rId3"/>
+    <p:sldId id="258" r:id="rId3"/>
+    <p:sldId id="260" r:id="rId4"/>
   </p:sldIdLst>
   <p:sldSz cx="9144000" cy="6858000" type="screen4x3"/>
   <p:notesSz cx="6858000" cy="9144000"/>
@@ -289,7 +290,7 @@
           <a:p>
             <a:fld id="{0F776C07-0D07-4FA2-883D-DDFC980509BE}" type="datetimeFigureOut">
               <a:rPr lang="it-IT" smtClean="0"/>
-              <a:t>10/09/2015</a:t>
+              <a:t>25/09/2015</a:t>
             </a:fld>
             <a:endParaRPr lang="it-IT"/>
           </a:p>
@@ -459,7 +460,7 @@
           <a:p>
             <a:fld id="{0F776C07-0D07-4FA2-883D-DDFC980509BE}" type="datetimeFigureOut">
               <a:rPr lang="it-IT" smtClean="0"/>
-              <a:t>10/09/2015</a:t>
+              <a:t>25/09/2015</a:t>
             </a:fld>
             <a:endParaRPr lang="it-IT"/>
           </a:p>
@@ -639,7 +640,7 @@
           <a:p>
             <a:fld id="{0F776C07-0D07-4FA2-883D-DDFC980509BE}" type="datetimeFigureOut">
               <a:rPr lang="it-IT" smtClean="0"/>
-              <a:t>10/09/2015</a:t>
+              <a:t>25/09/2015</a:t>
             </a:fld>
             <a:endParaRPr lang="it-IT"/>
           </a:p>
@@ -809,7 +810,7 @@
           <a:p>
             <a:fld id="{0F776C07-0D07-4FA2-883D-DDFC980509BE}" type="datetimeFigureOut">
               <a:rPr lang="it-IT" smtClean="0"/>
-              <a:t>10/09/2015</a:t>
+              <a:t>25/09/2015</a:t>
             </a:fld>
             <a:endParaRPr lang="it-IT"/>
           </a:p>
@@ -1055,7 +1056,7 @@
           <a:p>
             <a:fld id="{0F776C07-0D07-4FA2-883D-DDFC980509BE}" type="datetimeFigureOut">
               <a:rPr lang="it-IT" smtClean="0"/>
-              <a:t>10/09/2015</a:t>
+              <a:t>25/09/2015</a:t>
             </a:fld>
             <a:endParaRPr lang="it-IT"/>
           </a:p>
@@ -1343,7 +1344,7 @@
           <a:p>
             <a:fld id="{0F776C07-0D07-4FA2-883D-DDFC980509BE}" type="datetimeFigureOut">
               <a:rPr lang="it-IT" smtClean="0"/>
-              <a:t>10/09/2015</a:t>
+              <a:t>25/09/2015</a:t>
             </a:fld>
             <a:endParaRPr lang="it-IT"/>
           </a:p>
@@ -1765,7 +1766,7 @@
           <a:p>
             <a:fld id="{0F776C07-0D07-4FA2-883D-DDFC980509BE}" type="datetimeFigureOut">
               <a:rPr lang="it-IT" smtClean="0"/>
-              <a:t>10/09/2015</a:t>
+              <a:t>25/09/2015</a:t>
             </a:fld>
             <a:endParaRPr lang="it-IT"/>
           </a:p>
@@ -1883,7 +1884,7 @@
           <a:p>
             <a:fld id="{0F776C07-0D07-4FA2-883D-DDFC980509BE}" type="datetimeFigureOut">
               <a:rPr lang="it-IT" smtClean="0"/>
-              <a:t>10/09/2015</a:t>
+              <a:t>25/09/2015</a:t>
             </a:fld>
             <a:endParaRPr lang="it-IT"/>
           </a:p>
@@ -1978,7 +1979,7 @@
           <a:p>
             <a:fld id="{0F776C07-0D07-4FA2-883D-DDFC980509BE}" type="datetimeFigureOut">
               <a:rPr lang="it-IT" smtClean="0"/>
-              <a:t>10/09/2015</a:t>
+              <a:t>25/09/2015</a:t>
             </a:fld>
             <a:endParaRPr lang="it-IT"/>
           </a:p>
@@ -2255,7 +2256,7 @@
           <a:p>
             <a:fld id="{0F776C07-0D07-4FA2-883D-DDFC980509BE}" type="datetimeFigureOut">
               <a:rPr lang="it-IT" smtClean="0"/>
-              <a:t>10/09/2015</a:t>
+              <a:t>25/09/2015</a:t>
             </a:fld>
             <a:endParaRPr lang="it-IT"/>
           </a:p>
@@ -2508,7 +2509,7 @@
           <a:p>
             <a:fld id="{0F776C07-0D07-4FA2-883D-DDFC980509BE}" type="datetimeFigureOut">
               <a:rPr lang="it-IT" smtClean="0"/>
-              <a:t>10/09/2015</a:t>
+              <a:t>25/09/2015</a:t>
             </a:fld>
             <a:endParaRPr lang="it-IT"/>
           </a:p>
@@ -2721,7 +2722,7 @@
           <a:p>
             <a:fld id="{0F776C07-0D07-4FA2-883D-DDFC980509BE}" type="datetimeFigureOut">
               <a:rPr lang="it-IT" smtClean="0"/>
-              <a:t>10/09/2015</a:t>
+              <a:t>25/09/2015</a:t>
             </a:fld>
             <a:endParaRPr lang="it-IT"/>
           </a:p>
@@ -3187,7 +3188,7 @@
         </p:nvGrpSpPr>
         <p:grpSpPr>
           <a:xfrm>
-            <a:off x="1763688" y="950996"/>
+            <a:off x="351292" y="349480"/>
             <a:ext cx="1080000" cy="2160000"/>
             <a:chOff x="2195736" y="4005064"/>
             <a:chExt cx="663319" cy="1249791"/>
@@ -3273,6 +3274,13 @@
             <a:ln>
               <a:noFill/>
             </a:ln>
+            <a:effectLst>
+              <a:outerShdw blurRad="76200" dir="18900000" sy="23000" kx="-1200000" algn="bl" rotWithShape="0">
+                <a:prstClr val="black">
+                  <a:alpha val="20000"/>
+                </a:prstClr>
+              </a:outerShdw>
+            </a:effectLst>
           </p:spPr>
           <p:style>
             <a:lnRef idx="2">
@@ -3592,7 +3600,7 @@
         </p:blipFill>
         <p:spPr bwMode="auto">
           <a:xfrm>
-            <a:off x="4572000" y="1442304"/>
+            <a:off x="1763688" y="378904"/>
             <a:ext cx="2230952" cy="2230952"/>
           </a:xfrm>
           <a:prstGeom prst="rect">
@@ -3610,6 +3618,1933 @@
           </a:extLst>
         </p:spPr>
       </p:pic>
+      <p:grpSp>
+        <p:nvGrpSpPr>
+          <p:cNvPr id="11" name="Gruppo 10"/>
+          <p:cNvGrpSpPr/>
+          <p:nvPr/>
+        </p:nvGrpSpPr>
+        <p:grpSpPr>
+          <a:xfrm>
+            <a:off x="3779912" y="431319"/>
+            <a:ext cx="1993990" cy="2160000"/>
+            <a:chOff x="586673" y="639539"/>
+            <a:chExt cx="1993990" cy="2160000"/>
+          </a:xfrm>
+        </p:grpSpPr>
+        <p:sp>
+          <p:nvSpPr>
+            <p:cNvPr id="12" name="Cuore 44"/>
+            <p:cNvSpPr/>
+            <p:nvPr/>
+          </p:nvSpPr>
+          <p:spPr>
+            <a:xfrm>
+              <a:off x="683568" y="639539"/>
+              <a:ext cx="1800200" cy="2160000"/>
+            </a:xfrm>
+            <a:custGeom>
+              <a:avLst/>
+              <a:gdLst>
+                <a:gd name="connsiteX0" fmla="*/ 828092 w 1656184"/>
+                <a:gd name="connsiteY0" fmla="*/ 432048 h 1728192"/>
+                <a:gd name="connsiteX1" fmla="*/ 828092 w 1656184"/>
+                <a:gd name="connsiteY1" fmla="*/ 1728192 h 1728192"/>
+                <a:gd name="connsiteX2" fmla="*/ 828092 w 1656184"/>
+                <a:gd name="connsiteY2" fmla="*/ 432048 h 1728192"/>
+                <a:gd name="connsiteX0" fmla="*/ 827477 w 1668278"/>
+                <a:gd name="connsiteY0" fmla="*/ 533452 h 1329082"/>
+                <a:gd name="connsiteX1" fmla="*/ 837102 w 1668278"/>
+                <a:gd name="connsiteY1" fmla="*/ 1329082 h 1329082"/>
+                <a:gd name="connsiteX2" fmla="*/ 827477 w 1668278"/>
+                <a:gd name="connsiteY2" fmla="*/ 533452 h 1329082"/>
+                <a:gd name="connsiteX0" fmla="*/ 834130 w 1668259"/>
+                <a:gd name="connsiteY0" fmla="*/ 420315 h 1668332"/>
+                <a:gd name="connsiteX1" fmla="*/ 834130 w 1668259"/>
+                <a:gd name="connsiteY1" fmla="*/ 1668332 h 1668332"/>
+                <a:gd name="connsiteX2" fmla="*/ 834130 w 1668259"/>
+                <a:gd name="connsiteY2" fmla="*/ 420315 h 1668332"/>
+                <a:gd name="connsiteX0" fmla="*/ 834130 w 1589513"/>
+                <a:gd name="connsiteY0" fmla="*/ 420315 h 1668332"/>
+                <a:gd name="connsiteX1" fmla="*/ 834130 w 1589513"/>
+                <a:gd name="connsiteY1" fmla="*/ 1668332 h 1668332"/>
+                <a:gd name="connsiteX2" fmla="*/ 834130 w 1589513"/>
+                <a:gd name="connsiteY2" fmla="*/ 420315 h 1668332"/>
+                <a:gd name="connsiteX0" fmla="*/ 748958 w 1504341"/>
+                <a:gd name="connsiteY0" fmla="*/ 1774 h 1249791"/>
+                <a:gd name="connsiteX1" fmla="*/ 748958 w 1504341"/>
+                <a:gd name="connsiteY1" fmla="*/ 1249791 h 1249791"/>
+                <a:gd name="connsiteX2" fmla="*/ 748958 w 1504341"/>
+                <a:gd name="connsiteY2" fmla="*/ 1774 h 1249791"/>
+              </a:gdLst>
+              <a:ahLst/>
+              <a:cxnLst>
+                <a:cxn ang="0">
+                  <a:pos x="connsiteX0" y="connsiteY0"/>
+                </a:cxn>
+                <a:cxn ang="0">
+                  <a:pos x="connsiteX1" y="connsiteY1"/>
+                </a:cxn>
+                <a:cxn ang="0">
+                  <a:pos x="connsiteX2" y="connsiteY2"/>
+                </a:cxn>
+              </a:cxnLst>
+              <a:rect l="l" t="t" r="r" b="b"/>
+              <a:pathLst>
+                <a:path w="1504341" h="1249791">
+                  <a:moveTo>
+                    <a:pt x="748958" y="1774"/>
+                  </a:moveTo>
+                  <a:cubicBezTo>
+                    <a:pt x="766737" y="4315"/>
+                    <a:pt x="2439646" y="-46353"/>
+                    <a:pt x="748958" y="1249791"/>
+                  </a:cubicBezTo>
+                  <a:cubicBezTo>
+                    <a:pt x="-941730" y="-46353"/>
+                    <a:pt x="760054" y="-5311"/>
+                    <a:pt x="748958" y="1774"/>
+                  </a:cubicBezTo>
+                  <a:close/>
+                </a:path>
+              </a:pathLst>
+            </a:custGeom>
+            <a:ln>
+              <a:noFill/>
+            </a:ln>
+            <a:effectLst>
+              <a:outerShdw blurRad="76200" dir="18900000" sy="23000" kx="-1200000" algn="bl" rotWithShape="0">
+                <a:prstClr val="black">
+                  <a:alpha val="20000"/>
+                </a:prstClr>
+              </a:outerShdw>
+            </a:effectLst>
+          </p:spPr>
+          <p:style>
+            <a:lnRef idx="2">
+              <a:schemeClr val="accent1">
+                <a:shade val="50000"/>
+              </a:schemeClr>
+            </a:lnRef>
+            <a:fillRef idx="1">
+              <a:schemeClr val="accent1"/>
+            </a:fillRef>
+            <a:effectRef idx="0">
+              <a:schemeClr val="accent1"/>
+            </a:effectRef>
+            <a:fontRef idx="minor">
+              <a:schemeClr val="lt1"/>
+            </a:fontRef>
+          </p:style>
+          <p:txBody>
+            <a:bodyPr rtlCol="0" anchor="ctr"/>
+            <a:lstStyle/>
+            <a:p>
+              <a:pPr algn="ctr"/>
+              <a:endParaRPr lang="it-IT"/>
+            </a:p>
+          </p:txBody>
+        </p:sp>
+        <p:pic>
+          <p:nvPicPr>
+            <p:cNvPr id="13" name="Immagine 12"/>
+            <p:cNvPicPr>
+              <a:picLocks noChangeAspect="1"/>
+            </p:cNvPicPr>
+            <p:nvPr/>
+          </p:nvPicPr>
+          <p:blipFill>
+            <a:blip r:embed="rId3" cstate="print">
+              <a:lum bright="70000" contrast="-70000"/>
+              <a:extLst>
+                <a:ext uri="{28A0092B-C50C-407E-A947-70E740481C1C}">
+                  <a14:useLocalDpi xmlns:a14="http://schemas.microsoft.com/office/drawing/2010/main" val="0"/>
+                </a:ext>
+              </a:extLst>
+            </a:blip>
+            <a:stretch>
+              <a:fillRect/>
+            </a:stretch>
+          </p:blipFill>
+          <p:spPr>
+            <a:xfrm>
+              <a:off x="586673" y="786354"/>
+              <a:ext cx="1993990" cy="970649"/>
+            </a:xfrm>
+            <a:prstGeom prst="rect">
+              <a:avLst/>
+            </a:prstGeom>
+          </p:spPr>
+        </p:pic>
+      </p:grpSp>
+      <p:grpSp>
+        <p:nvGrpSpPr>
+          <p:cNvPr id="14" name="Gruppo 13"/>
+          <p:cNvGrpSpPr/>
+          <p:nvPr/>
+        </p:nvGrpSpPr>
+        <p:grpSpPr>
+          <a:xfrm>
+            <a:off x="6660232" y="313662"/>
+            <a:ext cx="2160363" cy="3768462"/>
+            <a:chOff x="4787901" y="1460738"/>
+            <a:chExt cx="2160363" cy="3768462"/>
+          </a:xfrm>
+        </p:grpSpPr>
+        <p:sp>
+          <p:nvSpPr>
+            <p:cNvPr id="15" name="Ovale 14"/>
+            <p:cNvSpPr/>
+            <p:nvPr/>
+          </p:nvSpPr>
+          <p:spPr>
+            <a:xfrm>
+              <a:off x="4788024" y="3068960"/>
+              <a:ext cx="2160240" cy="2160240"/>
+            </a:xfrm>
+            <a:prstGeom prst="ellipse">
+              <a:avLst/>
+            </a:prstGeom>
+            <a:solidFill>
+              <a:schemeClr val="accent1">
+                <a:lumMod val="20000"/>
+                <a:lumOff val="80000"/>
+              </a:schemeClr>
+            </a:solidFill>
+            <a:ln w="57150"/>
+          </p:spPr>
+          <p:style>
+            <a:lnRef idx="2">
+              <a:schemeClr val="accent1">
+                <a:shade val="50000"/>
+              </a:schemeClr>
+            </a:lnRef>
+            <a:fillRef idx="1">
+              <a:schemeClr val="accent1"/>
+            </a:fillRef>
+            <a:effectRef idx="0">
+              <a:schemeClr val="accent1"/>
+            </a:effectRef>
+            <a:fontRef idx="minor">
+              <a:schemeClr val="lt1"/>
+            </a:fontRef>
+          </p:style>
+          <p:txBody>
+            <a:bodyPr rtlCol="0" anchor="ctr"/>
+            <a:lstStyle/>
+            <a:p>
+              <a:pPr algn="ctr"/>
+              <a:endParaRPr lang="it-IT"/>
+            </a:p>
+          </p:txBody>
+        </p:sp>
+        <p:sp>
+          <p:nvSpPr>
+            <p:cNvPr id="16" name="Figura a mano libera 15"/>
+            <p:cNvSpPr/>
+            <p:nvPr/>
+          </p:nvSpPr>
+          <p:spPr>
+            <a:xfrm>
+              <a:off x="5097934" y="3078162"/>
+              <a:ext cx="1722205" cy="1127023"/>
+            </a:xfrm>
+            <a:custGeom>
+              <a:avLst/>
+              <a:gdLst>
+                <a:gd name="connsiteX0" fmla="*/ 74772 w 1713072"/>
+                <a:gd name="connsiteY0" fmla="*/ 0 h 864778"/>
+                <a:gd name="connsiteX1" fmla="*/ 11272 w 1713072"/>
+                <a:gd name="connsiteY1" fmla="*/ 393700 h 864778"/>
+                <a:gd name="connsiteX2" fmla="*/ 277972 w 1713072"/>
+                <a:gd name="connsiteY2" fmla="*/ 508000 h 864778"/>
+                <a:gd name="connsiteX3" fmla="*/ 481172 w 1713072"/>
+                <a:gd name="connsiteY3" fmla="*/ 558800 h 864778"/>
+                <a:gd name="connsiteX4" fmla="*/ 620872 w 1713072"/>
+                <a:gd name="connsiteY4" fmla="*/ 800100 h 864778"/>
+                <a:gd name="connsiteX5" fmla="*/ 862172 w 1713072"/>
+                <a:gd name="connsiteY5" fmla="*/ 863600 h 864778"/>
+                <a:gd name="connsiteX6" fmla="*/ 1065372 w 1713072"/>
+                <a:gd name="connsiteY6" fmla="*/ 762000 h 864778"/>
+                <a:gd name="connsiteX7" fmla="*/ 1116172 w 1713072"/>
+                <a:gd name="connsiteY7" fmla="*/ 558800 h 864778"/>
+                <a:gd name="connsiteX8" fmla="*/ 1052672 w 1713072"/>
+                <a:gd name="connsiteY8" fmla="*/ 355600 h 864778"/>
+                <a:gd name="connsiteX9" fmla="*/ 1217772 w 1713072"/>
+                <a:gd name="connsiteY9" fmla="*/ 203200 h 864778"/>
+                <a:gd name="connsiteX10" fmla="*/ 1420972 w 1713072"/>
+                <a:gd name="connsiteY10" fmla="*/ 190500 h 864778"/>
+                <a:gd name="connsiteX11" fmla="*/ 1713072 w 1713072"/>
+                <a:gd name="connsiteY11" fmla="*/ 304800 h 864778"/>
+                <a:gd name="connsiteX0" fmla="*/ 83666 w 1721966"/>
+                <a:gd name="connsiteY0" fmla="*/ 0 h 864778"/>
+                <a:gd name="connsiteX1" fmla="*/ 20166 w 1721966"/>
+                <a:gd name="connsiteY1" fmla="*/ 393700 h 864778"/>
+                <a:gd name="connsiteX2" fmla="*/ 413866 w 1721966"/>
+                <a:gd name="connsiteY2" fmla="*/ 368300 h 864778"/>
+                <a:gd name="connsiteX3" fmla="*/ 490066 w 1721966"/>
+                <a:gd name="connsiteY3" fmla="*/ 558800 h 864778"/>
+                <a:gd name="connsiteX4" fmla="*/ 629766 w 1721966"/>
+                <a:gd name="connsiteY4" fmla="*/ 800100 h 864778"/>
+                <a:gd name="connsiteX5" fmla="*/ 871066 w 1721966"/>
+                <a:gd name="connsiteY5" fmla="*/ 863600 h 864778"/>
+                <a:gd name="connsiteX6" fmla="*/ 1074266 w 1721966"/>
+                <a:gd name="connsiteY6" fmla="*/ 762000 h 864778"/>
+                <a:gd name="connsiteX7" fmla="*/ 1125066 w 1721966"/>
+                <a:gd name="connsiteY7" fmla="*/ 558800 h 864778"/>
+                <a:gd name="connsiteX8" fmla="*/ 1061566 w 1721966"/>
+                <a:gd name="connsiteY8" fmla="*/ 355600 h 864778"/>
+                <a:gd name="connsiteX9" fmla="*/ 1226666 w 1721966"/>
+                <a:gd name="connsiteY9" fmla="*/ 203200 h 864778"/>
+                <a:gd name="connsiteX10" fmla="*/ 1429866 w 1721966"/>
+                <a:gd name="connsiteY10" fmla="*/ 190500 h 864778"/>
+                <a:gd name="connsiteX11" fmla="*/ 1721966 w 1721966"/>
+                <a:gd name="connsiteY11" fmla="*/ 304800 h 864778"/>
+                <a:gd name="connsiteX0" fmla="*/ 83666 w 1721966"/>
+                <a:gd name="connsiteY0" fmla="*/ 0 h 865086"/>
+                <a:gd name="connsiteX1" fmla="*/ 20166 w 1721966"/>
+                <a:gd name="connsiteY1" fmla="*/ 393700 h 865086"/>
+                <a:gd name="connsiteX2" fmla="*/ 413866 w 1721966"/>
+                <a:gd name="connsiteY2" fmla="*/ 368300 h 865086"/>
+                <a:gd name="connsiteX3" fmla="*/ 629766 w 1721966"/>
+                <a:gd name="connsiteY3" fmla="*/ 520700 h 865086"/>
+                <a:gd name="connsiteX4" fmla="*/ 629766 w 1721966"/>
+                <a:gd name="connsiteY4" fmla="*/ 800100 h 865086"/>
+                <a:gd name="connsiteX5" fmla="*/ 871066 w 1721966"/>
+                <a:gd name="connsiteY5" fmla="*/ 863600 h 865086"/>
+                <a:gd name="connsiteX6" fmla="*/ 1074266 w 1721966"/>
+                <a:gd name="connsiteY6" fmla="*/ 762000 h 865086"/>
+                <a:gd name="connsiteX7" fmla="*/ 1125066 w 1721966"/>
+                <a:gd name="connsiteY7" fmla="*/ 558800 h 865086"/>
+                <a:gd name="connsiteX8" fmla="*/ 1061566 w 1721966"/>
+                <a:gd name="connsiteY8" fmla="*/ 355600 h 865086"/>
+                <a:gd name="connsiteX9" fmla="*/ 1226666 w 1721966"/>
+                <a:gd name="connsiteY9" fmla="*/ 203200 h 865086"/>
+                <a:gd name="connsiteX10" fmla="*/ 1429866 w 1721966"/>
+                <a:gd name="connsiteY10" fmla="*/ 190500 h 865086"/>
+                <a:gd name="connsiteX11" fmla="*/ 1721966 w 1721966"/>
+                <a:gd name="connsiteY11" fmla="*/ 304800 h 865086"/>
+                <a:gd name="connsiteX0" fmla="*/ 83666 w 1721966"/>
+                <a:gd name="connsiteY0" fmla="*/ 0 h 865086"/>
+                <a:gd name="connsiteX1" fmla="*/ 20166 w 1721966"/>
+                <a:gd name="connsiteY1" fmla="*/ 393700 h 865086"/>
+                <a:gd name="connsiteX2" fmla="*/ 413866 w 1721966"/>
+                <a:gd name="connsiteY2" fmla="*/ 368300 h 865086"/>
+                <a:gd name="connsiteX3" fmla="*/ 629766 w 1721966"/>
+                <a:gd name="connsiteY3" fmla="*/ 520700 h 865086"/>
+                <a:gd name="connsiteX4" fmla="*/ 629766 w 1721966"/>
+                <a:gd name="connsiteY4" fmla="*/ 800100 h 865086"/>
+                <a:gd name="connsiteX5" fmla="*/ 871066 w 1721966"/>
+                <a:gd name="connsiteY5" fmla="*/ 863600 h 865086"/>
+                <a:gd name="connsiteX6" fmla="*/ 1074266 w 1721966"/>
+                <a:gd name="connsiteY6" fmla="*/ 762000 h 865086"/>
+                <a:gd name="connsiteX7" fmla="*/ 1125066 w 1721966"/>
+                <a:gd name="connsiteY7" fmla="*/ 558800 h 865086"/>
+                <a:gd name="connsiteX8" fmla="*/ 1061566 w 1721966"/>
+                <a:gd name="connsiteY8" fmla="*/ 355600 h 865086"/>
+                <a:gd name="connsiteX9" fmla="*/ 1226666 w 1721966"/>
+                <a:gd name="connsiteY9" fmla="*/ 203200 h 865086"/>
+                <a:gd name="connsiteX10" fmla="*/ 1429866 w 1721966"/>
+                <a:gd name="connsiteY10" fmla="*/ 190500 h 865086"/>
+                <a:gd name="connsiteX11" fmla="*/ 1721966 w 1721966"/>
+                <a:gd name="connsiteY11" fmla="*/ 304800 h 865086"/>
+                <a:gd name="connsiteX12" fmla="*/ 83666 w 1721966"/>
+                <a:gd name="connsiteY12" fmla="*/ 0 h 865086"/>
+                <a:gd name="connsiteX0" fmla="*/ 83666 w 1765813"/>
+                <a:gd name="connsiteY0" fmla="*/ 228600 h 1093686"/>
+                <a:gd name="connsiteX1" fmla="*/ 20166 w 1765813"/>
+                <a:gd name="connsiteY1" fmla="*/ 622300 h 1093686"/>
+                <a:gd name="connsiteX2" fmla="*/ 413866 w 1765813"/>
+                <a:gd name="connsiteY2" fmla="*/ 596900 h 1093686"/>
+                <a:gd name="connsiteX3" fmla="*/ 629766 w 1765813"/>
+                <a:gd name="connsiteY3" fmla="*/ 749300 h 1093686"/>
+                <a:gd name="connsiteX4" fmla="*/ 629766 w 1765813"/>
+                <a:gd name="connsiteY4" fmla="*/ 1028700 h 1093686"/>
+                <a:gd name="connsiteX5" fmla="*/ 871066 w 1765813"/>
+                <a:gd name="connsiteY5" fmla="*/ 1092200 h 1093686"/>
+                <a:gd name="connsiteX6" fmla="*/ 1074266 w 1765813"/>
+                <a:gd name="connsiteY6" fmla="*/ 990600 h 1093686"/>
+                <a:gd name="connsiteX7" fmla="*/ 1125066 w 1765813"/>
+                <a:gd name="connsiteY7" fmla="*/ 787400 h 1093686"/>
+                <a:gd name="connsiteX8" fmla="*/ 1061566 w 1765813"/>
+                <a:gd name="connsiteY8" fmla="*/ 584200 h 1093686"/>
+                <a:gd name="connsiteX9" fmla="*/ 1226666 w 1765813"/>
+                <a:gd name="connsiteY9" fmla="*/ 431800 h 1093686"/>
+                <a:gd name="connsiteX10" fmla="*/ 1429866 w 1765813"/>
+                <a:gd name="connsiteY10" fmla="*/ 419100 h 1093686"/>
+                <a:gd name="connsiteX11" fmla="*/ 1721966 w 1765813"/>
+                <a:gd name="connsiteY11" fmla="*/ 533400 h 1093686"/>
+                <a:gd name="connsiteX12" fmla="*/ 439266 w 1765813"/>
+                <a:gd name="connsiteY12" fmla="*/ 0 h 1093686"/>
+                <a:gd name="connsiteX13" fmla="*/ 83666 w 1765813"/>
+                <a:gd name="connsiteY13" fmla="*/ 228600 h 1093686"/>
+                <a:gd name="connsiteX0" fmla="*/ 83666 w 1734183"/>
+                <a:gd name="connsiteY0" fmla="*/ 269068 h 1134154"/>
+                <a:gd name="connsiteX1" fmla="*/ 20166 w 1734183"/>
+                <a:gd name="connsiteY1" fmla="*/ 662768 h 1134154"/>
+                <a:gd name="connsiteX2" fmla="*/ 413866 w 1734183"/>
+                <a:gd name="connsiteY2" fmla="*/ 637368 h 1134154"/>
+                <a:gd name="connsiteX3" fmla="*/ 629766 w 1734183"/>
+                <a:gd name="connsiteY3" fmla="*/ 789768 h 1134154"/>
+                <a:gd name="connsiteX4" fmla="*/ 629766 w 1734183"/>
+                <a:gd name="connsiteY4" fmla="*/ 1069168 h 1134154"/>
+                <a:gd name="connsiteX5" fmla="*/ 871066 w 1734183"/>
+                <a:gd name="connsiteY5" fmla="*/ 1132668 h 1134154"/>
+                <a:gd name="connsiteX6" fmla="*/ 1074266 w 1734183"/>
+                <a:gd name="connsiteY6" fmla="*/ 1031068 h 1134154"/>
+                <a:gd name="connsiteX7" fmla="*/ 1125066 w 1734183"/>
+                <a:gd name="connsiteY7" fmla="*/ 827868 h 1134154"/>
+                <a:gd name="connsiteX8" fmla="*/ 1061566 w 1734183"/>
+                <a:gd name="connsiteY8" fmla="*/ 624668 h 1134154"/>
+                <a:gd name="connsiteX9" fmla="*/ 1226666 w 1734183"/>
+                <a:gd name="connsiteY9" fmla="*/ 472268 h 1134154"/>
+                <a:gd name="connsiteX10" fmla="*/ 1429866 w 1734183"/>
+                <a:gd name="connsiteY10" fmla="*/ 459568 h 1134154"/>
+                <a:gd name="connsiteX11" fmla="*/ 1721966 w 1734183"/>
+                <a:gd name="connsiteY11" fmla="*/ 573868 h 1134154"/>
+                <a:gd name="connsiteX12" fmla="*/ 1048866 w 1734183"/>
+                <a:gd name="connsiteY12" fmla="*/ 40468 h 1134154"/>
+                <a:gd name="connsiteX13" fmla="*/ 439266 w 1734183"/>
+                <a:gd name="connsiteY13" fmla="*/ 40468 h 1134154"/>
+                <a:gd name="connsiteX14" fmla="*/ 83666 w 1734183"/>
+                <a:gd name="connsiteY14" fmla="*/ 269068 h 1134154"/>
+                <a:gd name="connsiteX0" fmla="*/ 83666 w 1722205"/>
+                <a:gd name="connsiteY0" fmla="*/ 246514 h 1111600"/>
+                <a:gd name="connsiteX1" fmla="*/ 20166 w 1722205"/>
+                <a:gd name="connsiteY1" fmla="*/ 640214 h 1111600"/>
+                <a:gd name="connsiteX2" fmla="*/ 413866 w 1722205"/>
+                <a:gd name="connsiteY2" fmla="*/ 614814 h 1111600"/>
+                <a:gd name="connsiteX3" fmla="*/ 629766 w 1722205"/>
+                <a:gd name="connsiteY3" fmla="*/ 767214 h 1111600"/>
+                <a:gd name="connsiteX4" fmla="*/ 629766 w 1722205"/>
+                <a:gd name="connsiteY4" fmla="*/ 1046614 h 1111600"/>
+                <a:gd name="connsiteX5" fmla="*/ 871066 w 1722205"/>
+                <a:gd name="connsiteY5" fmla="*/ 1110114 h 1111600"/>
+                <a:gd name="connsiteX6" fmla="*/ 1074266 w 1722205"/>
+                <a:gd name="connsiteY6" fmla="*/ 1008514 h 1111600"/>
+                <a:gd name="connsiteX7" fmla="*/ 1125066 w 1722205"/>
+                <a:gd name="connsiteY7" fmla="*/ 805314 h 1111600"/>
+                <a:gd name="connsiteX8" fmla="*/ 1061566 w 1722205"/>
+                <a:gd name="connsiteY8" fmla="*/ 602114 h 1111600"/>
+                <a:gd name="connsiteX9" fmla="*/ 1226666 w 1722205"/>
+                <a:gd name="connsiteY9" fmla="*/ 449714 h 1111600"/>
+                <a:gd name="connsiteX10" fmla="*/ 1429866 w 1722205"/>
+                <a:gd name="connsiteY10" fmla="*/ 437014 h 1111600"/>
+                <a:gd name="connsiteX11" fmla="*/ 1721966 w 1722205"/>
+                <a:gd name="connsiteY11" fmla="*/ 551314 h 1111600"/>
+                <a:gd name="connsiteX12" fmla="*/ 1480666 w 1722205"/>
+                <a:gd name="connsiteY12" fmla="*/ 246514 h 1111600"/>
+                <a:gd name="connsiteX13" fmla="*/ 1048866 w 1722205"/>
+                <a:gd name="connsiteY13" fmla="*/ 17914 h 1111600"/>
+                <a:gd name="connsiteX14" fmla="*/ 439266 w 1722205"/>
+                <a:gd name="connsiteY14" fmla="*/ 17914 h 1111600"/>
+                <a:gd name="connsiteX15" fmla="*/ 83666 w 1722205"/>
+                <a:gd name="connsiteY15" fmla="*/ 246514 h 1111600"/>
+                <a:gd name="connsiteX0" fmla="*/ 83666 w 1722205"/>
+                <a:gd name="connsiteY0" fmla="*/ 258783 h 1123869"/>
+                <a:gd name="connsiteX1" fmla="*/ 20166 w 1722205"/>
+                <a:gd name="connsiteY1" fmla="*/ 652483 h 1123869"/>
+                <a:gd name="connsiteX2" fmla="*/ 413866 w 1722205"/>
+                <a:gd name="connsiteY2" fmla="*/ 627083 h 1123869"/>
+                <a:gd name="connsiteX3" fmla="*/ 629766 w 1722205"/>
+                <a:gd name="connsiteY3" fmla="*/ 779483 h 1123869"/>
+                <a:gd name="connsiteX4" fmla="*/ 629766 w 1722205"/>
+                <a:gd name="connsiteY4" fmla="*/ 1058883 h 1123869"/>
+                <a:gd name="connsiteX5" fmla="*/ 871066 w 1722205"/>
+                <a:gd name="connsiteY5" fmla="*/ 1122383 h 1123869"/>
+                <a:gd name="connsiteX6" fmla="*/ 1074266 w 1722205"/>
+                <a:gd name="connsiteY6" fmla="*/ 1020783 h 1123869"/>
+                <a:gd name="connsiteX7" fmla="*/ 1125066 w 1722205"/>
+                <a:gd name="connsiteY7" fmla="*/ 817583 h 1123869"/>
+                <a:gd name="connsiteX8" fmla="*/ 1061566 w 1722205"/>
+                <a:gd name="connsiteY8" fmla="*/ 614383 h 1123869"/>
+                <a:gd name="connsiteX9" fmla="*/ 1226666 w 1722205"/>
+                <a:gd name="connsiteY9" fmla="*/ 461983 h 1123869"/>
+                <a:gd name="connsiteX10" fmla="*/ 1429866 w 1722205"/>
+                <a:gd name="connsiteY10" fmla="*/ 449283 h 1123869"/>
+                <a:gd name="connsiteX11" fmla="*/ 1721966 w 1722205"/>
+                <a:gd name="connsiteY11" fmla="*/ 563583 h 1123869"/>
+                <a:gd name="connsiteX12" fmla="*/ 1480666 w 1722205"/>
+                <a:gd name="connsiteY12" fmla="*/ 258783 h 1123869"/>
+                <a:gd name="connsiteX13" fmla="*/ 1048866 w 1722205"/>
+                <a:gd name="connsiteY13" fmla="*/ 30183 h 1123869"/>
+                <a:gd name="connsiteX14" fmla="*/ 439266 w 1722205"/>
+                <a:gd name="connsiteY14" fmla="*/ 30183 h 1123869"/>
+                <a:gd name="connsiteX15" fmla="*/ 83666 w 1722205"/>
+                <a:gd name="connsiteY15" fmla="*/ 258783 h 1123869"/>
+                <a:gd name="connsiteX0" fmla="*/ 83666 w 1722205"/>
+                <a:gd name="connsiteY0" fmla="*/ 258783 h 1123869"/>
+                <a:gd name="connsiteX1" fmla="*/ 20166 w 1722205"/>
+                <a:gd name="connsiteY1" fmla="*/ 652483 h 1123869"/>
+                <a:gd name="connsiteX2" fmla="*/ 413866 w 1722205"/>
+                <a:gd name="connsiteY2" fmla="*/ 627083 h 1123869"/>
+                <a:gd name="connsiteX3" fmla="*/ 629766 w 1722205"/>
+                <a:gd name="connsiteY3" fmla="*/ 779483 h 1123869"/>
+                <a:gd name="connsiteX4" fmla="*/ 629766 w 1722205"/>
+                <a:gd name="connsiteY4" fmla="*/ 1058883 h 1123869"/>
+                <a:gd name="connsiteX5" fmla="*/ 871066 w 1722205"/>
+                <a:gd name="connsiteY5" fmla="*/ 1122383 h 1123869"/>
+                <a:gd name="connsiteX6" fmla="*/ 1074266 w 1722205"/>
+                <a:gd name="connsiteY6" fmla="*/ 1020783 h 1123869"/>
+                <a:gd name="connsiteX7" fmla="*/ 1125066 w 1722205"/>
+                <a:gd name="connsiteY7" fmla="*/ 817583 h 1123869"/>
+                <a:gd name="connsiteX8" fmla="*/ 1061566 w 1722205"/>
+                <a:gd name="connsiteY8" fmla="*/ 614383 h 1123869"/>
+                <a:gd name="connsiteX9" fmla="*/ 1226666 w 1722205"/>
+                <a:gd name="connsiteY9" fmla="*/ 461983 h 1123869"/>
+                <a:gd name="connsiteX10" fmla="*/ 1429866 w 1722205"/>
+                <a:gd name="connsiteY10" fmla="*/ 449283 h 1123869"/>
+                <a:gd name="connsiteX11" fmla="*/ 1721966 w 1722205"/>
+                <a:gd name="connsiteY11" fmla="*/ 563583 h 1123869"/>
+                <a:gd name="connsiteX12" fmla="*/ 1480666 w 1722205"/>
+                <a:gd name="connsiteY12" fmla="*/ 258783 h 1123869"/>
+                <a:gd name="connsiteX13" fmla="*/ 1048866 w 1722205"/>
+                <a:gd name="connsiteY13" fmla="*/ 30183 h 1123869"/>
+                <a:gd name="connsiteX14" fmla="*/ 439266 w 1722205"/>
+                <a:gd name="connsiteY14" fmla="*/ 30183 h 1123869"/>
+                <a:gd name="connsiteX15" fmla="*/ 83666 w 1722205"/>
+                <a:gd name="connsiteY15" fmla="*/ 258783 h 1123869"/>
+                <a:gd name="connsiteX0" fmla="*/ 83666 w 1722205"/>
+                <a:gd name="connsiteY0" fmla="*/ 258783 h 1123869"/>
+                <a:gd name="connsiteX1" fmla="*/ 20166 w 1722205"/>
+                <a:gd name="connsiteY1" fmla="*/ 652483 h 1123869"/>
+                <a:gd name="connsiteX2" fmla="*/ 413866 w 1722205"/>
+                <a:gd name="connsiteY2" fmla="*/ 627083 h 1123869"/>
+                <a:gd name="connsiteX3" fmla="*/ 629766 w 1722205"/>
+                <a:gd name="connsiteY3" fmla="*/ 779483 h 1123869"/>
+                <a:gd name="connsiteX4" fmla="*/ 629766 w 1722205"/>
+                <a:gd name="connsiteY4" fmla="*/ 1058883 h 1123869"/>
+                <a:gd name="connsiteX5" fmla="*/ 871066 w 1722205"/>
+                <a:gd name="connsiteY5" fmla="*/ 1122383 h 1123869"/>
+                <a:gd name="connsiteX6" fmla="*/ 1074266 w 1722205"/>
+                <a:gd name="connsiteY6" fmla="*/ 1020783 h 1123869"/>
+                <a:gd name="connsiteX7" fmla="*/ 1125066 w 1722205"/>
+                <a:gd name="connsiteY7" fmla="*/ 817583 h 1123869"/>
+                <a:gd name="connsiteX8" fmla="*/ 1061566 w 1722205"/>
+                <a:gd name="connsiteY8" fmla="*/ 614383 h 1123869"/>
+                <a:gd name="connsiteX9" fmla="*/ 1226666 w 1722205"/>
+                <a:gd name="connsiteY9" fmla="*/ 461983 h 1123869"/>
+                <a:gd name="connsiteX10" fmla="*/ 1429866 w 1722205"/>
+                <a:gd name="connsiteY10" fmla="*/ 449283 h 1123869"/>
+                <a:gd name="connsiteX11" fmla="*/ 1721966 w 1722205"/>
+                <a:gd name="connsiteY11" fmla="*/ 563583 h 1123869"/>
+                <a:gd name="connsiteX12" fmla="*/ 1480666 w 1722205"/>
+                <a:gd name="connsiteY12" fmla="*/ 258783 h 1123869"/>
+                <a:gd name="connsiteX13" fmla="*/ 1048866 w 1722205"/>
+                <a:gd name="connsiteY13" fmla="*/ 30183 h 1123869"/>
+                <a:gd name="connsiteX14" fmla="*/ 439266 w 1722205"/>
+                <a:gd name="connsiteY14" fmla="*/ 30183 h 1123869"/>
+                <a:gd name="connsiteX15" fmla="*/ 83666 w 1722205"/>
+                <a:gd name="connsiteY15" fmla="*/ 258783 h 1123869"/>
+                <a:gd name="connsiteX0" fmla="*/ 83666 w 1722205"/>
+                <a:gd name="connsiteY0" fmla="*/ 262363 h 1127449"/>
+                <a:gd name="connsiteX1" fmla="*/ 20166 w 1722205"/>
+                <a:gd name="connsiteY1" fmla="*/ 656063 h 1127449"/>
+                <a:gd name="connsiteX2" fmla="*/ 413866 w 1722205"/>
+                <a:gd name="connsiteY2" fmla="*/ 630663 h 1127449"/>
+                <a:gd name="connsiteX3" fmla="*/ 629766 w 1722205"/>
+                <a:gd name="connsiteY3" fmla="*/ 783063 h 1127449"/>
+                <a:gd name="connsiteX4" fmla="*/ 629766 w 1722205"/>
+                <a:gd name="connsiteY4" fmla="*/ 1062463 h 1127449"/>
+                <a:gd name="connsiteX5" fmla="*/ 871066 w 1722205"/>
+                <a:gd name="connsiteY5" fmla="*/ 1125963 h 1127449"/>
+                <a:gd name="connsiteX6" fmla="*/ 1074266 w 1722205"/>
+                <a:gd name="connsiteY6" fmla="*/ 1024363 h 1127449"/>
+                <a:gd name="connsiteX7" fmla="*/ 1125066 w 1722205"/>
+                <a:gd name="connsiteY7" fmla="*/ 821163 h 1127449"/>
+                <a:gd name="connsiteX8" fmla="*/ 1061566 w 1722205"/>
+                <a:gd name="connsiteY8" fmla="*/ 617963 h 1127449"/>
+                <a:gd name="connsiteX9" fmla="*/ 1226666 w 1722205"/>
+                <a:gd name="connsiteY9" fmla="*/ 465563 h 1127449"/>
+                <a:gd name="connsiteX10" fmla="*/ 1429866 w 1722205"/>
+                <a:gd name="connsiteY10" fmla="*/ 452863 h 1127449"/>
+                <a:gd name="connsiteX11" fmla="*/ 1721966 w 1722205"/>
+                <a:gd name="connsiteY11" fmla="*/ 567163 h 1127449"/>
+                <a:gd name="connsiteX12" fmla="*/ 1480666 w 1722205"/>
+                <a:gd name="connsiteY12" fmla="*/ 262363 h 1127449"/>
+                <a:gd name="connsiteX13" fmla="*/ 1048866 w 1722205"/>
+                <a:gd name="connsiteY13" fmla="*/ 33763 h 1127449"/>
+                <a:gd name="connsiteX14" fmla="*/ 439266 w 1722205"/>
+                <a:gd name="connsiteY14" fmla="*/ 33763 h 1127449"/>
+                <a:gd name="connsiteX15" fmla="*/ 83666 w 1722205"/>
+                <a:gd name="connsiteY15" fmla="*/ 262363 h 1127449"/>
+                <a:gd name="connsiteX0" fmla="*/ 83666 w 1722205"/>
+                <a:gd name="connsiteY0" fmla="*/ 249395 h 1114481"/>
+                <a:gd name="connsiteX1" fmla="*/ 20166 w 1722205"/>
+                <a:gd name="connsiteY1" fmla="*/ 643095 h 1114481"/>
+                <a:gd name="connsiteX2" fmla="*/ 413866 w 1722205"/>
+                <a:gd name="connsiteY2" fmla="*/ 617695 h 1114481"/>
+                <a:gd name="connsiteX3" fmla="*/ 629766 w 1722205"/>
+                <a:gd name="connsiteY3" fmla="*/ 770095 h 1114481"/>
+                <a:gd name="connsiteX4" fmla="*/ 629766 w 1722205"/>
+                <a:gd name="connsiteY4" fmla="*/ 1049495 h 1114481"/>
+                <a:gd name="connsiteX5" fmla="*/ 871066 w 1722205"/>
+                <a:gd name="connsiteY5" fmla="*/ 1112995 h 1114481"/>
+                <a:gd name="connsiteX6" fmla="*/ 1074266 w 1722205"/>
+                <a:gd name="connsiteY6" fmla="*/ 1011395 h 1114481"/>
+                <a:gd name="connsiteX7" fmla="*/ 1125066 w 1722205"/>
+                <a:gd name="connsiteY7" fmla="*/ 808195 h 1114481"/>
+                <a:gd name="connsiteX8" fmla="*/ 1061566 w 1722205"/>
+                <a:gd name="connsiteY8" fmla="*/ 604995 h 1114481"/>
+                <a:gd name="connsiteX9" fmla="*/ 1226666 w 1722205"/>
+                <a:gd name="connsiteY9" fmla="*/ 452595 h 1114481"/>
+                <a:gd name="connsiteX10" fmla="*/ 1429866 w 1722205"/>
+                <a:gd name="connsiteY10" fmla="*/ 439895 h 1114481"/>
+                <a:gd name="connsiteX11" fmla="*/ 1721966 w 1722205"/>
+                <a:gd name="connsiteY11" fmla="*/ 554195 h 1114481"/>
+                <a:gd name="connsiteX12" fmla="*/ 1480666 w 1722205"/>
+                <a:gd name="connsiteY12" fmla="*/ 249395 h 1114481"/>
+                <a:gd name="connsiteX13" fmla="*/ 1048866 w 1722205"/>
+                <a:gd name="connsiteY13" fmla="*/ 20795 h 1114481"/>
+                <a:gd name="connsiteX14" fmla="*/ 420216 w 1722205"/>
+                <a:gd name="connsiteY14" fmla="*/ 58895 h 1114481"/>
+                <a:gd name="connsiteX15" fmla="*/ 83666 w 1722205"/>
+                <a:gd name="connsiteY15" fmla="*/ 249395 h 1114481"/>
+                <a:gd name="connsiteX0" fmla="*/ 83666 w 1722205"/>
+                <a:gd name="connsiteY0" fmla="*/ 249395 h 1114481"/>
+                <a:gd name="connsiteX1" fmla="*/ 20166 w 1722205"/>
+                <a:gd name="connsiteY1" fmla="*/ 643095 h 1114481"/>
+                <a:gd name="connsiteX2" fmla="*/ 413866 w 1722205"/>
+                <a:gd name="connsiteY2" fmla="*/ 617695 h 1114481"/>
+                <a:gd name="connsiteX3" fmla="*/ 629766 w 1722205"/>
+                <a:gd name="connsiteY3" fmla="*/ 770095 h 1114481"/>
+                <a:gd name="connsiteX4" fmla="*/ 629766 w 1722205"/>
+                <a:gd name="connsiteY4" fmla="*/ 1049495 h 1114481"/>
+                <a:gd name="connsiteX5" fmla="*/ 871066 w 1722205"/>
+                <a:gd name="connsiteY5" fmla="*/ 1112995 h 1114481"/>
+                <a:gd name="connsiteX6" fmla="*/ 1074266 w 1722205"/>
+                <a:gd name="connsiteY6" fmla="*/ 1011395 h 1114481"/>
+                <a:gd name="connsiteX7" fmla="*/ 1125066 w 1722205"/>
+                <a:gd name="connsiteY7" fmla="*/ 808195 h 1114481"/>
+                <a:gd name="connsiteX8" fmla="*/ 1061566 w 1722205"/>
+                <a:gd name="connsiteY8" fmla="*/ 604995 h 1114481"/>
+                <a:gd name="connsiteX9" fmla="*/ 1226666 w 1722205"/>
+                <a:gd name="connsiteY9" fmla="*/ 452595 h 1114481"/>
+                <a:gd name="connsiteX10" fmla="*/ 1429866 w 1722205"/>
+                <a:gd name="connsiteY10" fmla="*/ 439895 h 1114481"/>
+                <a:gd name="connsiteX11" fmla="*/ 1721966 w 1722205"/>
+                <a:gd name="connsiteY11" fmla="*/ 554195 h 1114481"/>
+                <a:gd name="connsiteX12" fmla="*/ 1480666 w 1722205"/>
+                <a:gd name="connsiteY12" fmla="*/ 249395 h 1114481"/>
+                <a:gd name="connsiteX13" fmla="*/ 1048866 w 1722205"/>
+                <a:gd name="connsiteY13" fmla="*/ 20795 h 1114481"/>
+                <a:gd name="connsiteX14" fmla="*/ 420216 w 1722205"/>
+                <a:gd name="connsiteY14" fmla="*/ 58895 h 1114481"/>
+                <a:gd name="connsiteX15" fmla="*/ 83666 w 1722205"/>
+                <a:gd name="connsiteY15" fmla="*/ 249395 h 1114481"/>
+                <a:gd name="connsiteX0" fmla="*/ 83666 w 1722205"/>
+                <a:gd name="connsiteY0" fmla="*/ 261937 h 1127023"/>
+                <a:gd name="connsiteX1" fmla="*/ 20166 w 1722205"/>
+                <a:gd name="connsiteY1" fmla="*/ 655637 h 1127023"/>
+                <a:gd name="connsiteX2" fmla="*/ 413866 w 1722205"/>
+                <a:gd name="connsiteY2" fmla="*/ 630237 h 1127023"/>
+                <a:gd name="connsiteX3" fmla="*/ 629766 w 1722205"/>
+                <a:gd name="connsiteY3" fmla="*/ 782637 h 1127023"/>
+                <a:gd name="connsiteX4" fmla="*/ 629766 w 1722205"/>
+                <a:gd name="connsiteY4" fmla="*/ 1062037 h 1127023"/>
+                <a:gd name="connsiteX5" fmla="*/ 871066 w 1722205"/>
+                <a:gd name="connsiteY5" fmla="*/ 1125537 h 1127023"/>
+                <a:gd name="connsiteX6" fmla="*/ 1074266 w 1722205"/>
+                <a:gd name="connsiteY6" fmla="*/ 1023937 h 1127023"/>
+                <a:gd name="connsiteX7" fmla="*/ 1125066 w 1722205"/>
+                <a:gd name="connsiteY7" fmla="*/ 820737 h 1127023"/>
+                <a:gd name="connsiteX8" fmla="*/ 1061566 w 1722205"/>
+                <a:gd name="connsiteY8" fmla="*/ 617537 h 1127023"/>
+                <a:gd name="connsiteX9" fmla="*/ 1226666 w 1722205"/>
+                <a:gd name="connsiteY9" fmla="*/ 465137 h 1127023"/>
+                <a:gd name="connsiteX10" fmla="*/ 1429866 w 1722205"/>
+                <a:gd name="connsiteY10" fmla="*/ 452437 h 1127023"/>
+                <a:gd name="connsiteX11" fmla="*/ 1721966 w 1722205"/>
+                <a:gd name="connsiteY11" fmla="*/ 566737 h 1127023"/>
+                <a:gd name="connsiteX12" fmla="*/ 1480666 w 1722205"/>
+                <a:gd name="connsiteY12" fmla="*/ 261937 h 1127023"/>
+                <a:gd name="connsiteX13" fmla="*/ 1048866 w 1722205"/>
+                <a:gd name="connsiteY13" fmla="*/ 33337 h 1127023"/>
+                <a:gd name="connsiteX14" fmla="*/ 420216 w 1722205"/>
+                <a:gd name="connsiteY14" fmla="*/ 71437 h 1127023"/>
+                <a:gd name="connsiteX15" fmla="*/ 83666 w 1722205"/>
+                <a:gd name="connsiteY15" fmla="*/ 261937 h 1127023"/>
+              </a:gdLst>
+              <a:ahLst/>
+              <a:cxnLst>
+                <a:cxn ang="0">
+                  <a:pos x="connsiteX0" y="connsiteY0"/>
+                </a:cxn>
+                <a:cxn ang="0">
+                  <a:pos x="connsiteX1" y="connsiteY1"/>
+                </a:cxn>
+                <a:cxn ang="0">
+                  <a:pos x="connsiteX2" y="connsiteY2"/>
+                </a:cxn>
+                <a:cxn ang="0">
+                  <a:pos x="connsiteX3" y="connsiteY3"/>
+                </a:cxn>
+                <a:cxn ang="0">
+                  <a:pos x="connsiteX4" y="connsiteY4"/>
+                </a:cxn>
+                <a:cxn ang="0">
+                  <a:pos x="connsiteX5" y="connsiteY5"/>
+                </a:cxn>
+                <a:cxn ang="0">
+                  <a:pos x="connsiteX6" y="connsiteY6"/>
+                </a:cxn>
+                <a:cxn ang="0">
+                  <a:pos x="connsiteX7" y="connsiteY7"/>
+                </a:cxn>
+                <a:cxn ang="0">
+                  <a:pos x="connsiteX8" y="connsiteY8"/>
+                </a:cxn>
+                <a:cxn ang="0">
+                  <a:pos x="connsiteX9" y="connsiteY9"/>
+                </a:cxn>
+                <a:cxn ang="0">
+                  <a:pos x="connsiteX10" y="connsiteY10"/>
+                </a:cxn>
+                <a:cxn ang="0">
+                  <a:pos x="connsiteX11" y="connsiteY11"/>
+                </a:cxn>
+                <a:cxn ang="0">
+                  <a:pos x="connsiteX12" y="connsiteY12"/>
+                </a:cxn>
+                <a:cxn ang="0">
+                  <a:pos x="connsiteX13" y="connsiteY13"/>
+                </a:cxn>
+                <a:cxn ang="0">
+                  <a:pos x="connsiteX14" y="connsiteY14"/>
+                </a:cxn>
+                <a:cxn ang="0">
+                  <a:pos x="connsiteX15" y="connsiteY15"/>
+                </a:cxn>
+              </a:cxnLst>
+              <a:rect l="l" t="t" r="r" b="b"/>
+              <a:pathLst>
+                <a:path w="1722205" h="1127023">
+                  <a:moveTo>
+                    <a:pt x="83666" y="261937"/>
+                  </a:moveTo>
+                  <a:cubicBezTo>
+                    <a:pt x="34982" y="416453"/>
+                    <a:pt x="-34867" y="594254"/>
+                    <a:pt x="20166" y="655637"/>
+                  </a:cubicBezTo>
+                  <a:cubicBezTo>
+                    <a:pt x="75199" y="717020"/>
+                    <a:pt x="312266" y="609070"/>
+                    <a:pt x="413866" y="630237"/>
+                  </a:cubicBezTo>
+                  <a:cubicBezTo>
+                    <a:pt x="515466" y="651404"/>
+                    <a:pt x="593783" y="710670"/>
+                    <a:pt x="629766" y="782637"/>
+                  </a:cubicBezTo>
+                  <a:cubicBezTo>
+                    <a:pt x="665749" y="854604"/>
+                    <a:pt x="589549" y="1004887"/>
+                    <a:pt x="629766" y="1062037"/>
+                  </a:cubicBezTo>
+                  <a:cubicBezTo>
+                    <a:pt x="669983" y="1119187"/>
+                    <a:pt x="796983" y="1131887"/>
+                    <a:pt x="871066" y="1125537"/>
+                  </a:cubicBezTo>
+                  <a:cubicBezTo>
+                    <a:pt x="945149" y="1119187"/>
+                    <a:pt x="1031933" y="1074737"/>
+                    <a:pt x="1074266" y="1023937"/>
+                  </a:cubicBezTo>
+                  <a:cubicBezTo>
+                    <a:pt x="1116599" y="973137"/>
+                    <a:pt x="1127183" y="888470"/>
+                    <a:pt x="1125066" y="820737"/>
+                  </a:cubicBezTo>
+                  <a:cubicBezTo>
+                    <a:pt x="1122949" y="753004"/>
+                    <a:pt x="1044633" y="676804"/>
+                    <a:pt x="1061566" y="617537"/>
+                  </a:cubicBezTo>
+                  <a:cubicBezTo>
+                    <a:pt x="1078499" y="558270"/>
+                    <a:pt x="1165283" y="492654"/>
+                    <a:pt x="1226666" y="465137"/>
+                  </a:cubicBezTo>
+                  <a:cubicBezTo>
+                    <a:pt x="1288049" y="437620"/>
+                    <a:pt x="1347316" y="435504"/>
+                    <a:pt x="1429866" y="452437"/>
+                  </a:cubicBezTo>
+                  <a:cubicBezTo>
+                    <a:pt x="1512416" y="469370"/>
+                    <a:pt x="1730433" y="598487"/>
+                    <a:pt x="1721966" y="566737"/>
+                  </a:cubicBezTo>
+                  <a:cubicBezTo>
+                    <a:pt x="1713499" y="534987"/>
+                    <a:pt x="1592849" y="350837"/>
+                    <a:pt x="1480666" y="261937"/>
+                  </a:cubicBezTo>
+                  <a:cubicBezTo>
+                    <a:pt x="1368483" y="173037"/>
+                    <a:pt x="1338849" y="147637"/>
+                    <a:pt x="1048866" y="33337"/>
+                  </a:cubicBezTo>
+                  <a:cubicBezTo>
+                    <a:pt x="739833" y="-14288"/>
+                    <a:pt x="732424" y="-18521"/>
+                    <a:pt x="420216" y="71437"/>
+                  </a:cubicBezTo>
+                  <a:cubicBezTo>
+                    <a:pt x="111183" y="204787"/>
+                    <a:pt x="202199" y="185737"/>
+                    <a:pt x="83666" y="261937"/>
+                  </a:cubicBezTo>
+                  <a:close/>
+                </a:path>
+              </a:pathLst>
+            </a:custGeom>
+            <a:solidFill>
+              <a:schemeClr val="accent1">
+                <a:lumMod val="75000"/>
+              </a:schemeClr>
+            </a:solidFill>
+            <a:ln w="57150"/>
+          </p:spPr>
+          <p:style>
+            <a:lnRef idx="2">
+              <a:schemeClr val="accent1">
+                <a:shade val="50000"/>
+              </a:schemeClr>
+            </a:lnRef>
+            <a:fillRef idx="1">
+              <a:schemeClr val="accent1"/>
+            </a:fillRef>
+            <a:effectRef idx="0">
+              <a:schemeClr val="accent1"/>
+            </a:effectRef>
+            <a:fontRef idx="minor">
+              <a:schemeClr val="lt1"/>
+            </a:fontRef>
+          </p:style>
+          <p:txBody>
+            <a:bodyPr rtlCol="0" anchor="ctr"/>
+            <a:lstStyle/>
+            <a:p>
+              <a:pPr algn="ctr"/>
+              <a:endParaRPr lang="it-IT"/>
+            </a:p>
+          </p:txBody>
+        </p:sp>
+        <p:sp>
+          <p:nvSpPr>
+            <p:cNvPr id="17" name="Figura a mano libera 16"/>
+            <p:cNvSpPr/>
+            <p:nvPr/>
+          </p:nvSpPr>
+          <p:spPr>
+            <a:xfrm>
+              <a:off x="6562843" y="3923354"/>
+              <a:ext cx="368589" cy="946632"/>
+            </a:xfrm>
+            <a:custGeom>
+              <a:avLst/>
+              <a:gdLst>
+                <a:gd name="connsiteX0" fmla="*/ 396757 w 396757"/>
+                <a:gd name="connsiteY0" fmla="*/ 165437 h 927437"/>
+                <a:gd name="connsiteX1" fmla="*/ 142757 w 396757"/>
+                <a:gd name="connsiteY1" fmla="*/ 337 h 927437"/>
+                <a:gd name="connsiteX2" fmla="*/ 41157 w 396757"/>
+                <a:gd name="connsiteY2" fmla="*/ 127337 h 927437"/>
+                <a:gd name="connsiteX3" fmla="*/ 41157 w 396757"/>
+                <a:gd name="connsiteY3" fmla="*/ 292437 h 927437"/>
+                <a:gd name="connsiteX4" fmla="*/ 142757 w 396757"/>
+                <a:gd name="connsiteY4" fmla="*/ 368637 h 927437"/>
+                <a:gd name="connsiteX5" fmla="*/ 168157 w 396757"/>
+                <a:gd name="connsiteY5" fmla="*/ 521037 h 927437"/>
+                <a:gd name="connsiteX6" fmla="*/ 117357 w 396757"/>
+                <a:gd name="connsiteY6" fmla="*/ 673437 h 927437"/>
+                <a:gd name="connsiteX7" fmla="*/ 3057 w 396757"/>
+                <a:gd name="connsiteY7" fmla="*/ 800437 h 927437"/>
+                <a:gd name="connsiteX8" fmla="*/ 41157 w 396757"/>
+                <a:gd name="connsiteY8" fmla="*/ 902037 h 927437"/>
+                <a:gd name="connsiteX9" fmla="*/ 130057 w 396757"/>
+                <a:gd name="connsiteY9" fmla="*/ 927437 h 927437"/>
+                <a:gd name="connsiteX0" fmla="*/ 396757 w 396757"/>
+                <a:gd name="connsiteY0" fmla="*/ 165437 h 927437"/>
+                <a:gd name="connsiteX1" fmla="*/ 142757 w 396757"/>
+                <a:gd name="connsiteY1" fmla="*/ 337 h 927437"/>
+                <a:gd name="connsiteX2" fmla="*/ 41157 w 396757"/>
+                <a:gd name="connsiteY2" fmla="*/ 127337 h 927437"/>
+                <a:gd name="connsiteX3" fmla="*/ 41157 w 396757"/>
+                <a:gd name="connsiteY3" fmla="*/ 292437 h 927437"/>
+                <a:gd name="connsiteX4" fmla="*/ 142757 w 396757"/>
+                <a:gd name="connsiteY4" fmla="*/ 368637 h 927437"/>
+                <a:gd name="connsiteX5" fmla="*/ 168157 w 396757"/>
+                <a:gd name="connsiteY5" fmla="*/ 521037 h 927437"/>
+                <a:gd name="connsiteX6" fmla="*/ 117357 w 396757"/>
+                <a:gd name="connsiteY6" fmla="*/ 673437 h 927437"/>
+                <a:gd name="connsiteX7" fmla="*/ 3057 w 396757"/>
+                <a:gd name="connsiteY7" fmla="*/ 800437 h 927437"/>
+                <a:gd name="connsiteX8" fmla="*/ 41157 w 396757"/>
+                <a:gd name="connsiteY8" fmla="*/ 902037 h 927437"/>
+                <a:gd name="connsiteX9" fmla="*/ 130057 w 396757"/>
+                <a:gd name="connsiteY9" fmla="*/ 927437 h 927437"/>
+                <a:gd name="connsiteX0" fmla="*/ 396757 w 396757"/>
+                <a:gd name="connsiteY0" fmla="*/ 165437 h 927437"/>
+                <a:gd name="connsiteX1" fmla="*/ 142757 w 396757"/>
+                <a:gd name="connsiteY1" fmla="*/ 337 h 927437"/>
+                <a:gd name="connsiteX2" fmla="*/ 41157 w 396757"/>
+                <a:gd name="connsiteY2" fmla="*/ 127337 h 927437"/>
+                <a:gd name="connsiteX3" fmla="*/ 41157 w 396757"/>
+                <a:gd name="connsiteY3" fmla="*/ 292437 h 927437"/>
+                <a:gd name="connsiteX4" fmla="*/ 142757 w 396757"/>
+                <a:gd name="connsiteY4" fmla="*/ 368637 h 927437"/>
+                <a:gd name="connsiteX5" fmla="*/ 168157 w 396757"/>
+                <a:gd name="connsiteY5" fmla="*/ 521037 h 927437"/>
+                <a:gd name="connsiteX6" fmla="*/ 117357 w 396757"/>
+                <a:gd name="connsiteY6" fmla="*/ 673437 h 927437"/>
+                <a:gd name="connsiteX7" fmla="*/ 3057 w 396757"/>
+                <a:gd name="connsiteY7" fmla="*/ 800437 h 927437"/>
+                <a:gd name="connsiteX8" fmla="*/ 41157 w 396757"/>
+                <a:gd name="connsiteY8" fmla="*/ 902037 h 927437"/>
+                <a:gd name="connsiteX9" fmla="*/ 130057 w 396757"/>
+                <a:gd name="connsiteY9" fmla="*/ 927437 h 927437"/>
+                <a:gd name="connsiteX10" fmla="*/ 396757 w 396757"/>
+                <a:gd name="connsiteY10" fmla="*/ 165437 h 927437"/>
+                <a:gd name="connsiteX0" fmla="*/ 396757 w 396757"/>
+                <a:gd name="connsiteY0" fmla="*/ 165437 h 957235"/>
+                <a:gd name="connsiteX1" fmla="*/ 142757 w 396757"/>
+                <a:gd name="connsiteY1" fmla="*/ 337 h 957235"/>
+                <a:gd name="connsiteX2" fmla="*/ 41157 w 396757"/>
+                <a:gd name="connsiteY2" fmla="*/ 127337 h 957235"/>
+                <a:gd name="connsiteX3" fmla="*/ 41157 w 396757"/>
+                <a:gd name="connsiteY3" fmla="*/ 292437 h 957235"/>
+                <a:gd name="connsiteX4" fmla="*/ 142757 w 396757"/>
+                <a:gd name="connsiteY4" fmla="*/ 368637 h 957235"/>
+                <a:gd name="connsiteX5" fmla="*/ 168157 w 396757"/>
+                <a:gd name="connsiteY5" fmla="*/ 521037 h 957235"/>
+                <a:gd name="connsiteX6" fmla="*/ 117357 w 396757"/>
+                <a:gd name="connsiteY6" fmla="*/ 673437 h 957235"/>
+                <a:gd name="connsiteX7" fmla="*/ 3057 w 396757"/>
+                <a:gd name="connsiteY7" fmla="*/ 800437 h 957235"/>
+                <a:gd name="connsiteX8" fmla="*/ 41157 w 396757"/>
+                <a:gd name="connsiteY8" fmla="*/ 902037 h 957235"/>
+                <a:gd name="connsiteX9" fmla="*/ 130057 w 396757"/>
+                <a:gd name="connsiteY9" fmla="*/ 927437 h 957235"/>
+                <a:gd name="connsiteX10" fmla="*/ 361832 w 396757"/>
+                <a:gd name="connsiteY10" fmla="*/ 438487 h 957235"/>
+                <a:gd name="connsiteX11" fmla="*/ 396757 w 396757"/>
+                <a:gd name="connsiteY11" fmla="*/ 165437 h 957235"/>
+                <a:gd name="connsiteX0" fmla="*/ 396757 w 396757"/>
+                <a:gd name="connsiteY0" fmla="*/ 165437 h 946023"/>
+                <a:gd name="connsiteX1" fmla="*/ 142757 w 396757"/>
+                <a:gd name="connsiteY1" fmla="*/ 337 h 946023"/>
+                <a:gd name="connsiteX2" fmla="*/ 41157 w 396757"/>
+                <a:gd name="connsiteY2" fmla="*/ 127337 h 946023"/>
+                <a:gd name="connsiteX3" fmla="*/ 41157 w 396757"/>
+                <a:gd name="connsiteY3" fmla="*/ 292437 h 946023"/>
+                <a:gd name="connsiteX4" fmla="*/ 142757 w 396757"/>
+                <a:gd name="connsiteY4" fmla="*/ 368637 h 946023"/>
+                <a:gd name="connsiteX5" fmla="*/ 168157 w 396757"/>
+                <a:gd name="connsiteY5" fmla="*/ 521037 h 946023"/>
+                <a:gd name="connsiteX6" fmla="*/ 117357 w 396757"/>
+                <a:gd name="connsiteY6" fmla="*/ 673437 h 946023"/>
+                <a:gd name="connsiteX7" fmla="*/ 3057 w 396757"/>
+                <a:gd name="connsiteY7" fmla="*/ 800437 h 946023"/>
+                <a:gd name="connsiteX8" fmla="*/ 41157 w 396757"/>
+                <a:gd name="connsiteY8" fmla="*/ 902037 h 946023"/>
+                <a:gd name="connsiteX9" fmla="*/ 130057 w 396757"/>
+                <a:gd name="connsiteY9" fmla="*/ 927437 h 946023"/>
+                <a:gd name="connsiteX10" fmla="*/ 266582 w 396757"/>
+                <a:gd name="connsiteY10" fmla="*/ 667087 h 946023"/>
+                <a:gd name="connsiteX11" fmla="*/ 361832 w 396757"/>
+                <a:gd name="connsiteY11" fmla="*/ 438487 h 946023"/>
+                <a:gd name="connsiteX12" fmla="*/ 396757 w 396757"/>
+                <a:gd name="connsiteY12" fmla="*/ 165437 h 946023"/>
+                <a:gd name="connsiteX0" fmla="*/ 396757 w 396757"/>
+                <a:gd name="connsiteY0" fmla="*/ 165437 h 946023"/>
+                <a:gd name="connsiteX1" fmla="*/ 142757 w 396757"/>
+                <a:gd name="connsiteY1" fmla="*/ 337 h 946023"/>
+                <a:gd name="connsiteX2" fmla="*/ 41157 w 396757"/>
+                <a:gd name="connsiteY2" fmla="*/ 127337 h 946023"/>
+                <a:gd name="connsiteX3" fmla="*/ 41157 w 396757"/>
+                <a:gd name="connsiteY3" fmla="*/ 292437 h 946023"/>
+                <a:gd name="connsiteX4" fmla="*/ 142757 w 396757"/>
+                <a:gd name="connsiteY4" fmla="*/ 368637 h 946023"/>
+                <a:gd name="connsiteX5" fmla="*/ 168157 w 396757"/>
+                <a:gd name="connsiteY5" fmla="*/ 521037 h 946023"/>
+                <a:gd name="connsiteX6" fmla="*/ 117357 w 396757"/>
+                <a:gd name="connsiteY6" fmla="*/ 673437 h 946023"/>
+                <a:gd name="connsiteX7" fmla="*/ 3057 w 396757"/>
+                <a:gd name="connsiteY7" fmla="*/ 800437 h 946023"/>
+                <a:gd name="connsiteX8" fmla="*/ 41157 w 396757"/>
+                <a:gd name="connsiteY8" fmla="*/ 902037 h 946023"/>
+                <a:gd name="connsiteX9" fmla="*/ 130057 w 396757"/>
+                <a:gd name="connsiteY9" fmla="*/ 927437 h 946023"/>
+                <a:gd name="connsiteX10" fmla="*/ 266582 w 396757"/>
+                <a:gd name="connsiteY10" fmla="*/ 667087 h 946023"/>
+                <a:gd name="connsiteX11" fmla="*/ 361832 w 396757"/>
+                <a:gd name="connsiteY11" fmla="*/ 438487 h 946023"/>
+                <a:gd name="connsiteX12" fmla="*/ 396757 w 396757"/>
+                <a:gd name="connsiteY12" fmla="*/ 165437 h 946023"/>
+                <a:gd name="connsiteX0" fmla="*/ 396757 w 396757"/>
+                <a:gd name="connsiteY0" fmla="*/ 165437 h 946023"/>
+                <a:gd name="connsiteX1" fmla="*/ 142757 w 396757"/>
+                <a:gd name="connsiteY1" fmla="*/ 337 h 946023"/>
+                <a:gd name="connsiteX2" fmla="*/ 41157 w 396757"/>
+                <a:gd name="connsiteY2" fmla="*/ 127337 h 946023"/>
+                <a:gd name="connsiteX3" fmla="*/ 41157 w 396757"/>
+                <a:gd name="connsiteY3" fmla="*/ 292437 h 946023"/>
+                <a:gd name="connsiteX4" fmla="*/ 142757 w 396757"/>
+                <a:gd name="connsiteY4" fmla="*/ 368637 h 946023"/>
+                <a:gd name="connsiteX5" fmla="*/ 168157 w 396757"/>
+                <a:gd name="connsiteY5" fmla="*/ 521037 h 946023"/>
+                <a:gd name="connsiteX6" fmla="*/ 117357 w 396757"/>
+                <a:gd name="connsiteY6" fmla="*/ 673437 h 946023"/>
+                <a:gd name="connsiteX7" fmla="*/ 3057 w 396757"/>
+                <a:gd name="connsiteY7" fmla="*/ 800437 h 946023"/>
+                <a:gd name="connsiteX8" fmla="*/ 41157 w 396757"/>
+                <a:gd name="connsiteY8" fmla="*/ 902037 h 946023"/>
+                <a:gd name="connsiteX9" fmla="*/ 130057 w 396757"/>
+                <a:gd name="connsiteY9" fmla="*/ 927437 h 946023"/>
+                <a:gd name="connsiteX10" fmla="*/ 266582 w 396757"/>
+                <a:gd name="connsiteY10" fmla="*/ 667087 h 946023"/>
+                <a:gd name="connsiteX11" fmla="*/ 361832 w 396757"/>
+                <a:gd name="connsiteY11" fmla="*/ 438487 h 946023"/>
+                <a:gd name="connsiteX12" fmla="*/ 396757 w 396757"/>
+                <a:gd name="connsiteY12" fmla="*/ 165437 h 946023"/>
+                <a:gd name="connsiteX0" fmla="*/ 368182 w 368589"/>
+                <a:gd name="connsiteY0" fmla="*/ 194621 h 946632"/>
+                <a:gd name="connsiteX1" fmla="*/ 142757 w 368589"/>
+                <a:gd name="connsiteY1" fmla="*/ 946 h 946632"/>
+                <a:gd name="connsiteX2" fmla="*/ 41157 w 368589"/>
+                <a:gd name="connsiteY2" fmla="*/ 127946 h 946632"/>
+                <a:gd name="connsiteX3" fmla="*/ 41157 w 368589"/>
+                <a:gd name="connsiteY3" fmla="*/ 293046 h 946632"/>
+                <a:gd name="connsiteX4" fmla="*/ 142757 w 368589"/>
+                <a:gd name="connsiteY4" fmla="*/ 369246 h 946632"/>
+                <a:gd name="connsiteX5" fmla="*/ 168157 w 368589"/>
+                <a:gd name="connsiteY5" fmla="*/ 521646 h 946632"/>
+                <a:gd name="connsiteX6" fmla="*/ 117357 w 368589"/>
+                <a:gd name="connsiteY6" fmla="*/ 674046 h 946632"/>
+                <a:gd name="connsiteX7" fmla="*/ 3057 w 368589"/>
+                <a:gd name="connsiteY7" fmla="*/ 801046 h 946632"/>
+                <a:gd name="connsiteX8" fmla="*/ 41157 w 368589"/>
+                <a:gd name="connsiteY8" fmla="*/ 902646 h 946632"/>
+                <a:gd name="connsiteX9" fmla="*/ 130057 w 368589"/>
+                <a:gd name="connsiteY9" fmla="*/ 928046 h 946632"/>
+                <a:gd name="connsiteX10" fmla="*/ 266582 w 368589"/>
+                <a:gd name="connsiteY10" fmla="*/ 667696 h 946632"/>
+                <a:gd name="connsiteX11" fmla="*/ 361832 w 368589"/>
+                <a:gd name="connsiteY11" fmla="*/ 439096 h 946632"/>
+                <a:gd name="connsiteX12" fmla="*/ 368182 w 368589"/>
+                <a:gd name="connsiteY12" fmla="*/ 194621 h 946632"/>
+                <a:gd name="connsiteX0" fmla="*/ 368182 w 368589"/>
+                <a:gd name="connsiteY0" fmla="*/ 194621 h 946632"/>
+                <a:gd name="connsiteX1" fmla="*/ 142757 w 368589"/>
+                <a:gd name="connsiteY1" fmla="*/ 946 h 946632"/>
+                <a:gd name="connsiteX2" fmla="*/ 41157 w 368589"/>
+                <a:gd name="connsiteY2" fmla="*/ 127946 h 946632"/>
+                <a:gd name="connsiteX3" fmla="*/ 41157 w 368589"/>
+                <a:gd name="connsiteY3" fmla="*/ 293046 h 946632"/>
+                <a:gd name="connsiteX4" fmla="*/ 142757 w 368589"/>
+                <a:gd name="connsiteY4" fmla="*/ 369246 h 946632"/>
+                <a:gd name="connsiteX5" fmla="*/ 168157 w 368589"/>
+                <a:gd name="connsiteY5" fmla="*/ 521646 h 946632"/>
+                <a:gd name="connsiteX6" fmla="*/ 117357 w 368589"/>
+                <a:gd name="connsiteY6" fmla="*/ 674046 h 946632"/>
+                <a:gd name="connsiteX7" fmla="*/ 3057 w 368589"/>
+                <a:gd name="connsiteY7" fmla="*/ 801046 h 946632"/>
+                <a:gd name="connsiteX8" fmla="*/ 41157 w 368589"/>
+                <a:gd name="connsiteY8" fmla="*/ 902646 h 946632"/>
+                <a:gd name="connsiteX9" fmla="*/ 130057 w 368589"/>
+                <a:gd name="connsiteY9" fmla="*/ 928046 h 946632"/>
+                <a:gd name="connsiteX10" fmla="*/ 295157 w 368589"/>
+                <a:gd name="connsiteY10" fmla="*/ 686746 h 946632"/>
+                <a:gd name="connsiteX11" fmla="*/ 361832 w 368589"/>
+                <a:gd name="connsiteY11" fmla="*/ 439096 h 946632"/>
+                <a:gd name="connsiteX12" fmla="*/ 368182 w 368589"/>
+                <a:gd name="connsiteY12" fmla="*/ 194621 h 946632"/>
+                <a:gd name="connsiteX0" fmla="*/ 368182 w 368589"/>
+                <a:gd name="connsiteY0" fmla="*/ 194621 h 946632"/>
+                <a:gd name="connsiteX1" fmla="*/ 142757 w 368589"/>
+                <a:gd name="connsiteY1" fmla="*/ 946 h 946632"/>
+                <a:gd name="connsiteX2" fmla="*/ 41157 w 368589"/>
+                <a:gd name="connsiteY2" fmla="*/ 127946 h 946632"/>
+                <a:gd name="connsiteX3" fmla="*/ 41157 w 368589"/>
+                <a:gd name="connsiteY3" fmla="*/ 293046 h 946632"/>
+                <a:gd name="connsiteX4" fmla="*/ 142757 w 368589"/>
+                <a:gd name="connsiteY4" fmla="*/ 369246 h 946632"/>
+                <a:gd name="connsiteX5" fmla="*/ 168157 w 368589"/>
+                <a:gd name="connsiteY5" fmla="*/ 521646 h 946632"/>
+                <a:gd name="connsiteX6" fmla="*/ 117357 w 368589"/>
+                <a:gd name="connsiteY6" fmla="*/ 674046 h 946632"/>
+                <a:gd name="connsiteX7" fmla="*/ 3057 w 368589"/>
+                <a:gd name="connsiteY7" fmla="*/ 801046 h 946632"/>
+                <a:gd name="connsiteX8" fmla="*/ 41157 w 368589"/>
+                <a:gd name="connsiteY8" fmla="*/ 902646 h 946632"/>
+                <a:gd name="connsiteX9" fmla="*/ 130057 w 368589"/>
+                <a:gd name="connsiteY9" fmla="*/ 928046 h 946632"/>
+                <a:gd name="connsiteX10" fmla="*/ 295157 w 368589"/>
+                <a:gd name="connsiteY10" fmla="*/ 686746 h 946632"/>
+                <a:gd name="connsiteX11" fmla="*/ 361832 w 368589"/>
+                <a:gd name="connsiteY11" fmla="*/ 439096 h 946632"/>
+                <a:gd name="connsiteX12" fmla="*/ 368182 w 368589"/>
+                <a:gd name="connsiteY12" fmla="*/ 194621 h 946632"/>
+                <a:gd name="connsiteX0" fmla="*/ 368182 w 368589"/>
+                <a:gd name="connsiteY0" fmla="*/ 194621 h 946632"/>
+                <a:gd name="connsiteX1" fmla="*/ 142757 w 368589"/>
+                <a:gd name="connsiteY1" fmla="*/ 946 h 946632"/>
+                <a:gd name="connsiteX2" fmla="*/ 41157 w 368589"/>
+                <a:gd name="connsiteY2" fmla="*/ 127946 h 946632"/>
+                <a:gd name="connsiteX3" fmla="*/ 41157 w 368589"/>
+                <a:gd name="connsiteY3" fmla="*/ 293046 h 946632"/>
+                <a:gd name="connsiteX4" fmla="*/ 142757 w 368589"/>
+                <a:gd name="connsiteY4" fmla="*/ 369246 h 946632"/>
+                <a:gd name="connsiteX5" fmla="*/ 168157 w 368589"/>
+                <a:gd name="connsiteY5" fmla="*/ 521646 h 946632"/>
+                <a:gd name="connsiteX6" fmla="*/ 117357 w 368589"/>
+                <a:gd name="connsiteY6" fmla="*/ 674046 h 946632"/>
+                <a:gd name="connsiteX7" fmla="*/ 3057 w 368589"/>
+                <a:gd name="connsiteY7" fmla="*/ 801046 h 946632"/>
+                <a:gd name="connsiteX8" fmla="*/ 41157 w 368589"/>
+                <a:gd name="connsiteY8" fmla="*/ 902646 h 946632"/>
+                <a:gd name="connsiteX9" fmla="*/ 130057 w 368589"/>
+                <a:gd name="connsiteY9" fmla="*/ 928046 h 946632"/>
+                <a:gd name="connsiteX10" fmla="*/ 295157 w 368589"/>
+                <a:gd name="connsiteY10" fmla="*/ 686746 h 946632"/>
+                <a:gd name="connsiteX11" fmla="*/ 361832 w 368589"/>
+                <a:gd name="connsiteY11" fmla="*/ 439096 h 946632"/>
+                <a:gd name="connsiteX12" fmla="*/ 368182 w 368589"/>
+                <a:gd name="connsiteY12" fmla="*/ 194621 h 946632"/>
+                <a:gd name="connsiteX0" fmla="*/ 368182 w 368589"/>
+                <a:gd name="connsiteY0" fmla="*/ 194621 h 946632"/>
+                <a:gd name="connsiteX1" fmla="*/ 142757 w 368589"/>
+                <a:gd name="connsiteY1" fmla="*/ 946 h 946632"/>
+                <a:gd name="connsiteX2" fmla="*/ 41157 w 368589"/>
+                <a:gd name="connsiteY2" fmla="*/ 127946 h 946632"/>
+                <a:gd name="connsiteX3" fmla="*/ 41157 w 368589"/>
+                <a:gd name="connsiteY3" fmla="*/ 293046 h 946632"/>
+                <a:gd name="connsiteX4" fmla="*/ 142757 w 368589"/>
+                <a:gd name="connsiteY4" fmla="*/ 369246 h 946632"/>
+                <a:gd name="connsiteX5" fmla="*/ 168157 w 368589"/>
+                <a:gd name="connsiteY5" fmla="*/ 521646 h 946632"/>
+                <a:gd name="connsiteX6" fmla="*/ 117357 w 368589"/>
+                <a:gd name="connsiteY6" fmla="*/ 674046 h 946632"/>
+                <a:gd name="connsiteX7" fmla="*/ 3057 w 368589"/>
+                <a:gd name="connsiteY7" fmla="*/ 801046 h 946632"/>
+                <a:gd name="connsiteX8" fmla="*/ 41157 w 368589"/>
+                <a:gd name="connsiteY8" fmla="*/ 902646 h 946632"/>
+                <a:gd name="connsiteX9" fmla="*/ 130057 w 368589"/>
+                <a:gd name="connsiteY9" fmla="*/ 928046 h 946632"/>
+                <a:gd name="connsiteX10" fmla="*/ 257057 w 368589"/>
+                <a:gd name="connsiteY10" fmla="*/ 696271 h 946632"/>
+                <a:gd name="connsiteX11" fmla="*/ 361832 w 368589"/>
+                <a:gd name="connsiteY11" fmla="*/ 439096 h 946632"/>
+                <a:gd name="connsiteX12" fmla="*/ 368182 w 368589"/>
+                <a:gd name="connsiteY12" fmla="*/ 194621 h 946632"/>
+                <a:gd name="connsiteX0" fmla="*/ 368182 w 368589"/>
+                <a:gd name="connsiteY0" fmla="*/ 194621 h 946632"/>
+                <a:gd name="connsiteX1" fmla="*/ 142757 w 368589"/>
+                <a:gd name="connsiteY1" fmla="*/ 946 h 946632"/>
+                <a:gd name="connsiteX2" fmla="*/ 41157 w 368589"/>
+                <a:gd name="connsiteY2" fmla="*/ 127946 h 946632"/>
+                <a:gd name="connsiteX3" fmla="*/ 41157 w 368589"/>
+                <a:gd name="connsiteY3" fmla="*/ 293046 h 946632"/>
+                <a:gd name="connsiteX4" fmla="*/ 142757 w 368589"/>
+                <a:gd name="connsiteY4" fmla="*/ 369246 h 946632"/>
+                <a:gd name="connsiteX5" fmla="*/ 168157 w 368589"/>
+                <a:gd name="connsiteY5" fmla="*/ 521646 h 946632"/>
+                <a:gd name="connsiteX6" fmla="*/ 117357 w 368589"/>
+                <a:gd name="connsiteY6" fmla="*/ 674046 h 946632"/>
+                <a:gd name="connsiteX7" fmla="*/ 3057 w 368589"/>
+                <a:gd name="connsiteY7" fmla="*/ 801046 h 946632"/>
+                <a:gd name="connsiteX8" fmla="*/ 41157 w 368589"/>
+                <a:gd name="connsiteY8" fmla="*/ 902646 h 946632"/>
+                <a:gd name="connsiteX9" fmla="*/ 130057 w 368589"/>
+                <a:gd name="connsiteY9" fmla="*/ 928046 h 946632"/>
+                <a:gd name="connsiteX10" fmla="*/ 295157 w 368589"/>
+                <a:gd name="connsiteY10" fmla="*/ 715321 h 946632"/>
+                <a:gd name="connsiteX11" fmla="*/ 361832 w 368589"/>
+                <a:gd name="connsiteY11" fmla="*/ 439096 h 946632"/>
+                <a:gd name="connsiteX12" fmla="*/ 368182 w 368589"/>
+                <a:gd name="connsiteY12" fmla="*/ 194621 h 946632"/>
+              </a:gdLst>
+              <a:ahLst/>
+              <a:cxnLst>
+                <a:cxn ang="0">
+                  <a:pos x="connsiteX0" y="connsiteY0"/>
+                </a:cxn>
+                <a:cxn ang="0">
+                  <a:pos x="connsiteX1" y="connsiteY1"/>
+                </a:cxn>
+                <a:cxn ang="0">
+                  <a:pos x="connsiteX2" y="connsiteY2"/>
+                </a:cxn>
+                <a:cxn ang="0">
+                  <a:pos x="connsiteX3" y="connsiteY3"/>
+                </a:cxn>
+                <a:cxn ang="0">
+                  <a:pos x="connsiteX4" y="connsiteY4"/>
+                </a:cxn>
+                <a:cxn ang="0">
+                  <a:pos x="connsiteX5" y="connsiteY5"/>
+                </a:cxn>
+                <a:cxn ang="0">
+                  <a:pos x="connsiteX6" y="connsiteY6"/>
+                </a:cxn>
+                <a:cxn ang="0">
+                  <a:pos x="connsiteX7" y="connsiteY7"/>
+                </a:cxn>
+                <a:cxn ang="0">
+                  <a:pos x="connsiteX8" y="connsiteY8"/>
+                </a:cxn>
+                <a:cxn ang="0">
+                  <a:pos x="connsiteX9" y="connsiteY9"/>
+                </a:cxn>
+                <a:cxn ang="0">
+                  <a:pos x="connsiteX10" y="connsiteY10"/>
+                </a:cxn>
+                <a:cxn ang="0">
+                  <a:pos x="connsiteX11" y="connsiteY11"/>
+                </a:cxn>
+                <a:cxn ang="0">
+                  <a:pos x="connsiteX12" y="connsiteY12"/>
+                </a:cxn>
+              </a:cxnLst>
+              <a:rect l="l" t="t" r="r" b="b"/>
+              <a:pathLst>
+                <a:path w="368589" h="946632">
+                  <a:moveTo>
+                    <a:pt x="368182" y="194621"/>
+                  </a:moveTo>
+                  <a:cubicBezTo>
+                    <a:pt x="318440" y="58096"/>
+                    <a:pt x="197261" y="12058"/>
+                    <a:pt x="142757" y="946"/>
+                  </a:cubicBezTo>
+                  <a:cubicBezTo>
+                    <a:pt x="88253" y="-10166"/>
+                    <a:pt x="58090" y="79263"/>
+                    <a:pt x="41157" y="127946"/>
+                  </a:cubicBezTo>
+                  <a:cubicBezTo>
+                    <a:pt x="24224" y="176629"/>
+                    <a:pt x="24224" y="252829"/>
+                    <a:pt x="41157" y="293046"/>
+                  </a:cubicBezTo>
+                  <a:cubicBezTo>
+                    <a:pt x="58090" y="333263"/>
+                    <a:pt x="121590" y="331146"/>
+                    <a:pt x="142757" y="369246"/>
+                  </a:cubicBezTo>
+                  <a:cubicBezTo>
+                    <a:pt x="163924" y="407346"/>
+                    <a:pt x="172390" y="470846"/>
+                    <a:pt x="168157" y="521646"/>
+                  </a:cubicBezTo>
+                  <a:cubicBezTo>
+                    <a:pt x="163924" y="572446"/>
+                    <a:pt x="144874" y="627479"/>
+                    <a:pt x="117357" y="674046"/>
+                  </a:cubicBezTo>
+                  <a:cubicBezTo>
+                    <a:pt x="89840" y="720613"/>
+                    <a:pt x="15757" y="762946"/>
+                    <a:pt x="3057" y="801046"/>
+                  </a:cubicBezTo>
+                  <a:cubicBezTo>
+                    <a:pt x="-9643" y="839146"/>
+                    <a:pt x="19990" y="881479"/>
+                    <a:pt x="41157" y="902646"/>
+                  </a:cubicBezTo>
+                  <a:cubicBezTo>
+                    <a:pt x="62324" y="923813"/>
+                    <a:pt x="94074" y="973554"/>
+                    <a:pt x="130057" y="928046"/>
+                  </a:cubicBezTo>
+                  <a:cubicBezTo>
+                    <a:pt x="166040" y="882538"/>
+                    <a:pt x="189853" y="873013"/>
+                    <a:pt x="295157" y="715321"/>
+                  </a:cubicBezTo>
+                  <a:cubicBezTo>
+                    <a:pt x="362361" y="548104"/>
+                    <a:pt x="338549" y="516354"/>
+                    <a:pt x="361832" y="439096"/>
+                  </a:cubicBezTo>
+                  <a:cubicBezTo>
+                    <a:pt x="373474" y="348079"/>
+                    <a:pt x="366065" y="352313"/>
+                    <a:pt x="368182" y="194621"/>
+                  </a:cubicBezTo>
+                  <a:close/>
+                </a:path>
+              </a:pathLst>
+            </a:custGeom>
+            <a:solidFill>
+              <a:schemeClr val="accent1">
+                <a:lumMod val="75000"/>
+              </a:schemeClr>
+            </a:solidFill>
+            <a:ln w="57150"/>
+          </p:spPr>
+          <p:style>
+            <a:lnRef idx="2">
+              <a:schemeClr val="accent1">
+                <a:shade val="50000"/>
+              </a:schemeClr>
+            </a:lnRef>
+            <a:fillRef idx="1">
+              <a:schemeClr val="accent1"/>
+            </a:fillRef>
+            <a:effectRef idx="0">
+              <a:schemeClr val="accent1"/>
+            </a:effectRef>
+            <a:fontRef idx="minor">
+              <a:schemeClr val="lt1"/>
+            </a:fontRef>
+          </p:style>
+          <p:txBody>
+            <a:bodyPr rtlCol="0" anchor="ctr"/>
+            <a:lstStyle/>
+            <a:p>
+              <a:pPr algn="ctr"/>
+              <a:endParaRPr lang="it-IT"/>
+            </a:p>
+          </p:txBody>
+        </p:sp>
+        <p:sp>
+          <p:nvSpPr>
+            <p:cNvPr id="18" name="Figura a mano libera 17"/>
+            <p:cNvSpPr/>
+            <p:nvPr/>
+          </p:nvSpPr>
+          <p:spPr>
+            <a:xfrm>
+              <a:off x="4787901" y="4191000"/>
+              <a:ext cx="680676" cy="957805"/>
+            </a:xfrm>
+            <a:custGeom>
+              <a:avLst/>
+              <a:gdLst>
+                <a:gd name="connsiteX0" fmla="*/ 0 w 656254"/>
+                <a:gd name="connsiteY0" fmla="*/ 0 h 948039"/>
+                <a:gd name="connsiteX1" fmla="*/ 139700 w 656254"/>
+                <a:gd name="connsiteY1" fmla="*/ 254000 h 948039"/>
+                <a:gd name="connsiteX2" fmla="*/ 342900 w 656254"/>
+                <a:gd name="connsiteY2" fmla="*/ 304800 h 948039"/>
+                <a:gd name="connsiteX3" fmla="*/ 444500 w 656254"/>
+                <a:gd name="connsiteY3" fmla="*/ 381000 h 948039"/>
+                <a:gd name="connsiteX4" fmla="*/ 558800 w 656254"/>
+                <a:gd name="connsiteY4" fmla="*/ 584200 h 948039"/>
+                <a:gd name="connsiteX5" fmla="*/ 647700 w 656254"/>
+                <a:gd name="connsiteY5" fmla="*/ 901700 h 948039"/>
+                <a:gd name="connsiteX6" fmla="*/ 647700 w 656254"/>
+                <a:gd name="connsiteY6" fmla="*/ 939800 h 948039"/>
+                <a:gd name="connsiteX0" fmla="*/ 0 w 656254"/>
+                <a:gd name="connsiteY0" fmla="*/ 0 h 948039"/>
+                <a:gd name="connsiteX1" fmla="*/ 139700 w 656254"/>
+                <a:gd name="connsiteY1" fmla="*/ 254000 h 948039"/>
+                <a:gd name="connsiteX2" fmla="*/ 342900 w 656254"/>
+                <a:gd name="connsiteY2" fmla="*/ 304800 h 948039"/>
+                <a:gd name="connsiteX3" fmla="*/ 444500 w 656254"/>
+                <a:gd name="connsiteY3" fmla="*/ 381000 h 948039"/>
+                <a:gd name="connsiteX4" fmla="*/ 558800 w 656254"/>
+                <a:gd name="connsiteY4" fmla="*/ 584200 h 948039"/>
+                <a:gd name="connsiteX5" fmla="*/ 647700 w 656254"/>
+                <a:gd name="connsiteY5" fmla="*/ 901700 h 948039"/>
+                <a:gd name="connsiteX6" fmla="*/ 647700 w 656254"/>
+                <a:gd name="connsiteY6" fmla="*/ 939800 h 948039"/>
+                <a:gd name="connsiteX7" fmla="*/ 0 w 656254"/>
+                <a:gd name="connsiteY7" fmla="*/ 0 h 948039"/>
+                <a:gd name="connsiteX0" fmla="*/ 0 w 656254"/>
+                <a:gd name="connsiteY0" fmla="*/ 0 h 948039"/>
+                <a:gd name="connsiteX1" fmla="*/ 139700 w 656254"/>
+                <a:gd name="connsiteY1" fmla="*/ 254000 h 948039"/>
+                <a:gd name="connsiteX2" fmla="*/ 342900 w 656254"/>
+                <a:gd name="connsiteY2" fmla="*/ 304800 h 948039"/>
+                <a:gd name="connsiteX3" fmla="*/ 444500 w 656254"/>
+                <a:gd name="connsiteY3" fmla="*/ 381000 h 948039"/>
+                <a:gd name="connsiteX4" fmla="*/ 558800 w 656254"/>
+                <a:gd name="connsiteY4" fmla="*/ 584200 h 948039"/>
+                <a:gd name="connsiteX5" fmla="*/ 647700 w 656254"/>
+                <a:gd name="connsiteY5" fmla="*/ 901700 h 948039"/>
+                <a:gd name="connsiteX6" fmla="*/ 647700 w 656254"/>
+                <a:gd name="connsiteY6" fmla="*/ 939800 h 948039"/>
+                <a:gd name="connsiteX7" fmla="*/ 0 w 656254"/>
+                <a:gd name="connsiteY7" fmla="*/ 0 h 948039"/>
+                <a:gd name="connsiteX0" fmla="*/ 0 w 668199"/>
+                <a:gd name="connsiteY0" fmla="*/ 0 h 962016"/>
+                <a:gd name="connsiteX1" fmla="*/ 139700 w 668199"/>
+                <a:gd name="connsiteY1" fmla="*/ 254000 h 962016"/>
+                <a:gd name="connsiteX2" fmla="*/ 342900 w 668199"/>
+                <a:gd name="connsiteY2" fmla="*/ 304800 h 962016"/>
+                <a:gd name="connsiteX3" fmla="*/ 444500 w 668199"/>
+                <a:gd name="connsiteY3" fmla="*/ 381000 h 962016"/>
+                <a:gd name="connsiteX4" fmla="*/ 558800 w 668199"/>
+                <a:gd name="connsiteY4" fmla="*/ 584200 h 962016"/>
+                <a:gd name="connsiteX5" fmla="*/ 647700 w 668199"/>
+                <a:gd name="connsiteY5" fmla="*/ 901700 h 962016"/>
+                <a:gd name="connsiteX6" fmla="*/ 647700 w 668199"/>
+                <a:gd name="connsiteY6" fmla="*/ 939800 h 962016"/>
+                <a:gd name="connsiteX7" fmla="*/ 336550 w 668199"/>
+                <a:gd name="connsiteY7" fmla="*/ 742950 h 962016"/>
+                <a:gd name="connsiteX8" fmla="*/ 0 w 668199"/>
+                <a:gd name="connsiteY8" fmla="*/ 0 h 962016"/>
+                <a:gd name="connsiteX0" fmla="*/ 0 w 668199"/>
+                <a:gd name="connsiteY0" fmla="*/ 0 h 962016"/>
+                <a:gd name="connsiteX1" fmla="*/ 139700 w 668199"/>
+                <a:gd name="connsiteY1" fmla="*/ 254000 h 962016"/>
+                <a:gd name="connsiteX2" fmla="*/ 342900 w 668199"/>
+                <a:gd name="connsiteY2" fmla="*/ 304800 h 962016"/>
+                <a:gd name="connsiteX3" fmla="*/ 444500 w 668199"/>
+                <a:gd name="connsiteY3" fmla="*/ 381000 h 962016"/>
+                <a:gd name="connsiteX4" fmla="*/ 558800 w 668199"/>
+                <a:gd name="connsiteY4" fmla="*/ 584200 h 962016"/>
+                <a:gd name="connsiteX5" fmla="*/ 647700 w 668199"/>
+                <a:gd name="connsiteY5" fmla="*/ 901700 h 962016"/>
+                <a:gd name="connsiteX6" fmla="*/ 647700 w 668199"/>
+                <a:gd name="connsiteY6" fmla="*/ 939800 h 962016"/>
+                <a:gd name="connsiteX7" fmla="*/ 336550 w 668199"/>
+                <a:gd name="connsiteY7" fmla="*/ 742950 h 962016"/>
+                <a:gd name="connsiteX8" fmla="*/ 107950 w 668199"/>
+                <a:gd name="connsiteY8" fmla="*/ 438149 h 962016"/>
+                <a:gd name="connsiteX9" fmla="*/ 0 w 668199"/>
+                <a:gd name="connsiteY9" fmla="*/ 0 h 962016"/>
+                <a:gd name="connsiteX0" fmla="*/ 0 w 680676"/>
+                <a:gd name="connsiteY0" fmla="*/ 0 h 957805"/>
+                <a:gd name="connsiteX1" fmla="*/ 139700 w 680676"/>
+                <a:gd name="connsiteY1" fmla="*/ 254000 h 957805"/>
+                <a:gd name="connsiteX2" fmla="*/ 342900 w 680676"/>
+                <a:gd name="connsiteY2" fmla="*/ 304800 h 957805"/>
+                <a:gd name="connsiteX3" fmla="*/ 444500 w 680676"/>
+                <a:gd name="connsiteY3" fmla="*/ 381000 h 957805"/>
+                <a:gd name="connsiteX4" fmla="*/ 558800 w 680676"/>
+                <a:gd name="connsiteY4" fmla="*/ 584200 h 957805"/>
+                <a:gd name="connsiteX5" fmla="*/ 647700 w 680676"/>
+                <a:gd name="connsiteY5" fmla="*/ 901700 h 957805"/>
+                <a:gd name="connsiteX6" fmla="*/ 647700 w 680676"/>
+                <a:gd name="connsiteY6" fmla="*/ 939800 h 957805"/>
+                <a:gd name="connsiteX7" fmla="*/ 336550 w 680676"/>
+                <a:gd name="connsiteY7" fmla="*/ 742950 h 957805"/>
+                <a:gd name="connsiteX8" fmla="*/ 107950 w 680676"/>
+                <a:gd name="connsiteY8" fmla="*/ 438149 h 957805"/>
+                <a:gd name="connsiteX9" fmla="*/ 0 w 680676"/>
+                <a:gd name="connsiteY9" fmla="*/ 0 h 957805"/>
+              </a:gdLst>
+              <a:ahLst/>
+              <a:cxnLst>
+                <a:cxn ang="0">
+                  <a:pos x="connsiteX0" y="connsiteY0"/>
+                </a:cxn>
+                <a:cxn ang="0">
+                  <a:pos x="connsiteX1" y="connsiteY1"/>
+                </a:cxn>
+                <a:cxn ang="0">
+                  <a:pos x="connsiteX2" y="connsiteY2"/>
+                </a:cxn>
+                <a:cxn ang="0">
+                  <a:pos x="connsiteX3" y="connsiteY3"/>
+                </a:cxn>
+                <a:cxn ang="0">
+                  <a:pos x="connsiteX4" y="connsiteY4"/>
+                </a:cxn>
+                <a:cxn ang="0">
+                  <a:pos x="connsiteX5" y="connsiteY5"/>
+                </a:cxn>
+                <a:cxn ang="0">
+                  <a:pos x="connsiteX6" y="connsiteY6"/>
+                </a:cxn>
+                <a:cxn ang="0">
+                  <a:pos x="connsiteX7" y="connsiteY7"/>
+                </a:cxn>
+                <a:cxn ang="0">
+                  <a:pos x="connsiteX8" y="connsiteY8"/>
+                </a:cxn>
+                <a:cxn ang="0">
+                  <a:pos x="connsiteX9" y="connsiteY9"/>
+                </a:cxn>
+              </a:cxnLst>
+              <a:rect l="l" t="t" r="r" b="b"/>
+              <a:pathLst>
+                <a:path w="680676" h="957805">
+                  <a:moveTo>
+                    <a:pt x="0" y="0"/>
+                  </a:moveTo>
+                  <a:cubicBezTo>
+                    <a:pt x="41275" y="101600"/>
+                    <a:pt x="82550" y="203200"/>
+                    <a:pt x="139700" y="254000"/>
+                  </a:cubicBezTo>
+                  <a:cubicBezTo>
+                    <a:pt x="196850" y="304800"/>
+                    <a:pt x="292100" y="283633"/>
+                    <a:pt x="342900" y="304800"/>
+                  </a:cubicBezTo>
+                  <a:cubicBezTo>
+                    <a:pt x="393700" y="325967"/>
+                    <a:pt x="408517" y="334433"/>
+                    <a:pt x="444500" y="381000"/>
+                  </a:cubicBezTo>
+                  <a:cubicBezTo>
+                    <a:pt x="480483" y="427567"/>
+                    <a:pt x="524933" y="497417"/>
+                    <a:pt x="558800" y="584200"/>
+                  </a:cubicBezTo>
+                  <a:cubicBezTo>
+                    <a:pt x="592667" y="670983"/>
+                    <a:pt x="632883" y="842433"/>
+                    <a:pt x="647700" y="901700"/>
+                  </a:cubicBezTo>
+                  <a:cubicBezTo>
+                    <a:pt x="662517" y="960967"/>
+                    <a:pt x="713846" y="972608"/>
+                    <a:pt x="647700" y="939800"/>
+                  </a:cubicBezTo>
+                  <a:cubicBezTo>
+                    <a:pt x="610129" y="897467"/>
+                    <a:pt x="413808" y="829733"/>
+                    <a:pt x="336550" y="742950"/>
+                  </a:cubicBezTo>
+                  <a:cubicBezTo>
+                    <a:pt x="259292" y="656167"/>
+                    <a:pt x="164042" y="561974"/>
+                    <a:pt x="107950" y="438149"/>
+                  </a:cubicBezTo>
+                  <a:cubicBezTo>
+                    <a:pt x="51858" y="314324"/>
+                    <a:pt x="7408" y="27516"/>
+                    <a:pt x="0" y="0"/>
+                  </a:cubicBezTo>
+                  <a:close/>
+                </a:path>
+              </a:pathLst>
+            </a:custGeom>
+            <a:solidFill>
+              <a:schemeClr val="accent1">
+                <a:lumMod val="75000"/>
+              </a:schemeClr>
+            </a:solidFill>
+            <a:ln w="57150"/>
+          </p:spPr>
+          <p:style>
+            <a:lnRef idx="2">
+              <a:schemeClr val="accent1">
+                <a:shade val="50000"/>
+              </a:schemeClr>
+            </a:lnRef>
+            <a:fillRef idx="1">
+              <a:schemeClr val="accent1"/>
+            </a:fillRef>
+            <a:effectRef idx="0">
+              <a:schemeClr val="accent1"/>
+            </a:effectRef>
+            <a:fontRef idx="minor">
+              <a:schemeClr val="lt1"/>
+            </a:fontRef>
+          </p:style>
+          <p:txBody>
+            <a:bodyPr rtlCol="0" anchor="ctr"/>
+            <a:lstStyle/>
+            <a:p>
+              <a:pPr algn="ctr"/>
+              <a:endParaRPr lang="it-IT"/>
+            </a:p>
+          </p:txBody>
+        </p:sp>
+        <p:grpSp>
+          <p:nvGrpSpPr>
+            <p:cNvPr id="19" name="Gruppo 18"/>
+            <p:cNvGrpSpPr/>
+            <p:nvPr/>
+          </p:nvGrpSpPr>
+          <p:grpSpPr>
+            <a:xfrm>
+              <a:off x="5328144" y="1460738"/>
+              <a:ext cx="1080000" cy="2160000"/>
+              <a:chOff x="2195736" y="4005064"/>
+              <a:chExt cx="663319" cy="1249791"/>
+            </a:xfrm>
+          </p:grpSpPr>
+          <p:sp>
+            <p:nvSpPr>
+              <p:cNvPr id="20" name="Cuore 44"/>
+              <p:cNvSpPr/>
+              <p:nvPr/>
+            </p:nvSpPr>
+            <p:spPr>
+              <a:xfrm>
+                <a:off x="2195736" y="4005064"/>
+                <a:ext cx="648000" cy="1249791"/>
+              </a:xfrm>
+              <a:custGeom>
+                <a:avLst/>
+                <a:gdLst>
+                  <a:gd name="connsiteX0" fmla="*/ 828092 w 1656184"/>
+                  <a:gd name="connsiteY0" fmla="*/ 432048 h 1728192"/>
+                  <a:gd name="connsiteX1" fmla="*/ 828092 w 1656184"/>
+                  <a:gd name="connsiteY1" fmla="*/ 1728192 h 1728192"/>
+                  <a:gd name="connsiteX2" fmla="*/ 828092 w 1656184"/>
+                  <a:gd name="connsiteY2" fmla="*/ 432048 h 1728192"/>
+                  <a:gd name="connsiteX0" fmla="*/ 827477 w 1668278"/>
+                  <a:gd name="connsiteY0" fmla="*/ 533452 h 1329082"/>
+                  <a:gd name="connsiteX1" fmla="*/ 837102 w 1668278"/>
+                  <a:gd name="connsiteY1" fmla="*/ 1329082 h 1329082"/>
+                  <a:gd name="connsiteX2" fmla="*/ 827477 w 1668278"/>
+                  <a:gd name="connsiteY2" fmla="*/ 533452 h 1329082"/>
+                  <a:gd name="connsiteX0" fmla="*/ 834130 w 1668259"/>
+                  <a:gd name="connsiteY0" fmla="*/ 420315 h 1668332"/>
+                  <a:gd name="connsiteX1" fmla="*/ 834130 w 1668259"/>
+                  <a:gd name="connsiteY1" fmla="*/ 1668332 h 1668332"/>
+                  <a:gd name="connsiteX2" fmla="*/ 834130 w 1668259"/>
+                  <a:gd name="connsiteY2" fmla="*/ 420315 h 1668332"/>
+                  <a:gd name="connsiteX0" fmla="*/ 834130 w 1589513"/>
+                  <a:gd name="connsiteY0" fmla="*/ 420315 h 1668332"/>
+                  <a:gd name="connsiteX1" fmla="*/ 834130 w 1589513"/>
+                  <a:gd name="connsiteY1" fmla="*/ 1668332 h 1668332"/>
+                  <a:gd name="connsiteX2" fmla="*/ 834130 w 1589513"/>
+                  <a:gd name="connsiteY2" fmla="*/ 420315 h 1668332"/>
+                  <a:gd name="connsiteX0" fmla="*/ 748958 w 1504341"/>
+                  <a:gd name="connsiteY0" fmla="*/ 1774 h 1249791"/>
+                  <a:gd name="connsiteX1" fmla="*/ 748958 w 1504341"/>
+                  <a:gd name="connsiteY1" fmla="*/ 1249791 h 1249791"/>
+                  <a:gd name="connsiteX2" fmla="*/ 748958 w 1504341"/>
+                  <a:gd name="connsiteY2" fmla="*/ 1774 h 1249791"/>
+                </a:gdLst>
+                <a:ahLst/>
+                <a:cxnLst>
+                  <a:cxn ang="0">
+                    <a:pos x="connsiteX0" y="connsiteY0"/>
+                  </a:cxn>
+                  <a:cxn ang="0">
+                    <a:pos x="connsiteX1" y="connsiteY1"/>
+                  </a:cxn>
+                  <a:cxn ang="0">
+                    <a:pos x="connsiteX2" y="connsiteY2"/>
+                  </a:cxn>
+                </a:cxnLst>
+                <a:rect l="l" t="t" r="r" b="b"/>
+                <a:pathLst>
+                  <a:path w="1504341" h="1249791">
+                    <a:moveTo>
+                      <a:pt x="748958" y="1774"/>
+                    </a:moveTo>
+                    <a:cubicBezTo>
+                      <a:pt x="766737" y="4315"/>
+                      <a:pt x="2439646" y="-46353"/>
+                      <a:pt x="748958" y="1249791"/>
+                    </a:cubicBezTo>
+                    <a:cubicBezTo>
+                      <a:pt x="-941730" y="-46353"/>
+                      <a:pt x="760054" y="-5311"/>
+                      <a:pt x="748958" y="1774"/>
+                    </a:cubicBezTo>
+                    <a:close/>
+                  </a:path>
+                </a:pathLst>
+              </a:custGeom>
+              <a:solidFill>
+                <a:schemeClr val="tx2">
+                  <a:lumMod val="40000"/>
+                  <a:lumOff val="60000"/>
+                </a:schemeClr>
+              </a:solidFill>
+              <a:ln>
+                <a:noFill/>
+              </a:ln>
+              <a:effectLst>
+                <a:outerShdw blurRad="50800" dist="38100" dir="2700000" algn="tl" rotWithShape="0">
+                  <a:prstClr val="black">
+                    <a:alpha val="40000"/>
+                  </a:prstClr>
+                </a:outerShdw>
+              </a:effectLst>
+            </p:spPr>
+            <p:style>
+              <a:lnRef idx="2">
+                <a:schemeClr val="accent1">
+                  <a:shade val="50000"/>
+                </a:schemeClr>
+              </a:lnRef>
+              <a:fillRef idx="1">
+                <a:schemeClr val="accent1"/>
+              </a:fillRef>
+              <a:effectRef idx="0">
+                <a:schemeClr val="accent1"/>
+              </a:effectRef>
+              <a:fontRef idx="minor">
+                <a:schemeClr val="lt1"/>
+              </a:fontRef>
+            </p:style>
+            <p:txBody>
+              <a:bodyPr rtlCol="0" anchor="ctr"/>
+              <a:lstStyle/>
+              <a:p>
+                <a:pPr algn="ctr"/>
+                <a:endParaRPr lang="it-IT"/>
+              </a:p>
+            </p:txBody>
+          </p:sp>
+          <p:sp>
+            <p:nvSpPr>
+              <p:cNvPr id="21" name="Ovale 20"/>
+              <p:cNvSpPr/>
+              <p:nvPr/>
+            </p:nvSpPr>
+            <p:spPr>
+              <a:xfrm>
+                <a:off x="2411760" y="4281918"/>
+                <a:ext cx="245913" cy="245913"/>
+              </a:xfrm>
+              <a:prstGeom prst="ellipse">
+                <a:avLst/>
+              </a:prstGeom>
+              <a:solidFill>
+                <a:schemeClr val="bg1"/>
+              </a:solidFill>
+              <a:ln>
+                <a:noFill/>
+              </a:ln>
+            </p:spPr>
+            <p:style>
+              <a:lnRef idx="2">
+                <a:schemeClr val="accent1">
+                  <a:shade val="50000"/>
+                </a:schemeClr>
+              </a:lnRef>
+              <a:fillRef idx="1">
+                <a:schemeClr val="accent1"/>
+              </a:fillRef>
+              <a:effectRef idx="0">
+                <a:schemeClr val="accent1"/>
+              </a:effectRef>
+              <a:fontRef idx="minor">
+                <a:schemeClr val="lt1"/>
+              </a:fontRef>
+            </p:style>
+            <p:txBody>
+              <a:bodyPr rtlCol="0" anchor="ctr"/>
+              <a:lstStyle/>
+              <a:p>
+                <a:pPr algn="ctr"/>
+                <a:endParaRPr lang="it-IT"/>
+              </a:p>
+            </p:txBody>
+          </p:sp>
+          <p:sp>
+            <p:nvSpPr>
+              <p:cNvPr id="22" name="Figura a mano libera 21"/>
+              <p:cNvSpPr/>
+              <p:nvPr/>
+            </p:nvSpPr>
+            <p:spPr>
+              <a:xfrm>
+                <a:off x="2211055" y="4523511"/>
+                <a:ext cx="648000" cy="144000"/>
+              </a:xfrm>
+              <a:custGeom>
+                <a:avLst/>
+                <a:gdLst>
+                  <a:gd name="connsiteX0" fmla="*/ 0 w 1549668"/>
+                  <a:gd name="connsiteY0" fmla="*/ 722824 h 761325"/>
+                  <a:gd name="connsiteX1" fmla="*/ 481264 w 1549668"/>
+                  <a:gd name="connsiteY1" fmla="*/ 116432 h 761325"/>
+                  <a:gd name="connsiteX2" fmla="*/ 770021 w 1549668"/>
+                  <a:gd name="connsiteY2" fmla="*/ 929 h 761325"/>
+                  <a:gd name="connsiteX3" fmla="*/ 1010653 w 1549668"/>
+                  <a:gd name="connsiteY3" fmla="*/ 135683 h 761325"/>
+                  <a:gd name="connsiteX4" fmla="*/ 1549668 w 1549668"/>
+                  <a:gd name="connsiteY4" fmla="*/ 761325 h 761325"/>
+                </a:gdLst>
+                <a:ahLst/>
+                <a:cxnLst>
+                  <a:cxn ang="0">
+                    <a:pos x="connsiteX0" y="connsiteY0"/>
+                  </a:cxn>
+                  <a:cxn ang="0">
+                    <a:pos x="connsiteX1" y="connsiteY1"/>
+                  </a:cxn>
+                  <a:cxn ang="0">
+                    <a:pos x="connsiteX2" y="connsiteY2"/>
+                  </a:cxn>
+                  <a:cxn ang="0">
+                    <a:pos x="connsiteX3" y="connsiteY3"/>
+                  </a:cxn>
+                  <a:cxn ang="0">
+                    <a:pos x="connsiteX4" y="connsiteY4"/>
+                  </a:cxn>
+                </a:cxnLst>
+                <a:rect l="l" t="t" r="r" b="b"/>
+                <a:pathLst>
+                  <a:path w="1549668" h="761325">
+                    <a:moveTo>
+                      <a:pt x="0" y="722824"/>
+                    </a:moveTo>
+                    <a:cubicBezTo>
+                      <a:pt x="176463" y="479786"/>
+                      <a:pt x="352927" y="236748"/>
+                      <a:pt x="481264" y="116432"/>
+                    </a:cubicBezTo>
+                    <a:cubicBezTo>
+                      <a:pt x="609601" y="-3884"/>
+                      <a:pt x="681790" y="-2279"/>
+                      <a:pt x="770021" y="929"/>
+                    </a:cubicBezTo>
+                    <a:cubicBezTo>
+                      <a:pt x="858252" y="4137"/>
+                      <a:pt x="880712" y="8950"/>
+                      <a:pt x="1010653" y="135683"/>
+                    </a:cubicBezTo>
+                    <a:cubicBezTo>
+                      <a:pt x="1140594" y="262416"/>
+                      <a:pt x="1345131" y="511870"/>
+                      <a:pt x="1549668" y="761325"/>
+                    </a:cubicBezTo>
+                  </a:path>
+                </a:pathLst>
+              </a:custGeom>
+              <a:noFill/>
+              <a:ln w="57150">
+                <a:solidFill>
+                  <a:schemeClr val="bg1"/>
+                </a:solidFill>
+              </a:ln>
+            </p:spPr>
+            <p:style>
+              <a:lnRef idx="2">
+                <a:schemeClr val="accent1">
+                  <a:shade val="50000"/>
+                </a:schemeClr>
+              </a:lnRef>
+              <a:fillRef idx="1">
+                <a:schemeClr val="accent1"/>
+              </a:fillRef>
+              <a:effectRef idx="0">
+                <a:schemeClr val="accent1"/>
+              </a:effectRef>
+              <a:fontRef idx="minor">
+                <a:schemeClr val="lt1"/>
+              </a:fontRef>
+            </p:style>
+            <p:txBody>
+              <a:bodyPr rtlCol="0" anchor="ctr"/>
+              <a:lstStyle/>
+              <a:p>
+                <a:pPr algn="ctr"/>
+                <a:endParaRPr lang="it-IT"/>
+              </a:p>
+            </p:txBody>
+          </p:sp>
+          <p:sp>
+            <p:nvSpPr>
+              <p:cNvPr id="23" name="Cuore 44"/>
+              <p:cNvSpPr/>
+              <p:nvPr/>
+            </p:nvSpPr>
+            <p:spPr>
+              <a:xfrm>
+                <a:off x="2440865" y="4509120"/>
+                <a:ext cx="187703" cy="271992"/>
+              </a:xfrm>
+              <a:custGeom>
+                <a:avLst/>
+                <a:gdLst>
+                  <a:gd name="connsiteX0" fmla="*/ 828092 w 1656184"/>
+                  <a:gd name="connsiteY0" fmla="*/ 432048 h 1728192"/>
+                  <a:gd name="connsiteX1" fmla="*/ 828092 w 1656184"/>
+                  <a:gd name="connsiteY1" fmla="*/ 1728192 h 1728192"/>
+                  <a:gd name="connsiteX2" fmla="*/ 828092 w 1656184"/>
+                  <a:gd name="connsiteY2" fmla="*/ 432048 h 1728192"/>
+                  <a:gd name="connsiteX0" fmla="*/ 827477 w 1668278"/>
+                  <a:gd name="connsiteY0" fmla="*/ 533452 h 1329082"/>
+                  <a:gd name="connsiteX1" fmla="*/ 837102 w 1668278"/>
+                  <a:gd name="connsiteY1" fmla="*/ 1329082 h 1329082"/>
+                  <a:gd name="connsiteX2" fmla="*/ 827477 w 1668278"/>
+                  <a:gd name="connsiteY2" fmla="*/ 533452 h 1329082"/>
+                  <a:gd name="connsiteX0" fmla="*/ 834130 w 1668259"/>
+                  <a:gd name="connsiteY0" fmla="*/ 420315 h 1668332"/>
+                  <a:gd name="connsiteX1" fmla="*/ 834130 w 1668259"/>
+                  <a:gd name="connsiteY1" fmla="*/ 1668332 h 1668332"/>
+                  <a:gd name="connsiteX2" fmla="*/ 834130 w 1668259"/>
+                  <a:gd name="connsiteY2" fmla="*/ 420315 h 1668332"/>
+                  <a:gd name="connsiteX0" fmla="*/ 834130 w 1589513"/>
+                  <a:gd name="connsiteY0" fmla="*/ 420315 h 1668332"/>
+                  <a:gd name="connsiteX1" fmla="*/ 834130 w 1589513"/>
+                  <a:gd name="connsiteY1" fmla="*/ 1668332 h 1668332"/>
+                  <a:gd name="connsiteX2" fmla="*/ 834130 w 1589513"/>
+                  <a:gd name="connsiteY2" fmla="*/ 420315 h 1668332"/>
+                  <a:gd name="connsiteX0" fmla="*/ 748958 w 1504341"/>
+                  <a:gd name="connsiteY0" fmla="*/ 1774 h 1249791"/>
+                  <a:gd name="connsiteX1" fmla="*/ 748958 w 1504341"/>
+                  <a:gd name="connsiteY1" fmla="*/ 1249791 h 1249791"/>
+                  <a:gd name="connsiteX2" fmla="*/ 748958 w 1504341"/>
+                  <a:gd name="connsiteY2" fmla="*/ 1774 h 1249791"/>
+                </a:gdLst>
+                <a:ahLst/>
+                <a:cxnLst>
+                  <a:cxn ang="0">
+                    <a:pos x="connsiteX0" y="connsiteY0"/>
+                  </a:cxn>
+                  <a:cxn ang="0">
+                    <a:pos x="connsiteX1" y="connsiteY1"/>
+                  </a:cxn>
+                  <a:cxn ang="0">
+                    <a:pos x="connsiteX2" y="connsiteY2"/>
+                  </a:cxn>
+                </a:cxnLst>
+                <a:rect l="l" t="t" r="r" b="b"/>
+                <a:pathLst>
+                  <a:path w="1504341" h="1249791">
+                    <a:moveTo>
+                      <a:pt x="748958" y="1774"/>
+                    </a:moveTo>
+                    <a:cubicBezTo>
+                      <a:pt x="766737" y="4315"/>
+                      <a:pt x="2439646" y="-46353"/>
+                      <a:pt x="748958" y="1249791"/>
+                    </a:cubicBezTo>
+                    <a:cubicBezTo>
+                      <a:pt x="-941730" y="-46353"/>
+                      <a:pt x="760054" y="-5311"/>
+                      <a:pt x="748958" y="1774"/>
+                    </a:cubicBezTo>
+                    <a:close/>
+                  </a:path>
+                </a:pathLst>
+              </a:custGeom>
+              <a:solidFill>
+                <a:schemeClr val="bg1"/>
+              </a:solidFill>
+              <a:ln>
+                <a:noFill/>
+              </a:ln>
+            </p:spPr>
+            <p:style>
+              <a:lnRef idx="2">
+                <a:schemeClr val="accent1">
+                  <a:shade val="50000"/>
+                </a:schemeClr>
+              </a:lnRef>
+              <a:fillRef idx="1">
+                <a:schemeClr val="accent1"/>
+              </a:fillRef>
+              <a:effectRef idx="0">
+                <a:schemeClr val="accent1"/>
+              </a:effectRef>
+              <a:fontRef idx="minor">
+                <a:schemeClr val="lt1"/>
+              </a:fontRef>
+            </p:style>
+            <p:txBody>
+              <a:bodyPr rtlCol="0" anchor="ctr"/>
+              <a:lstStyle/>
+              <a:p>
+                <a:pPr algn="ctr"/>
+                <a:endParaRPr lang="it-IT"/>
+              </a:p>
+            </p:txBody>
+          </p:sp>
+        </p:grpSp>
+      </p:grpSp>
     </p:spTree>
     <p:extLst>
       <p:ext uri="{BB962C8B-B14F-4D97-AF65-F5344CB8AC3E}">
@@ -3620,6 +5555,13 @@
   <p:clrMapOvr>
     <a:masterClrMapping/>
   </p:clrMapOvr>
+  <p:timing>
+    <p:tnLst>
+      <p:par>
+        <p:cTn id="1" dur="indefinite" restart="never" nodeType="tmRoot"/>
+      </p:par>
+    </p:tnLst>
+  </p:timing>
 </p:sld>
 </file>
 
@@ -3642,36 +5584,158 @@
       </p:grpSpPr>
       <p:grpSp>
         <p:nvGrpSpPr>
-          <p:cNvPr id="4" name="Gruppo 3"/>
+          <p:cNvPr id="15" name="Gruppo 14"/>
           <p:cNvGrpSpPr/>
           <p:nvPr/>
         </p:nvGrpSpPr>
         <p:grpSpPr>
           <a:xfrm>
-            <a:off x="1547664" y="1833633"/>
-            <a:ext cx="1706488" cy="1736679"/>
-            <a:chOff x="3635896" y="1627708"/>
-            <a:chExt cx="2520281" cy="2521372"/>
+            <a:off x="996452" y="1678858"/>
+            <a:ext cx="2448000" cy="2511539"/>
+            <a:chOff x="978770" y="536114"/>
+            <a:chExt cx="2448000" cy="2511539"/>
           </a:xfrm>
         </p:grpSpPr>
         <p:sp>
           <p:nvSpPr>
-            <p:cNvPr id="5" name="Ovale 4"/>
+            <p:cNvPr id="18" name="Rettangolo 17"/>
             <p:cNvSpPr/>
             <p:nvPr/>
           </p:nvSpPr>
           <p:spPr>
             <a:xfrm>
-              <a:off x="4292433" y="1628799"/>
-              <a:ext cx="1207203" cy="2520281"/>
+              <a:off x="978770" y="536114"/>
+              <a:ext cx="2448000" cy="2448000"/>
+            </a:xfrm>
+            <a:prstGeom prst="rect">
+              <a:avLst/>
+            </a:prstGeom>
+            <a:solidFill>
+              <a:schemeClr val="bg1"/>
+            </a:solidFill>
+            <a:ln>
+              <a:noFill/>
+            </a:ln>
+          </p:spPr>
+          <p:style>
+            <a:lnRef idx="2">
+              <a:schemeClr val="accent1">
+                <a:shade val="50000"/>
+              </a:schemeClr>
+            </a:lnRef>
+            <a:fillRef idx="1">
+              <a:schemeClr val="accent1"/>
+            </a:fillRef>
+            <a:effectRef idx="0">
+              <a:schemeClr val="accent1"/>
+            </a:effectRef>
+            <a:fontRef idx="minor">
+              <a:schemeClr val="lt1"/>
+            </a:fontRef>
+          </p:style>
+          <p:txBody>
+            <a:bodyPr rtlCol="0" anchor="ctr"/>
+            <a:lstStyle/>
+            <a:p>
+              <a:pPr algn="ctr"/>
+              <a:endParaRPr lang="it-IT"/>
+            </a:p>
+          </p:txBody>
+        </p:sp>
+        <p:sp>
+          <p:nvSpPr>
+            <p:cNvPr id="19" name="Ovale 18"/>
+            <p:cNvSpPr/>
+            <p:nvPr/>
+          </p:nvSpPr>
+          <p:spPr>
+            <a:xfrm>
+              <a:off x="1115616" y="791286"/>
+              <a:ext cx="2160240" cy="2160240"/>
+            </a:xfrm>
+            <a:prstGeom prst="ellipse">
+              <a:avLst/>
+            </a:prstGeom>
+            <a:solidFill>
+              <a:schemeClr val="accent1">
+                <a:lumMod val="20000"/>
+                <a:lumOff val="80000"/>
+              </a:schemeClr>
+            </a:solidFill>
+            <a:ln w="57150"/>
+          </p:spPr>
+          <p:style>
+            <a:lnRef idx="2">
+              <a:schemeClr val="accent1">
+                <a:shade val="50000"/>
+              </a:schemeClr>
+            </a:lnRef>
+            <a:fillRef idx="1">
+              <a:schemeClr val="accent1"/>
+            </a:fillRef>
+            <a:effectRef idx="0">
+              <a:schemeClr val="accent1"/>
+            </a:effectRef>
+            <a:fontRef idx="minor">
+              <a:schemeClr val="lt1"/>
+            </a:fontRef>
+          </p:style>
+          <p:txBody>
+            <a:bodyPr rtlCol="0" anchor="ctr"/>
+            <a:lstStyle/>
+            <a:p>
+              <a:pPr algn="ctr"/>
+              <a:endParaRPr lang="it-IT"/>
+            </a:p>
+          </p:txBody>
+        </p:sp>
+        <p:pic>
+          <p:nvPicPr>
+            <p:cNvPr id="20" name="Immagine 19"/>
+            <p:cNvPicPr>
+              <a:picLocks noChangeAspect="1"/>
+            </p:cNvPicPr>
+            <p:nvPr/>
+          </p:nvPicPr>
+          <p:blipFill rotWithShape="1">
+            <a:blip r:embed="rId2">
+              <a:extLst>
+                <a:ext uri="{28A0092B-C50C-407E-A947-70E740481C1C}">
+                  <a14:useLocalDpi xmlns:a14="http://schemas.microsoft.com/office/drawing/2010/main" val="0"/>
+                </a:ext>
+              </a:extLst>
+            </a:blip>
+            <a:srcRect l="12759" r="23406"/>
+            <a:stretch/>
+          </p:blipFill>
+          <p:spPr>
+            <a:xfrm>
+              <a:off x="1115616" y="1207804"/>
+              <a:ext cx="2160240" cy="1647331"/>
+            </a:xfrm>
+            <a:prstGeom prst="rect">
+              <a:avLst/>
+            </a:prstGeom>
+          </p:spPr>
+        </p:pic>
+        <p:sp>
+          <p:nvSpPr>
+            <p:cNvPr id="21" name="Ovale 20"/>
+            <p:cNvSpPr/>
+            <p:nvPr/>
+          </p:nvSpPr>
+          <p:spPr>
+            <a:xfrm>
+              <a:off x="1062914" y="729059"/>
+              <a:ext cx="2268000" cy="2268000"/>
             </a:xfrm>
             <a:prstGeom prst="ellipse">
               <a:avLst/>
             </a:prstGeom>
             <a:noFill/>
-            <a:ln w="57150">
+            <a:ln w="76200">
               <a:solidFill>
-                <a:schemeClr val="tx1"/>
+                <a:schemeClr val="bg1"/>
               </a:solidFill>
             </a:ln>
           </p:spPr>
@@ -3702,22 +5766,1808 @@
         </p:sp>
         <p:sp>
           <p:nvSpPr>
-            <p:cNvPr id="6" name="Ovale 5"/>
+            <p:cNvPr id="22" name="Ovale 21"/>
             <p:cNvSpPr/>
             <p:nvPr/>
           </p:nvSpPr>
           <p:spPr>
-            <a:xfrm rot="16200000">
-              <a:off x="4292435" y="1664803"/>
-              <a:ext cx="1207204" cy="2520280"/>
+            <a:xfrm>
+              <a:off x="1005508" y="671653"/>
+              <a:ext cx="2376000" cy="2376000"/>
             </a:xfrm>
             <a:prstGeom prst="ellipse">
               <a:avLst/>
             </a:prstGeom>
             <a:noFill/>
-            <a:ln w="57150">
+            <a:ln w="76200">
               <a:solidFill>
-                <a:schemeClr val="tx1"/>
+                <a:schemeClr val="bg1"/>
+              </a:solidFill>
+            </a:ln>
+          </p:spPr>
+          <p:style>
+            <a:lnRef idx="2">
+              <a:schemeClr val="accent1">
+                <a:shade val="50000"/>
+              </a:schemeClr>
+            </a:lnRef>
+            <a:fillRef idx="1">
+              <a:schemeClr val="accent1"/>
+            </a:fillRef>
+            <a:effectRef idx="0">
+              <a:schemeClr val="accent1"/>
+            </a:effectRef>
+            <a:fontRef idx="minor">
+              <a:schemeClr val="lt1"/>
+            </a:fontRef>
+          </p:style>
+          <p:txBody>
+            <a:bodyPr rtlCol="0" anchor="ctr"/>
+            <a:lstStyle/>
+            <a:p>
+              <a:pPr algn="ctr"/>
+              <a:endParaRPr lang="it-IT"/>
+            </a:p>
+          </p:txBody>
+        </p:sp>
+        <p:pic>
+          <p:nvPicPr>
+            <p:cNvPr id="27" name="Immagine 26"/>
+            <p:cNvPicPr>
+              <a:picLocks noChangeAspect="1"/>
+            </p:cNvPicPr>
+            <p:nvPr/>
+          </p:nvPicPr>
+          <p:blipFill rotWithShape="1">
+            <a:blip r:embed="rId3">
+              <a:biLevel thresh="25000"/>
+              <a:extLst>
+                <a:ext uri="{BEBA8EAE-BF5A-486C-A8C5-ECC9F3942E4B}">
+                  <a14:imgProps xmlns:a14="http://schemas.microsoft.com/office/drawing/2010/main">
+                    <a14:imgLayer r:embed="rId4">
+                      <a14:imgEffect>
+                        <a14:saturation sat="0"/>
+                      </a14:imgEffect>
+                    </a14:imgLayer>
+                  </a14:imgProps>
+                </a:ext>
+                <a:ext uri="{28A0092B-C50C-407E-A947-70E740481C1C}">
+                  <a14:useLocalDpi xmlns:a14="http://schemas.microsoft.com/office/drawing/2010/main" val="0"/>
+                </a:ext>
+              </a:extLst>
+            </a:blip>
+            <a:srcRect l="57466" r="16921" b="83632"/>
+            <a:stretch/>
+          </p:blipFill>
+          <p:spPr>
+            <a:xfrm>
+              <a:off x="1652490" y="2575753"/>
+              <a:ext cx="1153678" cy="358875"/>
+            </a:xfrm>
+            <a:prstGeom prst="rect">
+              <a:avLst/>
+            </a:prstGeom>
+          </p:spPr>
+        </p:pic>
+        <p:sp>
+          <p:nvSpPr>
+            <p:cNvPr id="28" name="Ovale 27"/>
+            <p:cNvSpPr/>
+            <p:nvPr/>
+          </p:nvSpPr>
+          <p:spPr>
+            <a:xfrm>
+              <a:off x="1117880" y="781761"/>
+              <a:ext cx="2160240" cy="2160240"/>
+            </a:xfrm>
+            <a:prstGeom prst="ellipse">
+              <a:avLst/>
+            </a:prstGeom>
+            <a:noFill/>
+            <a:ln w="57150"/>
+          </p:spPr>
+          <p:style>
+            <a:lnRef idx="2">
+              <a:schemeClr val="accent1">
+                <a:shade val="50000"/>
+              </a:schemeClr>
+            </a:lnRef>
+            <a:fillRef idx="1">
+              <a:schemeClr val="accent1"/>
+            </a:fillRef>
+            <a:effectRef idx="0">
+              <a:schemeClr val="accent1"/>
+            </a:effectRef>
+            <a:fontRef idx="minor">
+              <a:schemeClr val="lt1"/>
+            </a:fontRef>
+          </p:style>
+          <p:txBody>
+            <a:bodyPr rtlCol="0" anchor="ctr"/>
+            <a:lstStyle/>
+            <a:p>
+              <a:pPr algn="ctr"/>
+              <a:endParaRPr lang="it-IT"/>
+            </a:p>
+          </p:txBody>
+        </p:sp>
+        <p:grpSp>
+          <p:nvGrpSpPr>
+            <p:cNvPr id="29" name="Gruppo 28"/>
+            <p:cNvGrpSpPr/>
+            <p:nvPr/>
+          </p:nvGrpSpPr>
+          <p:grpSpPr>
+            <a:xfrm>
+              <a:off x="1873643" y="1870201"/>
+              <a:ext cx="499861" cy="969704"/>
+              <a:chOff x="2195736" y="4005064"/>
+              <a:chExt cx="648000" cy="1249791"/>
+            </a:xfrm>
+          </p:grpSpPr>
+          <p:sp>
+            <p:nvSpPr>
+              <p:cNvPr id="45" name="Cuore 44"/>
+              <p:cNvSpPr/>
+              <p:nvPr/>
+            </p:nvSpPr>
+            <p:spPr>
+              <a:xfrm>
+                <a:off x="2195736" y="4005064"/>
+                <a:ext cx="648000" cy="1249791"/>
+              </a:xfrm>
+              <a:custGeom>
+                <a:avLst/>
+                <a:gdLst>
+                  <a:gd name="connsiteX0" fmla="*/ 828092 w 1656184"/>
+                  <a:gd name="connsiteY0" fmla="*/ 432048 h 1728192"/>
+                  <a:gd name="connsiteX1" fmla="*/ 828092 w 1656184"/>
+                  <a:gd name="connsiteY1" fmla="*/ 1728192 h 1728192"/>
+                  <a:gd name="connsiteX2" fmla="*/ 828092 w 1656184"/>
+                  <a:gd name="connsiteY2" fmla="*/ 432048 h 1728192"/>
+                  <a:gd name="connsiteX0" fmla="*/ 827477 w 1668278"/>
+                  <a:gd name="connsiteY0" fmla="*/ 533452 h 1329082"/>
+                  <a:gd name="connsiteX1" fmla="*/ 837102 w 1668278"/>
+                  <a:gd name="connsiteY1" fmla="*/ 1329082 h 1329082"/>
+                  <a:gd name="connsiteX2" fmla="*/ 827477 w 1668278"/>
+                  <a:gd name="connsiteY2" fmla="*/ 533452 h 1329082"/>
+                  <a:gd name="connsiteX0" fmla="*/ 834130 w 1668259"/>
+                  <a:gd name="connsiteY0" fmla="*/ 420315 h 1668332"/>
+                  <a:gd name="connsiteX1" fmla="*/ 834130 w 1668259"/>
+                  <a:gd name="connsiteY1" fmla="*/ 1668332 h 1668332"/>
+                  <a:gd name="connsiteX2" fmla="*/ 834130 w 1668259"/>
+                  <a:gd name="connsiteY2" fmla="*/ 420315 h 1668332"/>
+                  <a:gd name="connsiteX0" fmla="*/ 834130 w 1589513"/>
+                  <a:gd name="connsiteY0" fmla="*/ 420315 h 1668332"/>
+                  <a:gd name="connsiteX1" fmla="*/ 834130 w 1589513"/>
+                  <a:gd name="connsiteY1" fmla="*/ 1668332 h 1668332"/>
+                  <a:gd name="connsiteX2" fmla="*/ 834130 w 1589513"/>
+                  <a:gd name="connsiteY2" fmla="*/ 420315 h 1668332"/>
+                  <a:gd name="connsiteX0" fmla="*/ 748958 w 1504341"/>
+                  <a:gd name="connsiteY0" fmla="*/ 1774 h 1249791"/>
+                  <a:gd name="connsiteX1" fmla="*/ 748958 w 1504341"/>
+                  <a:gd name="connsiteY1" fmla="*/ 1249791 h 1249791"/>
+                  <a:gd name="connsiteX2" fmla="*/ 748958 w 1504341"/>
+                  <a:gd name="connsiteY2" fmla="*/ 1774 h 1249791"/>
+                </a:gdLst>
+                <a:ahLst/>
+                <a:cxnLst>
+                  <a:cxn ang="0">
+                    <a:pos x="connsiteX0" y="connsiteY0"/>
+                  </a:cxn>
+                  <a:cxn ang="0">
+                    <a:pos x="connsiteX1" y="connsiteY1"/>
+                  </a:cxn>
+                  <a:cxn ang="0">
+                    <a:pos x="connsiteX2" y="connsiteY2"/>
+                  </a:cxn>
+                </a:cxnLst>
+                <a:rect l="l" t="t" r="r" b="b"/>
+                <a:pathLst>
+                  <a:path w="1504341" h="1249791">
+                    <a:moveTo>
+                      <a:pt x="748958" y="1774"/>
+                    </a:moveTo>
+                    <a:cubicBezTo>
+                      <a:pt x="766737" y="4315"/>
+                      <a:pt x="2439646" y="-46353"/>
+                      <a:pt x="748958" y="1249791"/>
+                    </a:cubicBezTo>
+                    <a:cubicBezTo>
+                      <a:pt x="-941730" y="-46353"/>
+                      <a:pt x="760054" y="-5311"/>
+                      <a:pt x="748958" y="1774"/>
+                    </a:cubicBezTo>
+                    <a:close/>
+                  </a:path>
+                </a:pathLst>
+              </a:custGeom>
+              <a:solidFill>
+                <a:srgbClr val="00ACED"/>
+              </a:solidFill>
+              <a:ln>
+                <a:noFill/>
+              </a:ln>
+              <a:effectLst>
+                <a:outerShdw blurRad="50800" dist="38100" dir="2700000" algn="tl" rotWithShape="0">
+                  <a:prstClr val="black">
+                    <a:alpha val="40000"/>
+                  </a:prstClr>
+                </a:outerShdw>
+              </a:effectLst>
+            </p:spPr>
+            <p:style>
+              <a:lnRef idx="2">
+                <a:schemeClr val="accent1">
+                  <a:shade val="50000"/>
+                </a:schemeClr>
+              </a:lnRef>
+              <a:fillRef idx="1">
+                <a:schemeClr val="accent1"/>
+              </a:fillRef>
+              <a:effectRef idx="0">
+                <a:schemeClr val="accent1"/>
+              </a:effectRef>
+              <a:fontRef idx="minor">
+                <a:schemeClr val="lt1"/>
+              </a:fontRef>
+            </p:style>
+            <p:txBody>
+              <a:bodyPr rtlCol="0" anchor="ctr"/>
+              <a:lstStyle/>
+              <a:p>
+                <a:pPr algn="ctr"/>
+                <a:endParaRPr lang="it-IT"/>
+              </a:p>
+            </p:txBody>
+          </p:sp>
+          <p:sp>
+            <p:nvSpPr>
+              <p:cNvPr id="46" name="Ovale 45"/>
+              <p:cNvSpPr/>
+              <p:nvPr/>
+            </p:nvSpPr>
+            <p:spPr>
+              <a:xfrm>
+                <a:off x="2399412" y="4281918"/>
+                <a:ext cx="245913" cy="245913"/>
+              </a:xfrm>
+              <a:prstGeom prst="ellipse">
+                <a:avLst/>
+              </a:prstGeom>
+              <a:solidFill>
+                <a:schemeClr val="bg1"/>
+              </a:solidFill>
+              <a:ln>
+                <a:noFill/>
+              </a:ln>
+            </p:spPr>
+            <p:style>
+              <a:lnRef idx="2">
+                <a:schemeClr val="accent1">
+                  <a:shade val="50000"/>
+                </a:schemeClr>
+              </a:lnRef>
+              <a:fillRef idx="1">
+                <a:schemeClr val="accent1"/>
+              </a:fillRef>
+              <a:effectRef idx="0">
+                <a:schemeClr val="accent1"/>
+              </a:effectRef>
+              <a:fontRef idx="minor">
+                <a:schemeClr val="lt1"/>
+              </a:fontRef>
+            </p:style>
+            <p:txBody>
+              <a:bodyPr rtlCol="0" anchor="ctr"/>
+              <a:lstStyle/>
+              <a:p>
+                <a:pPr algn="ctr"/>
+                <a:endParaRPr lang="it-IT"/>
+              </a:p>
+            </p:txBody>
+          </p:sp>
+          <p:sp>
+            <p:nvSpPr>
+              <p:cNvPr id="47" name="Figura a mano libera 46"/>
+              <p:cNvSpPr/>
+              <p:nvPr/>
+            </p:nvSpPr>
+            <p:spPr>
+              <a:xfrm>
+                <a:off x="2254938" y="4523511"/>
+                <a:ext cx="535537" cy="144001"/>
+              </a:xfrm>
+              <a:custGeom>
+                <a:avLst/>
+                <a:gdLst>
+                  <a:gd name="connsiteX0" fmla="*/ 0 w 1549668"/>
+                  <a:gd name="connsiteY0" fmla="*/ 722824 h 761325"/>
+                  <a:gd name="connsiteX1" fmla="*/ 481264 w 1549668"/>
+                  <a:gd name="connsiteY1" fmla="*/ 116432 h 761325"/>
+                  <a:gd name="connsiteX2" fmla="*/ 770021 w 1549668"/>
+                  <a:gd name="connsiteY2" fmla="*/ 929 h 761325"/>
+                  <a:gd name="connsiteX3" fmla="*/ 1010653 w 1549668"/>
+                  <a:gd name="connsiteY3" fmla="*/ 135683 h 761325"/>
+                  <a:gd name="connsiteX4" fmla="*/ 1549668 w 1549668"/>
+                  <a:gd name="connsiteY4" fmla="*/ 761325 h 761325"/>
+                </a:gdLst>
+                <a:ahLst/>
+                <a:cxnLst>
+                  <a:cxn ang="0">
+                    <a:pos x="connsiteX0" y="connsiteY0"/>
+                  </a:cxn>
+                  <a:cxn ang="0">
+                    <a:pos x="connsiteX1" y="connsiteY1"/>
+                  </a:cxn>
+                  <a:cxn ang="0">
+                    <a:pos x="connsiteX2" y="connsiteY2"/>
+                  </a:cxn>
+                  <a:cxn ang="0">
+                    <a:pos x="connsiteX3" y="connsiteY3"/>
+                  </a:cxn>
+                  <a:cxn ang="0">
+                    <a:pos x="connsiteX4" y="connsiteY4"/>
+                  </a:cxn>
+                </a:cxnLst>
+                <a:rect l="l" t="t" r="r" b="b"/>
+                <a:pathLst>
+                  <a:path w="1549668" h="761325">
+                    <a:moveTo>
+                      <a:pt x="0" y="722824"/>
+                    </a:moveTo>
+                    <a:cubicBezTo>
+                      <a:pt x="176463" y="479786"/>
+                      <a:pt x="352927" y="236748"/>
+                      <a:pt x="481264" y="116432"/>
+                    </a:cubicBezTo>
+                    <a:cubicBezTo>
+                      <a:pt x="609601" y="-3884"/>
+                      <a:pt x="681790" y="-2279"/>
+                      <a:pt x="770021" y="929"/>
+                    </a:cubicBezTo>
+                    <a:cubicBezTo>
+                      <a:pt x="858252" y="4137"/>
+                      <a:pt x="880712" y="8950"/>
+                      <a:pt x="1010653" y="135683"/>
+                    </a:cubicBezTo>
+                    <a:cubicBezTo>
+                      <a:pt x="1140594" y="262416"/>
+                      <a:pt x="1345131" y="511870"/>
+                      <a:pt x="1549668" y="761325"/>
+                    </a:cubicBezTo>
+                  </a:path>
+                </a:pathLst>
+              </a:custGeom>
+              <a:noFill/>
+              <a:ln w="57150">
+                <a:solidFill>
+                  <a:schemeClr val="bg1"/>
+                </a:solidFill>
+              </a:ln>
+            </p:spPr>
+            <p:style>
+              <a:lnRef idx="2">
+                <a:schemeClr val="accent1">
+                  <a:shade val="50000"/>
+                </a:schemeClr>
+              </a:lnRef>
+              <a:fillRef idx="1">
+                <a:schemeClr val="accent1"/>
+              </a:fillRef>
+              <a:effectRef idx="0">
+                <a:schemeClr val="accent1"/>
+              </a:effectRef>
+              <a:fontRef idx="minor">
+                <a:schemeClr val="lt1"/>
+              </a:fontRef>
+            </p:style>
+            <p:txBody>
+              <a:bodyPr rtlCol="0" anchor="ctr"/>
+              <a:lstStyle/>
+              <a:p>
+                <a:pPr algn="ctr"/>
+                <a:endParaRPr lang="it-IT"/>
+              </a:p>
+            </p:txBody>
+          </p:sp>
+          <p:sp>
+            <p:nvSpPr>
+              <p:cNvPr id="48" name="Cuore 44"/>
+              <p:cNvSpPr/>
+              <p:nvPr/>
+            </p:nvSpPr>
+            <p:spPr>
+              <a:xfrm>
+                <a:off x="2440865" y="4509120"/>
+                <a:ext cx="187703" cy="271992"/>
+              </a:xfrm>
+              <a:custGeom>
+                <a:avLst/>
+                <a:gdLst>
+                  <a:gd name="connsiteX0" fmla="*/ 828092 w 1656184"/>
+                  <a:gd name="connsiteY0" fmla="*/ 432048 h 1728192"/>
+                  <a:gd name="connsiteX1" fmla="*/ 828092 w 1656184"/>
+                  <a:gd name="connsiteY1" fmla="*/ 1728192 h 1728192"/>
+                  <a:gd name="connsiteX2" fmla="*/ 828092 w 1656184"/>
+                  <a:gd name="connsiteY2" fmla="*/ 432048 h 1728192"/>
+                  <a:gd name="connsiteX0" fmla="*/ 827477 w 1668278"/>
+                  <a:gd name="connsiteY0" fmla="*/ 533452 h 1329082"/>
+                  <a:gd name="connsiteX1" fmla="*/ 837102 w 1668278"/>
+                  <a:gd name="connsiteY1" fmla="*/ 1329082 h 1329082"/>
+                  <a:gd name="connsiteX2" fmla="*/ 827477 w 1668278"/>
+                  <a:gd name="connsiteY2" fmla="*/ 533452 h 1329082"/>
+                  <a:gd name="connsiteX0" fmla="*/ 834130 w 1668259"/>
+                  <a:gd name="connsiteY0" fmla="*/ 420315 h 1668332"/>
+                  <a:gd name="connsiteX1" fmla="*/ 834130 w 1668259"/>
+                  <a:gd name="connsiteY1" fmla="*/ 1668332 h 1668332"/>
+                  <a:gd name="connsiteX2" fmla="*/ 834130 w 1668259"/>
+                  <a:gd name="connsiteY2" fmla="*/ 420315 h 1668332"/>
+                  <a:gd name="connsiteX0" fmla="*/ 834130 w 1589513"/>
+                  <a:gd name="connsiteY0" fmla="*/ 420315 h 1668332"/>
+                  <a:gd name="connsiteX1" fmla="*/ 834130 w 1589513"/>
+                  <a:gd name="connsiteY1" fmla="*/ 1668332 h 1668332"/>
+                  <a:gd name="connsiteX2" fmla="*/ 834130 w 1589513"/>
+                  <a:gd name="connsiteY2" fmla="*/ 420315 h 1668332"/>
+                  <a:gd name="connsiteX0" fmla="*/ 748958 w 1504341"/>
+                  <a:gd name="connsiteY0" fmla="*/ 1774 h 1249791"/>
+                  <a:gd name="connsiteX1" fmla="*/ 748958 w 1504341"/>
+                  <a:gd name="connsiteY1" fmla="*/ 1249791 h 1249791"/>
+                  <a:gd name="connsiteX2" fmla="*/ 748958 w 1504341"/>
+                  <a:gd name="connsiteY2" fmla="*/ 1774 h 1249791"/>
+                </a:gdLst>
+                <a:ahLst/>
+                <a:cxnLst>
+                  <a:cxn ang="0">
+                    <a:pos x="connsiteX0" y="connsiteY0"/>
+                  </a:cxn>
+                  <a:cxn ang="0">
+                    <a:pos x="connsiteX1" y="connsiteY1"/>
+                  </a:cxn>
+                  <a:cxn ang="0">
+                    <a:pos x="connsiteX2" y="connsiteY2"/>
+                  </a:cxn>
+                </a:cxnLst>
+                <a:rect l="l" t="t" r="r" b="b"/>
+                <a:pathLst>
+                  <a:path w="1504341" h="1249791">
+                    <a:moveTo>
+                      <a:pt x="748958" y="1774"/>
+                    </a:moveTo>
+                    <a:cubicBezTo>
+                      <a:pt x="766737" y="4315"/>
+                      <a:pt x="2439646" y="-46353"/>
+                      <a:pt x="748958" y="1249791"/>
+                    </a:cubicBezTo>
+                    <a:cubicBezTo>
+                      <a:pt x="-941730" y="-46353"/>
+                      <a:pt x="760054" y="-5311"/>
+                      <a:pt x="748958" y="1774"/>
+                    </a:cubicBezTo>
+                    <a:close/>
+                  </a:path>
+                </a:pathLst>
+              </a:custGeom>
+              <a:solidFill>
+                <a:schemeClr val="bg1"/>
+              </a:solidFill>
+              <a:ln>
+                <a:noFill/>
+              </a:ln>
+            </p:spPr>
+            <p:style>
+              <a:lnRef idx="2">
+                <a:schemeClr val="accent1">
+                  <a:shade val="50000"/>
+                </a:schemeClr>
+              </a:lnRef>
+              <a:fillRef idx="1">
+                <a:schemeClr val="accent1"/>
+              </a:fillRef>
+              <a:effectRef idx="0">
+                <a:schemeClr val="accent1"/>
+              </a:effectRef>
+              <a:fontRef idx="minor">
+                <a:schemeClr val="lt1"/>
+              </a:fontRef>
+            </p:style>
+            <p:txBody>
+              <a:bodyPr rtlCol="0" anchor="ctr"/>
+              <a:lstStyle/>
+              <a:p>
+                <a:pPr algn="ctr"/>
+                <a:endParaRPr lang="it-IT"/>
+              </a:p>
+            </p:txBody>
+          </p:sp>
+        </p:grpSp>
+        <p:grpSp>
+          <p:nvGrpSpPr>
+            <p:cNvPr id="30" name="Gruppo 29"/>
+            <p:cNvGrpSpPr/>
+            <p:nvPr/>
+          </p:nvGrpSpPr>
+          <p:grpSpPr>
+            <a:xfrm>
+              <a:off x="1120905" y="593825"/>
+              <a:ext cx="499861" cy="969704"/>
+              <a:chOff x="2195736" y="4005064"/>
+              <a:chExt cx="648000" cy="1249791"/>
+            </a:xfrm>
+          </p:grpSpPr>
+          <p:sp>
+            <p:nvSpPr>
+              <p:cNvPr id="41" name="Cuore 44"/>
+              <p:cNvSpPr/>
+              <p:nvPr/>
+            </p:nvSpPr>
+            <p:spPr>
+              <a:xfrm>
+                <a:off x="2195736" y="4005064"/>
+                <a:ext cx="648000" cy="1249791"/>
+              </a:xfrm>
+              <a:custGeom>
+                <a:avLst/>
+                <a:gdLst>
+                  <a:gd name="connsiteX0" fmla="*/ 828092 w 1656184"/>
+                  <a:gd name="connsiteY0" fmla="*/ 432048 h 1728192"/>
+                  <a:gd name="connsiteX1" fmla="*/ 828092 w 1656184"/>
+                  <a:gd name="connsiteY1" fmla="*/ 1728192 h 1728192"/>
+                  <a:gd name="connsiteX2" fmla="*/ 828092 w 1656184"/>
+                  <a:gd name="connsiteY2" fmla="*/ 432048 h 1728192"/>
+                  <a:gd name="connsiteX0" fmla="*/ 827477 w 1668278"/>
+                  <a:gd name="connsiteY0" fmla="*/ 533452 h 1329082"/>
+                  <a:gd name="connsiteX1" fmla="*/ 837102 w 1668278"/>
+                  <a:gd name="connsiteY1" fmla="*/ 1329082 h 1329082"/>
+                  <a:gd name="connsiteX2" fmla="*/ 827477 w 1668278"/>
+                  <a:gd name="connsiteY2" fmla="*/ 533452 h 1329082"/>
+                  <a:gd name="connsiteX0" fmla="*/ 834130 w 1668259"/>
+                  <a:gd name="connsiteY0" fmla="*/ 420315 h 1668332"/>
+                  <a:gd name="connsiteX1" fmla="*/ 834130 w 1668259"/>
+                  <a:gd name="connsiteY1" fmla="*/ 1668332 h 1668332"/>
+                  <a:gd name="connsiteX2" fmla="*/ 834130 w 1668259"/>
+                  <a:gd name="connsiteY2" fmla="*/ 420315 h 1668332"/>
+                  <a:gd name="connsiteX0" fmla="*/ 834130 w 1589513"/>
+                  <a:gd name="connsiteY0" fmla="*/ 420315 h 1668332"/>
+                  <a:gd name="connsiteX1" fmla="*/ 834130 w 1589513"/>
+                  <a:gd name="connsiteY1" fmla="*/ 1668332 h 1668332"/>
+                  <a:gd name="connsiteX2" fmla="*/ 834130 w 1589513"/>
+                  <a:gd name="connsiteY2" fmla="*/ 420315 h 1668332"/>
+                  <a:gd name="connsiteX0" fmla="*/ 748958 w 1504341"/>
+                  <a:gd name="connsiteY0" fmla="*/ 1774 h 1249791"/>
+                  <a:gd name="connsiteX1" fmla="*/ 748958 w 1504341"/>
+                  <a:gd name="connsiteY1" fmla="*/ 1249791 h 1249791"/>
+                  <a:gd name="connsiteX2" fmla="*/ 748958 w 1504341"/>
+                  <a:gd name="connsiteY2" fmla="*/ 1774 h 1249791"/>
+                </a:gdLst>
+                <a:ahLst/>
+                <a:cxnLst>
+                  <a:cxn ang="0">
+                    <a:pos x="connsiteX0" y="connsiteY0"/>
+                  </a:cxn>
+                  <a:cxn ang="0">
+                    <a:pos x="connsiteX1" y="connsiteY1"/>
+                  </a:cxn>
+                  <a:cxn ang="0">
+                    <a:pos x="connsiteX2" y="connsiteY2"/>
+                  </a:cxn>
+                </a:cxnLst>
+                <a:rect l="l" t="t" r="r" b="b"/>
+                <a:pathLst>
+                  <a:path w="1504341" h="1249791">
+                    <a:moveTo>
+                      <a:pt x="748958" y="1774"/>
+                    </a:moveTo>
+                    <a:cubicBezTo>
+                      <a:pt x="766737" y="4315"/>
+                      <a:pt x="2439646" y="-46353"/>
+                      <a:pt x="748958" y="1249791"/>
+                    </a:cubicBezTo>
+                    <a:cubicBezTo>
+                      <a:pt x="-941730" y="-46353"/>
+                      <a:pt x="760054" y="-5311"/>
+                      <a:pt x="748958" y="1774"/>
+                    </a:cubicBezTo>
+                    <a:close/>
+                  </a:path>
+                </a:pathLst>
+              </a:custGeom>
+              <a:solidFill>
+                <a:srgbClr val="D34836"/>
+              </a:solidFill>
+              <a:ln>
+                <a:noFill/>
+              </a:ln>
+              <a:effectLst>
+                <a:outerShdw blurRad="50800" dist="38100" dir="2700000" algn="tl" rotWithShape="0">
+                  <a:prstClr val="black">
+                    <a:alpha val="40000"/>
+                  </a:prstClr>
+                </a:outerShdw>
+              </a:effectLst>
+            </p:spPr>
+            <p:style>
+              <a:lnRef idx="2">
+                <a:schemeClr val="accent1">
+                  <a:shade val="50000"/>
+                </a:schemeClr>
+              </a:lnRef>
+              <a:fillRef idx="1">
+                <a:schemeClr val="accent1"/>
+              </a:fillRef>
+              <a:effectRef idx="0">
+                <a:schemeClr val="accent1"/>
+              </a:effectRef>
+              <a:fontRef idx="minor">
+                <a:schemeClr val="lt1"/>
+              </a:fontRef>
+            </p:style>
+            <p:txBody>
+              <a:bodyPr rtlCol="0" anchor="ctr"/>
+              <a:lstStyle/>
+              <a:p>
+                <a:pPr algn="ctr"/>
+                <a:endParaRPr lang="it-IT"/>
+              </a:p>
+            </p:txBody>
+          </p:sp>
+          <p:sp>
+            <p:nvSpPr>
+              <p:cNvPr id="42" name="Ovale 41"/>
+              <p:cNvSpPr/>
+              <p:nvPr/>
+            </p:nvSpPr>
+            <p:spPr>
+              <a:xfrm>
+                <a:off x="2399412" y="4281918"/>
+                <a:ext cx="245913" cy="245913"/>
+              </a:xfrm>
+              <a:prstGeom prst="ellipse">
+                <a:avLst/>
+              </a:prstGeom>
+              <a:solidFill>
+                <a:schemeClr val="bg1"/>
+              </a:solidFill>
+              <a:ln>
+                <a:noFill/>
+              </a:ln>
+            </p:spPr>
+            <p:style>
+              <a:lnRef idx="2">
+                <a:schemeClr val="accent1">
+                  <a:shade val="50000"/>
+                </a:schemeClr>
+              </a:lnRef>
+              <a:fillRef idx="1">
+                <a:schemeClr val="accent1"/>
+              </a:fillRef>
+              <a:effectRef idx="0">
+                <a:schemeClr val="accent1"/>
+              </a:effectRef>
+              <a:fontRef idx="minor">
+                <a:schemeClr val="lt1"/>
+              </a:fontRef>
+            </p:style>
+            <p:txBody>
+              <a:bodyPr rtlCol="0" anchor="ctr"/>
+              <a:lstStyle/>
+              <a:p>
+                <a:pPr algn="ctr"/>
+                <a:endParaRPr lang="it-IT"/>
+              </a:p>
+            </p:txBody>
+          </p:sp>
+          <p:sp>
+            <p:nvSpPr>
+              <p:cNvPr id="43" name="Figura a mano libera 42"/>
+              <p:cNvSpPr/>
+              <p:nvPr/>
+            </p:nvSpPr>
+            <p:spPr>
+              <a:xfrm>
+                <a:off x="2254938" y="4523511"/>
+                <a:ext cx="535537" cy="144001"/>
+              </a:xfrm>
+              <a:custGeom>
+                <a:avLst/>
+                <a:gdLst>
+                  <a:gd name="connsiteX0" fmla="*/ 0 w 1549668"/>
+                  <a:gd name="connsiteY0" fmla="*/ 722824 h 761325"/>
+                  <a:gd name="connsiteX1" fmla="*/ 481264 w 1549668"/>
+                  <a:gd name="connsiteY1" fmla="*/ 116432 h 761325"/>
+                  <a:gd name="connsiteX2" fmla="*/ 770021 w 1549668"/>
+                  <a:gd name="connsiteY2" fmla="*/ 929 h 761325"/>
+                  <a:gd name="connsiteX3" fmla="*/ 1010653 w 1549668"/>
+                  <a:gd name="connsiteY3" fmla="*/ 135683 h 761325"/>
+                  <a:gd name="connsiteX4" fmla="*/ 1549668 w 1549668"/>
+                  <a:gd name="connsiteY4" fmla="*/ 761325 h 761325"/>
+                </a:gdLst>
+                <a:ahLst/>
+                <a:cxnLst>
+                  <a:cxn ang="0">
+                    <a:pos x="connsiteX0" y="connsiteY0"/>
+                  </a:cxn>
+                  <a:cxn ang="0">
+                    <a:pos x="connsiteX1" y="connsiteY1"/>
+                  </a:cxn>
+                  <a:cxn ang="0">
+                    <a:pos x="connsiteX2" y="connsiteY2"/>
+                  </a:cxn>
+                  <a:cxn ang="0">
+                    <a:pos x="connsiteX3" y="connsiteY3"/>
+                  </a:cxn>
+                  <a:cxn ang="0">
+                    <a:pos x="connsiteX4" y="connsiteY4"/>
+                  </a:cxn>
+                </a:cxnLst>
+                <a:rect l="l" t="t" r="r" b="b"/>
+                <a:pathLst>
+                  <a:path w="1549668" h="761325">
+                    <a:moveTo>
+                      <a:pt x="0" y="722824"/>
+                    </a:moveTo>
+                    <a:cubicBezTo>
+                      <a:pt x="176463" y="479786"/>
+                      <a:pt x="352927" y="236748"/>
+                      <a:pt x="481264" y="116432"/>
+                    </a:cubicBezTo>
+                    <a:cubicBezTo>
+                      <a:pt x="609601" y="-3884"/>
+                      <a:pt x="681790" y="-2279"/>
+                      <a:pt x="770021" y="929"/>
+                    </a:cubicBezTo>
+                    <a:cubicBezTo>
+                      <a:pt x="858252" y="4137"/>
+                      <a:pt x="880712" y="8950"/>
+                      <a:pt x="1010653" y="135683"/>
+                    </a:cubicBezTo>
+                    <a:cubicBezTo>
+                      <a:pt x="1140594" y="262416"/>
+                      <a:pt x="1345131" y="511870"/>
+                      <a:pt x="1549668" y="761325"/>
+                    </a:cubicBezTo>
+                  </a:path>
+                </a:pathLst>
+              </a:custGeom>
+              <a:noFill/>
+              <a:ln w="57150">
+                <a:solidFill>
+                  <a:schemeClr val="bg1"/>
+                </a:solidFill>
+              </a:ln>
+            </p:spPr>
+            <p:style>
+              <a:lnRef idx="2">
+                <a:schemeClr val="accent1">
+                  <a:shade val="50000"/>
+                </a:schemeClr>
+              </a:lnRef>
+              <a:fillRef idx="1">
+                <a:schemeClr val="accent1"/>
+              </a:fillRef>
+              <a:effectRef idx="0">
+                <a:schemeClr val="accent1"/>
+              </a:effectRef>
+              <a:fontRef idx="minor">
+                <a:schemeClr val="lt1"/>
+              </a:fontRef>
+            </p:style>
+            <p:txBody>
+              <a:bodyPr rtlCol="0" anchor="ctr"/>
+              <a:lstStyle/>
+              <a:p>
+                <a:pPr algn="ctr"/>
+                <a:endParaRPr lang="it-IT"/>
+              </a:p>
+            </p:txBody>
+          </p:sp>
+          <p:sp>
+            <p:nvSpPr>
+              <p:cNvPr id="44" name="Cuore 44"/>
+              <p:cNvSpPr/>
+              <p:nvPr/>
+            </p:nvSpPr>
+            <p:spPr>
+              <a:xfrm>
+                <a:off x="2440865" y="4509120"/>
+                <a:ext cx="187703" cy="271992"/>
+              </a:xfrm>
+              <a:custGeom>
+                <a:avLst/>
+                <a:gdLst>
+                  <a:gd name="connsiteX0" fmla="*/ 828092 w 1656184"/>
+                  <a:gd name="connsiteY0" fmla="*/ 432048 h 1728192"/>
+                  <a:gd name="connsiteX1" fmla="*/ 828092 w 1656184"/>
+                  <a:gd name="connsiteY1" fmla="*/ 1728192 h 1728192"/>
+                  <a:gd name="connsiteX2" fmla="*/ 828092 w 1656184"/>
+                  <a:gd name="connsiteY2" fmla="*/ 432048 h 1728192"/>
+                  <a:gd name="connsiteX0" fmla="*/ 827477 w 1668278"/>
+                  <a:gd name="connsiteY0" fmla="*/ 533452 h 1329082"/>
+                  <a:gd name="connsiteX1" fmla="*/ 837102 w 1668278"/>
+                  <a:gd name="connsiteY1" fmla="*/ 1329082 h 1329082"/>
+                  <a:gd name="connsiteX2" fmla="*/ 827477 w 1668278"/>
+                  <a:gd name="connsiteY2" fmla="*/ 533452 h 1329082"/>
+                  <a:gd name="connsiteX0" fmla="*/ 834130 w 1668259"/>
+                  <a:gd name="connsiteY0" fmla="*/ 420315 h 1668332"/>
+                  <a:gd name="connsiteX1" fmla="*/ 834130 w 1668259"/>
+                  <a:gd name="connsiteY1" fmla="*/ 1668332 h 1668332"/>
+                  <a:gd name="connsiteX2" fmla="*/ 834130 w 1668259"/>
+                  <a:gd name="connsiteY2" fmla="*/ 420315 h 1668332"/>
+                  <a:gd name="connsiteX0" fmla="*/ 834130 w 1589513"/>
+                  <a:gd name="connsiteY0" fmla="*/ 420315 h 1668332"/>
+                  <a:gd name="connsiteX1" fmla="*/ 834130 w 1589513"/>
+                  <a:gd name="connsiteY1" fmla="*/ 1668332 h 1668332"/>
+                  <a:gd name="connsiteX2" fmla="*/ 834130 w 1589513"/>
+                  <a:gd name="connsiteY2" fmla="*/ 420315 h 1668332"/>
+                  <a:gd name="connsiteX0" fmla="*/ 748958 w 1504341"/>
+                  <a:gd name="connsiteY0" fmla="*/ 1774 h 1249791"/>
+                  <a:gd name="connsiteX1" fmla="*/ 748958 w 1504341"/>
+                  <a:gd name="connsiteY1" fmla="*/ 1249791 h 1249791"/>
+                  <a:gd name="connsiteX2" fmla="*/ 748958 w 1504341"/>
+                  <a:gd name="connsiteY2" fmla="*/ 1774 h 1249791"/>
+                </a:gdLst>
+                <a:ahLst/>
+                <a:cxnLst>
+                  <a:cxn ang="0">
+                    <a:pos x="connsiteX0" y="connsiteY0"/>
+                  </a:cxn>
+                  <a:cxn ang="0">
+                    <a:pos x="connsiteX1" y="connsiteY1"/>
+                  </a:cxn>
+                  <a:cxn ang="0">
+                    <a:pos x="connsiteX2" y="connsiteY2"/>
+                  </a:cxn>
+                </a:cxnLst>
+                <a:rect l="l" t="t" r="r" b="b"/>
+                <a:pathLst>
+                  <a:path w="1504341" h="1249791">
+                    <a:moveTo>
+                      <a:pt x="748958" y="1774"/>
+                    </a:moveTo>
+                    <a:cubicBezTo>
+                      <a:pt x="766737" y="4315"/>
+                      <a:pt x="2439646" y="-46353"/>
+                      <a:pt x="748958" y="1249791"/>
+                    </a:cubicBezTo>
+                    <a:cubicBezTo>
+                      <a:pt x="-941730" y="-46353"/>
+                      <a:pt x="760054" y="-5311"/>
+                      <a:pt x="748958" y="1774"/>
+                    </a:cubicBezTo>
+                    <a:close/>
+                  </a:path>
+                </a:pathLst>
+              </a:custGeom>
+              <a:solidFill>
+                <a:schemeClr val="bg1"/>
+              </a:solidFill>
+              <a:ln>
+                <a:noFill/>
+              </a:ln>
+            </p:spPr>
+            <p:style>
+              <a:lnRef idx="2">
+                <a:schemeClr val="accent1">
+                  <a:shade val="50000"/>
+                </a:schemeClr>
+              </a:lnRef>
+              <a:fillRef idx="1">
+                <a:schemeClr val="accent1"/>
+              </a:fillRef>
+              <a:effectRef idx="0">
+                <a:schemeClr val="accent1"/>
+              </a:effectRef>
+              <a:fontRef idx="minor">
+                <a:schemeClr val="lt1"/>
+              </a:fontRef>
+            </p:style>
+            <p:txBody>
+              <a:bodyPr rtlCol="0" anchor="ctr"/>
+              <a:lstStyle/>
+              <a:p>
+                <a:pPr algn="ctr"/>
+                <a:endParaRPr lang="it-IT"/>
+              </a:p>
+            </p:txBody>
+          </p:sp>
+        </p:grpSp>
+        <p:grpSp>
+          <p:nvGrpSpPr>
+            <p:cNvPr id="36" name="Gruppo 35"/>
+            <p:cNvGrpSpPr/>
+            <p:nvPr/>
+          </p:nvGrpSpPr>
+          <p:grpSpPr>
+            <a:xfrm>
+              <a:off x="2366669" y="564689"/>
+              <a:ext cx="499861" cy="969704"/>
+              <a:chOff x="2195736" y="4005064"/>
+              <a:chExt cx="648000" cy="1249791"/>
+            </a:xfrm>
+          </p:grpSpPr>
+          <p:sp>
+            <p:nvSpPr>
+              <p:cNvPr id="37" name="Cuore 44"/>
+              <p:cNvSpPr/>
+              <p:nvPr/>
+            </p:nvSpPr>
+            <p:spPr>
+              <a:xfrm>
+                <a:off x="2195736" y="4005064"/>
+                <a:ext cx="648000" cy="1249791"/>
+              </a:xfrm>
+              <a:custGeom>
+                <a:avLst/>
+                <a:gdLst>
+                  <a:gd name="connsiteX0" fmla="*/ 828092 w 1656184"/>
+                  <a:gd name="connsiteY0" fmla="*/ 432048 h 1728192"/>
+                  <a:gd name="connsiteX1" fmla="*/ 828092 w 1656184"/>
+                  <a:gd name="connsiteY1" fmla="*/ 1728192 h 1728192"/>
+                  <a:gd name="connsiteX2" fmla="*/ 828092 w 1656184"/>
+                  <a:gd name="connsiteY2" fmla="*/ 432048 h 1728192"/>
+                  <a:gd name="connsiteX0" fmla="*/ 827477 w 1668278"/>
+                  <a:gd name="connsiteY0" fmla="*/ 533452 h 1329082"/>
+                  <a:gd name="connsiteX1" fmla="*/ 837102 w 1668278"/>
+                  <a:gd name="connsiteY1" fmla="*/ 1329082 h 1329082"/>
+                  <a:gd name="connsiteX2" fmla="*/ 827477 w 1668278"/>
+                  <a:gd name="connsiteY2" fmla="*/ 533452 h 1329082"/>
+                  <a:gd name="connsiteX0" fmla="*/ 834130 w 1668259"/>
+                  <a:gd name="connsiteY0" fmla="*/ 420315 h 1668332"/>
+                  <a:gd name="connsiteX1" fmla="*/ 834130 w 1668259"/>
+                  <a:gd name="connsiteY1" fmla="*/ 1668332 h 1668332"/>
+                  <a:gd name="connsiteX2" fmla="*/ 834130 w 1668259"/>
+                  <a:gd name="connsiteY2" fmla="*/ 420315 h 1668332"/>
+                  <a:gd name="connsiteX0" fmla="*/ 834130 w 1589513"/>
+                  <a:gd name="connsiteY0" fmla="*/ 420315 h 1668332"/>
+                  <a:gd name="connsiteX1" fmla="*/ 834130 w 1589513"/>
+                  <a:gd name="connsiteY1" fmla="*/ 1668332 h 1668332"/>
+                  <a:gd name="connsiteX2" fmla="*/ 834130 w 1589513"/>
+                  <a:gd name="connsiteY2" fmla="*/ 420315 h 1668332"/>
+                  <a:gd name="connsiteX0" fmla="*/ 748958 w 1504341"/>
+                  <a:gd name="connsiteY0" fmla="*/ 1774 h 1249791"/>
+                  <a:gd name="connsiteX1" fmla="*/ 748958 w 1504341"/>
+                  <a:gd name="connsiteY1" fmla="*/ 1249791 h 1249791"/>
+                  <a:gd name="connsiteX2" fmla="*/ 748958 w 1504341"/>
+                  <a:gd name="connsiteY2" fmla="*/ 1774 h 1249791"/>
+                </a:gdLst>
+                <a:ahLst/>
+                <a:cxnLst>
+                  <a:cxn ang="0">
+                    <a:pos x="connsiteX0" y="connsiteY0"/>
+                  </a:cxn>
+                  <a:cxn ang="0">
+                    <a:pos x="connsiteX1" y="connsiteY1"/>
+                  </a:cxn>
+                  <a:cxn ang="0">
+                    <a:pos x="connsiteX2" y="connsiteY2"/>
+                  </a:cxn>
+                </a:cxnLst>
+                <a:rect l="l" t="t" r="r" b="b"/>
+                <a:pathLst>
+                  <a:path w="1504341" h="1249791">
+                    <a:moveTo>
+                      <a:pt x="748958" y="1774"/>
+                    </a:moveTo>
+                    <a:cubicBezTo>
+                      <a:pt x="766737" y="4315"/>
+                      <a:pt x="2439646" y="-46353"/>
+                      <a:pt x="748958" y="1249791"/>
+                    </a:cubicBezTo>
+                    <a:cubicBezTo>
+                      <a:pt x="-941730" y="-46353"/>
+                      <a:pt x="760054" y="-5311"/>
+                      <a:pt x="748958" y="1774"/>
+                    </a:cubicBezTo>
+                    <a:close/>
+                  </a:path>
+                </a:pathLst>
+              </a:custGeom>
+              <a:solidFill>
+                <a:srgbClr val="3B5998"/>
+              </a:solidFill>
+              <a:ln>
+                <a:noFill/>
+              </a:ln>
+              <a:effectLst>
+                <a:outerShdw blurRad="50800" dist="38100" dir="2700000" algn="tl" rotWithShape="0">
+                  <a:prstClr val="black">
+                    <a:alpha val="40000"/>
+                  </a:prstClr>
+                </a:outerShdw>
+              </a:effectLst>
+            </p:spPr>
+            <p:style>
+              <a:lnRef idx="2">
+                <a:schemeClr val="accent1">
+                  <a:shade val="50000"/>
+                </a:schemeClr>
+              </a:lnRef>
+              <a:fillRef idx="1">
+                <a:schemeClr val="accent1"/>
+              </a:fillRef>
+              <a:effectRef idx="0">
+                <a:schemeClr val="accent1"/>
+              </a:effectRef>
+              <a:fontRef idx="minor">
+                <a:schemeClr val="lt1"/>
+              </a:fontRef>
+            </p:style>
+            <p:txBody>
+              <a:bodyPr rtlCol="0" anchor="ctr"/>
+              <a:lstStyle/>
+              <a:p>
+                <a:pPr algn="ctr"/>
+                <a:endParaRPr lang="it-IT"/>
+              </a:p>
+            </p:txBody>
+          </p:sp>
+          <p:sp>
+            <p:nvSpPr>
+              <p:cNvPr id="38" name="Ovale 37"/>
+              <p:cNvSpPr/>
+              <p:nvPr/>
+            </p:nvSpPr>
+            <p:spPr>
+              <a:xfrm>
+                <a:off x="2399412" y="4281918"/>
+                <a:ext cx="245913" cy="245913"/>
+              </a:xfrm>
+              <a:prstGeom prst="ellipse">
+                <a:avLst/>
+              </a:prstGeom>
+              <a:solidFill>
+                <a:schemeClr val="bg1"/>
+              </a:solidFill>
+              <a:ln>
+                <a:noFill/>
+              </a:ln>
+            </p:spPr>
+            <p:style>
+              <a:lnRef idx="2">
+                <a:schemeClr val="accent1">
+                  <a:shade val="50000"/>
+                </a:schemeClr>
+              </a:lnRef>
+              <a:fillRef idx="1">
+                <a:schemeClr val="accent1"/>
+              </a:fillRef>
+              <a:effectRef idx="0">
+                <a:schemeClr val="accent1"/>
+              </a:effectRef>
+              <a:fontRef idx="minor">
+                <a:schemeClr val="lt1"/>
+              </a:fontRef>
+            </p:style>
+            <p:txBody>
+              <a:bodyPr rtlCol="0" anchor="ctr"/>
+              <a:lstStyle/>
+              <a:p>
+                <a:pPr algn="ctr"/>
+                <a:endParaRPr lang="it-IT"/>
+              </a:p>
+            </p:txBody>
+          </p:sp>
+          <p:sp>
+            <p:nvSpPr>
+              <p:cNvPr id="39" name="Figura a mano libera 38"/>
+              <p:cNvSpPr/>
+              <p:nvPr/>
+            </p:nvSpPr>
+            <p:spPr>
+              <a:xfrm>
+                <a:off x="2254938" y="4523511"/>
+                <a:ext cx="535537" cy="144001"/>
+              </a:xfrm>
+              <a:custGeom>
+                <a:avLst/>
+                <a:gdLst>
+                  <a:gd name="connsiteX0" fmla="*/ 0 w 1549668"/>
+                  <a:gd name="connsiteY0" fmla="*/ 722824 h 761325"/>
+                  <a:gd name="connsiteX1" fmla="*/ 481264 w 1549668"/>
+                  <a:gd name="connsiteY1" fmla="*/ 116432 h 761325"/>
+                  <a:gd name="connsiteX2" fmla="*/ 770021 w 1549668"/>
+                  <a:gd name="connsiteY2" fmla="*/ 929 h 761325"/>
+                  <a:gd name="connsiteX3" fmla="*/ 1010653 w 1549668"/>
+                  <a:gd name="connsiteY3" fmla="*/ 135683 h 761325"/>
+                  <a:gd name="connsiteX4" fmla="*/ 1549668 w 1549668"/>
+                  <a:gd name="connsiteY4" fmla="*/ 761325 h 761325"/>
+                </a:gdLst>
+                <a:ahLst/>
+                <a:cxnLst>
+                  <a:cxn ang="0">
+                    <a:pos x="connsiteX0" y="connsiteY0"/>
+                  </a:cxn>
+                  <a:cxn ang="0">
+                    <a:pos x="connsiteX1" y="connsiteY1"/>
+                  </a:cxn>
+                  <a:cxn ang="0">
+                    <a:pos x="connsiteX2" y="connsiteY2"/>
+                  </a:cxn>
+                  <a:cxn ang="0">
+                    <a:pos x="connsiteX3" y="connsiteY3"/>
+                  </a:cxn>
+                  <a:cxn ang="0">
+                    <a:pos x="connsiteX4" y="connsiteY4"/>
+                  </a:cxn>
+                </a:cxnLst>
+                <a:rect l="l" t="t" r="r" b="b"/>
+                <a:pathLst>
+                  <a:path w="1549668" h="761325">
+                    <a:moveTo>
+                      <a:pt x="0" y="722824"/>
+                    </a:moveTo>
+                    <a:cubicBezTo>
+                      <a:pt x="176463" y="479786"/>
+                      <a:pt x="352927" y="236748"/>
+                      <a:pt x="481264" y="116432"/>
+                    </a:cubicBezTo>
+                    <a:cubicBezTo>
+                      <a:pt x="609601" y="-3884"/>
+                      <a:pt x="681790" y="-2279"/>
+                      <a:pt x="770021" y="929"/>
+                    </a:cubicBezTo>
+                    <a:cubicBezTo>
+                      <a:pt x="858252" y="4137"/>
+                      <a:pt x="880712" y="8950"/>
+                      <a:pt x="1010653" y="135683"/>
+                    </a:cubicBezTo>
+                    <a:cubicBezTo>
+                      <a:pt x="1140594" y="262416"/>
+                      <a:pt x="1345131" y="511870"/>
+                      <a:pt x="1549668" y="761325"/>
+                    </a:cubicBezTo>
+                  </a:path>
+                </a:pathLst>
+              </a:custGeom>
+              <a:noFill/>
+              <a:ln w="57150">
+                <a:solidFill>
+                  <a:schemeClr val="bg1"/>
+                </a:solidFill>
+              </a:ln>
+            </p:spPr>
+            <p:style>
+              <a:lnRef idx="2">
+                <a:schemeClr val="accent1">
+                  <a:shade val="50000"/>
+                </a:schemeClr>
+              </a:lnRef>
+              <a:fillRef idx="1">
+                <a:schemeClr val="accent1"/>
+              </a:fillRef>
+              <a:effectRef idx="0">
+                <a:schemeClr val="accent1"/>
+              </a:effectRef>
+              <a:fontRef idx="minor">
+                <a:schemeClr val="lt1"/>
+              </a:fontRef>
+            </p:style>
+            <p:txBody>
+              <a:bodyPr rtlCol="0" anchor="ctr"/>
+              <a:lstStyle/>
+              <a:p>
+                <a:pPr algn="ctr"/>
+                <a:endParaRPr lang="it-IT"/>
+              </a:p>
+            </p:txBody>
+          </p:sp>
+          <p:sp>
+            <p:nvSpPr>
+              <p:cNvPr id="40" name="Cuore 44"/>
+              <p:cNvSpPr/>
+              <p:nvPr/>
+            </p:nvSpPr>
+            <p:spPr>
+              <a:xfrm>
+                <a:off x="2440865" y="4509120"/>
+                <a:ext cx="187703" cy="271992"/>
+              </a:xfrm>
+              <a:custGeom>
+                <a:avLst/>
+                <a:gdLst>
+                  <a:gd name="connsiteX0" fmla="*/ 828092 w 1656184"/>
+                  <a:gd name="connsiteY0" fmla="*/ 432048 h 1728192"/>
+                  <a:gd name="connsiteX1" fmla="*/ 828092 w 1656184"/>
+                  <a:gd name="connsiteY1" fmla="*/ 1728192 h 1728192"/>
+                  <a:gd name="connsiteX2" fmla="*/ 828092 w 1656184"/>
+                  <a:gd name="connsiteY2" fmla="*/ 432048 h 1728192"/>
+                  <a:gd name="connsiteX0" fmla="*/ 827477 w 1668278"/>
+                  <a:gd name="connsiteY0" fmla="*/ 533452 h 1329082"/>
+                  <a:gd name="connsiteX1" fmla="*/ 837102 w 1668278"/>
+                  <a:gd name="connsiteY1" fmla="*/ 1329082 h 1329082"/>
+                  <a:gd name="connsiteX2" fmla="*/ 827477 w 1668278"/>
+                  <a:gd name="connsiteY2" fmla="*/ 533452 h 1329082"/>
+                  <a:gd name="connsiteX0" fmla="*/ 834130 w 1668259"/>
+                  <a:gd name="connsiteY0" fmla="*/ 420315 h 1668332"/>
+                  <a:gd name="connsiteX1" fmla="*/ 834130 w 1668259"/>
+                  <a:gd name="connsiteY1" fmla="*/ 1668332 h 1668332"/>
+                  <a:gd name="connsiteX2" fmla="*/ 834130 w 1668259"/>
+                  <a:gd name="connsiteY2" fmla="*/ 420315 h 1668332"/>
+                  <a:gd name="connsiteX0" fmla="*/ 834130 w 1589513"/>
+                  <a:gd name="connsiteY0" fmla="*/ 420315 h 1668332"/>
+                  <a:gd name="connsiteX1" fmla="*/ 834130 w 1589513"/>
+                  <a:gd name="connsiteY1" fmla="*/ 1668332 h 1668332"/>
+                  <a:gd name="connsiteX2" fmla="*/ 834130 w 1589513"/>
+                  <a:gd name="connsiteY2" fmla="*/ 420315 h 1668332"/>
+                  <a:gd name="connsiteX0" fmla="*/ 748958 w 1504341"/>
+                  <a:gd name="connsiteY0" fmla="*/ 1774 h 1249791"/>
+                  <a:gd name="connsiteX1" fmla="*/ 748958 w 1504341"/>
+                  <a:gd name="connsiteY1" fmla="*/ 1249791 h 1249791"/>
+                  <a:gd name="connsiteX2" fmla="*/ 748958 w 1504341"/>
+                  <a:gd name="connsiteY2" fmla="*/ 1774 h 1249791"/>
+                </a:gdLst>
+                <a:ahLst/>
+                <a:cxnLst>
+                  <a:cxn ang="0">
+                    <a:pos x="connsiteX0" y="connsiteY0"/>
+                  </a:cxn>
+                  <a:cxn ang="0">
+                    <a:pos x="connsiteX1" y="connsiteY1"/>
+                  </a:cxn>
+                  <a:cxn ang="0">
+                    <a:pos x="connsiteX2" y="connsiteY2"/>
+                  </a:cxn>
+                </a:cxnLst>
+                <a:rect l="l" t="t" r="r" b="b"/>
+                <a:pathLst>
+                  <a:path w="1504341" h="1249791">
+                    <a:moveTo>
+                      <a:pt x="748958" y="1774"/>
+                    </a:moveTo>
+                    <a:cubicBezTo>
+                      <a:pt x="766737" y="4315"/>
+                      <a:pt x="2439646" y="-46353"/>
+                      <a:pt x="748958" y="1249791"/>
+                    </a:cubicBezTo>
+                    <a:cubicBezTo>
+                      <a:pt x="-941730" y="-46353"/>
+                      <a:pt x="760054" y="-5311"/>
+                      <a:pt x="748958" y="1774"/>
+                    </a:cubicBezTo>
+                    <a:close/>
+                  </a:path>
+                </a:pathLst>
+              </a:custGeom>
+              <a:solidFill>
+                <a:schemeClr val="bg1"/>
+              </a:solidFill>
+              <a:ln>
+                <a:noFill/>
+              </a:ln>
+            </p:spPr>
+            <p:style>
+              <a:lnRef idx="2">
+                <a:schemeClr val="accent1">
+                  <a:shade val="50000"/>
+                </a:schemeClr>
+              </a:lnRef>
+              <a:fillRef idx="1">
+                <a:schemeClr val="accent1"/>
+              </a:fillRef>
+              <a:effectRef idx="0">
+                <a:schemeClr val="accent1"/>
+              </a:effectRef>
+              <a:fontRef idx="minor">
+                <a:schemeClr val="lt1"/>
+              </a:fontRef>
+            </p:style>
+            <p:txBody>
+              <a:bodyPr rtlCol="0" anchor="ctr"/>
+              <a:lstStyle/>
+              <a:p>
+                <a:pPr algn="ctr"/>
+                <a:endParaRPr lang="it-IT"/>
+              </a:p>
+            </p:txBody>
+          </p:sp>
+        </p:grpSp>
+      </p:grpSp>
+      <p:grpSp>
+        <p:nvGrpSpPr>
+          <p:cNvPr id="49" name="Gruppo 48"/>
+          <p:cNvGrpSpPr/>
+          <p:nvPr/>
+        </p:nvGrpSpPr>
+        <p:grpSpPr>
+          <a:xfrm>
+            <a:off x="5309852" y="1785807"/>
+            <a:ext cx="2376000" cy="2389205"/>
+            <a:chOff x="4677916" y="2936122"/>
+            <a:chExt cx="2376000" cy="2389205"/>
+          </a:xfrm>
+        </p:grpSpPr>
+        <p:sp>
+          <p:nvSpPr>
+            <p:cNvPr id="50" name="Ovale 49"/>
+            <p:cNvSpPr/>
+            <p:nvPr/>
+          </p:nvSpPr>
+          <p:spPr>
+            <a:xfrm>
+              <a:off x="4788024" y="3068960"/>
+              <a:ext cx="2160240" cy="2160240"/>
+            </a:xfrm>
+            <a:prstGeom prst="ellipse">
+              <a:avLst/>
+            </a:prstGeom>
+            <a:solidFill>
+              <a:schemeClr val="accent1">
+                <a:lumMod val="20000"/>
+                <a:lumOff val="80000"/>
+              </a:schemeClr>
+            </a:solidFill>
+            <a:ln w="57150"/>
+          </p:spPr>
+          <p:style>
+            <a:lnRef idx="2">
+              <a:schemeClr val="accent1">
+                <a:shade val="50000"/>
+              </a:schemeClr>
+            </a:lnRef>
+            <a:fillRef idx="1">
+              <a:schemeClr val="accent1"/>
+            </a:fillRef>
+            <a:effectRef idx="0">
+              <a:schemeClr val="accent1"/>
+            </a:effectRef>
+            <a:fontRef idx="minor">
+              <a:schemeClr val="lt1"/>
+            </a:fontRef>
+          </p:style>
+          <p:txBody>
+            <a:bodyPr rtlCol="0" anchor="ctr"/>
+            <a:lstStyle/>
+            <a:p>
+              <a:pPr algn="ctr"/>
+              <a:endParaRPr lang="it-IT"/>
+            </a:p>
+          </p:txBody>
+        </p:sp>
+        <p:pic>
+          <p:nvPicPr>
+            <p:cNvPr id="51" name="Immagine 50"/>
+            <p:cNvPicPr>
+              <a:picLocks noChangeAspect="1"/>
+            </p:cNvPicPr>
+            <p:nvPr/>
+          </p:nvPicPr>
+          <p:blipFill rotWithShape="1">
+            <a:blip r:embed="rId5" cstate="print">
+              <a:extLst>
+                <a:ext uri="{28A0092B-C50C-407E-A947-70E740481C1C}">
+                  <a14:useLocalDpi xmlns:a14="http://schemas.microsoft.com/office/drawing/2010/main" val="0"/>
+                </a:ext>
+              </a:extLst>
+            </a:blip>
+            <a:srcRect l="11111" r="33333"/>
+            <a:stretch/>
+          </p:blipFill>
+          <p:spPr>
+            <a:xfrm>
+              <a:off x="4788024" y="3447703"/>
+              <a:ext cx="2160240" cy="1565473"/>
+            </a:xfrm>
+            <a:prstGeom prst="rect">
+              <a:avLst/>
+            </a:prstGeom>
+            <a:effectLst>
+              <a:glow rad="63500">
+                <a:schemeClr val="accent1">
+                  <a:satMod val="175000"/>
+                  <a:alpha val="40000"/>
+                </a:schemeClr>
+              </a:glow>
+            </a:effectLst>
+          </p:spPr>
+        </p:pic>
+        <p:grpSp>
+          <p:nvGrpSpPr>
+            <p:cNvPr id="52" name="Gruppo 51"/>
+            <p:cNvGrpSpPr/>
+            <p:nvPr/>
+          </p:nvGrpSpPr>
+          <p:grpSpPr>
+            <a:xfrm>
+              <a:off x="5181207" y="3960203"/>
+              <a:ext cx="499861" cy="969704"/>
+              <a:chOff x="2195736" y="4005064"/>
+              <a:chExt cx="648000" cy="1249791"/>
+            </a:xfrm>
+          </p:grpSpPr>
+          <p:sp>
+            <p:nvSpPr>
+              <p:cNvPr id="65" name="Cuore 44"/>
+              <p:cNvSpPr/>
+              <p:nvPr/>
+            </p:nvSpPr>
+            <p:spPr>
+              <a:xfrm>
+                <a:off x="2195736" y="4005064"/>
+                <a:ext cx="648000" cy="1249791"/>
+              </a:xfrm>
+              <a:custGeom>
+                <a:avLst/>
+                <a:gdLst>
+                  <a:gd name="connsiteX0" fmla="*/ 828092 w 1656184"/>
+                  <a:gd name="connsiteY0" fmla="*/ 432048 h 1728192"/>
+                  <a:gd name="connsiteX1" fmla="*/ 828092 w 1656184"/>
+                  <a:gd name="connsiteY1" fmla="*/ 1728192 h 1728192"/>
+                  <a:gd name="connsiteX2" fmla="*/ 828092 w 1656184"/>
+                  <a:gd name="connsiteY2" fmla="*/ 432048 h 1728192"/>
+                  <a:gd name="connsiteX0" fmla="*/ 827477 w 1668278"/>
+                  <a:gd name="connsiteY0" fmla="*/ 533452 h 1329082"/>
+                  <a:gd name="connsiteX1" fmla="*/ 837102 w 1668278"/>
+                  <a:gd name="connsiteY1" fmla="*/ 1329082 h 1329082"/>
+                  <a:gd name="connsiteX2" fmla="*/ 827477 w 1668278"/>
+                  <a:gd name="connsiteY2" fmla="*/ 533452 h 1329082"/>
+                  <a:gd name="connsiteX0" fmla="*/ 834130 w 1668259"/>
+                  <a:gd name="connsiteY0" fmla="*/ 420315 h 1668332"/>
+                  <a:gd name="connsiteX1" fmla="*/ 834130 w 1668259"/>
+                  <a:gd name="connsiteY1" fmla="*/ 1668332 h 1668332"/>
+                  <a:gd name="connsiteX2" fmla="*/ 834130 w 1668259"/>
+                  <a:gd name="connsiteY2" fmla="*/ 420315 h 1668332"/>
+                  <a:gd name="connsiteX0" fmla="*/ 834130 w 1589513"/>
+                  <a:gd name="connsiteY0" fmla="*/ 420315 h 1668332"/>
+                  <a:gd name="connsiteX1" fmla="*/ 834130 w 1589513"/>
+                  <a:gd name="connsiteY1" fmla="*/ 1668332 h 1668332"/>
+                  <a:gd name="connsiteX2" fmla="*/ 834130 w 1589513"/>
+                  <a:gd name="connsiteY2" fmla="*/ 420315 h 1668332"/>
+                  <a:gd name="connsiteX0" fmla="*/ 748958 w 1504341"/>
+                  <a:gd name="connsiteY0" fmla="*/ 1774 h 1249791"/>
+                  <a:gd name="connsiteX1" fmla="*/ 748958 w 1504341"/>
+                  <a:gd name="connsiteY1" fmla="*/ 1249791 h 1249791"/>
+                  <a:gd name="connsiteX2" fmla="*/ 748958 w 1504341"/>
+                  <a:gd name="connsiteY2" fmla="*/ 1774 h 1249791"/>
+                </a:gdLst>
+                <a:ahLst/>
+                <a:cxnLst>
+                  <a:cxn ang="0">
+                    <a:pos x="connsiteX0" y="connsiteY0"/>
+                  </a:cxn>
+                  <a:cxn ang="0">
+                    <a:pos x="connsiteX1" y="connsiteY1"/>
+                  </a:cxn>
+                  <a:cxn ang="0">
+                    <a:pos x="connsiteX2" y="connsiteY2"/>
+                  </a:cxn>
+                </a:cxnLst>
+                <a:rect l="l" t="t" r="r" b="b"/>
+                <a:pathLst>
+                  <a:path w="1504341" h="1249791">
+                    <a:moveTo>
+                      <a:pt x="748958" y="1774"/>
+                    </a:moveTo>
+                    <a:cubicBezTo>
+                      <a:pt x="766737" y="4315"/>
+                      <a:pt x="2439646" y="-46353"/>
+                      <a:pt x="748958" y="1249791"/>
+                    </a:cubicBezTo>
+                    <a:cubicBezTo>
+                      <a:pt x="-941730" y="-46353"/>
+                      <a:pt x="760054" y="-5311"/>
+                      <a:pt x="748958" y="1774"/>
+                    </a:cubicBezTo>
+                    <a:close/>
+                  </a:path>
+                </a:pathLst>
+              </a:custGeom>
+              <a:solidFill>
+                <a:srgbClr val="00ACED"/>
+              </a:solidFill>
+              <a:ln>
+                <a:noFill/>
+              </a:ln>
+              <a:effectLst>
+                <a:outerShdw blurRad="50800" dist="38100" dir="2700000" algn="tl" rotWithShape="0">
+                  <a:prstClr val="black">
+                    <a:alpha val="40000"/>
+                  </a:prstClr>
+                </a:outerShdw>
+              </a:effectLst>
+            </p:spPr>
+            <p:style>
+              <a:lnRef idx="2">
+                <a:schemeClr val="accent1">
+                  <a:shade val="50000"/>
+                </a:schemeClr>
+              </a:lnRef>
+              <a:fillRef idx="1">
+                <a:schemeClr val="accent1"/>
+              </a:fillRef>
+              <a:effectRef idx="0">
+                <a:schemeClr val="accent1"/>
+              </a:effectRef>
+              <a:fontRef idx="minor">
+                <a:schemeClr val="lt1"/>
+              </a:fontRef>
+            </p:style>
+            <p:txBody>
+              <a:bodyPr rtlCol="0" anchor="ctr"/>
+              <a:lstStyle/>
+              <a:p>
+                <a:pPr algn="ctr"/>
+                <a:endParaRPr lang="it-IT"/>
+              </a:p>
+            </p:txBody>
+          </p:sp>
+          <p:sp>
+            <p:nvSpPr>
+              <p:cNvPr id="66" name="Ovale 65"/>
+              <p:cNvSpPr/>
+              <p:nvPr/>
+            </p:nvSpPr>
+            <p:spPr>
+              <a:xfrm>
+                <a:off x="2399412" y="4281918"/>
+                <a:ext cx="245913" cy="245913"/>
+              </a:xfrm>
+              <a:prstGeom prst="ellipse">
+                <a:avLst/>
+              </a:prstGeom>
+              <a:solidFill>
+                <a:schemeClr val="bg1"/>
+              </a:solidFill>
+              <a:ln>
+                <a:noFill/>
+              </a:ln>
+            </p:spPr>
+            <p:style>
+              <a:lnRef idx="2">
+                <a:schemeClr val="accent1">
+                  <a:shade val="50000"/>
+                </a:schemeClr>
+              </a:lnRef>
+              <a:fillRef idx="1">
+                <a:schemeClr val="accent1"/>
+              </a:fillRef>
+              <a:effectRef idx="0">
+                <a:schemeClr val="accent1"/>
+              </a:effectRef>
+              <a:fontRef idx="minor">
+                <a:schemeClr val="lt1"/>
+              </a:fontRef>
+            </p:style>
+            <p:txBody>
+              <a:bodyPr rtlCol="0" anchor="ctr"/>
+              <a:lstStyle/>
+              <a:p>
+                <a:pPr algn="ctr"/>
+                <a:endParaRPr lang="it-IT"/>
+              </a:p>
+            </p:txBody>
+          </p:sp>
+          <p:sp>
+            <p:nvSpPr>
+              <p:cNvPr id="67" name="Figura a mano libera 66"/>
+              <p:cNvSpPr/>
+              <p:nvPr/>
+            </p:nvSpPr>
+            <p:spPr>
+              <a:xfrm>
+                <a:off x="2254938" y="4523511"/>
+                <a:ext cx="535537" cy="144001"/>
+              </a:xfrm>
+              <a:custGeom>
+                <a:avLst/>
+                <a:gdLst>
+                  <a:gd name="connsiteX0" fmla="*/ 0 w 1549668"/>
+                  <a:gd name="connsiteY0" fmla="*/ 722824 h 761325"/>
+                  <a:gd name="connsiteX1" fmla="*/ 481264 w 1549668"/>
+                  <a:gd name="connsiteY1" fmla="*/ 116432 h 761325"/>
+                  <a:gd name="connsiteX2" fmla="*/ 770021 w 1549668"/>
+                  <a:gd name="connsiteY2" fmla="*/ 929 h 761325"/>
+                  <a:gd name="connsiteX3" fmla="*/ 1010653 w 1549668"/>
+                  <a:gd name="connsiteY3" fmla="*/ 135683 h 761325"/>
+                  <a:gd name="connsiteX4" fmla="*/ 1549668 w 1549668"/>
+                  <a:gd name="connsiteY4" fmla="*/ 761325 h 761325"/>
+                </a:gdLst>
+                <a:ahLst/>
+                <a:cxnLst>
+                  <a:cxn ang="0">
+                    <a:pos x="connsiteX0" y="connsiteY0"/>
+                  </a:cxn>
+                  <a:cxn ang="0">
+                    <a:pos x="connsiteX1" y="connsiteY1"/>
+                  </a:cxn>
+                  <a:cxn ang="0">
+                    <a:pos x="connsiteX2" y="connsiteY2"/>
+                  </a:cxn>
+                  <a:cxn ang="0">
+                    <a:pos x="connsiteX3" y="connsiteY3"/>
+                  </a:cxn>
+                  <a:cxn ang="0">
+                    <a:pos x="connsiteX4" y="connsiteY4"/>
+                  </a:cxn>
+                </a:cxnLst>
+                <a:rect l="l" t="t" r="r" b="b"/>
+                <a:pathLst>
+                  <a:path w="1549668" h="761325">
+                    <a:moveTo>
+                      <a:pt x="0" y="722824"/>
+                    </a:moveTo>
+                    <a:cubicBezTo>
+                      <a:pt x="176463" y="479786"/>
+                      <a:pt x="352927" y="236748"/>
+                      <a:pt x="481264" y="116432"/>
+                    </a:cubicBezTo>
+                    <a:cubicBezTo>
+                      <a:pt x="609601" y="-3884"/>
+                      <a:pt x="681790" y="-2279"/>
+                      <a:pt x="770021" y="929"/>
+                    </a:cubicBezTo>
+                    <a:cubicBezTo>
+                      <a:pt x="858252" y="4137"/>
+                      <a:pt x="880712" y="8950"/>
+                      <a:pt x="1010653" y="135683"/>
+                    </a:cubicBezTo>
+                    <a:cubicBezTo>
+                      <a:pt x="1140594" y="262416"/>
+                      <a:pt x="1345131" y="511870"/>
+                      <a:pt x="1549668" y="761325"/>
+                    </a:cubicBezTo>
+                  </a:path>
+                </a:pathLst>
+              </a:custGeom>
+              <a:noFill/>
+              <a:ln w="57150">
+                <a:solidFill>
+                  <a:schemeClr val="bg1"/>
+                </a:solidFill>
+              </a:ln>
+            </p:spPr>
+            <p:style>
+              <a:lnRef idx="2">
+                <a:schemeClr val="accent1">
+                  <a:shade val="50000"/>
+                </a:schemeClr>
+              </a:lnRef>
+              <a:fillRef idx="1">
+                <a:schemeClr val="accent1"/>
+              </a:fillRef>
+              <a:effectRef idx="0">
+                <a:schemeClr val="accent1"/>
+              </a:effectRef>
+              <a:fontRef idx="minor">
+                <a:schemeClr val="lt1"/>
+              </a:fontRef>
+            </p:style>
+            <p:txBody>
+              <a:bodyPr rtlCol="0" anchor="ctr"/>
+              <a:lstStyle/>
+              <a:p>
+                <a:pPr algn="ctr"/>
+                <a:endParaRPr lang="it-IT"/>
+              </a:p>
+            </p:txBody>
+          </p:sp>
+          <p:sp>
+            <p:nvSpPr>
+              <p:cNvPr id="68" name="Cuore 44"/>
+              <p:cNvSpPr/>
+              <p:nvPr/>
+            </p:nvSpPr>
+            <p:spPr>
+              <a:xfrm>
+                <a:off x="2440865" y="4509120"/>
+                <a:ext cx="187703" cy="271992"/>
+              </a:xfrm>
+              <a:custGeom>
+                <a:avLst/>
+                <a:gdLst>
+                  <a:gd name="connsiteX0" fmla="*/ 828092 w 1656184"/>
+                  <a:gd name="connsiteY0" fmla="*/ 432048 h 1728192"/>
+                  <a:gd name="connsiteX1" fmla="*/ 828092 w 1656184"/>
+                  <a:gd name="connsiteY1" fmla="*/ 1728192 h 1728192"/>
+                  <a:gd name="connsiteX2" fmla="*/ 828092 w 1656184"/>
+                  <a:gd name="connsiteY2" fmla="*/ 432048 h 1728192"/>
+                  <a:gd name="connsiteX0" fmla="*/ 827477 w 1668278"/>
+                  <a:gd name="connsiteY0" fmla="*/ 533452 h 1329082"/>
+                  <a:gd name="connsiteX1" fmla="*/ 837102 w 1668278"/>
+                  <a:gd name="connsiteY1" fmla="*/ 1329082 h 1329082"/>
+                  <a:gd name="connsiteX2" fmla="*/ 827477 w 1668278"/>
+                  <a:gd name="connsiteY2" fmla="*/ 533452 h 1329082"/>
+                  <a:gd name="connsiteX0" fmla="*/ 834130 w 1668259"/>
+                  <a:gd name="connsiteY0" fmla="*/ 420315 h 1668332"/>
+                  <a:gd name="connsiteX1" fmla="*/ 834130 w 1668259"/>
+                  <a:gd name="connsiteY1" fmla="*/ 1668332 h 1668332"/>
+                  <a:gd name="connsiteX2" fmla="*/ 834130 w 1668259"/>
+                  <a:gd name="connsiteY2" fmla="*/ 420315 h 1668332"/>
+                  <a:gd name="connsiteX0" fmla="*/ 834130 w 1589513"/>
+                  <a:gd name="connsiteY0" fmla="*/ 420315 h 1668332"/>
+                  <a:gd name="connsiteX1" fmla="*/ 834130 w 1589513"/>
+                  <a:gd name="connsiteY1" fmla="*/ 1668332 h 1668332"/>
+                  <a:gd name="connsiteX2" fmla="*/ 834130 w 1589513"/>
+                  <a:gd name="connsiteY2" fmla="*/ 420315 h 1668332"/>
+                  <a:gd name="connsiteX0" fmla="*/ 748958 w 1504341"/>
+                  <a:gd name="connsiteY0" fmla="*/ 1774 h 1249791"/>
+                  <a:gd name="connsiteX1" fmla="*/ 748958 w 1504341"/>
+                  <a:gd name="connsiteY1" fmla="*/ 1249791 h 1249791"/>
+                  <a:gd name="connsiteX2" fmla="*/ 748958 w 1504341"/>
+                  <a:gd name="connsiteY2" fmla="*/ 1774 h 1249791"/>
+                </a:gdLst>
+                <a:ahLst/>
+                <a:cxnLst>
+                  <a:cxn ang="0">
+                    <a:pos x="connsiteX0" y="connsiteY0"/>
+                  </a:cxn>
+                  <a:cxn ang="0">
+                    <a:pos x="connsiteX1" y="connsiteY1"/>
+                  </a:cxn>
+                  <a:cxn ang="0">
+                    <a:pos x="connsiteX2" y="connsiteY2"/>
+                  </a:cxn>
+                </a:cxnLst>
+                <a:rect l="l" t="t" r="r" b="b"/>
+                <a:pathLst>
+                  <a:path w="1504341" h="1249791">
+                    <a:moveTo>
+                      <a:pt x="748958" y="1774"/>
+                    </a:moveTo>
+                    <a:cubicBezTo>
+                      <a:pt x="766737" y="4315"/>
+                      <a:pt x="2439646" y="-46353"/>
+                      <a:pt x="748958" y="1249791"/>
+                    </a:cubicBezTo>
+                    <a:cubicBezTo>
+                      <a:pt x="-941730" y="-46353"/>
+                      <a:pt x="760054" y="-5311"/>
+                      <a:pt x="748958" y="1774"/>
+                    </a:cubicBezTo>
+                    <a:close/>
+                  </a:path>
+                </a:pathLst>
+              </a:custGeom>
+              <a:solidFill>
+                <a:schemeClr val="bg1"/>
+              </a:solidFill>
+              <a:ln>
+                <a:noFill/>
+              </a:ln>
+            </p:spPr>
+            <p:style>
+              <a:lnRef idx="2">
+                <a:schemeClr val="accent1">
+                  <a:shade val="50000"/>
+                </a:schemeClr>
+              </a:lnRef>
+              <a:fillRef idx="1">
+                <a:schemeClr val="accent1"/>
+              </a:fillRef>
+              <a:effectRef idx="0">
+                <a:schemeClr val="accent1"/>
+              </a:effectRef>
+              <a:fontRef idx="minor">
+                <a:schemeClr val="lt1"/>
+              </a:fontRef>
+            </p:style>
+            <p:txBody>
+              <a:bodyPr rtlCol="0" anchor="ctr"/>
+              <a:lstStyle/>
+              <a:p>
+                <a:pPr algn="ctr"/>
+                <a:endParaRPr lang="it-IT"/>
+              </a:p>
+            </p:txBody>
+          </p:sp>
+        </p:grpSp>
+        <p:sp>
+          <p:nvSpPr>
+            <p:cNvPr id="53" name="Ovale 52"/>
+            <p:cNvSpPr/>
+            <p:nvPr/>
+          </p:nvSpPr>
+          <p:spPr>
+            <a:xfrm>
+              <a:off x="4735322" y="3006733"/>
+              <a:ext cx="2268000" cy="2268000"/>
+            </a:xfrm>
+            <a:prstGeom prst="ellipse">
+              <a:avLst/>
+            </a:prstGeom>
+            <a:noFill/>
+            <a:ln w="76200">
+              <a:solidFill>
+                <a:schemeClr val="bg1"/>
               </a:solidFill>
             </a:ln>
           </p:spPr>
@@ -3748,22 +7598,22 @@
         </p:sp>
         <p:sp>
           <p:nvSpPr>
-            <p:cNvPr id="7" name="Ovale 6"/>
+            <p:cNvPr id="54" name="Ovale 53"/>
             <p:cNvSpPr/>
             <p:nvPr/>
           </p:nvSpPr>
           <p:spPr>
             <a:xfrm>
-              <a:off x="3635896" y="1627708"/>
-              <a:ext cx="2520280" cy="2520280"/>
+              <a:off x="4677916" y="2949327"/>
+              <a:ext cx="2376000" cy="2376000"/>
             </a:xfrm>
             <a:prstGeom prst="ellipse">
               <a:avLst/>
             </a:prstGeom>
             <a:noFill/>
-            <a:ln w="57150">
+            <a:ln w="76200">
               <a:solidFill>
-                <a:schemeClr val="tx1"/>
+                <a:schemeClr val="bg1"/>
               </a:solidFill>
             </a:ln>
           </p:spPr>
@@ -3792,42 +7642,4719 @@
             </a:p>
           </p:txBody>
         </p:sp>
+        <p:grpSp>
+          <p:nvGrpSpPr>
+            <p:cNvPr id="55" name="Gruppo 54"/>
+            <p:cNvGrpSpPr/>
+            <p:nvPr/>
+          </p:nvGrpSpPr>
+          <p:grpSpPr>
+            <a:xfrm>
+              <a:off x="4834398" y="2936122"/>
+              <a:ext cx="499861" cy="969704"/>
+              <a:chOff x="2195736" y="4005064"/>
+              <a:chExt cx="648000" cy="1249791"/>
+            </a:xfrm>
+          </p:grpSpPr>
+          <p:sp>
+            <p:nvSpPr>
+              <p:cNvPr id="61" name="Cuore 44"/>
+              <p:cNvSpPr/>
+              <p:nvPr/>
+            </p:nvSpPr>
+            <p:spPr>
+              <a:xfrm>
+                <a:off x="2195736" y="4005064"/>
+                <a:ext cx="648000" cy="1249791"/>
+              </a:xfrm>
+              <a:custGeom>
+                <a:avLst/>
+                <a:gdLst>
+                  <a:gd name="connsiteX0" fmla="*/ 828092 w 1656184"/>
+                  <a:gd name="connsiteY0" fmla="*/ 432048 h 1728192"/>
+                  <a:gd name="connsiteX1" fmla="*/ 828092 w 1656184"/>
+                  <a:gd name="connsiteY1" fmla="*/ 1728192 h 1728192"/>
+                  <a:gd name="connsiteX2" fmla="*/ 828092 w 1656184"/>
+                  <a:gd name="connsiteY2" fmla="*/ 432048 h 1728192"/>
+                  <a:gd name="connsiteX0" fmla="*/ 827477 w 1668278"/>
+                  <a:gd name="connsiteY0" fmla="*/ 533452 h 1329082"/>
+                  <a:gd name="connsiteX1" fmla="*/ 837102 w 1668278"/>
+                  <a:gd name="connsiteY1" fmla="*/ 1329082 h 1329082"/>
+                  <a:gd name="connsiteX2" fmla="*/ 827477 w 1668278"/>
+                  <a:gd name="connsiteY2" fmla="*/ 533452 h 1329082"/>
+                  <a:gd name="connsiteX0" fmla="*/ 834130 w 1668259"/>
+                  <a:gd name="connsiteY0" fmla="*/ 420315 h 1668332"/>
+                  <a:gd name="connsiteX1" fmla="*/ 834130 w 1668259"/>
+                  <a:gd name="connsiteY1" fmla="*/ 1668332 h 1668332"/>
+                  <a:gd name="connsiteX2" fmla="*/ 834130 w 1668259"/>
+                  <a:gd name="connsiteY2" fmla="*/ 420315 h 1668332"/>
+                  <a:gd name="connsiteX0" fmla="*/ 834130 w 1589513"/>
+                  <a:gd name="connsiteY0" fmla="*/ 420315 h 1668332"/>
+                  <a:gd name="connsiteX1" fmla="*/ 834130 w 1589513"/>
+                  <a:gd name="connsiteY1" fmla="*/ 1668332 h 1668332"/>
+                  <a:gd name="connsiteX2" fmla="*/ 834130 w 1589513"/>
+                  <a:gd name="connsiteY2" fmla="*/ 420315 h 1668332"/>
+                  <a:gd name="connsiteX0" fmla="*/ 748958 w 1504341"/>
+                  <a:gd name="connsiteY0" fmla="*/ 1774 h 1249791"/>
+                  <a:gd name="connsiteX1" fmla="*/ 748958 w 1504341"/>
+                  <a:gd name="connsiteY1" fmla="*/ 1249791 h 1249791"/>
+                  <a:gd name="connsiteX2" fmla="*/ 748958 w 1504341"/>
+                  <a:gd name="connsiteY2" fmla="*/ 1774 h 1249791"/>
+                </a:gdLst>
+                <a:ahLst/>
+                <a:cxnLst>
+                  <a:cxn ang="0">
+                    <a:pos x="connsiteX0" y="connsiteY0"/>
+                  </a:cxn>
+                  <a:cxn ang="0">
+                    <a:pos x="connsiteX1" y="connsiteY1"/>
+                  </a:cxn>
+                  <a:cxn ang="0">
+                    <a:pos x="connsiteX2" y="connsiteY2"/>
+                  </a:cxn>
+                </a:cxnLst>
+                <a:rect l="l" t="t" r="r" b="b"/>
+                <a:pathLst>
+                  <a:path w="1504341" h="1249791">
+                    <a:moveTo>
+                      <a:pt x="748958" y="1774"/>
+                    </a:moveTo>
+                    <a:cubicBezTo>
+                      <a:pt x="766737" y="4315"/>
+                      <a:pt x="2439646" y="-46353"/>
+                      <a:pt x="748958" y="1249791"/>
+                    </a:cubicBezTo>
+                    <a:cubicBezTo>
+                      <a:pt x="-941730" y="-46353"/>
+                      <a:pt x="760054" y="-5311"/>
+                      <a:pt x="748958" y="1774"/>
+                    </a:cubicBezTo>
+                    <a:close/>
+                  </a:path>
+                </a:pathLst>
+              </a:custGeom>
+              <a:solidFill>
+                <a:srgbClr val="D34836"/>
+              </a:solidFill>
+              <a:ln>
+                <a:noFill/>
+              </a:ln>
+              <a:effectLst>
+                <a:outerShdw blurRad="50800" dist="38100" dir="2700000" algn="tl" rotWithShape="0">
+                  <a:prstClr val="black">
+                    <a:alpha val="40000"/>
+                  </a:prstClr>
+                </a:outerShdw>
+              </a:effectLst>
+            </p:spPr>
+            <p:style>
+              <a:lnRef idx="2">
+                <a:schemeClr val="accent1">
+                  <a:shade val="50000"/>
+                </a:schemeClr>
+              </a:lnRef>
+              <a:fillRef idx="1">
+                <a:schemeClr val="accent1"/>
+              </a:fillRef>
+              <a:effectRef idx="0">
+                <a:schemeClr val="accent1"/>
+              </a:effectRef>
+              <a:fontRef idx="minor">
+                <a:schemeClr val="lt1"/>
+              </a:fontRef>
+            </p:style>
+            <p:txBody>
+              <a:bodyPr rtlCol="0" anchor="ctr"/>
+              <a:lstStyle/>
+              <a:p>
+                <a:pPr algn="ctr"/>
+                <a:endParaRPr lang="it-IT"/>
+              </a:p>
+            </p:txBody>
+          </p:sp>
+          <p:sp>
+            <p:nvSpPr>
+              <p:cNvPr id="62" name="Ovale 61"/>
+              <p:cNvSpPr/>
+              <p:nvPr/>
+            </p:nvSpPr>
+            <p:spPr>
+              <a:xfrm>
+                <a:off x="2399412" y="4281918"/>
+                <a:ext cx="245913" cy="245913"/>
+              </a:xfrm>
+              <a:prstGeom prst="ellipse">
+                <a:avLst/>
+              </a:prstGeom>
+              <a:solidFill>
+                <a:schemeClr val="bg1"/>
+              </a:solidFill>
+              <a:ln>
+                <a:noFill/>
+              </a:ln>
+            </p:spPr>
+            <p:style>
+              <a:lnRef idx="2">
+                <a:schemeClr val="accent1">
+                  <a:shade val="50000"/>
+                </a:schemeClr>
+              </a:lnRef>
+              <a:fillRef idx="1">
+                <a:schemeClr val="accent1"/>
+              </a:fillRef>
+              <a:effectRef idx="0">
+                <a:schemeClr val="accent1"/>
+              </a:effectRef>
+              <a:fontRef idx="minor">
+                <a:schemeClr val="lt1"/>
+              </a:fontRef>
+            </p:style>
+            <p:txBody>
+              <a:bodyPr rtlCol="0" anchor="ctr"/>
+              <a:lstStyle/>
+              <a:p>
+                <a:pPr algn="ctr"/>
+                <a:endParaRPr lang="it-IT"/>
+              </a:p>
+            </p:txBody>
+          </p:sp>
+          <p:sp>
+            <p:nvSpPr>
+              <p:cNvPr id="63" name="Figura a mano libera 62"/>
+              <p:cNvSpPr/>
+              <p:nvPr/>
+            </p:nvSpPr>
+            <p:spPr>
+              <a:xfrm>
+                <a:off x="2254938" y="4523511"/>
+                <a:ext cx="535537" cy="144001"/>
+              </a:xfrm>
+              <a:custGeom>
+                <a:avLst/>
+                <a:gdLst>
+                  <a:gd name="connsiteX0" fmla="*/ 0 w 1549668"/>
+                  <a:gd name="connsiteY0" fmla="*/ 722824 h 761325"/>
+                  <a:gd name="connsiteX1" fmla="*/ 481264 w 1549668"/>
+                  <a:gd name="connsiteY1" fmla="*/ 116432 h 761325"/>
+                  <a:gd name="connsiteX2" fmla="*/ 770021 w 1549668"/>
+                  <a:gd name="connsiteY2" fmla="*/ 929 h 761325"/>
+                  <a:gd name="connsiteX3" fmla="*/ 1010653 w 1549668"/>
+                  <a:gd name="connsiteY3" fmla="*/ 135683 h 761325"/>
+                  <a:gd name="connsiteX4" fmla="*/ 1549668 w 1549668"/>
+                  <a:gd name="connsiteY4" fmla="*/ 761325 h 761325"/>
+                </a:gdLst>
+                <a:ahLst/>
+                <a:cxnLst>
+                  <a:cxn ang="0">
+                    <a:pos x="connsiteX0" y="connsiteY0"/>
+                  </a:cxn>
+                  <a:cxn ang="0">
+                    <a:pos x="connsiteX1" y="connsiteY1"/>
+                  </a:cxn>
+                  <a:cxn ang="0">
+                    <a:pos x="connsiteX2" y="connsiteY2"/>
+                  </a:cxn>
+                  <a:cxn ang="0">
+                    <a:pos x="connsiteX3" y="connsiteY3"/>
+                  </a:cxn>
+                  <a:cxn ang="0">
+                    <a:pos x="connsiteX4" y="connsiteY4"/>
+                  </a:cxn>
+                </a:cxnLst>
+                <a:rect l="l" t="t" r="r" b="b"/>
+                <a:pathLst>
+                  <a:path w="1549668" h="761325">
+                    <a:moveTo>
+                      <a:pt x="0" y="722824"/>
+                    </a:moveTo>
+                    <a:cubicBezTo>
+                      <a:pt x="176463" y="479786"/>
+                      <a:pt x="352927" y="236748"/>
+                      <a:pt x="481264" y="116432"/>
+                    </a:cubicBezTo>
+                    <a:cubicBezTo>
+                      <a:pt x="609601" y="-3884"/>
+                      <a:pt x="681790" y="-2279"/>
+                      <a:pt x="770021" y="929"/>
+                    </a:cubicBezTo>
+                    <a:cubicBezTo>
+                      <a:pt x="858252" y="4137"/>
+                      <a:pt x="880712" y="8950"/>
+                      <a:pt x="1010653" y="135683"/>
+                    </a:cubicBezTo>
+                    <a:cubicBezTo>
+                      <a:pt x="1140594" y="262416"/>
+                      <a:pt x="1345131" y="511870"/>
+                      <a:pt x="1549668" y="761325"/>
+                    </a:cubicBezTo>
+                  </a:path>
+                </a:pathLst>
+              </a:custGeom>
+              <a:noFill/>
+              <a:ln w="57150">
+                <a:solidFill>
+                  <a:schemeClr val="bg1"/>
+                </a:solidFill>
+              </a:ln>
+            </p:spPr>
+            <p:style>
+              <a:lnRef idx="2">
+                <a:schemeClr val="accent1">
+                  <a:shade val="50000"/>
+                </a:schemeClr>
+              </a:lnRef>
+              <a:fillRef idx="1">
+                <a:schemeClr val="accent1"/>
+              </a:fillRef>
+              <a:effectRef idx="0">
+                <a:schemeClr val="accent1"/>
+              </a:effectRef>
+              <a:fontRef idx="minor">
+                <a:schemeClr val="lt1"/>
+              </a:fontRef>
+            </p:style>
+            <p:txBody>
+              <a:bodyPr rtlCol="0" anchor="ctr"/>
+              <a:lstStyle/>
+              <a:p>
+                <a:pPr algn="ctr"/>
+                <a:endParaRPr lang="it-IT"/>
+              </a:p>
+            </p:txBody>
+          </p:sp>
+          <p:sp>
+            <p:nvSpPr>
+              <p:cNvPr id="64" name="Cuore 44"/>
+              <p:cNvSpPr/>
+              <p:nvPr/>
+            </p:nvSpPr>
+            <p:spPr>
+              <a:xfrm>
+                <a:off x="2440865" y="4509120"/>
+                <a:ext cx="187703" cy="271992"/>
+              </a:xfrm>
+              <a:custGeom>
+                <a:avLst/>
+                <a:gdLst>
+                  <a:gd name="connsiteX0" fmla="*/ 828092 w 1656184"/>
+                  <a:gd name="connsiteY0" fmla="*/ 432048 h 1728192"/>
+                  <a:gd name="connsiteX1" fmla="*/ 828092 w 1656184"/>
+                  <a:gd name="connsiteY1" fmla="*/ 1728192 h 1728192"/>
+                  <a:gd name="connsiteX2" fmla="*/ 828092 w 1656184"/>
+                  <a:gd name="connsiteY2" fmla="*/ 432048 h 1728192"/>
+                  <a:gd name="connsiteX0" fmla="*/ 827477 w 1668278"/>
+                  <a:gd name="connsiteY0" fmla="*/ 533452 h 1329082"/>
+                  <a:gd name="connsiteX1" fmla="*/ 837102 w 1668278"/>
+                  <a:gd name="connsiteY1" fmla="*/ 1329082 h 1329082"/>
+                  <a:gd name="connsiteX2" fmla="*/ 827477 w 1668278"/>
+                  <a:gd name="connsiteY2" fmla="*/ 533452 h 1329082"/>
+                  <a:gd name="connsiteX0" fmla="*/ 834130 w 1668259"/>
+                  <a:gd name="connsiteY0" fmla="*/ 420315 h 1668332"/>
+                  <a:gd name="connsiteX1" fmla="*/ 834130 w 1668259"/>
+                  <a:gd name="connsiteY1" fmla="*/ 1668332 h 1668332"/>
+                  <a:gd name="connsiteX2" fmla="*/ 834130 w 1668259"/>
+                  <a:gd name="connsiteY2" fmla="*/ 420315 h 1668332"/>
+                  <a:gd name="connsiteX0" fmla="*/ 834130 w 1589513"/>
+                  <a:gd name="connsiteY0" fmla="*/ 420315 h 1668332"/>
+                  <a:gd name="connsiteX1" fmla="*/ 834130 w 1589513"/>
+                  <a:gd name="connsiteY1" fmla="*/ 1668332 h 1668332"/>
+                  <a:gd name="connsiteX2" fmla="*/ 834130 w 1589513"/>
+                  <a:gd name="connsiteY2" fmla="*/ 420315 h 1668332"/>
+                  <a:gd name="connsiteX0" fmla="*/ 748958 w 1504341"/>
+                  <a:gd name="connsiteY0" fmla="*/ 1774 h 1249791"/>
+                  <a:gd name="connsiteX1" fmla="*/ 748958 w 1504341"/>
+                  <a:gd name="connsiteY1" fmla="*/ 1249791 h 1249791"/>
+                  <a:gd name="connsiteX2" fmla="*/ 748958 w 1504341"/>
+                  <a:gd name="connsiteY2" fmla="*/ 1774 h 1249791"/>
+                </a:gdLst>
+                <a:ahLst/>
+                <a:cxnLst>
+                  <a:cxn ang="0">
+                    <a:pos x="connsiteX0" y="connsiteY0"/>
+                  </a:cxn>
+                  <a:cxn ang="0">
+                    <a:pos x="connsiteX1" y="connsiteY1"/>
+                  </a:cxn>
+                  <a:cxn ang="0">
+                    <a:pos x="connsiteX2" y="connsiteY2"/>
+                  </a:cxn>
+                </a:cxnLst>
+                <a:rect l="l" t="t" r="r" b="b"/>
+                <a:pathLst>
+                  <a:path w="1504341" h="1249791">
+                    <a:moveTo>
+                      <a:pt x="748958" y="1774"/>
+                    </a:moveTo>
+                    <a:cubicBezTo>
+                      <a:pt x="766737" y="4315"/>
+                      <a:pt x="2439646" y="-46353"/>
+                      <a:pt x="748958" y="1249791"/>
+                    </a:cubicBezTo>
+                    <a:cubicBezTo>
+                      <a:pt x="-941730" y="-46353"/>
+                      <a:pt x="760054" y="-5311"/>
+                      <a:pt x="748958" y="1774"/>
+                    </a:cubicBezTo>
+                    <a:close/>
+                  </a:path>
+                </a:pathLst>
+              </a:custGeom>
+              <a:solidFill>
+                <a:schemeClr val="bg1"/>
+              </a:solidFill>
+              <a:ln>
+                <a:noFill/>
+              </a:ln>
+            </p:spPr>
+            <p:style>
+              <a:lnRef idx="2">
+                <a:schemeClr val="accent1">
+                  <a:shade val="50000"/>
+                </a:schemeClr>
+              </a:lnRef>
+              <a:fillRef idx="1">
+                <a:schemeClr val="accent1"/>
+              </a:fillRef>
+              <a:effectRef idx="0">
+                <a:schemeClr val="accent1"/>
+              </a:effectRef>
+              <a:fontRef idx="minor">
+                <a:schemeClr val="lt1"/>
+              </a:fontRef>
+            </p:style>
+            <p:txBody>
+              <a:bodyPr rtlCol="0" anchor="ctr"/>
+              <a:lstStyle/>
+              <a:p>
+                <a:pPr algn="ctr"/>
+                <a:endParaRPr lang="it-IT"/>
+              </a:p>
+            </p:txBody>
+          </p:sp>
+        </p:grpSp>
+        <p:grpSp>
+          <p:nvGrpSpPr>
+            <p:cNvPr id="56" name="Gruppo 55"/>
+            <p:cNvGrpSpPr/>
+            <p:nvPr/>
+          </p:nvGrpSpPr>
+          <p:grpSpPr>
+            <a:xfrm>
+              <a:off x="6088363" y="2936122"/>
+              <a:ext cx="499861" cy="969704"/>
+              <a:chOff x="2195736" y="4005064"/>
+              <a:chExt cx="648000" cy="1249791"/>
+            </a:xfrm>
+          </p:grpSpPr>
+          <p:sp>
+            <p:nvSpPr>
+              <p:cNvPr id="57" name="Cuore 44"/>
+              <p:cNvSpPr/>
+              <p:nvPr/>
+            </p:nvSpPr>
+            <p:spPr>
+              <a:xfrm>
+                <a:off x="2195736" y="4005064"/>
+                <a:ext cx="648000" cy="1249791"/>
+              </a:xfrm>
+              <a:custGeom>
+                <a:avLst/>
+                <a:gdLst>
+                  <a:gd name="connsiteX0" fmla="*/ 828092 w 1656184"/>
+                  <a:gd name="connsiteY0" fmla="*/ 432048 h 1728192"/>
+                  <a:gd name="connsiteX1" fmla="*/ 828092 w 1656184"/>
+                  <a:gd name="connsiteY1" fmla="*/ 1728192 h 1728192"/>
+                  <a:gd name="connsiteX2" fmla="*/ 828092 w 1656184"/>
+                  <a:gd name="connsiteY2" fmla="*/ 432048 h 1728192"/>
+                  <a:gd name="connsiteX0" fmla="*/ 827477 w 1668278"/>
+                  <a:gd name="connsiteY0" fmla="*/ 533452 h 1329082"/>
+                  <a:gd name="connsiteX1" fmla="*/ 837102 w 1668278"/>
+                  <a:gd name="connsiteY1" fmla="*/ 1329082 h 1329082"/>
+                  <a:gd name="connsiteX2" fmla="*/ 827477 w 1668278"/>
+                  <a:gd name="connsiteY2" fmla="*/ 533452 h 1329082"/>
+                  <a:gd name="connsiteX0" fmla="*/ 834130 w 1668259"/>
+                  <a:gd name="connsiteY0" fmla="*/ 420315 h 1668332"/>
+                  <a:gd name="connsiteX1" fmla="*/ 834130 w 1668259"/>
+                  <a:gd name="connsiteY1" fmla="*/ 1668332 h 1668332"/>
+                  <a:gd name="connsiteX2" fmla="*/ 834130 w 1668259"/>
+                  <a:gd name="connsiteY2" fmla="*/ 420315 h 1668332"/>
+                  <a:gd name="connsiteX0" fmla="*/ 834130 w 1589513"/>
+                  <a:gd name="connsiteY0" fmla="*/ 420315 h 1668332"/>
+                  <a:gd name="connsiteX1" fmla="*/ 834130 w 1589513"/>
+                  <a:gd name="connsiteY1" fmla="*/ 1668332 h 1668332"/>
+                  <a:gd name="connsiteX2" fmla="*/ 834130 w 1589513"/>
+                  <a:gd name="connsiteY2" fmla="*/ 420315 h 1668332"/>
+                  <a:gd name="connsiteX0" fmla="*/ 748958 w 1504341"/>
+                  <a:gd name="connsiteY0" fmla="*/ 1774 h 1249791"/>
+                  <a:gd name="connsiteX1" fmla="*/ 748958 w 1504341"/>
+                  <a:gd name="connsiteY1" fmla="*/ 1249791 h 1249791"/>
+                  <a:gd name="connsiteX2" fmla="*/ 748958 w 1504341"/>
+                  <a:gd name="connsiteY2" fmla="*/ 1774 h 1249791"/>
+                </a:gdLst>
+                <a:ahLst/>
+                <a:cxnLst>
+                  <a:cxn ang="0">
+                    <a:pos x="connsiteX0" y="connsiteY0"/>
+                  </a:cxn>
+                  <a:cxn ang="0">
+                    <a:pos x="connsiteX1" y="connsiteY1"/>
+                  </a:cxn>
+                  <a:cxn ang="0">
+                    <a:pos x="connsiteX2" y="connsiteY2"/>
+                  </a:cxn>
+                </a:cxnLst>
+                <a:rect l="l" t="t" r="r" b="b"/>
+                <a:pathLst>
+                  <a:path w="1504341" h="1249791">
+                    <a:moveTo>
+                      <a:pt x="748958" y="1774"/>
+                    </a:moveTo>
+                    <a:cubicBezTo>
+                      <a:pt x="766737" y="4315"/>
+                      <a:pt x="2439646" y="-46353"/>
+                      <a:pt x="748958" y="1249791"/>
+                    </a:cubicBezTo>
+                    <a:cubicBezTo>
+                      <a:pt x="-941730" y="-46353"/>
+                      <a:pt x="760054" y="-5311"/>
+                      <a:pt x="748958" y="1774"/>
+                    </a:cubicBezTo>
+                    <a:close/>
+                  </a:path>
+                </a:pathLst>
+              </a:custGeom>
+              <a:solidFill>
+                <a:srgbClr val="3B5998"/>
+              </a:solidFill>
+              <a:ln>
+                <a:noFill/>
+              </a:ln>
+              <a:effectLst>
+                <a:outerShdw blurRad="50800" dist="38100" dir="2700000" algn="tl" rotWithShape="0">
+                  <a:prstClr val="black">
+                    <a:alpha val="40000"/>
+                  </a:prstClr>
+                </a:outerShdw>
+              </a:effectLst>
+            </p:spPr>
+            <p:style>
+              <a:lnRef idx="2">
+                <a:schemeClr val="accent1">
+                  <a:shade val="50000"/>
+                </a:schemeClr>
+              </a:lnRef>
+              <a:fillRef idx="1">
+                <a:schemeClr val="accent1"/>
+              </a:fillRef>
+              <a:effectRef idx="0">
+                <a:schemeClr val="accent1"/>
+              </a:effectRef>
+              <a:fontRef idx="minor">
+                <a:schemeClr val="lt1"/>
+              </a:fontRef>
+            </p:style>
+            <p:txBody>
+              <a:bodyPr rtlCol="0" anchor="ctr"/>
+              <a:lstStyle/>
+              <a:p>
+                <a:pPr algn="ctr"/>
+                <a:endParaRPr lang="it-IT"/>
+              </a:p>
+            </p:txBody>
+          </p:sp>
+          <p:sp>
+            <p:nvSpPr>
+              <p:cNvPr id="58" name="Ovale 57"/>
+              <p:cNvSpPr/>
+              <p:nvPr/>
+            </p:nvSpPr>
+            <p:spPr>
+              <a:xfrm>
+                <a:off x="2399412" y="4281918"/>
+                <a:ext cx="245913" cy="245913"/>
+              </a:xfrm>
+              <a:prstGeom prst="ellipse">
+                <a:avLst/>
+              </a:prstGeom>
+              <a:solidFill>
+                <a:schemeClr val="bg1"/>
+              </a:solidFill>
+              <a:ln>
+                <a:noFill/>
+              </a:ln>
+            </p:spPr>
+            <p:style>
+              <a:lnRef idx="2">
+                <a:schemeClr val="accent1">
+                  <a:shade val="50000"/>
+                </a:schemeClr>
+              </a:lnRef>
+              <a:fillRef idx="1">
+                <a:schemeClr val="accent1"/>
+              </a:fillRef>
+              <a:effectRef idx="0">
+                <a:schemeClr val="accent1"/>
+              </a:effectRef>
+              <a:fontRef idx="minor">
+                <a:schemeClr val="lt1"/>
+              </a:fontRef>
+            </p:style>
+            <p:txBody>
+              <a:bodyPr rtlCol="0" anchor="ctr"/>
+              <a:lstStyle/>
+              <a:p>
+                <a:pPr algn="ctr"/>
+                <a:endParaRPr lang="it-IT"/>
+              </a:p>
+            </p:txBody>
+          </p:sp>
+          <p:sp>
+            <p:nvSpPr>
+              <p:cNvPr id="59" name="Figura a mano libera 58"/>
+              <p:cNvSpPr/>
+              <p:nvPr/>
+            </p:nvSpPr>
+            <p:spPr>
+              <a:xfrm>
+                <a:off x="2254938" y="4523511"/>
+                <a:ext cx="535537" cy="144001"/>
+              </a:xfrm>
+              <a:custGeom>
+                <a:avLst/>
+                <a:gdLst>
+                  <a:gd name="connsiteX0" fmla="*/ 0 w 1549668"/>
+                  <a:gd name="connsiteY0" fmla="*/ 722824 h 761325"/>
+                  <a:gd name="connsiteX1" fmla="*/ 481264 w 1549668"/>
+                  <a:gd name="connsiteY1" fmla="*/ 116432 h 761325"/>
+                  <a:gd name="connsiteX2" fmla="*/ 770021 w 1549668"/>
+                  <a:gd name="connsiteY2" fmla="*/ 929 h 761325"/>
+                  <a:gd name="connsiteX3" fmla="*/ 1010653 w 1549668"/>
+                  <a:gd name="connsiteY3" fmla="*/ 135683 h 761325"/>
+                  <a:gd name="connsiteX4" fmla="*/ 1549668 w 1549668"/>
+                  <a:gd name="connsiteY4" fmla="*/ 761325 h 761325"/>
+                </a:gdLst>
+                <a:ahLst/>
+                <a:cxnLst>
+                  <a:cxn ang="0">
+                    <a:pos x="connsiteX0" y="connsiteY0"/>
+                  </a:cxn>
+                  <a:cxn ang="0">
+                    <a:pos x="connsiteX1" y="connsiteY1"/>
+                  </a:cxn>
+                  <a:cxn ang="0">
+                    <a:pos x="connsiteX2" y="connsiteY2"/>
+                  </a:cxn>
+                  <a:cxn ang="0">
+                    <a:pos x="connsiteX3" y="connsiteY3"/>
+                  </a:cxn>
+                  <a:cxn ang="0">
+                    <a:pos x="connsiteX4" y="connsiteY4"/>
+                  </a:cxn>
+                </a:cxnLst>
+                <a:rect l="l" t="t" r="r" b="b"/>
+                <a:pathLst>
+                  <a:path w="1549668" h="761325">
+                    <a:moveTo>
+                      <a:pt x="0" y="722824"/>
+                    </a:moveTo>
+                    <a:cubicBezTo>
+                      <a:pt x="176463" y="479786"/>
+                      <a:pt x="352927" y="236748"/>
+                      <a:pt x="481264" y="116432"/>
+                    </a:cubicBezTo>
+                    <a:cubicBezTo>
+                      <a:pt x="609601" y="-3884"/>
+                      <a:pt x="681790" y="-2279"/>
+                      <a:pt x="770021" y="929"/>
+                    </a:cubicBezTo>
+                    <a:cubicBezTo>
+                      <a:pt x="858252" y="4137"/>
+                      <a:pt x="880712" y="8950"/>
+                      <a:pt x="1010653" y="135683"/>
+                    </a:cubicBezTo>
+                    <a:cubicBezTo>
+                      <a:pt x="1140594" y="262416"/>
+                      <a:pt x="1345131" y="511870"/>
+                      <a:pt x="1549668" y="761325"/>
+                    </a:cubicBezTo>
+                  </a:path>
+                </a:pathLst>
+              </a:custGeom>
+              <a:noFill/>
+              <a:ln w="57150">
+                <a:solidFill>
+                  <a:schemeClr val="bg1"/>
+                </a:solidFill>
+              </a:ln>
+            </p:spPr>
+            <p:style>
+              <a:lnRef idx="2">
+                <a:schemeClr val="accent1">
+                  <a:shade val="50000"/>
+                </a:schemeClr>
+              </a:lnRef>
+              <a:fillRef idx="1">
+                <a:schemeClr val="accent1"/>
+              </a:fillRef>
+              <a:effectRef idx="0">
+                <a:schemeClr val="accent1"/>
+              </a:effectRef>
+              <a:fontRef idx="minor">
+                <a:schemeClr val="lt1"/>
+              </a:fontRef>
+            </p:style>
+            <p:txBody>
+              <a:bodyPr rtlCol="0" anchor="ctr"/>
+              <a:lstStyle/>
+              <a:p>
+                <a:pPr algn="ctr"/>
+                <a:endParaRPr lang="it-IT"/>
+              </a:p>
+            </p:txBody>
+          </p:sp>
+          <p:sp>
+            <p:nvSpPr>
+              <p:cNvPr id="60" name="Cuore 44"/>
+              <p:cNvSpPr/>
+              <p:nvPr/>
+            </p:nvSpPr>
+            <p:spPr>
+              <a:xfrm>
+                <a:off x="2440865" y="4509120"/>
+                <a:ext cx="187703" cy="271992"/>
+              </a:xfrm>
+              <a:custGeom>
+                <a:avLst/>
+                <a:gdLst>
+                  <a:gd name="connsiteX0" fmla="*/ 828092 w 1656184"/>
+                  <a:gd name="connsiteY0" fmla="*/ 432048 h 1728192"/>
+                  <a:gd name="connsiteX1" fmla="*/ 828092 w 1656184"/>
+                  <a:gd name="connsiteY1" fmla="*/ 1728192 h 1728192"/>
+                  <a:gd name="connsiteX2" fmla="*/ 828092 w 1656184"/>
+                  <a:gd name="connsiteY2" fmla="*/ 432048 h 1728192"/>
+                  <a:gd name="connsiteX0" fmla="*/ 827477 w 1668278"/>
+                  <a:gd name="connsiteY0" fmla="*/ 533452 h 1329082"/>
+                  <a:gd name="connsiteX1" fmla="*/ 837102 w 1668278"/>
+                  <a:gd name="connsiteY1" fmla="*/ 1329082 h 1329082"/>
+                  <a:gd name="connsiteX2" fmla="*/ 827477 w 1668278"/>
+                  <a:gd name="connsiteY2" fmla="*/ 533452 h 1329082"/>
+                  <a:gd name="connsiteX0" fmla="*/ 834130 w 1668259"/>
+                  <a:gd name="connsiteY0" fmla="*/ 420315 h 1668332"/>
+                  <a:gd name="connsiteX1" fmla="*/ 834130 w 1668259"/>
+                  <a:gd name="connsiteY1" fmla="*/ 1668332 h 1668332"/>
+                  <a:gd name="connsiteX2" fmla="*/ 834130 w 1668259"/>
+                  <a:gd name="connsiteY2" fmla="*/ 420315 h 1668332"/>
+                  <a:gd name="connsiteX0" fmla="*/ 834130 w 1589513"/>
+                  <a:gd name="connsiteY0" fmla="*/ 420315 h 1668332"/>
+                  <a:gd name="connsiteX1" fmla="*/ 834130 w 1589513"/>
+                  <a:gd name="connsiteY1" fmla="*/ 1668332 h 1668332"/>
+                  <a:gd name="connsiteX2" fmla="*/ 834130 w 1589513"/>
+                  <a:gd name="connsiteY2" fmla="*/ 420315 h 1668332"/>
+                  <a:gd name="connsiteX0" fmla="*/ 748958 w 1504341"/>
+                  <a:gd name="connsiteY0" fmla="*/ 1774 h 1249791"/>
+                  <a:gd name="connsiteX1" fmla="*/ 748958 w 1504341"/>
+                  <a:gd name="connsiteY1" fmla="*/ 1249791 h 1249791"/>
+                  <a:gd name="connsiteX2" fmla="*/ 748958 w 1504341"/>
+                  <a:gd name="connsiteY2" fmla="*/ 1774 h 1249791"/>
+                </a:gdLst>
+                <a:ahLst/>
+                <a:cxnLst>
+                  <a:cxn ang="0">
+                    <a:pos x="connsiteX0" y="connsiteY0"/>
+                  </a:cxn>
+                  <a:cxn ang="0">
+                    <a:pos x="connsiteX1" y="connsiteY1"/>
+                  </a:cxn>
+                  <a:cxn ang="0">
+                    <a:pos x="connsiteX2" y="connsiteY2"/>
+                  </a:cxn>
+                </a:cxnLst>
+                <a:rect l="l" t="t" r="r" b="b"/>
+                <a:pathLst>
+                  <a:path w="1504341" h="1249791">
+                    <a:moveTo>
+                      <a:pt x="748958" y="1774"/>
+                    </a:moveTo>
+                    <a:cubicBezTo>
+                      <a:pt x="766737" y="4315"/>
+                      <a:pt x="2439646" y="-46353"/>
+                      <a:pt x="748958" y="1249791"/>
+                    </a:cubicBezTo>
+                    <a:cubicBezTo>
+                      <a:pt x="-941730" y="-46353"/>
+                      <a:pt x="760054" y="-5311"/>
+                      <a:pt x="748958" y="1774"/>
+                    </a:cubicBezTo>
+                    <a:close/>
+                  </a:path>
+                </a:pathLst>
+              </a:custGeom>
+              <a:solidFill>
+                <a:schemeClr val="bg1"/>
+              </a:solidFill>
+              <a:ln>
+                <a:noFill/>
+              </a:ln>
+            </p:spPr>
+            <p:style>
+              <a:lnRef idx="2">
+                <a:schemeClr val="accent1">
+                  <a:shade val="50000"/>
+                </a:schemeClr>
+              </a:lnRef>
+              <a:fillRef idx="1">
+                <a:schemeClr val="accent1"/>
+              </a:fillRef>
+              <a:effectRef idx="0">
+                <a:schemeClr val="accent1"/>
+              </a:effectRef>
+              <a:fontRef idx="minor">
+                <a:schemeClr val="lt1"/>
+              </a:fontRef>
+            </p:style>
+            <p:txBody>
+              <a:bodyPr rtlCol="0" anchor="ctr"/>
+              <a:lstStyle/>
+              <a:p>
+                <a:pPr algn="ctr"/>
+                <a:endParaRPr lang="it-IT"/>
+              </a:p>
+            </p:txBody>
+          </p:sp>
+        </p:grpSp>
       </p:grpSp>
+    </p:spTree>
+    <p:extLst>
+      <p:ext uri="{BB962C8B-B14F-4D97-AF65-F5344CB8AC3E}">
+        <p14:creationId xmlns:p14="http://schemas.microsoft.com/office/powerpoint/2010/main" val="3058421645"/>
+      </p:ext>
+    </p:extLst>
+  </p:cSld>
+  <p:clrMapOvr>
+    <a:masterClrMapping/>
+  </p:clrMapOvr>
+  <p:timing>
+    <p:tnLst>
+      <p:par>
+        <p:cTn id="1" dur="indefinite" restart="never" nodeType="tmRoot"/>
+      </p:par>
+    </p:tnLst>
+  </p:timing>
+</p:sld>
+</file>
+
+<file path=ppt/slides/slide3.xml><?xml version="1.0" encoding="utf-8"?>
+<p:sld xmlns:a="http://schemas.openxmlformats.org/drawingml/2006/main" xmlns:r="http://schemas.openxmlformats.org/officeDocument/2006/relationships" xmlns:p="http://schemas.openxmlformats.org/presentationml/2006/main">
+  <p:cSld>
+    <p:spTree>
+      <p:nvGrpSpPr>
+        <p:cNvPr id="1" name=""/>
+        <p:cNvGrpSpPr/>
+        <p:nvPr/>
+      </p:nvGrpSpPr>
+      <p:grpSpPr>
+        <a:xfrm>
+          <a:off x="0" y="0"/>
+          <a:ext cx="0" cy="0"/>
+          <a:chOff x="0" y="0"/>
+          <a:chExt cx="0" cy="0"/>
+        </a:xfrm>
+      </p:grpSpPr>
       <p:grpSp>
         <p:nvGrpSpPr>
-          <p:cNvPr id="9" name="Gruppo 8"/>
+          <p:cNvPr id="3" name="Gruppo 2"/>
           <p:cNvGrpSpPr/>
           <p:nvPr/>
         </p:nvGrpSpPr>
         <p:grpSpPr>
           <a:xfrm>
-            <a:off x="1763969" y="3941323"/>
-            <a:ext cx="2519999" cy="2518909"/>
-            <a:chOff x="3635896" y="1627708"/>
-            <a:chExt cx="2520280" cy="2520280"/>
+            <a:off x="589724" y="207804"/>
+            <a:ext cx="2191995" cy="2442997"/>
+            <a:chOff x="589724" y="1468418"/>
+            <a:chExt cx="2191995" cy="2442997"/>
+          </a:xfrm>
+        </p:grpSpPr>
+        <p:pic>
+          <p:nvPicPr>
+            <p:cNvPr id="1030" name="Picture 6"/>
+            <p:cNvPicPr>
+              <a:picLocks noChangeAspect="1" noChangeArrowheads="1"/>
+            </p:cNvPicPr>
+            <p:nvPr/>
+          </p:nvPicPr>
+          <p:blipFill>
+            <a:blip r:embed="rId2">
+              <a:extLst>
+                <a:ext uri="{28A0092B-C50C-407E-A947-70E740481C1C}">
+                  <a14:useLocalDpi xmlns:a14="http://schemas.microsoft.com/office/drawing/2010/main" val="0"/>
+                </a:ext>
+              </a:extLst>
+            </a:blip>
+            <a:srcRect/>
+            <a:stretch>
+              <a:fillRect/>
+            </a:stretch>
+          </p:blipFill>
+          <p:spPr bwMode="auto">
+            <a:xfrm>
+              <a:off x="720080" y="1968596"/>
+              <a:ext cx="1942819" cy="1942819"/>
+            </a:xfrm>
+            <a:prstGeom prst="rect">
+              <a:avLst/>
+            </a:prstGeom>
+            <a:noFill/>
+            <a:ln>
+              <a:noFill/>
+            </a:ln>
+            <a:effectLst/>
+            <a:extLst>
+              <a:ext uri="{909E8E84-426E-40DD-AFC4-6F175D3DCCD1}">
+                <a14:hiddenFill xmlns:a14="http://schemas.microsoft.com/office/drawing/2010/main">
+                  <a:solidFill>
+                    <a:schemeClr val="accent1"/>
+                  </a:solidFill>
+                </a14:hiddenFill>
+              </a:ext>
+              <a:ext uri="{91240B29-F687-4F45-9708-019B960494DF}">
+                <a14:hiddenLine xmlns:a14="http://schemas.microsoft.com/office/drawing/2010/main" w="9525">
+                  <a:solidFill>
+                    <a:schemeClr val="tx1"/>
+                  </a:solidFill>
+                  <a:miter lim="800000"/>
+                  <a:headEnd/>
+                  <a:tailEnd/>
+                </a14:hiddenLine>
+              </a:ext>
+              <a:ext uri="{AF507438-7753-43E0-B8FC-AC1667EBCBE1}">
+                <a14:hiddenEffects xmlns:a14="http://schemas.microsoft.com/office/drawing/2010/main">
+                  <a:effectLst>
+                    <a:outerShdw dist="35921" dir="2700000" algn="ctr" rotWithShape="0">
+                      <a:schemeClr val="bg2"/>
+                    </a:outerShdw>
+                  </a:effectLst>
+                </a14:hiddenEffects>
+              </a:ext>
+            </a:extLst>
+          </p:spPr>
+        </p:pic>
+        <p:grpSp>
+          <p:nvGrpSpPr>
+            <p:cNvPr id="9" name="Gruppo 8"/>
+            <p:cNvGrpSpPr/>
+            <p:nvPr/>
+          </p:nvGrpSpPr>
+          <p:grpSpPr>
+            <a:xfrm>
+              <a:off x="589724" y="2245190"/>
+              <a:ext cx="499861" cy="969704"/>
+              <a:chOff x="2195736" y="4005064"/>
+              <a:chExt cx="648000" cy="1249791"/>
+            </a:xfrm>
+          </p:grpSpPr>
+          <p:sp>
+            <p:nvSpPr>
+              <p:cNvPr id="10" name="Cuore 44"/>
+              <p:cNvSpPr/>
+              <p:nvPr/>
+            </p:nvSpPr>
+            <p:spPr>
+              <a:xfrm>
+                <a:off x="2195736" y="4005064"/>
+                <a:ext cx="648000" cy="1249791"/>
+              </a:xfrm>
+              <a:custGeom>
+                <a:avLst/>
+                <a:gdLst>
+                  <a:gd name="connsiteX0" fmla="*/ 828092 w 1656184"/>
+                  <a:gd name="connsiteY0" fmla="*/ 432048 h 1728192"/>
+                  <a:gd name="connsiteX1" fmla="*/ 828092 w 1656184"/>
+                  <a:gd name="connsiteY1" fmla="*/ 1728192 h 1728192"/>
+                  <a:gd name="connsiteX2" fmla="*/ 828092 w 1656184"/>
+                  <a:gd name="connsiteY2" fmla="*/ 432048 h 1728192"/>
+                  <a:gd name="connsiteX0" fmla="*/ 827477 w 1668278"/>
+                  <a:gd name="connsiteY0" fmla="*/ 533452 h 1329082"/>
+                  <a:gd name="connsiteX1" fmla="*/ 837102 w 1668278"/>
+                  <a:gd name="connsiteY1" fmla="*/ 1329082 h 1329082"/>
+                  <a:gd name="connsiteX2" fmla="*/ 827477 w 1668278"/>
+                  <a:gd name="connsiteY2" fmla="*/ 533452 h 1329082"/>
+                  <a:gd name="connsiteX0" fmla="*/ 834130 w 1668259"/>
+                  <a:gd name="connsiteY0" fmla="*/ 420315 h 1668332"/>
+                  <a:gd name="connsiteX1" fmla="*/ 834130 w 1668259"/>
+                  <a:gd name="connsiteY1" fmla="*/ 1668332 h 1668332"/>
+                  <a:gd name="connsiteX2" fmla="*/ 834130 w 1668259"/>
+                  <a:gd name="connsiteY2" fmla="*/ 420315 h 1668332"/>
+                  <a:gd name="connsiteX0" fmla="*/ 834130 w 1589513"/>
+                  <a:gd name="connsiteY0" fmla="*/ 420315 h 1668332"/>
+                  <a:gd name="connsiteX1" fmla="*/ 834130 w 1589513"/>
+                  <a:gd name="connsiteY1" fmla="*/ 1668332 h 1668332"/>
+                  <a:gd name="connsiteX2" fmla="*/ 834130 w 1589513"/>
+                  <a:gd name="connsiteY2" fmla="*/ 420315 h 1668332"/>
+                  <a:gd name="connsiteX0" fmla="*/ 748958 w 1504341"/>
+                  <a:gd name="connsiteY0" fmla="*/ 1774 h 1249791"/>
+                  <a:gd name="connsiteX1" fmla="*/ 748958 w 1504341"/>
+                  <a:gd name="connsiteY1" fmla="*/ 1249791 h 1249791"/>
+                  <a:gd name="connsiteX2" fmla="*/ 748958 w 1504341"/>
+                  <a:gd name="connsiteY2" fmla="*/ 1774 h 1249791"/>
+                </a:gdLst>
+                <a:ahLst/>
+                <a:cxnLst>
+                  <a:cxn ang="0">
+                    <a:pos x="connsiteX0" y="connsiteY0"/>
+                  </a:cxn>
+                  <a:cxn ang="0">
+                    <a:pos x="connsiteX1" y="connsiteY1"/>
+                  </a:cxn>
+                  <a:cxn ang="0">
+                    <a:pos x="connsiteX2" y="connsiteY2"/>
+                  </a:cxn>
+                </a:cxnLst>
+                <a:rect l="l" t="t" r="r" b="b"/>
+                <a:pathLst>
+                  <a:path w="1504341" h="1249791">
+                    <a:moveTo>
+                      <a:pt x="748958" y="1774"/>
+                    </a:moveTo>
+                    <a:cubicBezTo>
+                      <a:pt x="766737" y="4315"/>
+                      <a:pt x="2439646" y="-46353"/>
+                      <a:pt x="748958" y="1249791"/>
+                    </a:cubicBezTo>
+                    <a:cubicBezTo>
+                      <a:pt x="-941730" y="-46353"/>
+                      <a:pt x="760054" y="-5311"/>
+                      <a:pt x="748958" y="1774"/>
+                    </a:cubicBezTo>
+                    <a:close/>
+                  </a:path>
+                </a:pathLst>
+              </a:custGeom>
+              <a:solidFill>
+                <a:srgbClr val="00ACED"/>
+              </a:solidFill>
+              <a:ln>
+                <a:noFill/>
+              </a:ln>
+              <a:effectLst>
+                <a:outerShdw blurRad="50800" dist="38100" dir="2700000" algn="tl" rotWithShape="0">
+                  <a:prstClr val="black">
+                    <a:alpha val="40000"/>
+                  </a:prstClr>
+                </a:outerShdw>
+              </a:effectLst>
+            </p:spPr>
+            <p:style>
+              <a:lnRef idx="2">
+                <a:schemeClr val="accent1">
+                  <a:shade val="50000"/>
+                </a:schemeClr>
+              </a:lnRef>
+              <a:fillRef idx="1">
+                <a:schemeClr val="accent1"/>
+              </a:fillRef>
+              <a:effectRef idx="0">
+                <a:schemeClr val="accent1"/>
+              </a:effectRef>
+              <a:fontRef idx="minor">
+                <a:schemeClr val="lt1"/>
+              </a:fontRef>
+            </p:style>
+            <p:txBody>
+              <a:bodyPr rtlCol="0" anchor="ctr"/>
+              <a:lstStyle/>
+              <a:p>
+                <a:pPr algn="ctr"/>
+                <a:endParaRPr lang="it-IT"/>
+              </a:p>
+            </p:txBody>
+          </p:sp>
+          <p:sp>
+            <p:nvSpPr>
+              <p:cNvPr id="11" name="Ovale 10"/>
+              <p:cNvSpPr/>
+              <p:nvPr/>
+            </p:nvSpPr>
+            <p:spPr>
+              <a:xfrm>
+                <a:off x="2382949" y="4281918"/>
+                <a:ext cx="245913" cy="245913"/>
+              </a:xfrm>
+              <a:prstGeom prst="ellipse">
+                <a:avLst/>
+              </a:prstGeom>
+              <a:solidFill>
+                <a:schemeClr val="bg1"/>
+              </a:solidFill>
+              <a:ln>
+                <a:noFill/>
+              </a:ln>
+            </p:spPr>
+            <p:style>
+              <a:lnRef idx="2">
+                <a:schemeClr val="accent1">
+                  <a:shade val="50000"/>
+                </a:schemeClr>
+              </a:lnRef>
+              <a:fillRef idx="1">
+                <a:schemeClr val="accent1"/>
+              </a:fillRef>
+              <a:effectRef idx="0">
+                <a:schemeClr val="accent1"/>
+              </a:effectRef>
+              <a:fontRef idx="minor">
+                <a:schemeClr val="lt1"/>
+              </a:fontRef>
+            </p:style>
+            <p:txBody>
+              <a:bodyPr rtlCol="0" anchor="ctr"/>
+              <a:lstStyle/>
+              <a:p>
+                <a:pPr algn="ctr"/>
+                <a:endParaRPr lang="it-IT"/>
+              </a:p>
+            </p:txBody>
+          </p:sp>
+          <p:sp>
+            <p:nvSpPr>
+              <p:cNvPr id="12" name="Figura a mano libera 11"/>
+              <p:cNvSpPr/>
+              <p:nvPr/>
+            </p:nvSpPr>
+            <p:spPr>
+              <a:xfrm>
+                <a:off x="2246706" y="4523511"/>
+                <a:ext cx="535537" cy="144001"/>
+              </a:xfrm>
+              <a:custGeom>
+                <a:avLst/>
+                <a:gdLst>
+                  <a:gd name="connsiteX0" fmla="*/ 0 w 1549668"/>
+                  <a:gd name="connsiteY0" fmla="*/ 722824 h 761325"/>
+                  <a:gd name="connsiteX1" fmla="*/ 481264 w 1549668"/>
+                  <a:gd name="connsiteY1" fmla="*/ 116432 h 761325"/>
+                  <a:gd name="connsiteX2" fmla="*/ 770021 w 1549668"/>
+                  <a:gd name="connsiteY2" fmla="*/ 929 h 761325"/>
+                  <a:gd name="connsiteX3" fmla="*/ 1010653 w 1549668"/>
+                  <a:gd name="connsiteY3" fmla="*/ 135683 h 761325"/>
+                  <a:gd name="connsiteX4" fmla="*/ 1549668 w 1549668"/>
+                  <a:gd name="connsiteY4" fmla="*/ 761325 h 761325"/>
+                </a:gdLst>
+                <a:ahLst/>
+                <a:cxnLst>
+                  <a:cxn ang="0">
+                    <a:pos x="connsiteX0" y="connsiteY0"/>
+                  </a:cxn>
+                  <a:cxn ang="0">
+                    <a:pos x="connsiteX1" y="connsiteY1"/>
+                  </a:cxn>
+                  <a:cxn ang="0">
+                    <a:pos x="connsiteX2" y="connsiteY2"/>
+                  </a:cxn>
+                  <a:cxn ang="0">
+                    <a:pos x="connsiteX3" y="connsiteY3"/>
+                  </a:cxn>
+                  <a:cxn ang="0">
+                    <a:pos x="connsiteX4" y="connsiteY4"/>
+                  </a:cxn>
+                </a:cxnLst>
+                <a:rect l="l" t="t" r="r" b="b"/>
+                <a:pathLst>
+                  <a:path w="1549668" h="761325">
+                    <a:moveTo>
+                      <a:pt x="0" y="722824"/>
+                    </a:moveTo>
+                    <a:cubicBezTo>
+                      <a:pt x="176463" y="479786"/>
+                      <a:pt x="352927" y="236748"/>
+                      <a:pt x="481264" y="116432"/>
+                    </a:cubicBezTo>
+                    <a:cubicBezTo>
+                      <a:pt x="609601" y="-3884"/>
+                      <a:pt x="681790" y="-2279"/>
+                      <a:pt x="770021" y="929"/>
+                    </a:cubicBezTo>
+                    <a:cubicBezTo>
+                      <a:pt x="858252" y="4137"/>
+                      <a:pt x="880712" y="8950"/>
+                      <a:pt x="1010653" y="135683"/>
+                    </a:cubicBezTo>
+                    <a:cubicBezTo>
+                      <a:pt x="1140594" y="262416"/>
+                      <a:pt x="1345131" y="511870"/>
+                      <a:pt x="1549668" y="761325"/>
+                    </a:cubicBezTo>
+                  </a:path>
+                </a:pathLst>
+              </a:custGeom>
+              <a:noFill/>
+              <a:ln w="57150">
+                <a:solidFill>
+                  <a:schemeClr val="bg1"/>
+                </a:solidFill>
+              </a:ln>
+            </p:spPr>
+            <p:style>
+              <a:lnRef idx="2">
+                <a:schemeClr val="accent1">
+                  <a:shade val="50000"/>
+                </a:schemeClr>
+              </a:lnRef>
+              <a:fillRef idx="1">
+                <a:schemeClr val="accent1"/>
+              </a:fillRef>
+              <a:effectRef idx="0">
+                <a:schemeClr val="accent1"/>
+              </a:effectRef>
+              <a:fontRef idx="minor">
+                <a:schemeClr val="lt1"/>
+              </a:fontRef>
+            </p:style>
+            <p:txBody>
+              <a:bodyPr rtlCol="0" anchor="ctr"/>
+              <a:lstStyle/>
+              <a:p>
+                <a:pPr algn="ctr"/>
+                <a:endParaRPr lang="it-IT"/>
+              </a:p>
+            </p:txBody>
+          </p:sp>
+          <p:sp>
+            <p:nvSpPr>
+              <p:cNvPr id="13" name="Cuore 44"/>
+              <p:cNvSpPr/>
+              <p:nvPr/>
+            </p:nvSpPr>
+            <p:spPr>
+              <a:xfrm>
+                <a:off x="2416169" y="4509119"/>
+                <a:ext cx="187703" cy="271992"/>
+              </a:xfrm>
+              <a:custGeom>
+                <a:avLst/>
+                <a:gdLst>
+                  <a:gd name="connsiteX0" fmla="*/ 828092 w 1656184"/>
+                  <a:gd name="connsiteY0" fmla="*/ 432048 h 1728192"/>
+                  <a:gd name="connsiteX1" fmla="*/ 828092 w 1656184"/>
+                  <a:gd name="connsiteY1" fmla="*/ 1728192 h 1728192"/>
+                  <a:gd name="connsiteX2" fmla="*/ 828092 w 1656184"/>
+                  <a:gd name="connsiteY2" fmla="*/ 432048 h 1728192"/>
+                  <a:gd name="connsiteX0" fmla="*/ 827477 w 1668278"/>
+                  <a:gd name="connsiteY0" fmla="*/ 533452 h 1329082"/>
+                  <a:gd name="connsiteX1" fmla="*/ 837102 w 1668278"/>
+                  <a:gd name="connsiteY1" fmla="*/ 1329082 h 1329082"/>
+                  <a:gd name="connsiteX2" fmla="*/ 827477 w 1668278"/>
+                  <a:gd name="connsiteY2" fmla="*/ 533452 h 1329082"/>
+                  <a:gd name="connsiteX0" fmla="*/ 834130 w 1668259"/>
+                  <a:gd name="connsiteY0" fmla="*/ 420315 h 1668332"/>
+                  <a:gd name="connsiteX1" fmla="*/ 834130 w 1668259"/>
+                  <a:gd name="connsiteY1" fmla="*/ 1668332 h 1668332"/>
+                  <a:gd name="connsiteX2" fmla="*/ 834130 w 1668259"/>
+                  <a:gd name="connsiteY2" fmla="*/ 420315 h 1668332"/>
+                  <a:gd name="connsiteX0" fmla="*/ 834130 w 1589513"/>
+                  <a:gd name="connsiteY0" fmla="*/ 420315 h 1668332"/>
+                  <a:gd name="connsiteX1" fmla="*/ 834130 w 1589513"/>
+                  <a:gd name="connsiteY1" fmla="*/ 1668332 h 1668332"/>
+                  <a:gd name="connsiteX2" fmla="*/ 834130 w 1589513"/>
+                  <a:gd name="connsiteY2" fmla="*/ 420315 h 1668332"/>
+                  <a:gd name="connsiteX0" fmla="*/ 748958 w 1504341"/>
+                  <a:gd name="connsiteY0" fmla="*/ 1774 h 1249791"/>
+                  <a:gd name="connsiteX1" fmla="*/ 748958 w 1504341"/>
+                  <a:gd name="connsiteY1" fmla="*/ 1249791 h 1249791"/>
+                  <a:gd name="connsiteX2" fmla="*/ 748958 w 1504341"/>
+                  <a:gd name="connsiteY2" fmla="*/ 1774 h 1249791"/>
+                </a:gdLst>
+                <a:ahLst/>
+                <a:cxnLst>
+                  <a:cxn ang="0">
+                    <a:pos x="connsiteX0" y="connsiteY0"/>
+                  </a:cxn>
+                  <a:cxn ang="0">
+                    <a:pos x="connsiteX1" y="connsiteY1"/>
+                  </a:cxn>
+                  <a:cxn ang="0">
+                    <a:pos x="connsiteX2" y="connsiteY2"/>
+                  </a:cxn>
+                </a:cxnLst>
+                <a:rect l="l" t="t" r="r" b="b"/>
+                <a:pathLst>
+                  <a:path w="1504341" h="1249791">
+                    <a:moveTo>
+                      <a:pt x="748958" y="1774"/>
+                    </a:moveTo>
+                    <a:cubicBezTo>
+                      <a:pt x="766737" y="4315"/>
+                      <a:pt x="2439646" y="-46353"/>
+                      <a:pt x="748958" y="1249791"/>
+                    </a:cubicBezTo>
+                    <a:cubicBezTo>
+                      <a:pt x="-941730" y="-46353"/>
+                      <a:pt x="760054" y="-5311"/>
+                      <a:pt x="748958" y="1774"/>
+                    </a:cubicBezTo>
+                    <a:close/>
+                  </a:path>
+                </a:pathLst>
+              </a:custGeom>
+              <a:solidFill>
+                <a:schemeClr val="bg1"/>
+              </a:solidFill>
+              <a:ln>
+                <a:noFill/>
+              </a:ln>
+            </p:spPr>
+            <p:style>
+              <a:lnRef idx="2">
+                <a:schemeClr val="accent1">
+                  <a:shade val="50000"/>
+                </a:schemeClr>
+              </a:lnRef>
+              <a:fillRef idx="1">
+                <a:schemeClr val="accent1"/>
+              </a:fillRef>
+              <a:effectRef idx="0">
+                <a:schemeClr val="accent1"/>
+              </a:effectRef>
+              <a:fontRef idx="minor">
+                <a:schemeClr val="lt1"/>
+              </a:fontRef>
+            </p:style>
+            <p:txBody>
+              <a:bodyPr rtlCol="0" anchor="ctr"/>
+              <a:lstStyle/>
+              <a:p>
+                <a:pPr algn="ctr"/>
+                <a:endParaRPr lang="it-IT"/>
+              </a:p>
+            </p:txBody>
+          </p:sp>
+        </p:grpSp>
+        <p:grpSp>
+          <p:nvGrpSpPr>
+            <p:cNvPr id="14" name="Gruppo 13"/>
+            <p:cNvGrpSpPr/>
+            <p:nvPr/>
+          </p:nvGrpSpPr>
+          <p:grpSpPr>
+            <a:xfrm>
+              <a:off x="1298767" y="1468418"/>
+              <a:ext cx="499861" cy="969704"/>
+              <a:chOff x="2195736" y="4005064"/>
+              <a:chExt cx="648000" cy="1249791"/>
+            </a:xfrm>
+          </p:grpSpPr>
+          <p:sp>
+            <p:nvSpPr>
+              <p:cNvPr id="15" name="Cuore 44"/>
+              <p:cNvSpPr/>
+              <p:nvPr/>
+            </p:nvSpPr>
+            <p:spPr>
+              <a:xfrm>
+                <a:off x="2195736" y="4005064"/>
+                <a:ext cx="648000" cy="1249791"/>
+              </a:xfrm>
+              <a:custGeom>
+                <a:avLst/>
+                <a:gdLst>
+                  <a:gd name="connsiteX0" fmla="*/ 828092 w 1656184"/>
+                  <a:gd name="connsiteY0" fmla="*/ 432048 h 1728192"/>
+                  <a:gd name="connsiteX1" fmla="*/ 828092 w 1656184"/>
+                  <a:gd name="connsiteY1" fmla="*/ 1728192 h 1728192"/>
+                  <a:gd name="connsiteX2" fmla="*/ 828092 w 1656184"/>
+                  <a:gd name="connsiteY2" fmla="*/ 432048 h 1728192"/>
+                  <a:gd name="connsiteX0" fmla="*/ 827477 w 1668278"/>
+                  <a:gd name="connsiteY0" fmla="*/ 533452 h 1329082"/>
+                  <a:gd name="connsiteX1" fmla="*/ 837102 w 1668278"/>
+                  <a:gd name="connsiteY1" fmla="*/ 1329082 h 1329082"/>
+                  <a:gd name="connsiteX2" fmla="*/ 827477 w 1668278"/>
+                  <a:gd name="connsiteY2" fmla="*/ 533452 h 1329082"/>
+                  <a:gd name="connsiteX0" fmla="*/ 834130 w 1668259"/>
+                  <a:gd name="connsiteY0" fmla="*/ 420315 h 1668332"/>
+                  <a:gd name="connsiteX1" fmla="*/ 834130 w 1668259"/>
+                  <a:gd name="connsiteY1" fmla="*/ 1668332 h 1668332"/>
+                  <a:gd name="connsiteX2" fmla="*/ 834130 w 1668259"/>
+                  <a:gd name="connsiteY2" fmla="*/ 420315 h 1668332"/>
+                  <a:gd name="connsiteX0" fmla="*/ 834130 w 1589513"/>
+                  <a:gd name="connsiteY0" fmla="*/ 420315 h 1668332"/>
+                  <a:gd name="connsiteX1" fmla="*/ 834130 w 1589513"/>
+                  <a:gd name="connsiteY1" fmla="*/ 1668332 h 1668332"/>
+                  <a:gd name="connsiteX2" fmla="*/ 834130 w 1589513"/>
+                  <a:gd name="connsiteY2" fmla="*/ 420315 h 1668332"/>
+                  <a:gd name="connsiteX0" fmla="*/ 748958 w 1504341"/>
+                  <a:gd name="connsiteY0" fmla="*/ 1774 h 1249791"/>
+                  <a:gd name="connsiteX1" fmla="*/ 748958 w 1504341"/>
+                  <a:gd name="connsiteY1" fmla="*/ 1249791 h 1249791"/>
+                  <a:gd name="connsiteX2" fmla="*/ 748958 w 1504341"/>
+                  <a:gd name="connsiteY2" fmla="*/ 1774 h 1249791"/>
+                </a:gdLst>
+                <a:ahLst/>
+                <a:cxnLst>
+                  <a:cxn ang="0">
+                    <a:pos x="connsiteX0" y="connsiteY0"/>
+                  </a:cxn>
+                  <a:cxn ang="0">
+                    <a:pos x="connsiteX1" y="connsiteY1"/>
+                  </a:cxn>
+                  <a:cxn ang="0">
+                    <a:pos x="connsiteX2" y="connsiteY2"/>
+                  </a:cxn>
+                </a:cxnLst>
+                <a:rect l="l" t="t" r="r" b="b"/>
+                <a:pathLst>
+                  <a:path w="1504341" h="1249791">
+                    <a:moveTo>
+                      <a:pt x="748958" y="1774"/>
+                    </a:moveTo>
+                    <a:cubicBezTo>
+                      <a:pt x="766737" y="4315"/>
+                      <a:pt x="2439646" y="-46353"/>
+                      <a:pt x="748958" y="1249791"/>
+                    </a:cubicBezTo>
+                    <a:cubicBezTo>
+                      <a:pt x="-941730" y="-46353"/>
+                      <a:pt x="760054" y="-5311"/>
+                      <a:pt x="748958" y="1774"/>
+                    </a:cubicBezTo>
+                    <a:close/>
+                  </a:path>
+                </a:pathLst>
+              </a:custGeom>
+              <a:solidFill>
+                <a:srgbClr val="D34836"/>
+              </a:solidFill>
+              <a:ln>
+                <a:noFill/>
+              </a:ln>
+              <a:effectLst>
+                <a:outerShdw blurRad="50800" dist="38100" dir="2700000" algn="tl" rotWithShape="0">
+                  <a:prstClr val="black">
+                    <a:alpha val="40000"/>
+                  </a:prstClr>
+                </a:outerShdw>
+              </a:effectLst>
+            </p:spPr>
+            <p:style>
+              <a:lnRef idx="2">
+                <a:schemeClr val="accent1">
+                  <a:shade val="50000"/>
+                </a:schemeClr>
+              </a:lnRef>
+              <a:fillRef idx="1">
+                <a:schemeClr val="accent1"/>
+              </a:fillRef>
+              <a:effectRef idx="0">
+                <a:schemeClr val="accent1"/>
+              </a:effectRef>
+              <a:fontRef idx="minor">
+                <a:schemeClr val="lt1"/>
+              </a:fontRef>
+            </p:style>
+            <p:txBody>
+              <a:bodyPr rtlCol="0" anchor="ctr"/>
+              <a:lstStyle/>
+              <a:p>
+                <a:pPr algn="ctr"/>
+                <a:endParaRPr lang="it-IT"/>
+              </a:p>
+            </p:txBody>
+          </p:sp>
+          <p:sp>
+            <p:nvSpPr>
+              <p:cNvPr id="16" name="Ovale 15"/>
+              <p:cNvSpPr/>
+              <p:nvPr/>
+            </p:nvSpPr>
+            <p:spPr>
+              <a:xfrm>
+                <a:off x="2387065" y="4281918"/>
+                <a:ext cx="245913" cy="245913"/>
+              </a:xfrm>
+              <a:prstGeom prst="ellipse">
+                <a:avLst/>
+              </a:prstGeom>
+              <a:solidFill>
+                <a:schemeClr val="bg1"/>
+              </a:solidFill>
+              <a:ln>
+                <a:noFill/>
+              </a:ln>
+            </p:spPr>
+            <p:style>
+              <a:lnRef idx="2">
+                <a:schemeClr val="accent1">
+                  <a:shade val="50000"/>
+                </a:schemeClr>
+              </a:lnRef>
+              <a:fillRef idx="1">
+                <a:schemeClr val="accent1"/>
+              </a:fillRef>
+              <a:effectRef idx="0">
+                <a:schemeClr val="accent1"/>
+              </a:effectRef>
+              <a:fontRef idx="minor">
+                <a:schemeClr val="lt1"/>
+              </a:fontRef>
+            </p:style>
+            <p:txBody>
+              <a:bodyPr rtlCol="0" anchor="ctr"/>
+              <a:lstStyle/>
+              <a:p>
+                <a:pPr algn="ctr"/>
+                <a:endParaRPr lang="it-IT"/>
+              </a:p>
+            </p:txBody>
+          </p:sp>
+          <p:sp>
+            <p:nvSpPr>
+              <p:cNvPr id="17" name="Figura a mano libera 16"/>
+              <p:cNvSpPr/>
+              <p:nvPr/>
+            </p:nvSpPr>
+            <p:spPr>
+              <a:xfrm>
+                <a:off x="2242590" y="4523511"/>
+                <a:ext cx="535537" cy="144001"/>
+              </a:xfrm>
+              <a:custGeom>
+                <a:avLst/>
+                <a:gdLst>
+                  <a:gd name="connsiteX0" fmla="*/ 0 w 1549668"/>
+                  <a:gd name="connsiteY0" fmla="*/ 722824 h 761325"/>
+                  <a:gd name="connsiteX1" fmla="*/ 481264 w 1549668"/>
+                  <a:gd name="connsiteY1" fmla="*/ 116432 h 761325"/>
+                  <a:gd name="connsiteX2" fmla="*/ 770021 w 1549668"/>
+                  <a:gd name="connsiteY2" fmla="*/ 929 h 761325"/>
+                  <a:gd name="connsiteX3" fmla="*/ 1010653 w 1549668"/>
+                  <a:gd name="connsiteY3" fmla="*/ 135683 h 761325"/>
+                  <a:gd name="connsiteX4" fmla="*/ 1549668 w 1549668"/>
+                  <a:gd name="connsiteY4" fmla="*/ 761325 h 761325"/>
+                </a:gdLst>
+                <a:ahLst/>
+                <a:cxnLst>
+                  <a:cxn ang="0">
+                    <a:pos x="connsiteX0" y="connsiteY0"/>
+                  </a:cxn>
+                  <a:cxn ang="0">
+                    <a:pos x="connsiteX1" y="connsiteY1"/>
+                  </a:cxn>
+                  <a:cxn ang="0">
+                    <a:pos x="connsiteX2" y="connsiteY2"/>
+                  </a:cxn>
+                  <a:cxn ang="0">
+                    <a:pos x="connsiteX3" y="connsiteY3"/>
+                  </a:cxn>
+                  <a:cxn ang="0">
+                    <a:pos x="connsiteX4" y="connsiteY4"/>
+                  </a:cxn>
+                </a:cxnLst>
+                <a:rect l="l" t="t" r="r" b="b"/>
+                <a:pathLst>
+                  <a:path w="1549668" h="761325">
+                    <a:moveTo>
+                      <a:pt x="0" y="722824"/>
+                    </a:moveTo>
+                    <a:cubicBezTo>
+                      <a:pt x="176463" y="479786"/>
+                      <a:pt x="352927" y="236748"/>
+                      <a:pt x="481264" y="116432"/>
+                    </a:cubicBezTo>
+                    <a:cubicBezTo>
+                      <a:pt x="609601" y="-3884"/>
+                      <a:pt x="681790" y="-2279"/>
+                      <a:pt x="770021" y="929"/>
+                    </a:cubicBezTo>
+                    <a:cubicBezTo>
+                      <a:pt x="858252" y="4137"/>
+                      <a:pt x="880712" y="8950"/>
+                      <a:pt x="1010653" y="135683"/>
+                    </a:cubicBezTo>
+                    <a:cubicBezTo>
+                      <a:pt x="1140594" y="262416"/>
+                      <a:pt x="1345131" y="511870"/>
+                      <a:pt x="1549668" y="761325"/>
+                    </a:cubicBezTo>
+                  </a:path>
+                </a:pathLst>
+              </a:custGeom>
+              <a:noFill/>
+              <a:ln w="57150">
+                <a:solidFill>
+                  <a:schemeClr val="bg1"/>
+                </a:solidFill>
+              </a:ln>
+            </p:spPr>
+            <p:style>
+              <a:lnRef idx="2">
+                <a:schemeClr val="accent1">
+                  <a:shade val="50000"/>
+                </a:schemeClr>
+              </a:lnRef>
+              <a:fillRef idx="1">
+                <a:schemeClr val="accent1"/>
+              </a:fillRef>
+              <a:effectRef idx="0">
+                <a:schemeClr val="accent1"/>
+              </a:effectRef>
+              <a:fontRef idx="minor">
+                <a:schemeClr val="lt1"/>
+              </a:fontRef>
+            </p:style>
+            <p:txBody>
+              <a:bodyPr rtlCol="0" anchor="ctr"/>
+              <a:lstStyle/>
+              <a:p>
+                <a:pPr algn="ctr"/>
+                <a:endParaRPr lang="it-IT"/>
+              </a:p>
+            </p:txBody>
+          </p:sp>
+          <p:sp>
+            <p:nvSpPr>
+              <p:cNvPr id="18" name="Cuore 44"/>
+              <p:cNvSpPr/>
+              <p:nvPr/>
+            </p:nvSpPr>
+            <p:spPr>
+              <a:xfrm>
+                <a:off x="2416169" y="4509119"/>
+                <a:ext cx="187703" cy="271992"/>
+              </a:xfrm>
+              <a:custGeom>
+                <a:avLst/>
+                <a:gdLst>
+                  <a:gd name="connsiteX0" fmla="*/ 828092 w 1656184"/>
+                  <a:gd name="connsiteY0" fmla="*/ 432048 h 1728192"/>
+                  <a:gd name="connsiteX1" fmla="*/ 828092 w 1656184"/>
+                  <a:gd name="connsiteY1" fmla="*/ 1728192 h 1728192"/>
+                  <a:gd name="connsiteX2" fmla="*/ 828092 w 1656184"/>
+                  <a:gd name="connsiteY2" fmla="*/ 432048 h 1728192"/>
+                  <a:gd name="connsiteX0" fmla="*/ 827477 w 1668278"/>
+                  <a:gd name="connsiteY0" fmla="*/ 533452 h 1329082"/>
+                  <a:gd name="connsiteX1" fmla="*/ 837102 w 1668278"/>
+                  <a:gd name="connsiteY1" fmla="*/ 1329082 h 1329082"/>
+                  <a:gd name="connsiteX2" fmla="*/ 827477 w 1668278"/>
+                  <a:gd name="connsiteY2" fmla="*/ 533452 h 1329082"/>
+                  <a:gd name="connsiteX0" fmla="*/ 834130 w 1668259"/>
+                  <a:gd name="connsiteY0" fmla="*/ 420315 h 1668332"/>
+                  <a:gd name="connsiteX1" fmla="*/ 834130 w 1668259"/>
+                  <a:gd name="connsiteY1" fmla="*/ 1668332 h 1668332"/>
+                  <a:gd name="connsiteX2" fmla="*/ 834130 w 1668259"/>
+                  <a:gd name="connsiteY2" fmla="*/ 420315 h 1668332"/>
+                  <a:gd name="connsiteX0" fmla="*/ 834130 w 1589513"/>
+                  <a:gd name="connsiteY0" fmla="*/ 420315 h 1668332"/>
+                  <a:gd name="connsiteX1" fmla="*/ 834130 w 1589513"/>
+                  <a:gd name="connsiteY1" fmla="*/ 1668332 h 1668332"/>
+                  <a:gd name="connsiteX2" fmla="*/ 834130 w 1589513"/>
+                  <a:gd name="connsiteY2" fmla="*/ 420315 h 1668332"/>
+                  <a:gd name="connsiteX0" fmla="*/ 748958 w 1504341"/>
+                  <a:gd name="connsiteY0" fmla="*/ 1774 h 1249791"/>
+                  <a:gd name="connsiteX1" fmla="*/ 748958 w 1504341"/>
+                  <a:gd name="connsiteY1" fmla="*/ 1249791 h 1249791"/>
+                  <a:gd name="connsiteX2" fmla="*/ 748958 w 1504341"/>
+                  <a:gd name="connsiteY2" fmla="*/ 1774 h 1249791"/>
+                </a:gdLst>
+                <a:ahLst/>
+                <a:cxnLst>
+                  <a:cxn ang="0">
+                    <a:pos x="connsiteX0" y="connsiteY0"/>
+                  </a:cxn>
+                  <a:cxn ang="0">
+                    <a:pos x="connsiteX1" y="connsiteY1"/>
+                  </a:cxn>
+                  <a:cxn ang="0">
+                    <a:pos x="connsiteX2" y="connsiteY2"/>
+                  </a:cxn>
+                </a:cxnLst>
+                <a:rect l="l" t="t" r="r" b="b"/>
+                <a:pathLst>
+                  <a:path w="1504341" h="1249791">
+                    <a:moveTo>
+                      <a:pt x="748958" y="1774"/>
+                    </a:moveTo>
+                    <a:cubicBezTo>
+                      <a:pt x="766737" y="4315"/>
+                      <a:pt x="2439646" y="-46353"/>
+                      <a:pt x="748958" y="1249791"/>
+                    </a:cubicBezTo>
+                    <a:cubicBezTo>
+                      <a:pt x="-941730" y="-46353"/>
+                      <a:pt x="760054" y="-5311"/>
+                      <a:pt x="748958" y="1774"/>
+                    </a:cubicBezTo>
+                    <a:close/>
+                  </a:path>
+                </a:pathLst>
+              </a:custGeom>
+              <a:solidFill>
+                <a:schemeClr val="bg1"/>
+              </a:solidFill>
+              <a:ln>
+                <a:noFill/>
+              </a:ln>
+            </p:spPr>
+            <p:style>
+              <a:lnRef idx="2">
+                <a:schemeClr val="accent1">
+                  <a:shade val="50000"/>
+                </a:schemeClr>
+              </a:lnRef>
+              <a:fillRef idx="1">
+                <a:schemeClr val="accent1"/>
+              </a:fillRef>
+              <a:effectRef idx="0">
+                <a:schemeClr val="accent1"/>
+              </a:effectRef>
+              <a:fontRef idx="minor">
+                <a:schemeClr val="lt1"/>
+              </a:fontRef>
+            </p:style>
+            <p:txBody>
+              <a:bodyPr rtlCol="0" anchor="ctr"/>
+              <a:lstStyle/>
+              <a:p>
+                <a:pPr algn="ctr"/>
+                <a:endParaRPr lang="it-IT"/>
+              </a:p>
+            </p:txBody>
+          </p:sp>
+        </p:grpSp>
+        <p:grpSp>
+          <p:nvGrpSpPr>
+            <p:cNvPr id="19" name="Gruppo 18"/>
+            <p:cNvGrpSpPr/>
+            <p:nvPr/>
+          </p:nvGrpSpPr>
+          <p:grpSpPr>
+            <a:xfrm>
+              <a:off x="2281857" y="1851372"/>
+              <a:ext cx="499862" cy="969704"/>
+              <a:chOff x="2195736" y="4005064"/>
+              <a:chExt cx="648000" cy="1249791"/>
+            </a:xfrm>
+          </p:grpSpPr>
+          <p:sp>
+            <p:nvSpPr>
+              <p:cNvPr id="20" name="Cuore 44"/>
+              <p:cNvSpPr/>
+              <p:nvPr/>
+            </p:nvSpPr>
+            <p:spPr>
+              <a:xfrm>
+                <a:off x="2195736" y="4005064"/>
+                <a:ext cx="648000" cy="1249791"/>
+              </a:xfrm>
+              <a:custGeom>
+                <a:avLst/>
+                <a:gdLst>
+                  <a:gd name="connsiteX0" fmla="*/ 828092 w 1656184"/>
+                  <a:gd name="connsiteY0" fmla="*/ 432048 h 1728192"/>
+                  <a:gd name="connsiteX1" fmla="*/ 828092 w 1656184"/>
+                  <a:gd name="connsiteY1" fmla="*/ 1728192 h 1728192"/>
+                  <a:gd name="connsiteX2" fmla="*/ 828092 w 1656184"/>
+                  <a:gd name="connsiteY2" fmla="*/ 432048 h 1728192"/>
+                  <a:gd name="connsiteX0" fmla="*/ 827477 w 1668278"/>
+                  <a:gd name="connsiteY0" fmla="*/ 533452 h 1329082"/>
+                  <a:gd name="connsiteX1" fmla="*/ 837102 w 1668278"/>
+                  <a:gd name="connsiteY1" fmla="*/ 1329082 h 1329082"/>
+                  <a:gd name="connsiteX2" fmla="*/ 827477 w 1668278"/>
+                  <a:gd name="connsiteY2" fmla="*/ 533452 h 1329082"/>
+                  <a:gd name="connsiteX0" fmla="*/ 834130 w 1668259"/>
+                  <a:gd name="connsiteY0" fmla="*/ 420315 h 1668332"/>
+                  <a:gd name="connsiteX1" fmla="*/ 834130 w 1668259"/>
+                  <a:gd name="connsiteY1" fmla="*/ 1668332 h 1668332"/>
+                  <a:gd name="connsiteX2" fmla="*/ 834130 w 1668259"/>
+                  <a:gd name="connsiteY2" fmla="*/ 420315 h 1668332"/>
+                  <a:gd name="connsiteX0" fmla="*/ 834130 w 1589513"/>
+                  <a:gd name="connsiteY0" fmla="*/ 420315 h 1668332"/>
+                  <a:gd name="connsiteX1" fmla="*/ 834130 w 1589513"/>
+                  <a:gd name="connsiteY1" fmla="*/ 1668332 h 1668332"/>
+                  <a:gd name="connsiteX2" fmla="*/ 834130 w 1589513"/>
+                  <a:gd name="connsiteY2" fmla="*/ 420315 h 1668332"/>
+                  <a:gd name="connsiteX0" fmla="*/ 748958 w 1504341"/>
+                  <a:gd name="connsiteY0" fmla="*/ 1774 h 1249791"/>
+                  <a:gd name="connsiteX1" fmla="*/ 748958 w 1504341"/>
+                  <a:gd name="connsiteY1" fmla="*/ 1249791 h 1249791"/>
+                  <a:gd name="connsiteX2" fmla="*/ 748958 w 1504341"/>
+                  <a:gd name="connsiteY2" fmla="*/ 1774 h 1249791"/>
+                </a:gdLst>
+                <a:ahLst/>
+                <a:cxnLst>
+                  <a:cxn ang="0">
+                    <a:pos x="connsiteX0" y="connsiteY0"/>
+                  </a:cxn>
+                  <a:cxn ang="0">
+                    <a:pos x="connsiteX1" y="connsiteY1"/>
+                  </a:cxn>
+                  <a:cxn ang="0">
+                    <a:pos x="connsiteX2" y="connsiteY2"/>
+                  </a:cxn>
+                </a:cxnLst>
+                <a:rect l="l" t="t" r="r" b="b"/>
+                <a:pathLst>
+                  <a:path w="1504341" h="1249791">
+                    <a:moveTo>
+                      <a:pt x="748958" y="1774"/>
+                    </a:moveTo>
+                    <a:cubicBezTo>
+                      <a:pt x="766737" y="4315"/>
+                      <a:pt x="2439646" y="-46353"/>
+                      <a:pt x="748958" y="1249791"/>
+                    </a:cubicBezTo>
+                    <a:cubicBezTo>
+                      <a:pt x="-941730" y="-46353"/>
+                      <a:pt x="760054" y="-5311"/>
+                      <a:pt x="748958" y="1774"/>
+                    </a:cubicBezTo>
+                    <a:close/>
+                  </a:path>
+                </a:pathLst>
+              </a:custGeom>
+              <a:solidFill>
+                <a:srgbClr val="3B5998"/>
+              </a:solidFill>
+              <a:ln>
+                <a:noFill/>
+              </a:ln>
+              <a:effectLst>
+                <a:outerShdw blurRad="50800" dist="38100" dir="2700000" algn="tl" rotWithShape="0">
+                  <a:prstClr val="black">
+                    <a:alpha val="40000"/>
+                  </a:prstClr>
+                </a:outerShdw>
+              </a:effectLst>
+            </p:spPr>
+            <p:style>
+              <a:lnRef idx="2">
+                <a:schemeClr val="accent1">
+                  <a:shade val="50000"/>
+                </a:schemeClr>
+              </a:lnRef>
+              <a:fillRef idx="1">
+                <a:schemeClr val="accent1"/>
+              </a:fillRef>
+              <a:effectRef idx="0">
+                <a:schemeClr val="accent1"/>
+              </a:effectRef>
+              <a:fontRef idx="minor">
+                <a:schemeClr val="lt1"/>
+              </a:fontRef>
+            </p:style>
+            <p:txBody>
+              <a:bodyPr rtlCol="0" anchor="ctr"/>
+              <a:lstStyle/>
+              <a:p>
+                <a:pPr algn="ctr"/>
+                <a:endParaRPr lang="it-IT"/>
+              </a:p>
+            </p:txBody>
+          </p:sp>
+          <p:sp>
+            <p:nvSpPr>
+              <p:cNvPr id="21" name="Ovale 20"/>
+              <p:cNvSpPr/>
+              <p:nvPr/>
+            </p:nvSpPr>
+            <p:spPr>
+              <a:xfrm>
+                <a:off x="2391180" y="4281918"/>
+                <a:ext cx="245913" cy="245913"/>
+              </a:xfrm>
+              <a:prstGeom prst="ellipse">
+                <a:avLst/>
+              </a:prstGeom>
+              <a:solidFill>
+                <a:schemeClr val="bg1"/>
+              </a:solidFill>
+              <a:ln>
+                <a:noFill/>
+              </a:ln>
+            </p:spPr>
+            <p:style>
+              <a:lnRef idx="2">
+                <a:schemeClr val="accent1">
+                  <a:shade val="50000"/>
+                </a:schemeClr>
+              </a:lnRef>
+              <a:fillRef idx="1">
+                <a:schemeClr val="accent1"/>
+              </a:fillRef>
+              <a:effectRef idx="0">
+                <a:schemeClr val="accent1"/>
+              </a:effectRef>
+              <a:fontRef idx="minor">
+                <a:schemeClr val="lt1"/>
+              </a:fontRef>
+            </p:style>
+            <p:txBody>
+              <a:bodyPr rtlCol="0" anchor="ctr"/>
+              <a:lstStyle/>
+              <a:p>
+                <a:pPr algn="ctr"/>
+                <a:endParaRPr lang="it-IT"/>
+              </a:p>
+            </p:txBody>
+          </p:sp>
+          <p:sp>
+            <p:nvSpPr>
+              <p:cNvPr id="22" name="Figura a mano libera 21"/>
+              <p:cNvSpPr/>
+              <p:nvPr/>
+            </p:nvSpPr>
+            <p:spPr>
+              <a:xfrm>
+                <a:off x="2264474" y="4523511"/>
+                <a:ext cx="513358" cy="144001"/>
+              </a:xfrm>
+              <a:custGeom>
+                <a:avLst/>
+                <a:gdLst>
+                  <a:gd name="connsiteX0" fmla="*/ 0 w 1549668"/>
+                  <a:gd name="connsiteY0" fmla="*/ 722824 h 761325"/>
+                  <a:gd name="connsiteX1" fmla="*/ 481264 w 1549668"/>
+                  <a:gd name="connsiteY1" fmla="*/ 116432 h 761325"/>
+                  <a:gd name="connsiteX2" fmla="*/ 770021 w 1549668"/>
+                  <a:gd name="connsiteY2" fmla="*/ 929 h 761325"/>
+                  <a:gd name="connsiteX3" fmla="*/ 1010653 w 1549668"/>
+                  <a:gd name="connsiteY3" fmla="*/ 135683 h 761325"/>
+                  <a:gd name="connsiteX4" fmla="*/ 1549668 w 1549668"/>
+                  <a:gd name="connsiteY4" fmla="*/ 761325 h 761325"/>
+                </a:gdLst>
+                <a:ahLst/>
+                <a:cxnLst>
+                  <a:cxn ang="0">
+                    <a:pos x="connsiteX0" y="connsiteY0"/>
+                  </a:cxn>
+                  <a:cxn ang="0">
+                    <a:pos x="connsiteX1" y="connsiteY1"/>
+                  </a:cxn>
+                  <a:cxn ang="0">
+                    <a:pos x="connsiteX2" y="connsiteY2"/>
+                  </a:cxn>
+                  <a:cxn ang="0">
+                    <a:pos x="connsiteX3" y="connsiteY3"/>
+                  </a:cxn>
+                  <a:cxn ang="0">
+                    <a:pos x="connsiteX4" y="connsiteY4"/>
+                  </a:cxn>
+                </a:cxnLst>
+                <a:rect l="l" t="t" r="r" b="b"/>
+                <a:pathLst>
+                  <a:path w="1549668" h="761325">
+                    <a:moveTo>
+                      <a:pt x="0" y="722824"/>
+                    </a:moveTo>
+                    <a:cubicBezTo>
+                      <a:pt x="176463" y="479786"/>
+                      <a:pt x="352927" y="236748"/>
+                      <a:pt x="481264" y="116432"/>
+                    </a:cubicBezTo>
+                    <a:cubicBezTo>
+                      <a:pt x="609601" y="-3884"/>
+                      <a:pt x="681790" y="-2279"/>
+                      <a:pt x="770021" y="929"/>
+                    </a:cubicBezTo>
+                    <a:cubicBezTo>
+                      <a:pt x="858252" y="4137"/>
+                      <a:pt x="880712" y="8950"/>
+                      <a:pt x="1010653" y="135683"/>
+                    </a:cubicBezTo>
+                    <a:cubicBezTo>
+                      <a:pt x="1140594" y="262416"/>
+                      <a:pt x="1345131" y="511870"/>
+                      <a:pt x="1549668" y="761325"/>
+                    </a:cubicBezTo>
+                  </a:path>
+                </a:pathLst>
+              </a:custGeom>
+              <a:noFill/>
+              <a:ln w="57150">
+                <a:solidFill>
+                  <a:schemeClr val="bg1"/>
+                </a:solidFill>
+              </a:ln>
+            </p:spPr>
+            <p:style>
+              <a:lnRef idx="2">
+                <a:schemeClr val="accent1">
+                  <a:shade val="50000"/>
+                </a:schemeClr>
+              </a:lnRef>
+              <a:fillRef idx="1">
+                <a:schemeClr val="accent1"/>
+              </a:fillRef>
+              <a:effectRef idx="0">
+                <a:schemeClr val="accent1"/>
+              </a:effectRef>
+              <a:fontRef idx="minor">
+                <a:schemeClr val="lt1"/>
+              </a:fontRef>
+            </p:style>
+            <p:txBody>
+              <a:bodyPr rtlCol="0" anchor="ctr"/>
+              <a:lstStyle/>
+              <a:p>
+                <a:pPr algn="ctr"/>
+                <a:endParaRPr lang="it-IT"/>
+              </a:p>
+            </p:txBody>
+          </p:sp>
+          <p:sp>
+            <p:nvSpPr>
+              <p:cNvPr id="23" name="Cuore 44"/>
+              <p:cNvSpPr/>
+              <p:nvPr/>
+            </p:nvSpPr>
+            <p:spPr>
+              <a:xfrm>
+                <a:off x="2428518" y="4509119"/>
+                <a:ext cx="187704" cy="271992"/>
+              </a:xfrm>
+              <a:custGeom>
+                <a:avLst/>
+                <a:gdLst>
+                  <a:gd name="connsiteX0" fmla="*/ 828092 w 1656184"/>
+                  <a:gd name="connsiteY0" fmla="*/ 432048 h 1728192"/>
+                  <a:gd name="connsiteX1" fmla="*/ 828092 w 1656184"/>
+                  <a:gd name="connsiteY1" fmla="*/ 1728192 h 1728192"/>
+                  <a:gd name="connsiteX2" fmla="*/ 828092 w 1656184"/>
+                  <a:gd name="connsiteY2" fmla="*/ 432048 h 1728192"/>
+                  <a:gd name="connsiteX0" fmla="*/ 827477 w 1668278"/>
+                  <a:gd name="connsiteY0" fmla="*/ 533452 h 1329082"/>
+                  <a:gd name="connsiteX1" fmla="*/ 837102 w 1668278"/>
+                  <a:gd name="connsiteY1" fmla="*/ 1329082 h 1329082"/>
+                  <a:gd name="connsiteX2" fmla="*/ 827477 w 1668278"/>
+                  <a:gd name="connsiteY2" fmla="*/ 533452 h 1329082"/>
+                  <a:gd name="connsiteX0" fmla="*/ 834130 w 1668259"/>
+                  <a:gd name="connsiteY0" fmla="*/ 420315 h 1668332"/>
+                  <a:gd name="connsiteX1" fmla="*/ 834130 w 1668259"/>
+                  <a:gd name="connsiteY1" fmla="*/ 1668332 h 1668332"/>
+                  <a:gd name="connsiteX2" fmla="*/ 834130 w 1668259"/>
+                  <a:gd name="connsiteY2" fmla="*/ 420315 h 1668332"/>
+                  <a:gd name="connsiteX0" fmla="*/ 834130 w 1589513"/>
+                  <a:gd name="connsiteY0" fmla="*/ 420315 h 1668332"/>
+                  <a:gd name="connsiteX1" fmla="*/ 834130 w 1589513"/>
+                  <a:gd name="connsiteY1" fmla="*/ 1668332 h 1668332"/>
+                  <a:gd name="connsiteX2" fmla="*/ 834130 w 1589513"/>
+                  <a:gd name="connsiteY2" fmla="*/ 420315 h 1668332"/>
+                  <a:gd name="connsiteX0" fmla="*/ 748958 w 1504341"/>
+                  <a:gd name="connsiteY0" fmla="*/ 1774 h 1249791"/>
+                  <a:gd name="connsiteX1" fmla="*/ 748958 w 1504341"/>
+                  <a:gd name="connsiteY1" fmla="*/ 1249791 h 1249791"/>
+                  <a:gd name="connsiteX2" fmla="*/ 748958 w 1504341"/>
+                  <a:gd name="connsiteY2" fmla="*/ 1774 h 1249791"/>
+                </a:gdLst>
+                <a:ahLst/>
+                <a:cxnLst>
+                  <a:cxn ang="0">
+                    <a:pos x="connsiteX0" y="connsiteY0"/>
+                  </a:cxn>
+                  <a:cxn ang="0">
+                    <a:pos x="connsiteX1" y="connsiteY1"/>
+                  </a:cxn>
+                  <a:cxn ang="0">
+                    <a:pos x="connsiteX2" y="connsiteY2"/>
+                  </a:cxn>
+                </a:cxnLst>
+                <a:rect l="l" t="t" r="r" b="b"/>
+                <a:pathLst>
+                  <a:path w="1504341" h="1249791">
+                    <a:moveTo>
+                      <a:pt x="748958" y="1774"/>
+                    </a:moveTo>
+                    <a:cubicBezTo>
+                      <a:pt x="766737" y="4315"/>
+                      <a:pt x="2439646" y="-46353"/>
+                      <a:pt x="748958" y="1249791"/>
+                    </a:cubicBezTo>
+                    <a:cubicBezTo>
+                      <a:pt x="-941730" y="-46353"/>
+                      <a:pt x="760054" y="-5311"/>
+                      <a:pt x="748958" y="1774"/>
+                    </a:cubicBezTo>
+                    <a:close/>
+                  </a:path>
+                </a:pathLst>
+              </a:custGeom>
+              <a:solidFill>
+                <a:schemeClr val="bg1"/>
+              </a:solidFill>
+              <a:ln>
+                <a:noFill/>
+              </a:ln>
+            </p:spPr>
+            <p:style>
+              <a:lnRef idx="2">
+                <a:schemeClr val="accent1">
+                  <a:shade val="50000"/>
+                </a:schemeClr>
+              </a:lnRef>
+              <a:fillRef idx="1">
+                <a:schemeClr val="accent1"/>
+              </a:fillRef>
+              <a:effectRef idx="0">
+                <a:schemeClr val="accent1"/>
+              </a:effectRef>
+              <a:fontRef idx="minor">
+                <a:schemeClr val="lt1"/>
+              </a:fontRef>
+            </p:style>
+            <p:txBody>
+              <a:bodyPr rtlCol="0" anchor="ctr"/>
+              <a:lstStyle/>
+              <a:p>
+                <a:pPr algn="ctr"/>
+                <a:endParaRPr lang="it-IT"/>
+              </a:p>
+            </p:txBody>
+          </p:sp>
+        </p:grpSp>
+      </p:grpSp>
+      <p:grpSp>
+        <p:nvGrpSpPr>
+          <p:cNvPr id="7" name="Gruppo 6"/>
+          <p:cNvGrpSpPr/>
+          <p:nvPr/>
+        </p:nvGrpSpPr>
+        <p:grpSpPr>
+          <a:xfrm>
+            <a:off x="6556097" y="219204"/>
+            <a:ext cx="2087462" cy="2411718"/>
+            <a:chOff x="4784599" y="1374659"/>
+            <a:chExt cx="2087462" cy="2411718"/>
+          </a:xfrm>
+        </p:grpSpPr>
+        <p:pic>
+          <p:nvPicPr>
+            <p:cNvPr id="1031" name="Picture 7"/>
+            <p:cNvPicPr>
+              <a:picLocks noChangeAspect="1" noChangeArrowheads="1"/>
+            </p:cNvPicPr>
+            <p:nvPr/>
+          </p:nvPicPr>
+          <p:blipFill>
+            <a:blip r:embed="rId3">
+              <a:extLst>
+                <a:ext uri="{28A0092B-C50C-407E-A947-70E740481C1C}">
+                  <a14:useLocalDpi xmlns:a14="http://schemas.microsoft.com/office/drawing/2010/main" val="0"/>
+                </a:ext>
+              </a:extLst>
+            </a:blip>
+            <a:srcRect/>
+            <a:stretch>
+              <a:fillRect/>
+            </a:stretch>
+          </p:blipFill>
+          <p:spPr bwMode="auto">
+            <a:xfrm>
+              <a:off x="4932040" y="1968596"/>
+              <a:ext cx="1817781" cy="1817781"/>
+            </a:xfrm>
+            <a:prstGeom prst="rect">
+              <a:avLst/>
+            </a:prstGeom>
+            <a:noFill/>
+            <a:ln>
+              <a:noFill/>
+            </a:ln>
+            <a:effectLst/>
+            <a:extLst>
+              <a:ext uri="{909E8E84-426E-40DD-AFC4-6F175D3DCCD1}">
+                <a14:hiddenFill xmlns:a14="http://schemas.microsoft.com/office/drawing/2010/main">
+                  <a:solidFill>
+                    <a:schemeClr val="accent1"/>
+                  </a:solidFill>
+                </a14:hiddenFill>
+              </a:ext>
+              <a:ext uri="{91240B29-F687-4F45-9708-019B960494DF}">
+                <a14:hiddenLine xmlns:a14="http://schemas.microsoft.com/office/drawing/2010/main" w="9525">
+                  <a:solidFill>
+                    <a:schemeClr val="tx1"/>
+                  </a:solidFill>
+                  <a:miter lim="800000"/>
+                  <a:headEnd/>
+                  <a:tailEnd/>
+                </a14:hiddenLine>
+              </a:ext>
+              <a:ext uri="{AF507438-7753-43E0-B8FC-AC1667EBCBE1}">
+                <a14:hiddenEffects xmlns:a14="http://schemas.microsoft.com/office/drawing/2010/main">
+                  <a:effectLst>
+                    <a:outerShdw dist="35921" dir="2700000" algn="ctr" rotWithShape="0">
+                      <a:schemeClr val="bg2"/>
+                    </a:outerShdw>
+                  </a:effectLst>
+                </a14:hiddenEffects>
+              </a:ext>
+            </a:extLst>
+          </p:spPr>
+        </p:pic>
+        <p:grpSp>
+          <p:nvGrpSpPr>
+            <p:cNvPr id="6" name="Gruppo 5"/>
+            <p:cNvGrpSpPr/>
+            <p:nvPr/>
+          </p:nvGrpSpPr>
+          <p:grpSpPr>
+            <a:xfrm>
+              <a:off x="5451339" y="1374659"/>
+              <a:ext cx="499861" cy="969704"/>
+              <a:chOff x="4572000" y="4581128"/>
+              <a:chExt cx="499861" cy="969704"/>
+            </a:xfrm>
+          </p:grpSpPr>
+          <p:sp>
+            <p:nvSpPr>
+              <p:cNvPr id="29" name="Cuore 44"/>
+              <p:cNvSpPr/>
+              <p:nvPr/>
+            </p:nvSpPr>
+            <p:spPr>
+              <a:xfrm>
+                <a:off x="4572000" y="4581128"/>
+                <a:ext cx="499861" cy="969704"/>
+              </a:xfrm>
+              <a:custGeom>
+                <a:avLst/>
+                <a:gdLst>
+                  <a:gd name="connsiteX0" fmla="*/ 828092 w 1656184"/>
+                  <a:gd name="connsiteY0" fmla="*/ 432048 h 1728192"/>
+                  <a:gd name="connsiteX1" fmla="*/ 828092 w 1656184"/>
+                  <a:gd name="connsiteY1" fmla="*/ 1728192 h 1728192"/>
+                  <a:gd name="connsiteX2" fmla="*/ 828092 w 1656184"/>
+                  <a:gd name="connsiteY2" fmla="*/ 432048 h 1728192"/>
+                  <a:gd name="connsiteX0" fmla="*/ 827477 w 1668278"/>
+                  <a:gd name="connsiteY0" fmla="*/ 533452 h 1329082"/>
+                  <a:gd name="connsiteX1" fmla="*/ 837102 w 1668278"/>
+                  <a:gd name="connsiteY1" fmla="*/ 1329082 h 1329082"/>
+                  <a:gd name="connsiteX2" fmla="*/ 827477 w 1668278"/>
+                  <a:gd name="connsiteY2" fmla="*/ 533452 h 1329082"/>
+                  <a:gd name="connsiteX0" fmla="*/ 834130 w 1668259"/>
+                  <a:gd name="connsiteY0" fmla="*/ 420315 h 1668332"/>
+                  <a:gd name="connsiteX1" fmla="*/ 834130 w 1668259"/>
+                  <a:gd name="connsiteY1" fmla="*/ 1668332 h 1668332"/>
+                  <a:gd name="connsiteX2" fmla="*/ 834130 w 1668259"/>
+                  <a:gd name="connsiteY2" fmla="*/ 420315 h 1668332"/>
+                  <a:gd name="connsiteX0" fmla="*/ 834130 w 1589513"/>
+                  <a:gd name="connsiteY0" fmla="*/ 420315 h 1668332"/>
+                  <a:gd name="connsiteX1" fmla="*/ 834130 w 1589513"/>
+                  <a:gd name="connsiteY1" fmla="*/ 1668332 h 1668332"/>
+                  <a:gd name="connsiteX2" fmla="*/ 834130 w 1589513"/>
+                  <a:gd name="connsiteY2" fmla="*/ 420315 h 1668332"/>
+                  <a:gd name="connsiteX0" fmla="*/ 748958 w 1504341"/>
+                  <a:gd name="connsiteY0" fmla="*/ 1774 h 1249791"/>
+                  <a:gd name="connsiteX1" fmla="*/ 748958 w 1504341"/>
+                  <a:gd name="connsiteY1" fmla="*/ 1249791 h 1249791"/>
+                  <a:gd name="connsiteX2" fmla="*/ 748958 w 1504341"/>
+                  <a:gd name="connsiteY2" fmla="*/ 1774 h 1249791"/>
+                </a:gdLst>
+                <a:ahLst/>
+                <a:cxnLst>
+                  <a:cxn ang="0">
+                    <a:pos x="connsiteX0" y="connsiteY0"/>
+                  </a:cxn>
+                  <a:cxn ang="0">
+                    <a:pos x="connsiteX1" y="connsiteY1"/>
+                  </a:cxn>
+                  <a:cxn ang="0">
+                    <a:pos x="connsiteX2" y="connsiteY2"/>
+                  </a:cxn>
+                </a:cxnLst>
+                <a:rect l="l" t="t" r="r" b="b"/>
+                <a:pathLst>
+                  <a:path w="1504341" h="1249791">
+                    <a:moveTo>
+                      <a:pt x="748958" y="1774"/>
+                    </a:moveTo>
+                    <a:cubicBezTo>
+                      <a:pt x="766737" y="4315"/>
+                      <a:pt x="2439646" y="-46353"/>
+                      <a:pt x="748958" y="1249791"/>
+                    </a:cubicBezTo>
+                    <a:cubicBezTo>
+                      <a:pt x="-941730" y="-46353"/>
+                      <a:pt x="760054" y="-5311"/>
+                      <a:pt x="748958" y="1774"/>
+                    </a:cubicBezTo>
+                    <a:close/>
+                  </a:path>
+                </a:pathLst>
+              </a:custGeom>
+              <a:solidFill>
+                <a:schemeClr val="bg1"/>
+              </a:solidFill>
+              <a:ln w="3175">
+                <a:solidFill>
+                  <a:srgbClr val="0D47A1"/>
+                </a:solidFill>
+              </a:ln>
+              <a:effectLst>
+                <a:outerShdw blurRad="50800" dist="38100" dir="2700000" algn="tl" rotWithShape="0">
+                  <a:prstClr val="black">
+                    <a:alpha val="40000"/>
+                  </a:prstClr>
+                </a:outerShdw>
+              </a:effectLst>
+            </p:spPr>
+            <p:style>
+              <a:lnRef idx="2">
+                <a:schemeClr val="accent1">
+                  <a:shade val="50000"/>
+                </a:schemeClr>
+              </a:lnRef>
+              <a:fillRef idx="1">
+                <a:schemeClr val="accent1"/>
+              </a:fillRef>
+              <a:effectRef idx="0">
+                <a:schemeClr val="accent1"/>
+              </a:effectRef>
+              <a:fontRef idx="minor">
+                <a:schemeClr val="lt1"/>
+              </a:fontRef>
+            </p:style>
+            <p:txBody>
+              <a:bodyPr rtlCol="0" anchor="ctr"/>
+              <a:lstStyle/>
+              <a:p>
+                <a:pPr algn="ctr"/>
+                <a:endParaRPr lang="it-IT"/>
+              </a:p>
+            </p:txBody>
+          </p:sp>
+          <p:sp>
+            <p:nvSpPr>
+              <p:cNvPr id="30" name="Ovale 29"/>
+              <p:cNvSpPr/>
+              <p:nvPr/>
+            </p:nvSpPr>
+            <p:spPr>
+              <a:xfrm>
+                <a:off x="4716414" y="4795937"/>
+                <a:ext cx="189695" cy="190802"/>
+              </a:xfrm>
+              <a:prstGeom prst="ellipse">
+                <a:avLst/>
+              </a:prstGeom>
+              <a:solidFill>
+                <a:srgbClr val="0D47A1"/>
+              </a:solidFill>
+              <a:ln>
+                <a:noFill/>
+              </a:ln>
+            </p:spPr>
+            <p:style>
+              <a:lnRef idx="2">
+                <a:schemeClr val="accent1">
+                  <a:shade val="50000"/>
+                </a:schemeClr>
+              </a:lnRef>
+              <a:fillRef idx="1">
+                <a:schemeClr val="accent1"/>
+              </a:fillRef>
+              <a:effectRef idx="0">
+                <a:schemeClr val="accent1"/>
+              </a:effectRef>
+              <a:fontRef idx="minor">
+                <a:schemeClr val="lt1"/>
+              </a:fontRef>
+            </p:style>
+            <p:txBody>
+              <a:bodyPr rtlCol="0" anchor="ctr"/>
+              <a:lstStyle/>
+              <a:p>
+                <a:pPr algn="ctr"/>
+                <a:endParaRPr lang="it-IT"/>
+              </a:p>
+            </p:txBody>
+          </p:sp>
+          <p:sp>
+            <p:nvSpPr>
+              <p:cNvPr id="31" name="Figura a mano libera 30"/>
+              <p:cNvSpPr/>
+              <p:nvPr/>
+            </p:nvSpPr>
+            <p:spPr>
+              <a:xfrm>
+                <a:off x="4622579" y="4983387"/>
+                <a:ext cx="396000" cy="111729"/>
+              </a:xfrm>
+              <a:custGeom>
+                <a:avLst/>
+                <a:gdLst>
+                  <a:gd name="connsiteX0" fmla="*/ 0 w 1549668"/>
+                  <a:gd name="connsiteY0" fmla="*/ 722824 h 761325"/>
+                  <a:gd name="connsiteX1" fmla="*/ 481264 w 1549668"/>
+                  <a:gd name="connsiteY1" fmla="*/ 116432 h 761325"/>
+                  <a:gd name="connsiteX2" fmla="*/ 770021 w 1549668"/>
+                  <a:gd name="connsiteY2" fmla="*/ 929 h 761325"/>
+                  <a:gd name="connsiteX3" fmla="*/ 1010653 w 1549668"/>
+                  <a:gd name="connsiteY3" fmla="*/ 135683 h 761325"/>
+                  <a:gd name="connsiteX4" fmla="*/ 1549668 w 1549668"/>
+                  <a:gd name="connsiteY4" fmla="*/ 761325 h 761325"/>
+                </a:gdLst>
+                <a:ahLst/>
+                <a:cxnLst>
+                  <a:cxn ang="0">
+                    <a:pos x="connsiteX0" y="connsiteY0"/>
+                  </a:cxn>
+                  <a:cxn ang="0">
+                    <a:pos x="connsiteX1" y="connsiteY1"/>
+                  </a:cxn>
+                  <a:cxn ang="0">
+                    <a:pos x="connsiteX2" y="connsiteY2"/>
+                  </a:cxn>
+                  <a:cxn ang="0">
+                    <a:pos x="connsiteX3" y="connsiteY3"/>
+                  </a:cxn>
+                  <a:cxn ang="0">
+                    <a:pos x="connsiteX4" y="connsiteY4"/>
+                  </a:cxn>
+                </a:cxnLst>
+                <a:rect l="l" t="t" r="r" b="b"/>
+                <a:pathLst>
+                  <a:path w="1549668" h="761325">
+                    <a:moveTo>
+                      <a:pt x="0" y="722824"/>
+                    </a:moveTo>
+                    <a:cubicBezTo>
+                      <a:pt x="176463" y="479786"/>
+                      <a:pt x="352927" y="236748"/>
+                      <a:pt x="481264" y="116432"/>
+                    </a:cubicBezTo>
+                    <a:cubicBezTo>
+                      <a:pt x="609601" y="-3884"/>
+                      <a:pt x="681790" y="-2279"/>
+                      <a:pt x="770021" y="929"/>
+                    </a:cubicBezTo>
+                    <a:cubicBezTo>
+                      <a:pt x="858252" y="4137"/>
+                      <a:pt x="880712" y="8950"/>
+                      <a:pt x="1010653" y="135683"/>
+                    </a:cubicBezTo>
+                    <a:cubicBezTo>
+                      <a:pt x="1140594" y="262416"/>
+                      <a:pt x="1345131" y="511870"/>
+                      <a:pt x="1549668" y="761325"/>
+                    </a:cubicBezTo>
+                  </a:path>
+                </a:pathLst>
+              </a:custGeom>
+              <a:noFill/>
+              <a:ln w="57150">
+                <a:solidFill>
+                  <a:srgbClr val="0D47A1"/>
+                </a:solidFill>
+              </a:ln>
+            </p:spPr>
+            <p:style>
+              <a:lnRef idx="2">
+                <a:schemeClr val="accent1">
+                  <a:shade val="50000"/>
+                </a:schemeClr>
+              </a:lnRef>
+              <a:fillRef idx="1">
+                <a:schemeClr val="accent1"/>
+              </a:fillRef>
+              <a:effectRef idx="0">
+                <a:schemeClr val="accent1"/>
+              </a:effectRef>
+              <a:fontRef idx="minor">
+                <a:schemeClr val="lt1"/>
+              </a:fontRef>
+            </p:style>
+            <p:txBody>
+              <a:bodyPr rtlCol="0" anchor="ctr"/>
+              <a:lstStyle/>
+              <a:p>
+                <a:pPr algn="ctr"/>
+                <a:endParaRPr lang="it-IT"/>
+              </a:p>
+            </p:txBody>
+          </p:sp>
+          <p:sp>
+            <p:nvSpPr>
+              <p:cNvPr id="32" name="Cuore 44"/>
+              <p:cNvSpPr/>
+              <p:nvPr/>
+            </p:nvSpPr>
+            <p:spPr>
+              <a:xfrm>
+                <a:off x="4742040" y="4972221"/>
+                <a:ext cx="144792" cy="211037"/>
+              </a:xfrm>
+              <a:custGeom>
+                <a:avLst/>
+                <a:gdLst>
+                  <a:gd name="connsiteX0" fmla="*/ 828092 w 1656184"/>
+                  <a:gd name="connsiteY0" fmla="*/ 432048 h 1728192"/>
+                  <a:gd name="connsiteX1" fmla="*/ 828092 w 1656184"/>
+                  <a:gd name="connsiteY1" fmla="*/ 1728192 h 1728192"/>
+                  <a:gd name="connsiteX2" fmla="*/ 828092 w 1656184"/>
+                  <a:gd name="connsiteY2" fmla="*/ 432048 h 1728192"/>
+                  <a:gd name="connsiteX0" fmla="*/ 827477 w 1668278"/>
+                  <a:gd name="connsiteY0" fmla="*/ 533452 h 1329082"/>
+                  <a:gd name="connsiteX1" fmla="*/ 837102 w 1668278"/>
+                  <a:gd name="connsiteY1" fmla="*/ 1329082 h 1329082"/>
+                  <a:gd name="connsiteX2" fmla="*/ 827477 w 1668278"/>
+                  <a:gd name="connsiteY2" fmla="*/ 533452 h 1329082"/>
+                  <a:gd name="connsiteX0" fmla="*/ 834130 w 1668259"/>
+                  <a:gd name="connsiteY0" fmla="*/ 420315 h 1668332"/>
+                  <a:gd name="connsiteX1" fmla="*/ 834130 w 1668259"/>
+                  <a:gd name="connsiteY1" fmla="*/ 1668332 h 1668332"/>
+                  <a:gd name="connsiteX2" fmla="*/ 834130 w 1668259"/>
+                  <a:gd name="connsiteY2" fmla="*/ 420315 h 1668332"/>
+                  <a:gd name="connsiteX0" fmla="*/ 834130 w 1589513"/>
+                  <a:gd name="connsiteY0" fmla="*/ 420315 h 1668332"/>
+                  <a:gd name="connsiteX1" fmla="*/ 834130 w 1589513"/>
+                  <a:gd name="connsiteY1" fmla="*/ 1668332 h 1668332"/>
+                  <a:gd name="connsiteX2" fmla="*/ 834130 w 1589513"/>
+                  <a:gd name="connsiteY2" fmla="*/ 420315 h 1668332"/>
+                  <a:gd name="connsiteX0" fmla="*/ 748958 w 1504341"/>
+                  <a:gd name="connsiteY0" fmla="*/ 1774 h 1249791"/>
+                  <a:gd name="connsiteX1" fmla="*/ 748958 w 1504341"/>
+                  <a:gd name="connsiteY1" fmla="*/ 1249791 h 1249791"/>
+                  <a:gd name="connsiteX2" fmla="*/ 748958 w 1504341"/>
+                  <a:gd name="connsiteY2" fmla="*/ 1774 h 1249791"/>
+                </a:gdLst>
+                <a:ahLst/>
+                <a:cxnLst>
+                  <a:cxn ang="0">
+                    <a:pos x="connsiteX0" y="connsiteY0"/>
+                  </a:cxn>
+                  <a:cxn ang="0">
+                    <a:pos x="connsiteX1" y="connsiteY1"/>
+                  </a:cxn>
+                  <a:cxn ang="0">
+                    <a:pos x="connsiteX2" y="connsiteY2"/>
+                  </a:cxn>
+                </a:cxnLst>
+                <a:rect l="l" t="t" r="r" b="b"/>
+                <a:pathLst>
+                  <a:path w="1504341" h="1249791">
+                    <a:moveTo>
+                      <a:pt x="748958" y="1774"/>
+                    </a:moveTo>
+                    <a:cubicBezTo>
+                      <a:pt x="766737" y="4315"/>
+                      <a:pt x="2439646" y="-46353"/>
+                      <a:pt x="748958" y="1249791"/>
+                    </a:cubicBezTo>
+                    <a:cubicBezTo>
+                      <a:pt x="-941730" y="-46353"/>
+                      <a:pt x="760054" y="-5311"/>
+                      <a:pt x="748958" y="1774"/>
+                    </a:cubicBezTo>
+                    <a:close/>
+                  </a:path>
+                </a:pathLst>
+              </a:custGeom>
+              <a:solidFill>
+                <a:srgbClr val="0D47A1"/>
+              </a:solidFill>
+              <a:ln>
+                <a:noFill/>
+              </a:ln>
+            </p:spPr>
+            <p:style>
+              <a:lnRef idx="2">
+                <a:schemeClr val="accent1">
+                  <a:shade val="50000"/>
+                </a:schemeClr>
+              </a:lnRef>
+              <a:fillRef idx="1">
+                <a:schemeClr val="accent1"/>
+              </a:fillRef>
+              <a:effectRef idx="0">
+                <a:schemeClr val="accent1"/>
+              </a:effectRef>
+              <a:fontRef idx="minor">
+                <a:schemeClr val="lt1"/>
+              </a:fontRef>
+            </p:style>
+            <p:txBody>
+              <a:bodyPr rtlCol="0" anchor="ctr"/>
+              <a:lstStyle/>
+              <a:p>
+                <a:pPr algn="ctr"/>
+                <a:endParaRPr lang="it-IT"/>
+              </a:p>
+            </p:txBody>
+          </p:sp>
+        </p:grpSp>
+        <p:grpSp>
+          <p:nvGrpSpPr>
+            <p:cNvPr id="34" name="Gruppo 33"/>
+            <p:cNvGrpSpPr/>
+            <p:nvPr/>
+          </p:nvGrpSpPr>
+          <p:grpSpPr>
+            <a:xfrm>
+              <a:off x="4784599" y="2134311"/>
+              <a:ext cx="499861" cy="969704"/>
+              <a:chOff x="4572000" y="4581128"/>
+              <a:chExt cx="499861" cy="969704"/>
+            </a:xfrm>
+          </p:grpSpPr>
+          <p:sp>
+            <p:nvSpPr>
+              <p:cNvPr id="35" name="Cuore 44"/>
+              <p:cNvSpPr/>
+              <p:nvPr/>
+            </p:nvSpPr>
+            <p:spPr>
+              <a:xfrm>
+                <a:off x="4572000" y="4581128"/>
+                <a:ext cx="499861" cy="969704"/>
+              </a:xfrm>
+              <a:custGeom>
+                <a:avLst/>
+                <a:gdLst>
+                  <a:gd name="connsiteX0" fmla="*/ 828092 w 1656184"/>
+                  <a:gd name="connsiteY0" fmla="*/ 432048 h 1728192"/>
+                  <a:gd name="connsiteX1" fmla="*/ 828092 w 1656184"/>
+                  <a:gd name="connsiteY1" fmla="*/ 1728192 h 1728192"/>
+                  <a:gd name="connsiteX2" fmla="*/ 828092 w 1656184"/>
+                  <a:gd name="connsiteY2" fmla="*/ 432048 h 1728192"/>
+                  <a:gd name="connsiteX0" fmla="*/ 827477 w 1668278"/>
+                  <a:gd name="connsiteY0" fmla="*/ 533452 h 1329082"/>
+                  <a:gd name="connsiteX1" fmla="*/ 837102 w 1668278"/>
+                  <a:gd name="connsiteY1" fmla="*/ 1329082 h 1329082"/>
+                  <a:gd name="connsiteX2" fmla="*/ 827477 w 1668278"/>
+                  <a:gd name="connsiteY2" fmla="*/ 533452 h 1329082"/>
+                  <a:gd name="connsiteX0" fmla="*/ 834130 w 1668259"/>
+                  <a:gd name="connsiteY0" fmla="*/ 420315 h 1668332"/>
+                  <a:gd name="connsiteX1" fmla="*/ 834130 w 1668259"/>
+                  <a:gd name="connsiteY1" fmla="*/ 1668332 h 1668332"/>
+                  <a:gd name="connsiteX2" fmla="*/ 834130 w 1668259"/>
+                  <a:gd name="connsiteY2" fmla="*/ 420315 h 1668332"/>
+                  <a:gd name="connsiteX0" fmla="*/ 834130 w 1589513"/>
+                  <a:gd name="connsiteY0" fmla="*/ 420315 h 1668332"/>
+                  <a:gd name="connsiteX1" fmla="*/ 834130 w 1589513"/>
+                  <a:gd name="connsiteY1" fmla="*/ 1668332 h 1668332"/>
+                  <a:gd name="connsiteX2" fmla="*/ 834130 w 1589513"/>
+                  <a:gd name="connsiteY2" fmla="*/ 420315 h 1668332"/>
+                  <a:gd name="connsiteX0" fmla="*/ 748958 w 1504341"/>
+                  <a:gd name="connsiteY0" fmla="*/ 1774 h 1249791"/>
+                  <a:gd name="connsiteX1" fmla="*/ 748958 w 1504341"/>
+                  <a:gd name="connsiteY1" fmla="*/ 1249791 h 1249791"/>
+                  <a:gd name="connsiteX2" fmla="*/ 748958 w 1504341"/>
+                  <a:gd name="connsiteY2" fmla="*/ 1774 h 1249791"/>
+                </a:gdLst>
+                <a:ahLst/>
+                <a:cxnLst>
+                  <a:cxn ang="0">
+                    <a:pos x="connsiteX0" y="connsiteY0"/>
+                  </a:cxn>
+                  <a:cxn ang="0">
+                    <a:pos x="connsiteX1" y="connsiteY1"/>
+                  </a:cxn>
+                  <a:cxn ang="0">
+                    <a:pos x="connsiteX2" y="connsiteY2"/>
+                  </a:cxn>
+                </a:cxnLst>
+                <a:rect l="l" t="t" r="r" b="b"/>
+                <a:pathLst>
+                  <a:path w="1504341" h="1249791">
+                    <a:moveTo>
+                      <a:pt x="748958" y="1774"/>
+                    </a:moveTo>
+                    <a:cubicBezTo>
+                      <a:pt x="766737" y="4315"/>
+                      <a:pt x="2439646" y="-46353"/>
+                      <a:pt x="748958" y="1249791"/>
+                    </a:cubicBezTo>
+                    <a:cubicBezTo>
+                      <a:pt x="-941730" y="-46353"/>
+                      <a:pt x="760054" y="-5311"/>
+                      <a:pt x="748958" y="1774"/>
+                    </a:cubicBezTo>
+                    <a:close/>
+                  </a:path>
+                </a:pathLst>
+              </a:custGeom>
+              <a:solidFill>
+                <a:schemeClr val="bg1"/>
+              </a:solidFill>
+              <a:ln w="3175">
+                <a:solidFill>
+                  <a:srgbClr val="0D47A1"/>
+                </a:solidFill>
+              </a:ln>
+              <a:effectLst>
+                <a:outerShdw blurRad="50800" dist="38100" dir="2700000" algn="tl" rotWithShape="0">
+                  <a:prstClr val="black">
+                    <a:alpha val="40000"/>
+                  </a:prstClr>
+                </a:outerShdw>
+              </a:effectLst>
+            </p:spPr>
+            <p:style>
+              <a:lnRef idx="2">
+                <a:schemeClr val="accent1">
+                  <a:shade val="50000"/>
+                </a:schemeClr>
+              </a:lnRef>
+              <a:fillRef idx="1">
+                <a:schemeClr val="accent1"/>
+              </a:fillRef>
+              <a:effectRef idx="0">
+                <a:schemeClr val="accent1"/>
+              </a:effectRef>
+              <a:fontRef idx="minor">
+                <a:schemeClr val="lt1"/>
+              </a:fontRef>
+            </p:style>
+            <p:txBody>
+              <a:bodyPr rtlCol="0" anchor="ctr"/>
+              <a:lstStyle/>
+              <a:p>
+                <a:pPr algn="ctr"/>
+                <a:endParaRPr lang="it-IT"/>
+              </a:p>
+            </p:txBody>
+          </p:sp>
+          <p:sp>
+            <p:nvSpPr>
+              <p:cNvPr id="36" name="Ovale 35"/>
+              <p:cNvSpPr/>
+              <p:nvPr/>
+            </p:nvSpPr>
+            <p:spPr>
+              <a:xfrm>
+                <a:off x="4716414" y="4795937"/>
+                <a:ext cx="189695" cy="190802"/>
+              </a:xfrm>
+              <a:prstGeom prst="ellipse">
+                <a:avLst/>
+              </a:prstGeom>
+              <a:solidFill>
+                <a:srgbClr val="0D47A1"/>
+              </a:solidFill>
+              <a:ln>
+                <a:noFill/>
+              </a:ln>
+            </p:spPr>
+            <p:style>
+              <a:lnRef idx="2">
+                <a:schemeClr val="accent1">
+                  <a:shade val="50000"/>
+                </a:schemeClr>
+              </a:lnRef>
+              <a:fillRef idx="1">
+                <a:schemeClr val="accent1"/>
+              </a:fillRef>
+              <a:effectRef idx="0">
+                <a:schemeClr val="accent1"/>
+              </a:effectRef>
+              <a:fontRef idx="minor">
+                <a:schemeClr val="lt1"/>
+              </a:fontRef>
+            </p:style>
+            <p:txBody>
+              <a:bodyPr rtlCol="0" anchor="ctr"/>
+              <a:lstStyle/>
+              <a:p>
+                <a:pPr algn="ctr"/>
+                <a:endParaRPr lang="it-IT"/>
+              </a:p>
+            </p:txBody>
+          </p:sp>
+          <p:sp>
+            <p:nvSpPr>
+              <p:cNvPr id="37" name="Figura a mano libera 36"/>
+              <p:cNvSpPr/>
+              <p:nvPr/>
+            </p:nvSpPr>
+            <p:spPr>
+              <a:xfrm>
+                <a:off x="4622579" y="4983387"/>
+                <a:ext cx="396000" cy="111729"/>
+              </a:xfrm>
+              <a:custGeom>
+                <a:avLst/>
+                <a:gdLst>
+                  <a:gd name="connsiteX0" fmla="*/ 0 w 1549668"/>
+                  <a:gd name="connsiteY0" fmla="*/ 722824 h 761325"/>
+                  <a:gd name="connsiteX1" fmla="*/ 481264 w 1549668"/>
+                  <a:gd name="connsiteY1" fmla="*/ 116432 h 761325"/>
+                  <a:gd name="connsiteX2" fmla="*/ 770021 w 1549668"/>
+                  <a:gd name="connsiteY2" fmla="*/ 929 h 761325"/>
+                  <a:gd name="connsiteX3" fmla="*/ 1010653 w 1549668"/>
+                  <a:gd name="connsiteY3" fmla="*/ 135683 h 761325"/>
+                  <a:gd name="connsiteX4" fmla="*/ 1549668 w 1549668"/>
+                  <a:gd name="connsiteY4" fmla="*/ 761325 h 761325"/>
+                </a:gdLst>
+                <a:ahLst/>
+                <a:cxnLst>
+                  <a:cxn ang="0">
+                    <a:pos x="connsiteX0" y="connsiteY0"/>
+                  </a:cxn>
+                  <a:cxn ang="0">
+                    <a:pos x="connsiteX1" y="connsiteY1"/>
+                  </a:cxn>
+                  <a:cxn ang="0">
+                    <a:pos x="connsiteX2" y="connsiteY2"/>
+                  </a:cxn>
+                  <a:cxn ang="0">
+                    <a:pos x="connsiteX3" y="connsiteY3"/>
+                  </a:cxn>
+                  <a:cxn ang="0">
+                    <a:pos x="connsiteX4" y="connsiteY4"/>
+                  </a:cxn>
+                </a:cxnLst>
+                <a:rect l="l" t="t" r="r" b="b"/>
+                <a:pathLst>
+                  <a:path w="1549668" h="761325">
+                    <a:moveTo>
+                      <a:pt x="0" y="722824"/>
+                    </a:moveTo>
+                    <a:cubicBezTo>
+                      <a:pt x="176463" y="479786"/>
+                      <a:pt x="352927" y="236748"/>
+                      <a:pt x="481264" y="116432"/>
+                    </a:cubicBezTo>
+                    <a:cubicBezTo>
+                      <a:pt x="609601" y="-3884"/>
+                      <a:pt x="681790" y="-2279"/>
+                      <a:pt x="770021" y="929"/>
+                    </a:cubicBezTo>
+                    <a:cubicBezTo>
+                      <a:pt x="858252" y="4137"/>
+                      <a:pt x="880712" y="8950"/>
+                      <a:pt x="1010653" y="135683"/>
+                    </a:cubicBezTo>
+                    <a:cubicBezTo>
+                      <a:pt x="1140594" y="262416"/>
+                      <a:pt x="1345131" y="511870"/>
+                      <a:pt x="1549668" y="761325"/>
+                    </a:cubicBezTo>
+                  </a:path>
+                </a:pathLst>
+              </a:custGeom>
+              <a:noFill/>
+              <a:ln w="57150">
+                <a:solidFill>
+                  <a:srgbClr val="0D47A1"/>
+                </a:solidFill>
+              </a:ln>
+            </p:spPr>
+            <p:style>
+              <a:lnRef idx="2">
+                <a:schemeClr val="accent1">
+                  <a:shade val="50000"/>
+                </a:schemeClr>
+              </a:lnRef>
+              <a:fillRef idx="1">
+                <a:schemeClr val="accent1"/>
+              </a:fillRef>
+              <a:effectRef idx="0">
+                <a:schemeClr val="accent1"/>
+              </a:effectRef>
+              <a:fontRef idx="minor">
+                <a:schemeClr val="lt1"/>
+              </a:fontRef>
+            </p:style>
+            <p:txBody>
+              <a:bodyPr rtlCol="0" anchor="ctr"/>
+              <a:lstStyle/>
+              <a:p>
+                <a:pPr algn="ctr"/>
+                <a:endParaRPr lang="it-IT"/>
+              </a:p>
+            </p:txBody>
+          </p:sp>
+          <p:sp>
+            <p:nvSpPr>
+              <p:cNvPr id="38" name="Cuore 44"/>
+              <p:cNvSpPr/>
+              <p:nvPr/>
+            </p:nvSpPr>
+            <p:spPr>
+              <a:xfrm>
+                <a:off x="4742040" y="4972221"/>
+                <a:ext cx="144792" cy="211037"/>
+              </a:xfrm>
+              <a:custGeom>
+                <a:avLst/>
+                <a:gdLst>
+                  <a:gd name="connsiteX0" fmla="*/ 828092 w 1656184"/>
+                  <a:gd name="connsiteY0" fmla="*/ 432048 h 1728192"/>
+                  <a:gd name="connsiteX1" fmla="*/ 828092 w 1656184"/>
+                  <a:gd name="connsiteY1" fmla="*/ 1728192 h 1728192"/>
+                  <a:gd name="connsiteX2" fmla="*/ 828092 w 1656184"/>
+                  <a:gd name="connsiteY2" fmla="*/ 432048 h 1728192"/>
+                  <a:gd name="connsiteX0" fmla="*/ 827477 w 1668278"/>
+                  <a:gd name="connsiteY0" fmla="*/ 533452 h 1329082"/>
+                  <a:gd name="connsiteX1" fmla="*/ 837102 w 1668278"/>
+                  <a:gd name="connsiteY1" fmla="*/ 1329082 h 1329082"/>
+                  <a:gd name="connsiteX2" fmla="*/ 827477 w 1668278"/>
+                  <a:gd name="connsiteY2" fmla="*/ 533452 h 1329082"/>
+                  <a:gd name="connsiteX0" fmla="*/ 834130 w 1668259"/>
+                  <a:gd name="connsiteY0" fmla="*/ 420315 h 1668332"/>
+                  <a:gd name="connsiteX1" fmla="*/ 834130 w 1668259"/>
+                  <a:gd name="connsiteY1" fmla="*/ 1668332 h 1668332"/>
+                  <a:gd name="connsiteX2" fmla="*/ 834130 w 1668259"/>
+                  <a:gd name="connsiteY2" fmla="*/ 420315 h 1668332"/>
+                  <a:gd name="connsiteX0" fmla="*/ 834130 w 1589513"/>
+                  <a:gd name="connsiteY0" fmla="*/ 420315 h 1668332"/>
+                  <a:gd name="connsiteX1" fmla="*/ 834130 w 1589513"/>
+                  <a:gd name="connsiteY1" fmla="*/ 1668332 h 1668332"/>
+                  <a:gd name="connsiteX2" fmla="*/ 834130 w 1589513"/>
+                  <a:gd name="connsiteY2" fmla="*/ 420315 h 1668332"/>
+                  <a:gd name="connsiteX0" fmla="*/ 748958 w 1504341"/>
+                  <a:gd name="connsiteY0" fmla="*/ 1774 h 1249791"/>
+                  <a:gd name="connsiteX1" fmla="*/ 748958 w 1504341"/>
+                  <a:gd name="connsiteY1" fmla="*/ 1249791 h 1249791"/>
+                  <a:gd name="connsiteX2" fmla="*/ 748958 w 1504341"/>
+                  <a:gd name="connsiteY2" fmla="*/ 1774 h 1249791"/>
+                </a:gdLst>
+                <a:ahLst/>
+                <a:cxnLst>
+                  <a:cxn ang="0">
+                    <a:pos x="connsiteX0" y="connsiteY0"/>
+                  </a:cxn>
+                  <a:cxn ang="0">
+                    <a:pos x="connsiteX1" y="connsiteY1"/>
+                  </a:cxn>
+                  <a:cxn ang="0">
+                    <a:pos x="connsiteX2" y="connsiteY2"/>
+                  </a:cxn>
+                </a:cxnLst>
+                <a:rect l="l" t="t" r="r" b="b"/>
+                <a:pathLst>
+                  <a:path w="1504341" h="1249791">
+                    <a:moveTo>
+                      <a:pt x="748958" y="1774"/>
+                    </a:moveTo>
+                    <a:cubicBezTo>
+                      <a:pt x="766737" y="4315"/>
+                      <a:pt x="2439646" y="-46353"/>
+                      <a:pt x="748958" y="1249791"/>
+                    </a:cubicBezTo>
+                    <a:cubicBezTo>
+                      <a:pt x="-941730" y="-46353"/>
+                      <a:pt x="760054" y="-5311"/>
+                      <a:pt x="748958" y="1774"/>
+                    </a:cubicBezTo>
+                    <a:close/>
+                  </a:path>
+                </a:pathLst>
+              </a:custGeom>
+              <a:solidFill>
+                <a:srgbClr val="0D47A1"/>
+              </a:solidFill>
+              <a:ln>
+                <a:noFill/>
+              </a:ln>
+            </p:spPr>
+            <p:style>
+              <a:lnRef idx="2">
+                <a:schemeClr val="accent1">
+                  <a:shade val="50000"/>
+                </a:schemeClr>
+              </a:lnRef>
+              <a:fillRef idx="1">
+                <a:schemeClr val="accent1"/>
+              </a:fillRef>
+              <a:effectRef idx="0">
+                <a:schemeClr val="accent1"/>
+              </a:effectRef>
+              <a:fontRef idx="minor">
+                <a:schemeClr val="lt1"/>
+              </a:fontRef>
+            </p:style>
+            <p:txBody>
+              <a:bodyPr rtlCol="0" anchor="ctr"/>
+              <a:lstStyle/>
+              <a:p>
+                <a:pPr algn="ctr"/>
+                <a:endParaRPr lang="it-IT"/>
+              </a:p>
+            </p:txBody>
+          </p:sp>
+        </p:grpSp>
+        <p:grpSp>
+          <p:nvGrpSpPr>
+            <p:cNvPr id="39" name="Gruppo 38"/>
+            <p:cNvGrpSpPr/>
+            <p:nvPr/>
+          </p:nvGrpSpPr>
+          <p:grpSpPr>
+            <a:xfrm>
+              <a:off x="6372200" y="1768779"/>
+              <a:ext cx="499861" cy="969704"/>
+              <a:chOff x="4572000" y="4581128"/>
+              <a:chExt cx="499861" cy="969704"/>
+            </a:xfrm>
+          </p:grpSpPr>
+          <p:sp>
+            <p:nvSpPr>
+              <p:cNvPr id="40" name="Cuore 44"/>
+              <p:cNvSpPr/>
+              <p:nvPr/>
+            </p:nvSpPr>
+            <p:spPr>
+              <a:xfrm>
+                <a:off x="4572000" y="4581128"/>
+                <a:ext cx="499861" cy="969704"/>
+              </a:xfrm>
+              <a:custGeom>
+                <a:avLst/>
+                <a:gdLst>
+                  <a:gd name="connsiteX0" fmla="*/ 828092 w 1656184"/>
+                  <a:gd name="connsiteY0" fmla="*/ 432048 h 1728192"/>
+                  <a:gd name="connsiteX1" fmla="*/ 828092 w 1656184"/>
+                  <a:gd name="connsiteY1" fmla="*/ 1728192 h 1728192"/>
+                  <a:gd name="connsiteX2" fmla="*/ 828092 w 1656184"/>
+                  <a:gd name="connsiteY2" fmla="*/ 432048 h 1728192"/>
+                  <a:gd name="connsiteX0" fmla="*/ 827477 w 1668278"/>
+                  <a:gd name="connsiteY0" fmla="*/ 533452 h 1329082"/>
+                  <a:gd name="connsiteX1" fmla="*/ 837102 w 1668278"/>
+                  <a:gd name="connsiteY1" fmla="*/ 1329082 h 1329082"/>
+                  <a:gd name="connsiteX2" fmla="*/ 827477 w 1668278"/>
+                  <a:gd name="connsiteY2" fmla="*/ 533452 h 1329082"/>
+                  <a:gd name="connsiteX0" fmla="*/ 834130 w 1668259"/>
+                  <a:gd name="connsiteY0" fmla="*/ 420315 h 1668332"/>
+                  <a:gd name="connsiteX1" fmla="*/ 834130 w 1668259"/>
+                  <a:gd name="connsiteY1" fmla="*/ 1668332 h 1668332"/>
+                  <a:gd name="connsiteX2" fmla="*/ 834130 w 1668259"/>
+                  <a:gd name="connsiteY2" fmla="*/ 420315 h 1668332"/>
+                  <a:gd name="connsiteX0" fmla="*/ 834130 w 1589513"/>
+                  <a:gd name="connsiteY0" fmla="*/ 420315 h 1668332"/>
+                  <a:gd name="connsiteX1" fmla="*/ 834130 w 1589513"/>
+                  <a:gd name="connsiteY1" fmla="*/ 1668332 h 1668332"/>
+                  <a:gd name="connsiteX2" fmla="*/ 834130 w 1589513"/>
+                  <a:gd name="connsiteY2" fmla="*/ 420315 h 1668332"/>
+                  <a:gd name="connsiteX0" fmla="*/ 748958 w 1504341"/>
+                  <a:gd name="connsiteY0" fmla="*/ 1774 h 1249791"/>
+                  <a:gd name="connsiteX1" fmla="*/ 748958 w 1504341"/>
+                  <a:gd name="connsiteY1" fmla="*/ 1249791 h 1249791"/>
+                  <a:gd name="connsiteX2" fmla="*/ 748958 w 1504341"/>
+                  <a:gd name="connsiteY2" fmla="*/ 1774 h 1249791"/>
+                </a:gdLst>
+                <a:ahLst/>
+                <a:cxnLst>
+                  <a:cxn ang="0">
+                    <a:pos x="connsiteX0" y="connsiteY0"/>
+                  </a:cxn>
+                  <a:cxn ang="0">
+                    <a:pos x="connsiteX1" y="connsiteY1"/>
+                  </a:cxn>
+                  <a:cxn ang="0">
+                    <a:pos x="connsiteX2" y="connsiteY2"/>
+                  </a:cxn>
+                </a:cxnLst>
+                <a:rect l="l" t="t" r="r" b="b"/>
+                <a:pathLst>
+                  <a:path w="1504341" h="1249791">
+                    <a:moveTo>
+                      <a:pt x="748958" y="1774"/>
+                    </a:moveTo>
+                    <a:cubicBezTo>
+                      <a:pt x="766737" y="4315"/>
+                      <a:pt x="2439646" y="-46353"/>
+                      <a:pt x="748958" y="1249791"/>
+                    </a:cubicBezTo>
+                    <a:cubicBezTo>
+                      <a:pt x="-941730" y="-46353"/>
+                      <a:pt x="760054" y="-5311"/>
+                      <a:pt x="748958" y="1774"/>
+                    </a:cubicBezTo>
+                    <a:close/>
+                  </a:path>
+                </a:pathLst>
+              </a:custGeom>
+              <a:solidFill>
+                <a:schemeClr val="bg1"/>
+              </a:solidFill>
+              <a:ln w="3175">
+                <a:solidFill>
+                  <a:srgbClr val="0D47A1"/>
+                </a:solidFill>
+              </a:ln>
+              <a:effectLst>
+                <a:outerShdw blurRad="50800" dist="38100" dir="2700000" algn="tl" rotWithShape="0">
+                  <a:prstClr val="black">
+                    <a:alpha val="40000"/>
+                  </a:prstClr>
+                </a:outerShdw>
+              </a:effectLst>
+            </p:spPr>
+            <p:style>
+              <a:lnRef idx="2">
+                <a:schemeClr val="accent1">
+                  <a:shade val="50000"/>
+                </a:schemeClr>
+              </a:lnRef>
+              <a:fillRef idx="1">
+                <a:schemeClr val="accent1"/>
+              </a:fillRef>
+              <a:effectRef idx="0">
+                <a:schemeClr val="accent1"/>
+              </a:effectRef>
+              <a:fontRef idx="minor">
+                <a:schemeClr val="lt1"/>
+              </a:fontRef>
+            </p:style>
+            <p:txBody>
+              <a:bodyPr rtlCol="0" anchor="ctr"/>
+              <a:lstStyle/>
+              <a:p>
+                <a:pPr algn="ctr"/>
+                <a:endParaRPr lang="it-IT"/>
+              </a:p>
+            </p:txBody>
+          </p:sp>
+          <p:sp>
+            <p:nvSpPr>
+              <p:cNvPr id="41" name="Ovale 40"/>
+              <p:cNvSpPr/>
+              <p:nvPr/>
+            </p:nvSpPr>
+            <p:spPr>
+              <a:xfrm>
+                <a:off x="4716414" y="4795937"/>
+                <a:ext cx="189695" cy="190802"/>
+              </a:xfrm>
+              <a:prstGeom prst="ellipse">
+                <a:avLst/>
+              </a:prstGeom>
+              <a:solidFill>
+                <a:srgbClr val="0D47A1"/>
+              </a:solidFill>
+              <a:ln>
+                <a:noFill/>
+              </a:ln>
+            </p:spPr>
+            <p:style>
+              <a:lnRef idx="2">
+                <a:schemeClr val="accent1">
+                  <a:shade val="50000"/>
+                </a:schemeClr>
+              </a:lnRef>
+              <a:fillRef idx="1">
+                <a:schemeClr val="accent1"/>
+              </a:fillRef>
+              <a:effectRef idx="0">
+                <a:schemeClr val="accent1"/>
+              </a:effectRef>
+              <a:fontRef idx="minor">
+                <a:schemeClr val="lt1"/>
+              </a:fontRef>
+            </p:style>
+            <p:txBody>
+              <a:bodyPr rtlCol="0" anchor="ctr"/>
+              <a:lstStyle/>
+              <a:p>
+                <a:pPr algn="ctr"/>
+                <a:endParaRPr lang="it-IT"/>
+              </a:p>
+            </p:txBody>
+          </p:sp>
+          <p:sp>
+            <p:nvSpPr>
+              <p:cNvPr id="42" name="Figura a mano libera 41"/>
+              <p:cNvSpPr/>
+              <p:nvPr/>
+            </p:nvSpPr>
+            <p:spPr>
+              <a:xfrm>
+                <a:off x="4622579" y="4983387"/>
+                <a:ext cx="396000" cy="111729"/>
+              </a:xfrm>
+              <a:custGeom>
+                <a:avLst/>
+                <a:gdLst>
+                  <a:gd name="connsiteX0" fmla="*/ 0 w 1549668"/>
+                  <a:gd name="connsiteY0" fmla="*/ 722824 h 761325"/>
+                  <a:gd name="connsiteX1" fmla="*/ 481264 w 1549668"/>
+                  <a:gd name="connsiteY1" fmla="*/ 116432 h 761325"/>
+                  <a:gd name="connsiteX2" fmla="*/ 770021 w 1549668"/>
+                  <a:gd name="connsiteY2" fmla="*/ 929 h 761325"/>
+                  <a:gd name="connsiteX3" fmla="*/ 1010653 w 1549668"/>
+                  <a:gd name="connsiteY3" fmla="*/ 135683 h 761325"/>
+                  <a:gd name="connsiteX4" fmla="*/ 1549668 w 1549668"/>
+                  <a:gd name="connsiteY4" fmla="*/ 761325 h 761325"/>
+                </a:gdLst>
+                <a:ahLst/>
+                <a:cxnLst>
+                  <a:cxn ang="0">
+                    <a:pos x="connsiteX0" y="connsiteY0"/>
+                  </a:cxn>
+                  <a:cxn ang="0">
+                    <a:pos x="connsiteX1" y="connsiteY1"/>
+                  </a:cxn>
+                  <a:cxn ang="0">
+                    <a:pos x="connsiteX2" y="connsiteY2"/>
+                  </a:cxn>
+                  <a:cxn ang="0">
+                    <a:pos x="connsiteX3" y="connsiteY3"/>
+                  </a:cxn>
+                  <a:cxn ang="0">
+                    <a:pos x="connsiteX4" y="connsiteY4"/>
+                  </a:cxn>
+                </a:cxnLst>
+                <a:rect l="l" t="t" r="r" b="b"/>
+                <a:pathLst>
+                  <a:path w="1549668" h="761325">
+                    <a:moveTo>
+                      <a:pt x="0" y="722824"/>
+                    </a:moveTo>
+                    <a:cubicBezTo>
+                      <a:pt x="176463" y="479786"/>
+                      <a:pt x="352927" y="236748"/>
+                      <a:pt x="481264" y="116432"/>
+                    </a:cubicBezTo>
+                    <a:cubicBezTo>
+                      <a:pt x="609601" y="-3884"/>
+                      <a:pt x="681790" y="-2279"/>
+                      <a:pt x="770021" y="929"/>
+                    </a:cubicBezTo>
+                    <a:cubicBezTo>
+                      <a:pt x="858252" y="4137"/>
+                      <a:pt x="880712" y="8950"/>
+                      <a:pt x="1010653" y="135683"/>
+                    </a:cubicBezTo>
+                    <a:cubicBezTo>
+                      <a:pt x="1140594" y="262416"/>
+                      <a:pt x="1345131" y="511870"/>
+                      <a:pt x="1549668" y="761325"/>
+                    </a:cubicBezTo>
+                  </a:path>
+                </a:pathLst>
+              </a:custGeom>
+              <a:noFill/>
+              <a:ln w="57150">
+                <a:solidFill>
+                  <a:srgbClr val="0D47A1"/>
+                </a:solidFill>
+              </a:ln>
+            </p:spPr>
+            <p:style>
+              <a:lnRef idx="2">
+                <a:schemeClr val="accent1">
+                  <a:shade val="50000"/>
+                </a:schemeClr>
+              </a:lnRef>
+              <a:fillRef idx="1">
+                <a:schemeClr val="accent1"/>
+              </a:fillRef>
+              <a:effectRef idx="0">
+                <a:schemeClr val="accent1"/>
+              </a:effectRef>
+              <a:fontRef idx="minor">
+                <a:schemeClr val="lt1"/>
+              </a:fontRef>
+            </p:style>
+            <p:txBody>
+              <a:bodyPr rtlCol="0" anchor="ctr"/>
+              <a:lstStyle/>
+              <a:p>
+                <a:pPr algn="ctr"/>
+                <a:endParaRPr lang="it-IT"/>
+              </a:p>
+            </p:txBody>
+          </p:sp>
+          <p:sp>
+            <p:nvSpPr>
+              <p:cNvPr id="43" name="Cuore 44"/>
+              <p:cNvSpPr/>
+              <p:nvPr/>
+            </p:nvSpPr>
+            <p:spPr>
+              <a:xfrm>
+                <a:off x="4742040" y="4972221"/>
+                <a:ext cx="144792" cy="211037"/>
+              </a:xfrm>
+              <a:custGeom>
+                <a:avLst/>
+                <a:gdLst>
+                  <a:gd name="connsiteX0" fmla="*/ 828092 w 1656184"/>
+                  <a:gd name="connsiteY0" fmla="*/ 432048 h 1728192"/>
+                  <a:gd name="connsiteX1" fmla="*/ 828092 w 1656184"/>
+                  <a:gd name="connsiteY1" fmla="*/ 1728192 h 1728192"/>
+                  <a:gd name="connsiteX2" fmla="*/ 828092 w 1656184"/>
+                  <a:gd name="connsiteY2" fmla="*/ 432048 h 1728192"/>
+                  <a:gd name="connsiteX0" fmla="*/ 827477 w 1668278"/>
+                  <a:gd name="connsiteY0" fmla="*/ 533452 h 1329082"/>
+                  <a:gd name="connsiteX1" fmla="*/ 837102 w 1668278"/>
+                  <a:gd name="connsiteY1" fmla="*/ 1329082 h 1329082"/>
+                  <a:gd name="connsiteX2" fmla="*/ 827477 w 1668278"/>
+                  <a:gd name="connsiteY2" fmla="*/ 533452 h 1329082"/>
+                  <a:gd name="connsiteX0" fmla="*/ 834130 w 1668259"/>
+                  <a:gd name="connsiteY0" fmla="*/ 420315 h 1668332"/>
+                  <a:gd name="connsiteX1" fmla="*/ 834130 w 1668259"/>
+                  <a:gd name="connsiteY1" fmla="*/ 1668332 h 1668332"/>
+                  <a:gd name="connsiteX2" fmla="*/ 834130 w 1668259"/>
+                  <a:gd name="connsiteY2" fmla="*/ 420315 h 1668332"/>
+                  <a:gd name="connsiteX0" fmla="*/ 834130 w 1589513"/>
+                  <a:gd name="connsiteY0" fmla="*/ 420315 h 1668332"/>
+                  <a:gd name="connsiteX1" fmla="*/ 834130 w 1589513"/>
+                  <a:gd name="connsiteY1" fmla="*/ 1668332 h 1668332"/>
+                  <a:gd name="connsiteX2" fmla="*/ 834130 w 1589513"/>
+                  <a:gd name="connsiteY2" fmla="*/ 420315 h 1668332"/>
+                  <a:gd name="connsiteX0" fmla="*/ 748958 w 1504341"/>
+                  <a:gd name="connsiteY0" fmla="*/ 1774 h 1249791"/>
+                  <a:gd name="connsiteX1" fmla="*/ 748958 w 1504341"/>
+                  <a:gd name="connsiteY1" fmla="*/ 1249791 h 1249791"/>
+                  <a:gd name="connsiteX2" fmla="*/ 748958 w 1504341"/>
+                  <a:gd name="connsiteY2" fmla="*/ 1774 h 1249791"/>
+                </a:gdLst>
+                <a:ahLst/>
+                <a:cxnLst>
+                  <a:cxn ang="0">
+                    <a:pos x="connsiteX0" y="connsiteY0"/>
+                  </a:cxn>
+                  <a:cxn ang="0">
+                    <a:pos x="connsiteX1" y="connsiteY1"/>
+                  </a:cxn>
+                  <a:cxn ang="0">
+                    <a:pos x="connsiteX2" y="connsiteY2"/>
+                  </a:cxn>
+                </a:cxnLst>
+                <a:rect l="l" t="t" r="r" b="b"/>
+                <a:pathLst>
+                  <a:path w="1504341" h="1249791">
+                    <a:moveTo>
+                      <a:pt x="748958" y="1774"/>
+                    </a:moveTo>
+                    <a:cubicBezTo>
+                      <a:pt x="766737" y="4315"/>
+                      <a:pt x="2439646" y="-46353"/>
+                      <a:pt x="748958" y="1249791"/>
+                    </a:cubicBezTo>
+                    <a:cubicBezTo>
+                      <a:pt x="-941730" y="-46353"/>
+                      <a:pt x="760054" y="-5311"/>
+                      <a:pt x="748958" y="1774"/>
+                    </a:cubicBezTo>
+                    <a:close/>
+                  </a:path>
+                </a:pathLst>
+              </a:custGeom>
+              <a:solidFill>
+                <a:srgbClr val="0D47A1"/>
+              </a:solidFill>
+              <a:ln>
+                <a:noFill/>
+              </a:ln>
+            </p:spPr>
+            <p:style>
+              <a:lnRef idx="2">
+                <a:schemeClr val="accent1">
+                  <a:shade val="50000"/>
+                </a:schemeClr>
+              </a:lnRef>
+              <a:fillRef idx="1">
+                <a:schemeClr val="accent1"/>
+              </a:fillRef>
+              <a:effectRef idx="0">
+                <a:schemeClr val="accent1"/>
+              </a:effectRef>
+              <a:fontRef idx="minor">
+                <a:schemeClr val="lt1"/>
+              </a:fontRef>
+            </p:style>
+            <p:txBody>
+              <a:bodyPr rtlCol="0" anchor="ctr"/>
+              <a:lstStyle/>
+              <a:p>
+                <a:pPr algn="ctr"/>
+                <a:endParaRPr lang="it-IT"/>
+              </a:p>
+            </p:txBody>
+          </p:sp>
+        </p:grpSp>
+      </p:grpSp>
+      <p:grpSp>
+        <p:nvGrpSpPr>
+          <p:cNvPr id="8" name="Gruppo 7"/>
+          <p:cNvGrpSpPr/>
+          <p:nvPr/>
+        </p:nvGrpSpPr>
+        <p:grpSpPr>
+          <a:xfrm>
+            <a:off x="6444148" y="4150074"/>
+            <a:ext cx="2448272" cy="2448000"/>
+            <a:chOff x="6444148" y="4150074"/>
+            <a:chExt cx="2448272" cy="2448000"/>
           </a:xfrm>
         </p:grpSpPr>
         <p:sp>
           <p:nvSpPr>
-            <p:cNvPr id="10" name="Ovale 9"/>
+            <p:cNvPr id="45" name="Rettangolo 44"/>
             <p:cNvSpPr/>
             <p:nvPr/>
           </p:nvSpPr>
           <p:spPr>
             <a:xfrm>
-              <a:off x="4292433" y="1691755"/>
-              <a:ext cx="1207203" cy="2413313"/>
+              <a:off x="6444148" y="4150074"/>
+              <a:ext cx="2448272" cy="2448000"/>
+            </a:xfrm>
+            <a:prstGeom prst="rect">
+              <a:avLst/>
+            </a:prstGeom>
+            <a:solidFill>
+              <a:schemeClr val="bg1"/>
+            </a:solidFill>
+            <a:ln>
+              <a:noFill/>
+            </a:ln>
+          </p:spPr>
+          <p:style>
+            <a:lnRef idx="2">
+              <a:schemeClr val="accent1">
+                <a:shade val="50000"/>
+              </a:schemeClr>
+            </a:lnRef>
+            <a:fillRef idx="1">
+              <a:schemeClr val="accent1"/>
+            </a:fillRef>
+            <a:effectRef idx="0">
+              <a:schemeClr val="accent1"/>
+            </a:effectRef>
+            <a:fontRef idx="minor">
+              <a:schemeClr val="lt1"/>
+            </a:fontRef>
+          </p:style>
+          <p:txBody>
+            <a:bodyPr rtlCol="0" anchor="ctr"/>
+            <a:lstStyle/>
+            <a:p>
+              <a:pPr algn="ctr"/>
+              <a:endParaRPr lang="it-IT"/>
+            </a:p>
+          </p:txBody>
+        </p:sp>
+        <p:pic>
+          <p:nvPicPr>
+            <p:cNvPr id="46" name="Picture 6"/>
+            <p:cNvPicPr>
+              <a:picLocks noChangeAspect="1" noChangeArrowheads="1"/>
+            </p:cNvPicPr>
+            <p:nvPr/>
+          </p:nvPicPr>
+          <p:blipFill>
+            <a:blip r:embed="rId2">
+              <a:extLst>
+                <a:ext uri="{28A0092B-C50C-407E-A947-70E740481C1C}">
+                  <a14:useLocalDpi xmlns:a14="http://schemas.microsoft.com/office/drawing/2010/main" val="0"/>
+                </a:ext>
+              </a:extLst>
+            </a:blip>
+            <a:srcRect/>
+            <a:stretch>
+              <a:fillRect/>
+            </a:stretch>
+          </p:blipFill>
+          <p:spPr bwMode="auto">
+            <a:xfrm>
+              <a:off x="6706309" y="4653136"/>
+              <a:ext cx="1942819" cy="1942819"/>
+            </a:xfrm>
+            <a:prstGeom prst="rect">
+              <a:avLst/>
+            </a:prstGeom>
+            <a:noFill/>
+            <a:ln>
+              <a:noFill/>
+            </a:ln>
+            <a:effectLst/>
+            <a:extLst>
+              <a:ext uri="{909E8E84-426E-40DD-AFC4-6F175D3DCCD1}">
+                <a14:hiddenFill xmlns:a14="http://schemas.microsoft.com/office/drawing/2010/main">
+                  <a:solidFill>
+                    <a:schemeClr val="accent1"/>
+                  </a:solidFill>
+                </a14:hiddenFill>
+              </a:ext>
+              <a:ext uri="{91240B29-F687-4F45-9708-019B960494DF}">
+                <a14:hiddenLine xmlns:a14="http://schemas.microsoft.com/office/drawing/2010/main" w="9525">
+                  <a:solidFill>
+                    <a:schemeClr val="tx1"/>
+                  </a:solidFill>
+                  <a:miter lim="800000"/>
+                  <a:headEnd/>
+                  <a:tailEnd/>
+                </a14:hiddenLine>
+              </a:ext>
+              <a:ext uri="{AF507438-7753-43E0-B8FC-AC1667EBCBE1}">
+                <a14:hiddenEffects xmlns:a14="http://schemas.microsoft.com/office/drawing/2010/main">
+                  <a:effectLst>
+                    <a:outerShdw dist="35921" dir="2700000" algn="ctr" rotWithShape="0">
+                      <a:schemeClr val="bg2"/>
+                    </a:outerShdw>
+                  </a:effectLst>
+                </a14:hiddenEffects>
+              </a:ext>
+            </a:extLst>
+          </p:spPr>
+        </p:pic>
+        <p:grpSp>
+          <p:nvGrpSpPr>
+            <p:cNvPr id="47" name="Gruppo 46"/>
+            <p:cNvGrpSpPr/>
+            <p:nvPr/>
+          </p:nvGrpSpPr>
+          <p:grpSpPr>
+            <a:xfrm>
+              <a:off x="6575953" y="4929730"/>
+              <a:ext cx="499861" cy="969704"/>
+              <a:chOff x="2195736" y="4005064"/>
+              <a:chExt cx="648000" cy="1249791"/>
+            </a:xfrm>
+          </p:grpSpPr>
+          <p:sp>
+            <p:nvSpPr>
+              <p:cNvPr id="48" name="Cuore 44"/>
+              <p:cNvSpPr/>
+              <p:nvPr/>
+            </p:nvSpPr>
+            <p:spPr>
+              <a:xfrm>
+                <a:off x="2195736" y="4005064"/>
+                <a:ext cx="648000" cy="1249791"/>
+              </a:xfrm>
+              <a:custGeom>
+                <a:avLst/>
+                <a:gdLst>
+                  <a:gd name="connsiteX0" fmla="*/ 828092 w 1656184"/>
+                  <a:gd name="connsiteY0" fmla="*/ 432048 h 1728192"/>
+                  <a:gd name="connsiteX1" fmla="*/ 828092 w 1656184"/>
+                  <a:gd name="connsiteY1" fmla="*/ 1728192 h 1728192"/>
+                  <a:gd name="connsiteX2" fmla="*/ 828092 w 1656184"/>
+                  <a:gd name="connsiteY2" fmla="*/ 432048 h 1728192"/>
+                  <a:gd name="connsiteX0" fmla="*/ 827477 w 1668278"/>
+                  <a:gd name="connsiteY0" fmla="*/ 533452 h 1329082"/>
+                  <a:gd name="connsiteX1" fmla="*/ 837102 w 1668278"/>
+                  <a:gd name="connsiteY1" fmla="*/ 1329082 h 1329082"/>
+                  <a:gd name="connsiteX2" fmla="*/ 827477 w 1668278"/>
+                  <a:gd name="connsiteY2" fmla="*/ 533452 h 1329082"/>
+                  <a:gd name="connsiteX0" fmla="*/ 834130 w 1668259"/>
+                  <a:gd name="connsiteY0" fmla="*/ 420315 h 1668332"/>
+                  <a:gd name="connsiteX1" fmla="*/ 834130 w 1668259"/>
+                  <a:gd name="connsiteY1" fmla="*/ 1668332 h 1668332"/>
+                  <a:gd name="connsiteX2" fmla="*/ 834130 w 1668259"/>
+                  <a:gd name="connsiteY2" fmla="*/ 420315 h 1668332"/>
+                  <a:gd name="connsiteX0" fmla="*/ 834130 w 1589513"/>
+                  <a:gd name="connsiteY0" fmla="*/ 420315 h 1668332"/>
+                  <a:gd name="connsiteX1" fmla="*/ 834130 w 1589513"/>
+                  <a:gd name="connsiteY1" fmla="*/ 1668332 h 1668332"/>
+                  <a:gd name="connsiteX2" fmla="*/ 834130 w 1589513"/>
+                  <a:gd name="connsiteY2" fmla="*/ 420315 h 1668332"/>
+                  <a:gd name="connsiteX0" fmla="*/ 748958 w 1504341"/>
+                  <a:gd name="connsiteY0" fmla="*/ 1774 h 1249791"/>
+                  <a:gd name="connsiteX1" fmla="*/ 748958 w 1504341"/>
+                  <a:gd name="connsiteY1" fmla="*/ 1249791 h 1249791"/>
+                  <a:gd name="connsiteX2" fmla="*/ 748958 w 1504341"/>
+                  <a:gd name="connsiteY2" fmla="*/ 1774 h 1249791"/>
+                </a:gdLst>
+                <a:ahLst/>
+                <a:cxnLst>
+                  <a:cxn ang="0">
+                    <a:pos x="connsiteX0" y="connsiteY0"/>
+                  </a:cxn>
+                  <a:cxn ang="0">
+                    <a:pos x="connsiteX1" y="connsiteY1"/>
+                  </a:cxn>
+                  <a:cxn ang="0">
+                    <a:pos x="connsiteX2" y="connsiteY2"/>
+                  </a:cxn>
+                </a:cxnLst>
+                <a:rect l="l" t="t" r="r" b="b"/>
+                <a:pathLst>
+                  <a:path w="1504341" h="1249791">
+                    <a:moveTo>
+                      <a:pt x="748958" y="1774"/>
+                    </a:moveTo>
+                    <a:cubicBezTo>
+                      <a:pt x="766737" y="4315"/>
+                      <a:pt x="2439646" y="-46353"/>
+                      <a:pt x="748958" y="1249791"/>
+                    </a:cubicBezTo>
+                    <a:cubicBezTo>
+                      <a:pt x="-941730" y="-46353"/>
+                      <a:pt x="760054" y="-5311"/>
+                      <a:pt x="748958" y="1774"/>
+                    </a:cubicBezTo>
+                    <a:close/>
+                  </a:path>
+                </a:pathLst>
+              </a:custGeom>
+              <a:solidFill>
+                <a:srgbClr val="00ACED"/>
+              </a:solidFill>
+              <a:ln>
+                <a:noFill/>
+              </a:ln>
+              <a:effectLst>
+                <a:outerShdw blurRad="50800" dist="38100" dir="2700000" algn="tl" rotWithShape="0">
+                  <a:prstClr val="black">
+                    <a:alpha val="40000"/>
+                  </a:prstClr>
+                </a:outerShdw>
+              </a:effectLst>
+            </p:spPr>
+            <p:style>
+              <a:lnRef idx="2">
+                <a:schemeClr val="accent1">
+                  <a:shade val="50000"/>
+                </a:schemeClr>
+              </a:lnRef>
+              <a:fillRef idx="1">
+                <a:schemeClr val="accent1"/>
+              </a:fillRef>
+              <a:effectRef idx="0">
+                <a:schemeClr val="accent1"/>
+              </a:effectRef>
+              <a:fontRef idx="minor">
+                <a:schemeClr val="lt1"/>
+              </a:fontRef>
+            </p:style>
+            <p:txBody>
+              <a:bodyPr rtlCol="0" anchor="ctr"/>
+              <a:lstStyle/>
+              <a:p>
+                <a:pPr algn="ctr"/>
+                <a:endParaRPr lang="it-IT"/>
+              </a:p>
+            </p:txBody>
+          </p:sp>
+          <p:sp>
+            <p:nvSpPr>
+              <p:cNvPr id="49" name="Ovale 48"/>
+              <p:cNvSpPr/>
+              <p:nvPr/>
+            </p:nvSpPr>
+            <p:spPr>
+              <a:xfrm>
+                <a:off x="2382949" y="4281918"/>
+                <a:ext cx="245913" cy="245913"/>
+              </a:xfrm>
+              <a:prstGeom prst="ellipse">
+                <a:avLst/>
+              </a:prstGeom>
+              <a:solidFill>
+                <a:schemeClr val="bg1"/>
+              </a:solidFill>
+              <a:ln>
+                <a:noFill/>
+              </a:ln>
+            </p:spPr>
+            <p:style>
+              <a:lnRef idx="2">
+                <a:schemeClr val="accent1">
+                  <a:shade val="50000"/>
+                </a:schemeClr>
+              </a:lnRef>
+              <a:fillRef idx="1">
+                <a:schemeClr val="accent1"/>
+              </a:fillRef>
+              <a:effectRef idx="0">
+                <a:schemeClr val="accent1"/>
+              </a:effectRef>
+              <a:fontRef idx="minor">
+                <a:schemeClr val="lt1"/>
+              </a:fontRef>
+            </p:style>
+            <p:txBody>
+              <a:bodyPr rtlCol="0" anchor="ctr"/>
+              <a:lstStyle/>
+              <a:p>
+                <a:pPr algn="ctr"/>
+                <a:endParaRPr lang="it-IT"/>
+              </a:p>
+            </p:txBody>
+          </p:sp>
+          <p:sp>
+            <p:nvSpPr>
+              <p:cNvPr id="50" name="Figura a mano libera 49"/>
+              <p:cNvSpPr/>
+              <p:nvPr/>
+            </p:nvSpPr>
+            <p:spPr>
+              <a:xfrm>
+                <a:off x="2246706" y="4523511"/>
+                <a:ext cx="535537" cy="144001"/>
+              </a:xfrm>
+              <a:custGeom>
+                <a:avLst/>
+                <a:gdLst>
+                  <a:gd name="connsiteX0" fmla="*/ 0 w 1549668"/>
+                  <a:gd name="connsiteY0" fmla="*/ 722824 h 761325"/>
+                  <a:gd name="connsiteX1" fmla="*/ 481264 w 1549668"/>
+                  <a:gd name="connsiteY1" fmla="*/ 116432 h 761325"/>
+                  <a:gd name="connsiteX2" fmla="*/ 770021 w 1549668"/>
+                  <a:gd name="connsiteY2" fmla="*/ 929 h 761325"/>
+                  <a:gd name="connsiteX3" fmla="*/ 1010653 w 1549668"/>
+                  <a:gd name="connsiteY3" fmla="*/ 135683 h 761325"/>
+                  <a:gd name="connsiteX4" fmla="*/ 1549668 w 1549668"/>
+                  <a:gd name="connsiteY4" fmla="*/ 761325 h 761325"/>
+                </a:gdLst>
+                <a:ahLst/>
+                <a:cxnLst>
+                  <a:cxn ang="0">
+                    <a:pos x="connsiteX0" y="connsiteY0"/>
+                  </a:cxn>
+                  <a:cxn ang="0">
+                    <a:pos x="connsiteX1" y="connsiteY1"/>
+                  </a:cxn>
+                  <a:cxn ang="0">
+                    <a:pos x="connsiteX2" y="connsiteY2"/>
+                  </a:cxn>
+                  <a:cxn ang="0">
+                    <a:pos x="connsiteX3" y="connsiteY3"/>
+                  </a:cxn>
+                  <a:cxn ang="0">
+                    <a:pos x="connsiteX4" y="connsiteY4"/>
+                  </a:cxn>
+                </a:cxnLst>
+                <a:rect l="l" t="t" r="r" b="b"/>
+                <a:pathLst>
+                  <a:path w="1549668" h="761325">
+                    <a:moveTo>
+                      <a:pt x="0" y="722824"/>
+                    </a:moveTo>
+                    <a:cubicBezTo>
+                      <a:pt x="176463" y="479786"/>
+                      <a:pt x="352927" y="236748"/>
+                      <a:pt x="481264" y="116432"/>
+                    </a:cubicBezTo>
+                    <a:cubicBezTo>
+                      <a:pt x="609601" y="-3884"/>
+                      <a:pt x="681790" y="-2279"/>
+                      <a:pt x="770021" y="929"/>
+                    </a:cubicBezTo>
+                    <a:cubicBezTo>
+                      <a:pt x="858252" y="4137"/>
+                      <a:pt x="880712" y="8950"/>
+                      <a:pt x="1010653" y="135683"/>
+                    </a:cubicBezTo>
+                    <a:cubicBezTo>
+                      <a:pt x="1140594" y="262416"/>
+                      <a:pt x="1345131" y="511870"/>
+                      <a:pt x="1549668" y="761325"/>
+                    </a:cubicBezTo>
+                  </a:path>
+                </a:pathLst>
+              </a:custGeom>
+              <a:noFill/>
+              <a:ln w="57150">
+                <a:solidFill>
+                  <a:schemeClr val="bg1"/>
+                </a:solidFill>
+              </a:ln>
+            </p:spPr>
+            <p:style>
+              <a:lnRef idx="2">
+                <a:schemeClr val="accent1">
+                  <a:shade val="50000"/>
+                </a:schemeClr>
+              </a:lnRef>
+              <a:fillRef idx="1">
+                <a:schemeClr val="accent1"/>
+              </a:fillRef>
+              <a:effectRef idx="0">
+                <a:schemeClr val="accent1"/>
+              </a:effectRef>
+              <a:fontRef idx="minor">
+                <a:schemeClr val="lt1"/>
+              </a:fontRef>
+            </p:style>
+            <p:txBody>
+              <a:bodyPr rtlCol="0" anchor="ctr"/>
+              <a:lstStyle/>
+              <a:p>
+                <a:pPr algn="ctr"/>
+                <a:endParaRPr lang="it-IT"/>
+              </a:p>
+            </p:txBody>
+          </p:sp>
+          <p:sp>
+            <p:nvSpPr>
+              <p:cNvPr id="51" name="Cuore 44"/>
+              <p:cNvSpPr/>
+              <p:nvPr/>
+            </p:nvSpPr>
+            <p:spPr>
+              <a:xfrm>
+                <a:off x="2416169" y="4509119"/>
+                <a:ext cx="187703" cy="271992"/>
+              </a:xfrm>
+              <a:custGeom>
+                <a:avLst/>
+                <a:gdLst>
+                  <a:gd name="connsiteX0" fmla="*/ 828092 w 1656184"/>
+                  <a:gd name="connsiteY0" fmla="*/ 432048 h 1728192"/>
+                  <a:gd name="connsiteX1" fmla="*/ 828092 w 1656184"/>
+                  <a:gd name="connsiteY1" fmla="*/ 1728192 h 1728192"/>
+                  <a:gd name="connsiteX2" fmla="*/ 828092 w 1656184"/>
+                  <a:gd name="connsiteY2" fmla="*/ 432048 h 1728192"/>
+                  <a:gd name="connsiteX0" fmla="*/ 827477 w 1668278"/>
+                  <a:gd name="connsiteY0" fmla="*/ 533452 h 1329082"/>
+                  <a:gd name="connsiteX1" fmla="*/ 837102 w 1668278"/>
+                  <a:gd name="connsiteY1" fmla="*/ 1329082 h 1329082"/>
+                  <a:gd name="connsiteX2" fmla="*/ 827477 w 1668278"/>
+                  <a:gd name="connsiteY2" fmla="*/ 533452 h 1329082"/>
+                  <a:gd name="connsiteX0" fmla="*/ 834130 w 1668259"/>
+                  <a:gd name="connsiteY0" fmla="*/ 420315 h 1668332"/>
+                  <a:gd name="connsiteX1" fmla="*/ 834130 w 1668259"/>
+                  <a:gd name="connsiteY1" fmla="*/ 1668332 h 1668332"/>
+                  <a:gd name="connsiteX2" fmla="*/ 834130 w 1668259"/>
+                  <a:gd name="connsiteY2" fmla="*/ 420315 h 1668332"/>
+                  <a:gd name="connsiteX0" fmla="*/ 834130 w 1589513"/>
+                  <a:gd name="connsiteY0" fmla="*/ 420315 h 1668332"/>
+                  <a:gd name="connsiteX1" fmla="*/ 834130 w 1589513"/>
+                  <a:gd name="connsiteY1" fmla="*/ 1668332 h 1668332"/>
+                  <a:gd name="connsiteX2" fmla="*/ 834130 w 1589513"/>
+                  <a:gd name="connsiteY2" fmla="*/ 420315 h 1668332"/>
+                  <a:gd name="connsiteX0" fmla="*/ 748958 w 1504341"/>
+                  <a:gd name="connsiteY0" fmla="*/ 1774 h 1249791"/>
+                  <a:gd name="connsiteX1" fmla="*/ 748958 w 1504341"/>
+                  <a:gd name="connsiteY1" fmla="*/ 1249791 h 1249791"/>
+                  <a:gd name="connsiteX2" fmla="*/ 748958 w 1504341"/>
+                  <a:gd name="connsiteY2" fmla="*/ 1774 h 1249791"/>
+                </a:gdLst>
+                <a:ahLst/>
+                <a:cxnLst>
+                  <a:cxn ang="0">
+                    <a:pos x="connsiteX0" y="connsiteY0"/>
+                  </a:cxn>
+                  <a:cxn ang="0">
+                    <a:pos x="connsiteX1" y="connsiteY1"/>
+                  </a:cxn>
+                  <a:cxn ang="0">
+                    <a:pos x="connsiteX2" y="connsiteY2"/>
+                  </a:cxn>
+                </a:cxnLst>
+                <a:rect l="l" t="t" r="r" b="b"/>
+                <a:pathLst>
+                  <a:path w="1504341" h="1249791">
+                    <a:moveTo>
+                      <a:pt x="748958" y="1774"/>
+                    </a:moveTo>
+                    <a:cubicBezTo>
+                      <a:pt x="766737" y="4315"/>
+                      <a:pt x="2439646" y="-46353"/>
+                      <a:pt x="748958" y="1249791"/>
+                    </a:cubicBezTo>
+                    <a:cubicBezTo>
+                      <a:pt x="-941730" y="-46353"/>
+                      <a:pt x="760054" y="-5311"/>
+                      <a:pt x="748958" y="1774"/>
+                    </a:cubicBezTo>
+                    <a:close/>
+                  </a:path>
+                </a:pathLst>
+              </a:custGeom>
+              <a:solidFill>
+                <a:schemeClr val="bg1"/>
+              </a:solidFill>
+              <a:ln>
+                <a:noFill/>
+              </a:ln>
+            </p:spPr>
+            <p:style>
+              <a:lnRef idx="2">
+                <a:schemeClr val="accent1">
+                  <a:shade val="50000"/>
+                </a:schemeClr>
+              </a:lnRef>
+              <a:fillRef idx="1">
+                <a:schemeClr val="accent1"/>
+              </a:fillRef>
+              <a:effectRef idx="0">
+                <a:schemeClr val="accent1"/>
+              </a:effectRef>
+              <a:fontRef idx="minor">
+                <a:schemeClr val="lt1"/>
+              </a:fontRef>
+            </p:style>
+            <p:txBody>
+              <a:bodyPr rtlCol="0" anchor="ctr"/>
+              <a:lstStyle/>
+              <a:p>
+                <a:pPr algn="ctr"/>
+                <a:endParaRPr lang="it-IT"/>
+              </a:p>
+            </p:txBody>
+          </p:sp>
+        </p:grpSp>
+        <p:grpSp>
+          <p:nvGrpSpPr>
+            <p:cNvPr id="52" name="Gruppo 51"/>
+            <p:cNvGrpSpPr/>
+            <p:nvPr/>
+          </p:nvGrpSpPr>
+          <p:grpSpPr>
+            <a:xfrm>
+              <a:off x="7284996" y="4152958"/>
+              <a:ext cx="499861" cy="969704"/>
+              <a:chOff x="2195736" y="4005064"/>
+              <a:chExt cx="648000" cy="1249791"/>
+            </a:xfrm>
+          </p:grpSpPr>
+          <p:sp>
+            <p:nvSpPr>
+              <p:cNvPr id="53" name="Cuore 44"/>
+              <p:cNvSpPr/>
+              <p:nvPr/>
+            </p:nvSpPr>
+            <p:spPr>
+              <a:xfrm>
+                <a:off x="2195736" y="4005064"/>
+                <a:ext cx="648000" cy="1249791"/>
+              </a:xfrm>
+              <a:custGeom>
+                <a:avLst/>
+                <a:gdLst>
+                  <a:gd name="connsiteX0" fmla="*/ 828092 w 1656184"/>
+                  <a:gd name="connsiteY0" fmla="*/ 432048 h 1728192"/>
+                  <a:gd name="connsiteX1" fmla="*/ 828092 w 1656184"/>
+                  <a:gd name="connsiteY1" fmla="*/ 1728192 h 1728192"/>
+                  <a:gd name="connsiteX2" fmla="*/ 828092 w 1656184"/>
+                  <a:gd name="connsiteY2" fmla="*/ 432048 h 1728192"/>
+                  <a:gd name="connsiteX0" fmla="*/ 827477 w 1668278"/>
+                  <a:gd name="connsiteY0" fmla="*/ 533452 h 1329082"/>
+                  <a:gd name="connsiteX1" fmla="*/ 837102 w 1668278"/>
+                  <a:gd name="connsiteY1" fmla="*/ 1329082 h 1329082"/>
+                  <a:gd name="connsiteX2" fmla="*/ 827477 w 1668278"/>
+                  <a:gd name="connsiteY2" fmla="*/ 533452 h 1329082"/>
+                  <a:gd name="connsiteX0" fmla="*/ 834130 w 1668259"/>
+                  <a:gd name="connsiteY0" fmla="*/ 420315 h 1668332"/>
+                  <a:gd name="connsiteX1" fmla="*/ 834130 w 1668259"/>
+                  <a:gd name="connsiteY1" fmla="*/ 1668332 h 1668332"/>
+                  <a:gd name="connsiteX2" fmla="*/ 834130 w 1668259"/>
+                  <a:gd name="connsiteY2" fmla="*/ 420315 h 1668332"/>
+                  <a:gd name="connsiteX0" fmla="*/ 834130 w 1589513"/>
+                  <a:gd name="connsiteY0" fmla="*/ 420315 h 1668332"/>
+                  <a:gd name="connsiteX1" fmla="*/ 834130 w 1589513"/>
+                  <a:gd name="connsiteY1" fmla="*/ 1668332 h 1668332"/>
+                  <a:gd name="connsiteX2" fmla="*/ 834130 w 1589513"/>
+                  <a:gd name="connsiteY2" fmla="*/ 420315 h 1668332"/>
+                  <a:gd name="connsiteX0" fmla="*/ 748958 w 1504341"/>
+                  <a:gd name="connsiteY0" fmla="*/ 1774 h 1249791"/>
+                  <a:gd name="connsiteX1" fmla="*/ 748958 w 1504341"/>
+                  <a:gd name="connsiteY1" fmla="*/ 1249791 h 1249791"/>
+                  <a:gd name="connsiteX2" fmla="*/ 748958 w 1504341"/>
+                  <a:gd name="connsiteY2" fmla="*/ 1774 h 1249791"/>
+                </a:gdLst>
+                <a:ahLst/>
+                <a:cxnLst>
+                  <a:cxn ang="0">
+                    <a:pos x="connsiteX0" y="connsiteY0"/>
+                  </a:cxn>
+                  <a:cxn ang="0">
+                    <a:pos x="connsiteX1" y="connsiteY1"/>
+                  </a:cxn>
+                  <a:cxn ang="0">
+                    <a:pos x="connsiteX2" y="connsiteY2"/>
+                  </a:cxn>
+                </a:cxnLst>
+                <a:rect l="l" t="t" r="r" b="b"/>
+                <a:pathLst>
+                  <a:path w="1504341" h="1249791">
+                    <a:moveTo>
+                      <a:pt x="748958" y="1774"/>
+                    </a:moveTo>
+                    <a:cubicBezTo>
+                      <a:pt x="766737" y="4315"/>
+                      <a:pt x="2439646" y="-46353"/>
+                      <a:pt x="748958" y="1249791"/>
+                    </a:cubicBezTo>
+                    <a:cubicBezTo>
+                      <a:pt x="-941730" y="-46353"/>
+                      <a:pt x="760054" y="-5311"/>
+                      <a:pt x="748958" y="1774"/>
+                    </a:cubicBezTo>
+                    <a:close/>
+                  </a:path>
+                </a:pathLst>
+              </a:custGeom>
+              <a:solidFill>
+                <a:srgbClr val="D34836"/>
+              </a:solidFill>
+              <a:ln>
+                <a:noFill/>
+              </a:ln>
+              <a:effectLst>
+                <a:outerShdw blurRad="50800" dist="38100" dir="2700000" algn="tl" rotWithShape="0">
+                  <a:prstClr val="black">
+                    <a:alpha val="40000"/>
+                  </a:prstClr>
+                </a:outerShdw>
+              </a:effectLst>
+            </p:spPr>
+            <p:style>
+              <a:lnRef idx="2">
+                <a:schemeClr val="accent1">
+                  <a:shade val="50000"/>
+                </a:schemeClr>
+              </a:lnRef>
+              <a:fillRef idx="1">
+                <a:schemeClr val="accent1"/>
+              </a:fillRef>
+              <a:effectRef idx="0">
+                <a:schemeClr val="accent1"/>
+              </a:effectRef>
+              <a:fontRef idx="minor">
+                <a:schemeClr val="lt1"/>
+              </a:fontRef>
+            </p:style>
+            <p:txBody>
+              <a:bodyPr rtlCol="0" anchor="ctr"/>
+              <a:lstStyle/>
+              <a:p>
+                <a:pPr algn="ctr"/>
+                <a:endParaRPr lang="it-IT"/>
+              </a:p>
+            </p:txBody>
+          </p:sp>
+          <p:sp>
+            <p:nvSpPr>
+              <p:cNvPr id="54" name="Ovale 53"/>
+              <p:cNvSpPr/>
+              <p:nvPr/>
+            </p:nvSpPr>
+            <p:spPr>
+              <a:xfrm>
+                <a:off x="2387065" y="4281918"/>
+                <a:ext cx="245913" cy="245913"/>
+              </a:xfrm>
+              <a:prstGeom prst="ellipse">
+                <a:avLst/>
+              </a:prstGeom>
+              <a:solidFill>
+                <a:schemeClr val="bg1"/>
+              </a:solidFill>
+              <a:ln>
+                <a:noFill/>
+              </a:ln>
+            </p:spPr>
+            <p:style>
+              <a:lnRef idx="2">
+                <a:schemeClr val="accent1">
+                  <a:shade val="50000"/>
+                </a:schemeClr>
+              </a:lnRef>
+              <a:fillRef idx="1">
+                <a:schemeClr val="accent1"/>
+              </a:fillRef>
+              <a:effectRef idx="0">
+                <a:schemeClr val="accent1"/>
+              </a:effectRef>
+              <a:fontRef idx="minor">
+                <a:schemeClr val="lt1"/>
+              </a:fontRef>
+            </p:style>
+            <p:txBody>
+              <a:bodyPr rtlCol="0" anchor="ctr"/>
+              <a:lstStyle/>
+              <a:p>
+                <a:pPr algn="ctr"/>
+                <a:endParaRPr lang="it-IT"/>
+              </a:p>
+            </p:txBody>
+          </p:sp>
+          <p:sp>
+            <p:nvSpPr>
+              <p:cNvPr id="55" name="Figura a mano libera 54"/>
+              <p:cNvSpPr/>
+              <p:nvPr/>
+            </p:nvSpPr>
+            <p:spPr>
+              <a:xfrm>
+                <a:off x="2242590" y="4523511"/>
+                <a:ext cx="535537" cy="144001"/>
+              </a:xfrm>
+              <a:custGeom>
+                <a:avLst/>
+                <a:gdLst>
+                  <a:gd name="connsiteX0" fmla="*/ 0 w 1549668"/>
+                  <a:gd name="connsiteY0" fmla="*/ 722824 h 761325"/>
+                  <a:gd name="connsiteX1" fmla="*/ 481264 w 1549668"/>
+                  <a:gd name="connsiteY1" fmla="*/ 116432 h 761325"/>
+                  <a:gd name="connsiteX2" fmla="*/ 770021 w 1549668"/>
+                  <a:gd name="connsiteY2" fmla="*/ 929 h 761325"/>
+                  <a:gd name="connsiteX3" fmla="*/ 1010653 w 1549668"/>
+                  <a:gd name="connsiteY3" fmla="*/ 135683 h 761325"/>
+                  <a:gd name="connsiteX4" fmla="*/ 1549668 w 1549668"/>
+                  <a:gd name="connsiteY4" fmla="*/ 761325 h 761325"/>
+                </a:gdLst>
+                <a:ahLst/>
+                <a:cxnLst>
+                  <a:cxn ang="0">
+                    <a:pos x="connsiteX0" y="connsiteY0"/>
+                  </a:cxn>
+                  <a:cxn ang="0">
+                    <a:pos x="connsiteX1" y="connsiteY1"/>
+                  </a:cxn>
+                  <a:cxn ang="0">
+                    <a:pos x="connsiteX2" y="connsiteY2"/>
+                  </a:cxn>
+                  <a:cxn ang="0">
+                    <a:pos x="connsiteX3" y="connsiteY3"/>
+                  </a:cxn>
+                  <a:cxn ang="0">
+                    <a:pos x="connsiteX4" y="connsiteY4"/>
+                  </a:cxn>
+                </a:cxnLst>
+                <a:rect l="l" t="t" r="r" b="b"/>
+                <a:pathLst>
+                  <a:path w="1549668" h="761325">
+                    <a:moveTo>
+                      <a:pt x="0" y="722824"/>
+                    </a:moveTo>
+                    <a:cubicBezTo>
+                      <a:pt x="176463" y="479786"/>
+                      <a:pt x="352927" y="236748"/>
+                      <a:pt x="481264" y="116432"/>
+                    </a:cubicBezTo>
+                    <a:cubicBezTo>
+                      <a:pt x="609601" y="-3884"/>
+                      <a:pt x="681790" y="-2279"/>
+                      <a:pt x="770021" y="929"/>
+                    </a:cubicBezTo>
+                    <a:cubicBezTo>
+                      <a:pt x="858252" y="4137"/>
+                      <a:pt x="880712" y="8950"/>
+                      <a:pt x="1010653" y="135683"/>
+                    </a:cubicBezTo>
+                    <a:cubicBezTo>
+                      <a:pt x="1140594" y="262416"/>
+                      <a:pt x="1345131" y="511870"/>
+                      <a:pt x="1549668" y="761325"/>
+                    </a:cubicBezTo>
+                  </a:path>
+                </a:pathLst>
+              </a:custGeom>
+              <a:noFill/>
+              <a:ln w="57150">
+                <a:solidFill>
+                  <a:schemeClr val="bg1"/>
+                </a:solidFill>
+              </a:ln>
+            </p:spPr>
+            <p:style>
+              <a:lnRef idx="2">
+                <a:schemeClr val="accent1">
+                  <a:shade val="50000"/>
+                </a:schemeClr>
+              </a:lnRef>
+              <a:fillRef idx="1">
+                <a:schemeClr val="accent1"/>
+              </a:fillRef>
+              <a:effectRef idx="0">
+                <a:schemeClr val="accent1"/>
+              </a:effectRef>
+              <a:fontRef idx="minor">
+                <a:schemeClr val="lt1"/>
+              </a:fontRef>
+            </p:style>
+            <p:txBody>
+              <a:bodyPr rtlCol="0" anchor="ctr"/>
+              <a:lstStyle/>
+              <a:p>
+                <a:pPr algn="ctr"/>
+                <a:endParaRPr lang="it-IT"/>
+              </a:p>
+            </p:txBody>
+          </p:sp>
+          <p:sp>
+            <p:nvSpPr>
+              <p:cNvPr id="56" name="Cuore 44"/>
+              <p:cNvSpPr/>
+              <p:nvPr/>
+            </p:nvSpPr>
+            <p:spPr>
+              <a:xfrm>
+                <a:off x="2416169" y="4509119"/>
+                <a:ext cx="187703" cy="271992"/>
+              </a:xfrm>
+              <a:custGeom>
+                <a:avLst/>
+                <a:gdLst>
+                  <a:gd name="connsiteX0" fmla="*/ 828092 w 1656184"/>
+                  <a:gd name="connsiteY0" fmla="*/ 432048 h 1728192"/>
+                  <a:gd name="connsiteX1" fmla="*/ 828092 w 1656184"/>
+                  <a:gd name="connsiteY1" fmla="*/ 1728192 h 1728192"/>
+                  <a:gd name="connsiteX2" fmla="*/ 828092 w 1656184"/>
+                  <a:gd name="connsiteY2" fmla="*/ 432048 h 1728192"/>
+                  <a:gd name="connsiteX0" fmla="*/ 827477 w 1668278"/>
+                  <a:gd name="connsiteY0" fmla="*/ 533452 h 1329082"/>
+                  <a:gd name="connsiteX1" fmla="*/ 837102 w 1668278"/>
+                  <a:gd name="connsiteY1" fmla="*/ 1329082 h 1329082"/>
+                  <a:gd name="connsiteX2" fmla="*/ 827477 w 1668278"/>
+                  <a:gd name="connsiteY2" fmla="*/ 533452 h 1329082"/>
+                  <a:gd name="connsiteX0" fmla="*/ 834130 w 1668259"/>
+                  <a:gd name="connsiteY0" fmla="*/ 420315 h 1668332"/>
+                  <a:gd name="connsiteX1" fmla="*/ 834130 w 1668259"/>
+                  <a:gd name="connsiteY1" fmla="*/ 1668332 h 1668332"/>
+                  <a:gd name="connsiteX2" fmla="*/ 834130 w 1668259"/>
+                  <a:gd name="connsiteY2" fmla="*/ 420315 h 1668332"/>
+                  <a:gd name="connsiteX0" fmla="*/ 834130 w 1589513"/>
+                  <a:gd name="connsiteY0" fmla="*/ 420315 h 1668332"/>
+                  <a:gd name="connsiteX1" fmla="*/ 834130 w 1589513"/>
+                  <a:gd name="connsiteY1" fmla="*/ 1668332 h 1668332"/>
+                  <a:gd name="connsiteX2" fmla="*/ 834130 w 1589513"/>
+                  <a:gd name="connsiteY2" fmla="*/ 420315 h 1668332"/>
+                  <a:gd name="connsiteX0" fmla="*/ 748958 w 1504341"/>
+                  <a:gd name="connsiteY0" fmla="*/ 1774 h 1249791"/>
+                  <a:gd name="connsiteX1" fmla="*/ 748958 w 1504341"/>
+                  <a:gd name="connsiteY1" fmla="*/ 1249791 h 1249791"/>
+                  <a:gd name="connsiteX2" fmla="*/ 748958 w 1504341"/>
+                  <a:gd name="connsiteY2" fmla="*/ 1774 h 1249791"/>
+                </a:gdLst>
+                <a:ahLst/>
+                <a:cxnLst>
+                  <a:cxn ang="0">
+                    <a:pos x="connsiteX0" y="connsiteY0"/>
+                  </a:cxn>
+                  <a:cxn ang="0">
+                    <a:pos x="connsiteX1" y="connsiteY1"/>
+                  </a:cxn>
+                  <a:cxn ang="0">
+                    <a:pos x="connsiteX2" y="connsiteY2"/>
+                  </a:cxn>
+                </a:cxnLst>
+                <a:rect l="l" t="t" r="r" b="b"/>
+                <a:pathLst>
+                  <a:path w="1504341" h="1249791">
+                    <a:moveTo>
+                      <a:pt x="748958" y="1774"/>
+                    </a:moveTo>
+                    <a:cubicBezTo>
+                      <a:pt x="766737" y="4315"/>
+                      <a:pt x="2439646" y="-46353"/>
+                      <a:pt x="748958" y="1249791"/>
+                    </a:cubicBezTo>
+                    <a:cubicBezTo>
+                      <a:pt x="-941730" y="-46353"/>
+                      <a:pt x="760054" y="-5311"/>
+                      <a:pt x="748958" y="1774"/>
+                    </a:cubicBezTo>
+                    <a:close/>
+                  </a:path>
+                </a:pathLst>
+              </a:custGeom>
+              <a:solidFill>
+                <a:schemeClr val="bg1"/>
+              </a:solidFill>
+              <a:ln>
+                <a:noFill/>
+              </a:ln>
+            </p:spPr>
+            <p:style>
+              <a:lnRef idx="2">
+                <a:schemeClr val="accent1">
+                  <a:shade val="50000"/>
+                </a:schemeClr>
+              </a:lnRef>
+              <a:fillRef idx="1">
+                <a:schemeClr val="accent1"/>
+              </a:fillRef>
+              <a:effectRef idx="0">
+                <a:schemeClr val="accent1"/>
+              </a:effectRef>
+              <a:fontRef idx="minor">
+                <a:schemeClr val="lt1"/>
+              </a:fontRef>
+            </p:style>
+            <p:txBody>
+              <a:bodyPr rtlCol="0" anchor="ctr"/>
+              <a:lstStyle/>
+              <a:p>
+                <a:pPr algn="ctr"/>
+                <a:endParaRPr lang="it-IT"/>
+              </a:p>
+            </p:txBody>
+          </p:sp>
+        </p:grpSp>
+        <p:grpSp>
+          <p:nvGrpSpPr>
+            <p:cNvPr id="57" name="Gruppo 56"/>
+            <p:cNvGrpSpPr/>
+            <p:nvPr/>
+          </p:nvGrpSpPr>
+          <p:grpSpPr>
+            <a:xfrm>
+              <a:off x="8268086" y="4535912"/>
+              <a:ext cx="499862" cy="969704"/>
+              <a:chOff x="2195736" y="4005064"/>
+              <a:chExt cx="648000" cy="1249791"/>
+            </a:xfrm>
+          </p:grpSpPr>
+          <p:sp>
+            <p:nvSpPr>
+              <p:cNvPr id="58" name="Cuore 44"/>
+              <p:cNvSpPr/>
+              <p:nvPr/>
+            </p:nvSpPr>
+            <p:spPr>
+              <a:xfrm>
+                <a:off x="2195736" y="4005064"/>
+                <a:ext cx="648000" cy="1249791"/>
+              </a:xfrm>
+              <a:custGeom>
+                <a:avLst/>
+                <a:gdLst>
+                  <a:gd name="connsiteX0" fmla="*/ 828092 w 1656184"/>
+                  <a:gd name="connsiteY0" fmla="*/ 432048 h 1728192"/>
+                  <a:gd name="connsiteX1" fmla="*/ 828092 w 1656184"/>
+                  <a:gd name="connsiteY1" fmla="*/ 1728192 h 1728192"/>
+                  <a:gd name="connsiteX2" fmla="*/ 828092 w 1656184"/>
+                  <a:gd name="connsiteY2" fmla="*/ 432048 h 1728192"/>
+                  <a:gd name="connsiteX0" fmla="*/ 827477 w 1668278"/>
+                  <a:gd name="connsiteY0" fmla="*/ 533452 h 1329082"/>
+                  <a:gd name="connsiteX1" fmla="*/ 837102 w 1668278"/>
+                  <a:gd name="connsiteY1" fmla="*/ 1329082 h 1329082"/>
+                  <a:gd name="connsiteX2" fmla="*/ 827477 w 1668278"/>
+                  <a:gd name="connsiteY2" fmla="*/ 533452 h 1329082"/>
+                  <a:gd name="connsiteX0" fmla="*/ 834130 w 1668259"/>
+                  <a:gd name="connsiteY0" fmla="*/ 420315 h 1668332"/>
+                  <a:gd name="connsiteX1" fmla="*/ 834130 w 1668259"/>
+                  <a:gd name="connsiteY1" fmla="*/ 1668332 h 1668332"/>
+                  <a:gd name="connsiteX2" fmla="*/ 834130 w 1668259"/>
+                  <a:gd name="connsiteY2" fmla="*/ 420315 h 1668332"/>
+                  <a:gd name="connsiteX0" fmla="*/ 834130 w 1589513"/>
+                  <a:gd name="connsiteY0" fmla="*/ 420315 h 1668332"/>
+                  <a:gd name="connsiteX1" fmla="*/ 834130 w 1589513"/>
+                  <a:gd name="connsiteY1" fmla="*/ 1668332 h 1668332"/>
+                  <a:gd name="connsiteX2" fmla="*/ 834130 w 1589513"/>
+                  <a:gd name="connsiteY2" fmla="*/ 420315 h 1668332"/>
+                  <a:gd name="connsiteX0" fmla="*/ 748958 w 1504341"/>
+                  <a:gd name="connsiteY0" fmla="*/ 1774 h 1249791"/>
+                  <a:gd name="connsiteX1" fmla="*/ 748958 w 1504341"/>
+                  <a:gd name="connsiteY1" fmla="*/ 1249791 h 1249791"/>
+                  <a:gd name="connsiteX2" fmla="*/ 748958 w 1504341"/>
+                  <a:gd name="connsiteY2" fmla="*/ 1774 h 1249791"/>
+                </a:gdLst>
+                <a:ahLst/>
+                <a:cxnLst>
+                  <a:cxn ang="0">
+                    <a:pos x="connsiteX0" y="connsiteY0"/>
+                  </a:cxn>
+                  <a:cxn ang="0">
+                    <a:pos x="connsiteX1" y="connsiteY1"/>
+                  </a:cxn>
+                  <a:cxn ang="0">
+                    <a:pos x="connsiteX2" y="connsiteY2"/>
+                  </a:cxn>
+                </a:cxnLst>
+                <a:rect l="l" t="t" r="r" b="b"/>
+                <a:pathLst>
+                  <a:path w="1504341" h="1249791">
+                    <a:moveTo>
+                      <a:pt x="748958" y="1774"/>
+                    </a:moveTo>
+                    <a:cubicBezTo>
+                      <a:pt x="766737" y="4315"/>
+                      <a:pt x="2439646" y="-46353"/>
+                      <a:pt x="748958" y="1249791"/>
+                    </a:cubicBezTo>
+                    <a:cubicBezTo>
+                      <a:pt x="-941730" y="-46353"/>
+                      <a:pt x="760054" y="-5311"/>
+                      <a:pt x="748958" y="1774"/>
+                    </a:cubicBezTo>
+                    <a:close/>
+                  </a:path>
+                </a:pathLst>
+              </a:custGeom>
+              <a:solidFill>
+                <a:srgbClr val="3B5998"/>
+              </a:solidFill>
+              <a:ln>
+                <a:noFill/>
+              </a:ln>
+              <a:effectLst>
+                <a:outerShdw blurRad="50800" dist="38100" dir="2700000" algn="tl" rotWithShape="0">
+                  <a:prstClr val="black">
+                    <a:alpha val="40000"/>
+                  </a:prstClr>
+                </a:outerShdw>
+              </a:effectLst>
+            </p:spPr>
+            <p:style>
+              <a:lnRef idx="2">
+                <a:schemeClr val="accent1">
+                  <a:shade val="50000"/>
+                </a:schemeClr>
+              </a:lnRef>
+              <a:fillRef idx="1">
+                <a:schemeClr val="accent1"/>
+              </a:fillRef>
+              <a:effectRef idx="0">
+                <a:schemeClr val="accent1"/>
+              </a:effectRef>
+              <a:fontRef idx="minor">
+                <a:schemeClr val="lt1"/>
+              </a:fontRef>
+            </p:style>
+            <p:txBody>
+              <a:bodyPr rtlCol="0" anchor="ctr"/>
+              <a:lstStyle/>
+              <a:p>
+                <a:pPr algn="ctr"/>
+                <a:endParaRPr lang="it-IT"/>
+              </a:p>
+            </p:txBody>
+          </p:sp>
+          <p:sp>
+            <p:nvSpPr>
+              <p:cNvPr id="59" name="Ovale 58"/>
+              <p:cNvSpPr/>
+              <p:nvPr/>
+            </p:nvSpPr>
+            <p:spPr>
+              <a:xfrm>
+                <a:off x="2391180" y="4281918"/>
+                <a:ext cx="245913" cy="245913"/>
+              </a:xfrm>
+              <a:prstGeom prst="ellipse">
+                <a:avLst/>
+              </a:prstGeom>
+              <a:solidFill>
+                <a:schemeClr val="bg1"/>
+              </a:solidFill>
+              <a:ln>
+                <a:noFill/>
+              </a:ln>
+            </p:spPr>
+            <p:style>
+              <a:lnRef idx="2">
+                <a:schemeClr val="accent1">
+                  <a:shade val="50000"/>
+                </a:schemeClr>
+              </a:lnRef>
+              <a:fillRef idx="1">
+                <a:schemeClr val="accent1"/>
+              </a:fillRef>
+              <a:effectRef idx="0">
+                <a:schemeClr val="accent1"/>
+              </a:effectRef>
+              <a:fontRef idx="minor">
+                <a:schemeClr val="lt1"/>
+              </a:fontRef>
+            </p:style>
+            <p:txBody>
+              <a:bodyPr rtlCol="0" anchor="ctr"/>
+              <a:lstStyle/>
+              <a:p>
+                <a:pPr algn="ctr"/>
+                <a:endParaRPr lang="it-IT"/>
+              </a:p>
+            </p:txBody>
+          </p:sp>
+          <p:sp>
+            <p:nvSpPr>
+              <p:cNvPr id="60" name="Figura a mano libera 59"/>
+              <p:cNvSpPr/>
+              <p:nvPr/>
+            </p:nvSpPr>
+            <p:spPr>
+              <a:xfrm>
+                <a:off x="2264474" y="4523511"/>
+                <a:ext cx="513358" cy="144001"/>
+              </a:xfrm>
+              <a:custGeom>
+                <a:avLst/>
+                <a:gdLst>
+                  <a:gd name="connsiteX0" fmla="*/ 0 w 1549668"/>
+                  <a:gd name="connsiteY0" fmla="*/ 722824 h 761325"/>
+                  <a:gd name="connsiteX1" fmla="*/ 481264 w 1549668"/>
+                  <a:gd name="connsiteY1" fmla="*/ 116432 h 761325"/>
+                  <a:gd name="connsiteX2" fmla="*/ 770021 w 1549668"/>
+                  <a:gd name="connsiteY2" fmla="*/ 929 h 761325"/>
+                  <a:gd name="connsiteX3" fmla="*/ 1010653 w 1549668"/>
+                  <a:gd name="connsiteY3" fmla="*/ 135683 h 761325"/>
+                  <a:gd name="connsiteX4" fmla="*/ 1549668 w 1549668"/>
+                  <a:gd name="connsiteY4" fmla="*/ 761325 h 761325"/>
+                </a:gdLst>
+                <a:ahLst/>
+                <a:cxnLst>
+                  <a:cxn ang="0">
+                    <a:pos x="connsiteX0" y="connsiteY0"/>
+                  </a:cxn>
+                  <a:cxn ang="0">
+                    <a:pos x="connsiteX1" y="connsiteY1"/>
+                  </a:cxn>
+                  <a:cxn ang="0">
+                    <a:pos x="connsiteX2" y="connsiteY2"/>
+                  </a:cxn>
+                  <a:cxn ang="0">
+                    <a:pos x="connsiteX3" y="connsiteY3"/>
+                  </a:cxn>
+                  <a:cxn ang="0">
+                    <a:pos x="connsiteX4" y="connsiteY4"/>
+                  </a:cxn>
+                </a:cxnLst>
+                <a:rect l="l" t="t" r="r" b="b"/>
+                <a:pathLst>
+                  <a:path w="1549668" h="761325">
+                    <a:moveTo>
+                      <a:pt x="0" y="722824"/>
+                    </a:moveTo>
+                    <a:cubicBezTo>
+                      <a:pt x="176463" y="479786"/>
+                      <a:pt x="352927" y="236748"/>
+                      <a:pt x="481264" y="116432"/>
+                    </a:cubicBezTo>
+                    <a:cubicBezTo>
+                      <a:pt x="609601" y="-3884"/>
+                      <a:pt x="681790" y="-2279"/>
+                      <a:pt x="770021" y="929"/>
+                    </a:cubicBezTo>
+                    <a:cubicBezTo>
+                      <a:pt x="858252" y="4137"/>
+                      <a:pt x="880712" y="8950"/>
+                      <a:pt x="1010653" y="135683"/>
+                    </a:cubicBezTo>
+                    <a:cubicBezTo>
+                      <a:pt x="1140594" y="262416"/>
+                      <a:pt x="1345131" y="511870"/>
+                      <a:pt x="1549668" y="761325"/>
+                    </a:cubicBezTo>
+                  </a:path>
+                </a:pathLst>
+              </a:custGeom>
+              <a:noFill/>
+              <a:ln w="57150">
+                <a:solidFill>
+                  <a:schemeClr val="bg1"/>
+                </a:solidFill>
+              </a:ln>
+            </p:spPr>
+            <p:style>
+              <a:lnRef idx="2">
+                <a:schemeClr val="accent1">
+                  <a:shade val="50000"/>
+                </a:schemeClr>
+              </a:lnRef>
+              <a:fillRef idx="1">
+                <a:schemeClr val="accent1"/>
+              </a:fillRef>
+              <a:effectRef idx="0">
+                <a:schemeClr val="accent1"/>
+              </a:effectRef>
+              <a:fontRef idx="minor">
+                <a:schemeClr val="lt1"/>
+              </a:fontRef>
+            </p:style>
+            <p:txBody>
+              <a:bodyPr rtlCol="0" anchor="ctr"/>
+              <a:lstStyle/>
+              <a:p>
+                <a:pPr algn="ctr"/>
+                <a:endParaRPr lang="it-IT"/>
+              </a:p>
+            </p:txBody>
+          </p:sp>
+          <p:sp>
+            <p:nvSpPr>
+              <p:cNvPr id="61" name="Cuore 44"/>
+              <p:cNvSpPr/>
+              <p:nvPr/>
+            </p:nvSpPr>
+            <p:spPr>
+              <a:xfrm>
+                <a:off x="2428518" y="4509119"/>
+                <a:ext cx="187704" cy="271992"/>
+              </a:xfrm>
+              <a:custGeom>
+                <a:avLst/>
+                <a:gdLst>
+                  <a:gd name="connsiteX0" fmla="*/ 828092 w 1656184"/>
+                  <a:gd name="connsiteY0" fmla="*/ 432048 h 1728192"/>
+                  <a:gd name="connsiteX1" fmla="*/ 828092 w 1656184"/>
+                  <a:gd name="connsiteY1" fmla="*/ 1728192 h 1728192"/>
+                  <a:gd name="connsiteX2" fmla="*/ 828092 w 1656184"/>
+                  <a:gd name="connsiteY2" fmla="*/ 432048 h 1728192"/>
+                  <a:gd name="connsiteX0" fmla="*/ 827477 w 1668278"/>
+                  <a:gd name="connsiteY0" fmla="*/ 533452 h 1329082"/>
+                  <a:gd name="connsiteX1" fmla="*/ 837102 w 1668278"/>
+                  <a:gd name="connsiteY1" fmla="*/ 1329082 h 1329082"/>
+                  <a:gd name="connsiteX2" fmla="*/ 827477 w 1668278"/>
+                  <a:gd name="connsiteY2" fmla="*/ 533452 h 1329082"/>
+                  <a:gd name="connsiteX0" fmla="*/ 834130 w 1668259"/>
+                  <a:gd name="connsiteY0" fmla="*/ 420315 h 1668332"/>
+                  <a:gd name="connsiteX1" fmla="*/ 834130 w 1668259"/>
+                  <a:gd name="connsiteY1" fmla="*/ 1668332 h 1668332"/>
+                  <a:gd name="connsiteX2" fmla="*/ 834130 w 1668259"/>
+                  <a:gd name="connsiteY2" fmla="*/ 420315 h 1668332"/>
+                  <a:gd name="connsiteX0" fmla="*/ 834130 w 1589513"/>
+                  <a:gd name="connsiteY0" fmla="*/ 420315 h 1668332"/>
+                  <a:gd name="connsiteX1" fmla="*/ 834130 w 1589513"/>
+                  <a:gd name="connsiteY1" fmla="*/ 1668332 h 1668332"/>
+                  <a:gd name="connsiteX2" fmla="*/ 834130 w 1589513"/>
+                  <a:gd name="connsiteY2" fmla="*/ 420315 h 1668332"/>
+                  <a:gd name="connsiteX0" fmla="*/ 748958 w 1504341"/>
+                  <a:gd name="connsiteY0" fmla="*/ 1774 h 1249791"/>
+                  <a:gd name="connsiteX1" fmla="*/ 748958 w 1504341"/>
+                  <a:gd name="connsiteY1" fmla="*/ 1249791 h 1249791"/>
+                  <a:gd name="connsiteX2" fmla="*/ 748958 w 1504341"/>
+                  <a:gd name="connsiteY2" fmla="*/ 1774 h 1249791"/>
+                </a:gdLst>
+                <a:ahLst/>
+                <a:cxnLst>
+                  <a:cxn ang="0">
+                    <a:pos x="connsiteX0" y="connsiteY0"/>
+                  </a:cxn>
+                  <a:cxn ang="0">
+                    <a:pos x="connsiteX1" y="connsiteY1"/>
+                  </a:cxn>
+                  <a:cxn ang="0">
+                    <a:pos x="connsiteX2" y="connsiteY2"/>
+                  </a:cxn>
+                </a:cxnLst>
+                <a:rect l="l" t="t" r="r" b="b"/>
+                <a:pathLst>
+                  <a:path w="1504341" h="1249791">
+                    <a:moveTo>
+                      <a:pt x="748958" y="1774"/>
+                    </a:moveTo>
+                    <a:cubicBezTo>
+                      <a:pt x="766737" y="4315"/>
+                      <a:pt x="2439646" y="-46353"/>
+                      <a:pt x="748958" y="1249791"/>
+                    </a:cubicBezTo>
+                    <a:cubicBezTo>
+                      <a:pt x="-941730" y="-46353"/>
+                      <a:pt x="760054" y="-5311"/>
+                      <a:pt x="748958" y="1774"/>
+                    </a:cubicBezTo>
+                    <a:close/>
+                  </a:path>
+                </a:pathLst>
+              </a:custGeom>
+              <a:solidFill>
+                <a:schemeClr val="bg1"/>
+              </a:solidFill>
+              <a:ln>
+                <a:noFill/>
+              </a:ln>
+            </p:spPr>
+            <p:style>
+              <a:lnRef idx="2">
+                <a:schemeClr val="accent1">
+                  <a:shade val="50000"/>
+                </a:schemeClr>
+              </a:lnRef>
+              <a:fillRef idx="1">
+                <a:schemeClr val="accent1"/>
+              </a:fillRef>
+              <a:effectRef idx="0">
+                <a:schemeClr val="accent1"/>
+              </a:effectRef>
+              <a:fontRef idx="minor">
+                <a:schemeClr val="lt1"/>
+              </a:fontRef>
+            </p:style>
+            <p:txBody>
+              <a:bodyPr rtlCol="0" anchor="ctr"/>
+              <a:lstStyle/>
+              <a:p>
+                <a:pPr algn="ctr"/>
+                <a:endParaRPr lang="it-IT"/>
+              </a:p>
+            </p:txBody>
+          </p:sp>
+        </p:grpSp>
+      </p:grpSp>
+      <p:grpSp>
+        <p:nvGrpSpPr>
+          <p:cNvPr id="4" name="Gruppo 3"/>
+          <p:cNvGrpSpPr/>
+          <p:nvPr/>
+        </p:nvGrpSpPr>
+        <p:grpSpPr>
+          <a:xfrm>
+            <a:off x="683568" y="3698748"/>
+            <a:ext cx="2191995" cy="2517831"/>
+            <a:chOff x="683568" y="3698748"/>
+            <a:chExt cx="2191995" cy="2517831"/>
+          </a:xfrm>
+        </p:grpSpPr>
+        <p:pic>
+          <p:nvPicPr>
+            <p:cNvPr id="62" name="Picture 6"/>
+            <p:cNvPicPr>
+              <a:picLocks noChangeAspect="1" noChangeArrowheads="1"/>
+            </p:cNvPicPr>
+            <p:nvPr/>
+          </p:nvPicPr>
+          <p:blipFill>
+            <a:blip r:embed="rId2">
+              <a:extLst>
+                <a:ext uri="{28A0092B-C50C-407E-A947-70E740481C1C}">
+                  <a14:useLocalDpi xmlns:a14="http://schemas.microsoft.com/office/drawing/2010/main" val="0"/>
+                </a:ext>
+              </a:extLst>
+            </a:blip>
+            <a:srcRect/>
+            <a:stretch>
+              <a:fillRect/>
+            </a:stretch>
+          </p:blipFill>
+          <p:spPr bwMode="auto">
+            <a:xfrm>
+              <a:off x="839695" y="4273760"/>
+              <a:ext cx="1942819" cy="1942819"/>
+            </a:xfrm>
+            <a:prstGeom prst="rect">
+              <a:avLst/>
+            </a:prstGeom>
+            <a:noFill/>
+            <a:ln>
+              <a:noFill/>
+            </a:ln>
+            <a:effectLst/>
+            <a:extLst>
+              <a:ext uri="{909E8E84-426E-40DD-AFC4-6F175D3DCCD1}">
+                <a14:hiddenFill xmlns:a14="http://schemas.microsoft.com/office/drawing/2010/main">
+                  <a:solidFill>
+                    <a:schemeClr val="accent1"/>
+                  </a:solidFill>
+                </a14:hiddenFill>
+              </a:ext>
+              <a:ext uri="{91240B29-F687-4F45-9708-019B960494DF}">
+                <a14:hiddenLine xmlns:a14="http://schemas.microsoft.com/office/drawing/2010/main" w="9525">
+                  <a:solidFill>
+                    <a:schemeClr val="tx1"/>
+                  </a:solidFill>
+                  <a:miter lim="800000"/>
+                  <a:headEnd/>
+                  <a:tailEnd/>
+                </a14:hiddenLine>
+              </a:ext>
+              <a:ext uri="{AF507438-7753-43E0-B8FC-AC1667EBCBE1}">
+                <a14:hiddenEffects xmlns:a14="http://schemas.microsoft.com/office/drawing/2010/main">
+                  <a:effectLst>
+                    <a:outerShdw dist="35921" dir="2700000" algn="ctr" rotWithShape="0">
+                      <a:schemeClr val="bg2"/>
+                    </a:outerShdw>
+                  </a:effectLst>
+                </a14:hiddenEffects>
+              </a:ext>
+            </a:extLst>
+          </p:spPr>
+        </p:pic>
+        <p:sp>
+          <p:nvSpPr>
+            <p:cNvPr id="2" name="Ovale 1"/>
+            <p:cNvSpPr/>
+            <p:nvPr/>
+          </p:nvSpPr>
+          <p:spPr>
+            <a:xfrm>
+              <a:off x="839695" y="4271921"/>
+              <a:ext cx="1944000" cy="1944000"/>
             </a:xfrm>
             <a:prstGeom prst="ellipse">
               <a:avLst/>
             </a:prstGeom>
             <a:noFill/>
-            <a:ln w="76200">
+            <a:ln w="38100">
               <a:solidFill>
-                <a:schemeClr val="tx2">
-                  <a:lumMod val="60000"/>
-                  <a:lumOff val="40000"/>
-                </a:schemeClr>
+                <a:schemeClr val="bg1"/>
               </a:solidFill>
             </a:ln>
           </p:spPr>
@@ -3858,22 +12385,242 @@
         </p:sp>
         <p:sp>
           <p:nvSpPr>
-            <p:cNvPr id="11" name="Ovale 10"/>
+            <p:cNvPr id="67" name="Cuore 44"/>
             <p:cNvSpPr/>
             <p:nvPr/>
           </p:nvSpPr>
           <p:spPr>
-            <a:xfrm rot="16200000">
-              <a:off x="4292425" y="1700806"/>
-              <a:ext cx="1207204" cy="2448273"/>
+            <a:xfrm>
+              <a:off x="683568" y="4475520"/>
+              <a:ext cx="499861" cy="969704"/>
+            </a:xfrm>
+            <a:custGeom>
+              <a:avLst/>
+              <a:gdLst>
+                <a:gd name="connsiteX0" fmla="*/ 828092 w 1656184"/>
+                <a:gd name="connsiteY0" fmla="*/ 432048 h 1728192"/>
+                <a:gd name="connsiteX1" fmla="*/ 828092 w 1656184"/>
+                <a:gd name="connsiteY1" fmla="*/ 1728192 h 1728192"/>
+                <a:gd name="connsiteX2" fmla="*/ 828092 w 1656184"/>
+                <a:gd name="connsiteY2" fmla="*/ 432048 h 1728192"/>
+                <a:gd name="connsiteX0" fmla="*/ 827477 w 1668278"/>
+                <a:gd name="connsiteY0" fmla="*/ 533452 h 1329082"/>
+                <a:gd name="connsiteX1" fmla="*/ 837102 w 1668278"/>
+                <a:gd name="connsiteY1" fmla="*/ 1329082 h 1329082"/>
+                <a:gd name="connsiteX2" fmla="*/ 827477 w 1668278"/>
+                <a:gd name="connsiteY2" fmla="*/ 533452 h 1329082"/>
+                <a:gd name="connsiteX0" fmla="*/ 834130 w 1668259"/>
+                <a:gd name="connsiteY0" fmla="*/ 420315 h 1668332"/>
+                <a:gd name="connsiteX1" fmla="*/ 834130 w 1668259"/>
+                <a:gd name="connsiteY1" fmla="*/ 1668332 h 1668332"/>
+                <a:gd name="connsiteX2" fmla="*/ 834130 w 1668259"/>
+                <a:gd name="connsiteY2" fmla="*/ 420315 h 1668332"/>
+                <a:gd name="connsiteX0" fmla="*/ 834130 w 1589513"/>
+                <a:gd name="connsiteY0" fmla="*/ 420315 h 1668332"/>
+                <a:gd name="connsiteX1" fmla="*/ 834130 w 1589513"/>
+                <a:gd name="connsiteY1" fmla="*/ 1668332 h 1668332"/>
+                <a:gd name="connsiteX2" fmla="*/ 834130 w 1589513"/>
+                <a:gd name="connsiteY2" fmla="*/ 420315 h 1668332"/>
+                <a:gd name="connsiteX0" fmla="*/ 748958 w 1504341"/>
+                <a:gd name="connsiteY0" fmla="*/ 1774 h 1249791"/>
+                <a:gd name="connsiteX1" fmla="*/ 748958 w 1504341"/>
+                <a:gd name="connsiteY1" fmla="*/ 1249791 h 1249791"/>
+                <a:gd name="connsiteX2" fmla="*/ 748958 w 1504341"/>
+                <a:gd name="connsiteY2" fmla="*/ 1774 h 1249791"/>
+              </a:gdLst>
+              <a:ahLst/>
+              <a:cxnLst>
+                <a:cxn ang="0">
+                  <a:pos x="connsiteX0" y="connsiteY0"/>
+                </a:cxn>
+                <a:cxn ang="0">
+                  <a:pos x="connsiteX1" y="connsiteY1"/>
+                </a:cxn>
+                <a:cxn ang="0">
+                  <a:pos x="connsiteX2" y="connsiteY2"/>
+                </a:cxn>
+              </a:cxnLst>
+              <a:rect l="l" t="t" r="r" b="b"/>
+              <a:pathLst>
+                <a:path w="1504341" h="1249791">
+                  <a:moveTo>
+                    <a:pt x="748958" y="1774"/>
+                  </a:moveTo>
+                  <a:cubicBezTo>
+                    <a:pt x="766737" y="4315"/>
+                    <a:pt x="2439646" y="-46353"/>
+                    <a:pt x="748958" y="1249791"/>
+                  </a:cubicBezTo>
+                  <a:cubicBezTo>
+                    <a:pt x="-941730" y="-46353"/>
+                    <a:pt x="760054" y="-5311"/>
+                    <a:pt x="748958" y="1774"/>
+                  </a:cubicBezTo>
+                  <a:close/>
+                </a:path>
+              </a:pathLst>
+            </a:custGeom>
+            <a:solidFill>
+              <a:srgbClr val="00ACED"/>
+            </a:solidFill>
+            <a:ln>
+              <a:noFill/>
+            </a:ln>
+            <a:effectLst>
+              <a:outerShdw blurRad="50800" dist="38100" dir="2700000" algn="tl" rotWithShape="0">
+                <a:prstClr val="black">
+                  <a:alpha val="40000"/>
+                </a:prstClr>
+              </a:outerShdw>
+            </a:effectLst>
+          </p:spPr>
+          <p:style>
+            <a:lnRef idx="2">
+              <a:schemeClr val="accent1">
+                <a:shade val="50000"/>
+              </a:schemeClr>
+            </a:lnRef>
+            <a:fillRef idx="1">
+              <a:schemeClr val="accent1"/>
+            </a:fillRef>
+            <a:effectRef idx="0">
+              <a:schemeClr val="accent1"/>
+            </a:effectRef>
+            <a:fontRef idx="minor">
+              <a:schemeClr val="lt1"/>
+            </a:fontRef>
+          </p:style>
+          <p:txBody>
+            <a:bodyPr rtlCol="0" anchor="ctr"/>
+            <a:lstStyle/>
+            <a:p>
+              <a:pPr algn="ctr"/>
+              <a:endParaRPr lang="it-IT"/>
+            </a:p>
+          </p:txBody>
+        </p:sp>
+        <p:sp>
+          <p:nvSpPr>
+            <p:cNvPr id="68" name="Ovale 67"/>
+            <p:cNvSpPr/>
+            <p:nvPr/>
+          </p:nvSpPr>
+          <p:spPr>
+            <a:xfrm>
+              <a:off x="827982" y="4690329"/>
+              <a:ext cx="189695" cy="190802"/>
             </a:xfrm>
             <a:prstGeom prst="ellipse">
               <a:avLst/>
             </a:prstGeom>
+            <a:solidFill>
+              <a:schemeClr val="bg1"/>
+            </a:solidFill>
+            <a:ln>
+              <a:noFill/>
+            </a:ln>
+          </p:spPr>
+          <p:style>
+            <a:lnRef idx="2">
+              <a:schemeClr val="accent1">
+                <a:shade val="50000"/>
+              </a:schemeClr>
+            </a:lnRef>
+            <a:fillRef idx="1">
+              <a:schemeClr val="accent1"/>
+            </a:fillRef>
+            <a:effectRef idx="0">
+              <a:schemeClr val="accent1"/>
+            </a:effectRef>
+            <a:fontRef idx="minor">
+              <a:schemeClr val="lt1"/>
+            </a:fontRef>
+          </p:style>
+          <p:txBody>
+            <a:bodyPr rtlCol="0" anchor="ctr"/>
+            <a:lstStyle/>
+            <a:p>
+              <a:pPr algn="ctr"/>
+              <a:endParaRPr lang="it-IT"/>
+            </a:p>
+          </p:txBody>
+        </p:sp>
+        <p:sp>
+          <p:nvSpPr>
+            <p:cNvPr id="69" name="Figura a mano libera 68"/>
+            <p:cNvSpPr/>
+            <p:nvPr/>
+          </p:nvSpPr>
+          <p:spPr>
+            <a:xfrm>
+              <a:off x="722886" y="4877779"/>
+              <a:ext cx="413108" cy="111729"/>
+            </a:xfrm>
+            <a:custGeom>
+              <a:avLst/>
+              <a:gdLst>
+                <a:gd name="connsiteX0" fmla="*/ 0 w 1549668"/>
+                <a:gd name="connsiteY0" fmla="*/ 722824 h 761325"/>
+                <a:gd name="connsiteX1" fmla="*/ 481264 w 1549668"/>
+                <a:gd name="connsiteY1" fmla="*/ 116432 h 761325"/>
+                <a:gd name="connsiteX2" fmla="*/ 770021 w 1549668"/>
+                <a:gd name="connsiteY2" fmla="*/ 929 h 761325"/>
+                <a:gd name="connsiteX3" fmla="*/ 1010653 w 1549668"/>
+                <a:gd name="connsiteY3" fmla="*/ 135683 h 761325"/>
+                <a:gd name="connsiteX4" fmla="*/ 1549668 w 1549668"/>
+                <a:gd name="connsiteY4" fmla="*/ 761325 h 761325"/>
+              </a:gdLst>
+              <a:ahLst/>
+              <a:cxnLst>
+                <a:cxn ang="0">
+                  <a:pos x="connsiteX0" y="connsiteY0"/>
+                </a:cxn>
+                <a:cxn ang="0">
+                  <a:pos x="connsiteX1" y="connsiteY1"/>
+                </a:cxn>
+                <a:cxn ang="0">
+                  <a:pos x="connsiteX2" y="connsiteY2"/>
+                </a:cxn>
+                <a:cxn ang="0">
+                  <a:pos x="connsiteX3" y="connsiteY3"/>
+                </a:cxn>
+                <a:cxn ang="0">
+                  <a:pos x="connsiteX4" y="connsiteY4"/>
+                </a:cxn>
+              </a:cxnLst>
+              <a:rect l="l" t="t" r="r" b="b"/>
+              <a:pathLst>
+                <a:path w="1549668" h="761325">
+                  <a:moveTo>
+                    <a:pt x="0" y="722824"/>
+                  </a:moveTo>
+                  <a:cubicBezTo>
+                    <a:pt x="176463" y="479786"/>
+                    <a:pt x="352927" y="236748"/>
+                    <a:pt x="481264" y="116432"/>
+                  </a:cubicBezTo>
+                  <a:cubicBezTo>
+                    <a:pt x="609601" y="-3884"/>
+                    <a:pt x="681790" y="-2279"/>
+                    <a:pt x="770021" y="929"/>
+                  </a:cubicBezTo>
+                  <a:cubicBezTo>
+                    <a:pt x="858252" y="4137"/>
+                    <a:pt x="880712" y="8950"/>
+                    <a:pt x="1010653" y="135683"/>
+                  </a:cubicBezTo>
+                  <a:cubicBezTo>
+                    <a:pt x="1140594" y="262416"/>
+                    <a:pt x="1345131" y="511870"/>
+                    <a:pt x="1549668" y="761325"/>
+                  </a:cubicBezTo>
+                </a:path>
+              </a:pathLst>
+            </a:custGeom>
             <a:noFill/>
-            <a:ln w="76200">
+            <a:ln w="57150">
               <a:solidFill>
-                <a:srgbClr val="FF7575"/>
+                <a:schemeClr val="bg1"/>
               </a:solidFill>
             </a:ln>
           </p:spPr>
@@ -3904,23 +12651,86 @@
         </p:sp>
         <p:sp>
           <p:nvSpPr>
-            <p:cNvPr id="12" name="Ovale 11"/>
+            <p:cNvPr id="70" name="Cuore 44"/>
             <p:cNvSpPr/>
             <p:nvPr/>
           </p:nvSpPr>
           <p:spPr>
             <a:xfrm>
-              <a:off x="3635896" y="1627708"/>
-              <a:ext cx="2520280" cy="2520280"/>
+              <a:off x="853608" y="4866613"/>
+              <a:ext cx="144792" cy="211037"/>
             </a:xfrm>
-            <a:prstGeom prst="ellipse">
+            <a:custGeom>
               <a:avLst/>
-            </a:prstGeom>
-            <a:noFill/>
-            <a:ln w="9525">
-              <a:solidFill>
-                <a:schemeClr val="tx1"/>
-              </a:solidFill>
+              <a:gdLst>
+                <a:gd name="connsiteX0" fmla="*/ 828092 w 1656184"/>
+                <a:gd name="connsiteY0" fmla="*/ 432048 h 1728192"/>
+                <a:gd name="connsiteX1" fmla="*/ 828092 w 1656184"/>
+                <a:gd name="connsiteY1" fmla="*/ 1728192 h 1728192"/>
+                <a:gd name="connsiteX2" fmla="*/ 828092 w 1656184"/>
+                <a:gd name="connsiteY2" fmla="*/ 432048 h 1728192"/>
+                <a:gd name="connsiteX0" fmla="*/ 827477 w 1668278"/>
+                <a:gd name="connsiteY0" fmla="*/ 533452 h 1329082"/>
+                <a:gd name="connsiteX1" fmla="*/ 837102 w 1668278"/>
+                <a:gd name="connsiteY1" fmla="*/ 1329082 h 1329082"/>
+                <a:gd name="connsiteX2" fmla="*/ 827477 w 1668278"/>
+                <a:gd name="connsiteY2" fmla="*/ 533452 h 1329082"/>
+                <a:gd name="connsiteX0" fmla="*/ 834130 w 1668259"/>
+                <a:gd name="connsiteY0" fmla="*/ 420315 h 1668332"/>
+                <a:gd name="connsiteX1" fmla="*/ 834130 w 1668259"/>
+                <a:gd name="connsiteY1" fmla="*/ 1668332 h 1668332"/>
+                <a:gd name="connsiteX2" fmla="*/ 834130 w 1668259"/>
+                <a:gd name="connsiteY2" fmla="*/ 420315 h 1668332"/>
+                <a:gd name="connsiteX0" fmla="*/ 834130 w 1589513"/>
+                <a:gd name="connsiteY0" fmla="*/ 420315 h 1668332"/>
+                <a:gd name="connsiteX1" fmla="*/ 834130 w 1589513"/>
+                <a:gd name="connsiteY1" fmla="*/ 1668332 h 1668332"/>
+                <a:gd name="connsiteX2" fmla="*/ 834130 w 1589513"/>
+                <a:gd name="connsiteY2" fmla="*/ 420315 h 1668332"/>
+                <a:gd name="connsiteX0" fmla="*/ 748958 w 1504341"/>
+                <a:gd name="connsiteY0" fmla="*/ 1774 h 1249791"/>
+                <a:gd name="connsiteX1" fmla="*/ 748958 w 1504341"/>
+                <a:gd name="connsiteY1" fmla="*/ 1249791 h 1249791"/>
+                <a:gd name="connsiteX2" fmla="*/ 748958 w 1504341"/>
+                <a:gd name="connsiteY2" fmla="*/ 1774 h 1249791"/>
+              </a:gdLst>
+              <a:ahLst/>
+              <a:cxnLst>
+                <a:cxn ang="0">
+                  <a:pos x="connsiteX0" y="connsiteY0"/>
+                </a:cxn>
+                <a:cxn ang="0">
+                  <a:pos x="connsiteX1" y="connsiteY1"/>
+                </a:cxn>
+                <a:cxn ang="0">
+                  <a:pos x="connsiteX2" y="connsiteY2"/>
+                </a:cxn>
+              </a:cxnLst>
+              <a:rect l="l" t="t" r="r" b="b"/>
+              <a:pathLst>
+                <a:path w="1504341" h="1249791">
+                  <a:moveTo>
+                    <a:pt x="748958" y="1774"/>
+                  </a:moveTo>
+                  <a:cubicBezTo>
+                    <a:pt x="766737" y="4315"/>
+                    <a:pt x="2439646" y="-46353"/>
+                    <a:pt x="748958" y="1249791"/>
+                  </a:cubicBezTo>
+                  <a:cubicBezTo>
+                    <a:pt x="-941730" y="-46353"/>
+                    <a:pt x="760054" y="-5311"/>
+                    <a:pt x="748958" y="1774"/>
+                  </a:cubicBezTo>
+                  <a:close/>
+                </a:path>
+              </a:pathLst>
+            </a:custGeom>
+            <a:solidFill>
+              <a:schemeClr val="bg1"/>
+            </a:solidFill>
+            <a:ln>
+              <a:noFill/>
             </a:ln>
           </p:spPr>
           <p:style>
@@ -3948,39 +12758,244 @@
             </a:p>
           </p:txBody>
         </p:sp>
-      </p:grpSp>
-      <p:grpSp>
-        <p:nvGrpSpPr>
-          <p:cNvPr id="13" name="Gruppo 12"/>
-          <p:cNvGrpSpPr/>
-          <p:nvPr/>
-        </p:nvGrpSpPr>
-        <p:grpSpPr>
-          <a:xfrm>
-            <a:off x="6489101" y="5013176"/>
-            <a:ext cx="720000" cy="720000"/>
-            <a:chOff x="3635896" y="1627708"/>
-            <a:chExt cx="2520281" cy="2521372"/>
-          </a:xfrm>
-        </p:grpSpPr>
         <p:sp>
           <p:nvSpPr>
-            <p:cNvPr id="14" name="Ovale 13"/>
+            <p:cNvPr id="71" name="Cuore 44"/>
             <p:cNvSpPr/>
             <p:nvPr/>
           </p:nvSpPr>
           <p:spPr>
             <a:xfrm>
-              <a:off x="4292433" y="1628799"/>
-              <a:ext cx="1207203" cy="2520281"/>
+              <a:off x="1392611" y="3698748"/>
+              <a:ext cx="499861" cy="969704"/>
+            </a:xfrm>
+            <a:custGeom>
+              <a:avLst/>
+              <a:gdLst>
+                <a:gd name="connsiteX0" fmla="*/ 828092 w 1656184"/>
+                <a:gd name="connsiteY0" fmla="*/ 432048 h 1728192"/>
+                <a:gd name="connsiteX1" fmla="*/ 828092 w 1656184"/>
+                <a:gd name="connsiteY1" fmla="*/ 1728192 h 1728192"/>
+                <a:gd name="connsiteX2" fmla="*/ 828092 w 1656184"/>
+                <a:gd name="connsiteY2" fmla="*/ 432048 h 1728192"/>
+                <a:gd name="connsiteX0" fmla="*/ 827477 w 1668278"/>
+                <a:gd name="connsiteY0" fmla="*/ 533452 h 1329082"/>
+                <a:gd name="connsiteX1" fmla="*/ 837102 w 1668278"/>
+                <a:gd name="connsiteY1" fmla="*/ 1329082 h 1329082"/>
+                <a:gd name="connsiteX2" fmla="*/ 827477 w 1668278"/>
+                <a:gd name="connsiteY2" fmla="*/ 533452 h 1329082"/>
+                <a:gd name="connsiteX0" fmla="*/ 834130 w 1668259"/>
+                <a:gd name="connsiteY0" fmla="*/ 420315 h 1668332"/>
+                <a:gd name="connsiteX1" fmla="*/ 834130 w 1668259"/>
+                <a:gd name="connsiteY1" fmla="*/ 1668332 h 1668332"/>
+                <a:gd name="connsiteX2" fmla="*/ 834130 w 1668259"/>
+                <a:gd name="connsiteY2" fmla="*/ 420315 h 1668332"/>
+                <a:gd name="connsiteX0" fmla="*/ 834130 w 1589513"/>
+                <a:gd name="connsiteY0" fmla="*/ 420315 h 1668332"/>
+                <a:gd name="connsiteX1" fmla="*/ 834130 w 1589513"/>
+                <a:gd name="connsiteY1" fmla="*/ 1668332 h 1668332"/>
+                <a:gd name="connsiteX2" fmla="*/ 834130 w 1589513"/>
+                <a:gd name="connsiteY2" fmla="*/ 420315 h 1668332"/>
+                <a:gd name="connsiteX0" fmla="*/ 748958 w 1504341"/>
+                <a:gd name="connsiteY0" fmla="*/ 1774 h 1249791"/>
+                <a:gd name="connsiteX1" fmla="*/ 748958 w 1504341"/>
+                <a:gd name="connsiteY1" fmla="*/ 1249791 h 1249791"/>
+                <a:gd name="connsiteX2" fmla="*/ 748958 w 1504341"/>
+                <a:gd name="connsiteY2" fmla="*/ 1774 h 1249791"/>
+              </a:gdLst>
+              <a:ahLst/>
+              <a:cxnLst>
+                <a:cxn ang="0">
+                  <a:pos x="connsiteX0" y="connsiteY0"/>
+                </a:cxn>
+                <a:cxn ang="0">
+                  <a:pos x="connsiteX1" y="connsiteY1"/>
+                </a:cxn>
+                <a:cxn ang="0">
+                  <a:pos x="connsiteX2" y="connsiteY2"/>
+                </a:cxn>
+              </a:cxnLst>
+              <a:rect l="l" t="t" r="r" b="b"/>
+              <a:pathLst>
+                <a:path w="1504341" h="1249791">
+                  <a:moveTo>
+                    <a:pt x="748958" y="1774"/>
+                  </a:moveTo>
+                  <a:cubicBezTo>
+                    <a:pt x="766737" y="4315"/>
+                    <a:pt x="2439646" y="-46353"/>
+                    <a:pt x="748958" y="1249791"/>
+                  </a:cubicBezTo>
+                  <a:cubicBezTo>
+                    <a:pt x="-941730" y="-46353"/>
+                    <a:pt x="760054" y="-5311"/>
+                    <a:pt x="748958" y="1774"/>
+                  </a:cubicBezTo>
+                  <a:close/>
+                </a:path>
+              </a:pathLst>
+            </a:custGeom>
+            <a:solidFill>
+              <a:srgbClr val="D34836"/>
+            </a:solidFill>
+            <a:ln>
+              <a:noFill/>
+            </a:ln>
+            <a:effectLst>
+              <a:outerShdw blurRad="50800" dist="38100" dir="2700000" algn="tl" rotWithShape="0">
+                <a:prstClr val="black">
+                  <a:alpha val="40000"/>
+                </a:prstClr>
+              </a:outerShdw>
+            </a:effectLst>
+          </p:spPr>
+          <p:style>
+            <a:lnRef idx="2">
+              <a:schemeClr val="accent1">
+                <a:shade val="50000"/>
+              </a:schemeClr>
+            </a:lnRef>
+            <a:fillRef idx="1">
+              <a:schemeClr val="accent1"/>
+            </a:fillRef>
+            <a:effectRef idx="0">
+              <a:schemeClr val="accent1"/>
+            </a:effectRef>
+            <a:fontRef idx="minor">
+              <a:schemeClr val="lt1"/>
+            </a:fontRef>
+          </p:style>
+          <p:txBody>
+            <a:bodyPr rtlCol="0" anchor="ctr"/>
+            <a:lstStyle/>
+            <a:p>
+              <a:pPr algn="ctr"/>
+              <a:endParaRPr lang="it-IT"/>
+            </a:p>
+          </p:txBody>
+        </p:sp>
+        <p:sp>
+          <p:nvSpPr>
+            <p:cNvPr id="72" name="Ovale 71"/>
+            <p:cNvSpPr/>
+            <p:nvPr/>
+          </p:nvSpPr>
+          <p:spPr>
+            <a:xfrm>
+              <a:off x="1540200" y="3913557"/>
+              <a:ext cx="189695" cy="190802"/>
             </a:xfrm>
             <a:prstGeom prst="ellipse">
               <a:avLst/>
             </a:prstGeom>
+            <a:solidFill>
+              <a:schemeClr val="bg1"/>
+            </a:solidFill>
+            <a:ln>
+              <a:noFill/>
+            </a:ln>
+          </p:spPr>
+          <p:style>
+            <a:lnRef idx="2">
+              <a:schemeClr val="accent1">
+                <a:shade val="50000"/>
+              </a:schemeClr>
+            </a:lnRef>
+            <a:fillRef idx="1">
+              <a:schemeClr val="accent1"/>
+            </a:fillRef>
+            <a:effectRef idx="0">
+              <a:schemeClr val="accent1"/>
+            </a:effectRef>
+            <a:fontRef idx="minor">
+              <a:schemeClr val="lt1"/>
+            </a:fontRef>
+          </p:style>
+          <p:txBody>
+            <a:bodyPr rtlCol="0" anchor="ctr"/>
+            <a:lstStyle/>
+            <a:p>
+              <a:pPr algn="ctr"/>
+              <a:endParaRPr lang="it-IT"/>
+            </a:p>
+          </p:txBody>
+        </p:sp>
+        <p:sp>
+          <p:nvSpPr>
+            <p:cNvPr id="73" name="Figura a mano libera 72"/>
+            <p:cNvSpPr/>
+            <p:nvPr/>
+          </p:nvSpPr>
+          <p:spPr>
+            <a:xfrm>
+              <a:off x="1428754" y="4101007"/>
+              <a:ext cx="413108" cy="111729"/>
+            </a:xfrm>
+            <a:custGeom>
+              <a:avLst/>
+              <a:gdLst>
+                <a:gd name="connsiteX0" fmla="*/ 0 w 1549668"/>
+                <a:gd name="connsiteY0" fmla="*/ 722824 h 761325"/>
+                <a:gd name="connsiteX1" fmla="*/ 481264 w 1549668"/>
+                <a:gd name="connsiteY1" fmla="*/ 116432 h 761325"/>
+                <a:gd name="connsiteX2" fmla="*/ 770021 w 1549668"/>
+                <a:gd name="connsiteY2" fmla="*/ 929 h 761325"/>
+                <a:gd name="connsiteX3" fmla="*/ 1010653 w 1549668"/>
+                <a:gd name="connsiteY3" fmla="*/ 135683 h 761325"/>
+                <a:gd name="connsiteX4" fmla="*/ 1549668 w 1549668"/>
+                <a:gd name="connsiteY4" fmla="*/ 761325 h 761325"/>
+              </a:gdLst>
+              <a:ahLst/>
+              <a:cxnLst>
+                <a:cxn ang="0">
+                  <a:pos x="connsiteX0" y="connsiteY0"/>
+                </a:cxn>
+                <a:cxn ang="0">
+                  <a:pos x="connsiteX1" y="connsiteY1"/>
+                </a:cxn>
+                <a:cxn ang="0">
+                  <a:pos x="connsiteX2" y="connsiteY2"/>
+                </a:cxn>
+                <a:cxn ang="0">
+                  <a:pos x="connsiteX3" y="connsiteY3"/>
+                </a:cxn>
+                <a:cxn ang="0">
+                  <a:pos x="connsiteX4" y="connsiteY4"/>
+                </a:cxn>
+              </a:cxnLst>
+              <a:rect l="l" t="t" r="r" b="b"/>
+              <a:pathLst>
+                <a:path w="1549668" h="761325">
+                  <a:moveTo>
+                    <a:pt x="0" y="722824"/>
+                  </a:moveTo>
+                  <a:cubicBezTo>
+                    <a:pt x="176463" y="479786"/>
+                    <a:pt x="352927" y="236748"/>
+                    <a:pt x="481264" y="116432"/>
+                  </a:cubicBezTo>
+                  <a:cubicBezTo>
+                    <a:pt x="609601" y="-3884"/>
+                    <a:pt x="681790" y="-2279"/>
+                    <a:pt x="770021" y="929"/>
+                  </a:cubicBezTo>
+                  <a:cubicBezTo>
+                    <a:pt x="858252" y="4137"/>
+                    <a:pt x="880712" y="8950"/>
+                    <a:pt x="1010653" y="135683"/>
+                  </a:cubicBezTo>
+                  <a:cubicBezTo>
+                    <a:pt x="1140594" y="262416"/>
+                    <a:pt x="1345131" y="511870"/>
+                    <a:pt x="1549668" y="761325"/>
+                  </a:cubicBezTo>
+                </a:path>
+              </a:pathLst>
+            </a:custGeom>
             <a:noFill/>
             <a:ln w="57150">
               <a:solidFill>
-                <a:schemeClr val="tx1"/>
+                <a:schemeClr val="bg1"/>
               </a:solidFill>
             </a:ln>
           </p:spPr>
@@ -4011,22 +13026,351 @@
         </p:sp>
         <p:sp>
           <p:nvSpPr>
-            <p:cNvPr id="15" name="Ovale 14"/>
+            <p:cNvPr id="74" name="Cuore 44"/>
             <p:cNvSpPr/>
             <p:nvPr/>
           </p:nvSpPr>
           <p:spPr>
-            <a:xfrm rot="16200000">
-              <a:off x="4292435" y="1664803"/>
-              <a:ext cx="1207204" cy="2520280"/>
+            <a:xfrm>
+              <a:off x="1562651" y="4089841"/>
+              <a:ext cx="144792" cy="211037"/>
+            </a:xfrm>
+            <a:custGeom>
+              <a:avLst/>
+              <a:gdLst>
+                <a:gd name="connsiteX0" fmla="*/ 828092 w 1656184"/>
+                <a:gd name="connsiteY0" fmla="*/ 432048 h 1728192"/>
+                <a:gd name="connsiteX1" fmla="*/ 828092 w 1656184"/>
+                <a:gd name="connsiteY1" fmla="*/ 1728192 h 1728192"/>
+                <a:gd name="connsiteX2" fmla="*/ 828092 w 1656184"/>
+                <a:gd name="connsiteY2" fmla="*/ 432048 h 1728192"/>
+                <a:gd name="connsiteX0" fmla="*/ 827477 w 1668278"/>
+                <a:gd name="connsiteY0" fmla="*/ 533452 h 1329082"/>
+                <a:gd name="connsiteX1" fmla="*/ 837102 w 1668278"/>
+                <a:gd name="connsiteY1" fmla="*/ 1329082 h 1329082"/>
+                <a:gd name="connsiteX2" fmla="*/ 827477 w 1668278"/>
+                <a:gd name="connsiteY2" fmla="*/ 533452 h 1329082"/>
+                <a:gd name="connsiteX0" fmla="*/ 834130 w 1668259"/>
+                <a:gd name="connsiteY0" fmla="*/ 420315 h 1668332"/>
+                <a:gd name="connsiteX1" fmla="*/ 834130 w 1668259"/>
+                <a:gd name="connsiteY1" fmla="*/ 1668332 h 1668332"/>
+                <a:gd name="connsiteX2" fmla="*/ 834130 w 1668259"/>
+                <a:gd name="connsiteY2" fmla="*/ 420315 h 1668332"/>
+                <a:gd name="connsiteX0" fmla="*/ 834130 w 1589513"/>
+                <a:gd name="connsiteY0" fmla="*/ 420315 h 1668332"/>
+                <a:gd name="connsiteX1" fmla="*/ 834130 w 1589513"/>
+                <a:gd name="connsiteY1" fmla="*/ 1668332 h 1668332"/>
+                <a:gd name="connsiteX2" fmla="*/ 834130 w 1589513"/>
+                <a:gd name="connsiteY2" fmla="*/ 420315 h 1668332"/>
+                <a:gd name="connsiteX0" fmla="*/ 748958 w 1504341"/>
+                <a:gd name="connsiteY0" fmla="*/ 1774 h 1249791"/>
+                <a:gd name="connsiteX1" fmla="*/ 748958 w 1504341"/>
+                <a:gd name="connsiteY1" fmla="*/ 1249791 h 1249791"/>
+                <a:gd name="connsiteX2" fmla="*/ 748958 w 1504341"/>
+                <a:gd name="connsiteY2" fmla="*/ 1774 h 1249791"/>
+              </a:gdLst>
+              <a:ahLst/>
+              <a:cxnLst>
+                <a:cxn ang="0">
+                  <a:pos x="connsiteX0" y="connsiteY0"/>
+                </a:cxn>
+                <a:cxn ang="0">
+                  <a:pos x="connsiteX1" y="connsiteY1"/>
+                </a:cxn>
+                <a:cxn ang="0">
+                  <a:pos x="connsiteX2" y="connsiteY2"/>
+                </a:cxn>
+              </a:cxnLst>
+              <a:rect l="l" t="t" r="r" b="b"/>
+              <a:pathLst>
+                <a:path w="1504341" h="1249791">
+                  <a:moveTo>
+                    <a:pt x="748958" y="1774"/>
+                  </a:moveTo>
+                  <a:cubicBezTo>
+                    <a:pt x="766737" y="4315"/>
+                    <a:pt x="2439646" y="-46353"/>
+                    <a:pt x="748958" y="1249791"/>
+                  </a:cubicBezTo>
+                  <a:cubicBezTo>
+                    <a:pt x="-941730" y="-46353"/>
+                    <a:pt x="760054" y="-5311"/>
+                    <a:pt x="748958" y="1774"/>
+                  </a:cubicBezTo>
+                  <a:close/>
+                </a:path>
+              </a:pathLst>
+            </a:custGeom>
+            <a:solidFill>
+              <a:schemeClr val="bg1"/>
+            </a:solidFill>
+            <a:ln>
+              <a:noFill/>
+            </a:ln>
+          </p:spPr>
+          <p:style>
+            <a:lnRef idx="2">
+              <a:schemeClr val="accent1">
+                <a:shade val="50000"/>
+              </a:schemeClr>
+            </a:lnRef>
+            <a:fillRef idx="1">
+              <a:schemeClr val="accent1"/>
+            </a:fillRef>
+            <a:effectRef idx="0">
+              <a:schemeClr val="accent1"/>
+            </a:effectRef>
+            <a:fontRef idx="minor">
+              <a:schemeClr val="lt1"/>
+            </a:fontRef>
+          </p:style>
+          <p:txBody>
+            <a:bodyPr rtlCol="0" anchor="ctr"/>
+            <a:lstStyle/>
+            <a:p>
+              <a:pPr algn="ctr"/>
+              <a:endParaRPr lang="it-IT"/>
+            </a:p>
+          </p:txBody>
+        </p:sp>
+        <p:sp>
+          <p:nvSpPr>
+            <p:cNvPr id="75" name="Cuore 44"/>
+            <p:cNvSpPr/>
+            <p:nvPr/>
+          </p:nvSpPr>
+          <p:spPr>
+            <a:xfrm>
+              <a:off x="2375701" y="4081702"/>
+              <a:ext cx="499862" cy="969704"/>
+            </a:xfrm>
+            <a:custGeom>
+              <a:avLst/>
+              <a:gdLst>
+                <a:gd name="connsiteX0" fmla="*/ 828092 w 1656184"/>
+                <a:gd name="connsiteY0" fmla="*/ 432048 h 1728192"/>
+                <a:gd name="connsiteX1" fmla="*/ 828092 w 1656184"/>
+                <a:gd name="connsiteY1" fmla="*/ 1728192 h 1728192"/>
+                <a:gd name="connsiteX2" fmla="*/ 828092 w 1656184"/>
+                <a:gd name="connsiteY2" fmla="*/ 432048 h 1728192"/>
+                <a:gd name="connsiteX0" fmla="*/ 827477 w 1668278"/>
+                <a:gd name="connsiteY0" fmla="*/ 533452 h 1329082"/>
+                <a:gd name="connsiteX1" fmla="*/ 837102 w 1668278"/>
+                <a:gd name="connsiteY1" fmla="*/ 1329082 h 1329082"/>
+                <a:gd name="connsiteX2" fmla="*/ 827477 w 1668278"/>
+                <a:gd name="connsiteY2" fmla="*/ 533452 h 1329082"/>
+                <a:gd name="connsiteX0" fmla="*/ 834130 w 1668259"/>
+                <a:gd name="connsiteY0" fmla="*/ 420315 h 1668332"/>
+                <a:gd name="connsiteX1" fmla="*/ 834130 w 1668259"/>
+                <a:gd name="connsiteY1" fmla="*/ 1668332 h 1668332"/>
+                <a:gd name="connsiteX2" fmla="*/ 834130 w 1668259"/>
+                <a:gd name="connsiteY2" fmla="*/ 420315 h 1668332"/>
+                <a:gd name="connsiteX0" fmla="*/ 834130 w 1589513"/>
+                <a:gd name="connsiteY0" fmla="*/ 420315 h 1668332"/>
+                <a:gd name="connsiteX1" fmla="*/ 834130 w 1589513"/>
+                <a:gd name="connsiteY1" fmla="*/ 1668332 h 1668332"/>
+                <a:gd name="connsiteX2" fmla="*/ 834130 w 1589513"/>
+                <a:gd name="connsiteY2" fmla="*/ 420315 h 1668332"/>
+                <a:gd name="connsiteX0" fmla="*/ 748958 w 1504341"/>
+                <a:gd name="connsiteY0" fmla="*/ 1774 h 1249791"/>
+                <a:gd name="connsiteX1" fmla="*/ 748958 w 1504341"/>
+                <a:gd name="connsiteY1" fmla="*/ 1249791 h 1249791"/>
+                <a:gd name="connsiteX2" fmla="*/ 748958 w 1504341"/>
+                <a:gd name="connsiteY2" fmla="*/ 1774 h 1249791"/>
+              </a:gdLst>
+              <a:ahLst/>
+              <a:cxnLst>
+                <a:cxn ang="0">
+                  <a:pos x="connsiteX0" y="connsiteY0"/>
+                </a:cxn>
+                <a:cxn ang="0">
+                  <a:pos x="connsiteX1" y="connsiteY1"/>
+                </a:cxn>
+                <a:cxn ang="0">
+                  <a:pos x="connsiteX2" y="connsiteY2"/>
+                </a:cxn>
+              </a:cxnLst>
+              <a:rect l="l" t="t" r="r" b="b"/>
+              <a:pathLst>
+                <a:path w="1504341" h="1249791">
+                  <a:moveTo>
+                    <a:pt x="748958" y="1774"/>
+                  </a:moveTo>
+                  <a:cubicBezTo>
+                    <a:pt x="766737" y="4315"/>
+                    <a:pt x="2439646" y="-46353"/>
+                    <a:pt x="748958" y="1249791"/>
+                  </a:cubicBezTo>
+                  <a:cubicBezTo>
+                    <a:pt x="-941730" y="-46353"/>
+                    <a:pt x="760054" y="-5311"/>
+                    <a:pt x="748958" y="1774"/>
+                  </a:cubicBezTo>
+                  <a:close/>
+                </a:path>
+              </a:pathLst>
+            </a:custGeom>
+            <a:solidFill>
+              <a:srgbClr val="3B5998"/>
+            </a:solidFill>
+            <a:ln>
+              <a:noFill/>
+            </a:ln>
+            <a:effectLst>
+              <a:outerShdw blurRad="50800" dist="38100" dir="2700000" algn="tl" rotWithShape="0">
+                <a:prstClr val="black">
+                  <a:alpha val="40000"/>
+                </a:prstClr>
+              </a:outerShdw>
+            </a:effectLst>
+          </p:spPr>
+          <p:style>
+            <a:lnRef idx="2">
+              <a:schemeClr val="accent1">
+                <a:shade val="50000"/>
+              </a:schemeClr>
+            </a:lnRef>
+            <a:fillRef idx="1">
+              <a:schemeClr val="accent1"/>
+            </a:fillRef>
+            <a:effectRef idx="0">
+              <a:schemeClr val="accent1"/>
+            </a:effectRef>
+            <a:fontRef idx="minor">
+              <a:schemeClr val="lt1"/>
+            </a:fontRef>
+          </p:style>
+          <p:txBody>
+            <a:bodyPr rtlCol="0" anchor="ctr"/>
+            <a:lstStyle/>
+            <a:p>
+              <a:pPr algn="ctr"/>
+              <a:endParaRPr lang="it-IT"/>
+            </a:p>
+          </p:txBody>
+        </p:sp>
+        <p:sp>
+          <p:nvSpPr>
+            <p:cNvPr id="76" name="Ovale 75"/>
+            <p:cNvSpPr/>
+            <p:nvPr/>
+          </p:nvSpPr>
+          <p:spPr>
+            <a:xfrm>
+              <a:off x="2526465" y="4296511"/>
+              <a:ext cx="189695" cy="190802"/>
             </a:xfrm>
             <a:prstGeom prst="ellipse">
               <a:avLst/>
             </a:prstGeom>
+            <a:solidFill>
+              <a:schemeClr val="bg1"/>
+            </a:solidFill>
+            <a:ln>
+              <a:noFill/>
+            </a:ln>
+          </p:spPr>
+          <p:style>
+            <a:lnRef idx="2">
+              <a:schemeClr val="accent1">
+                <a:shade val="50000"/>
+              </a:schemeClr>
+            </a:lnRef>
+            <a:fillRef idx="1">
+              <a:schemeClr val="accent1"/>
+            </a:fillRef>
+            <a:effectRef idx="0">
+              <a:schemeClr val="accent1"/>
+            </a:effectRef>
+            <a:fontRef idx="minor">
+              <a:schemeClr val="lt1"/>
+            </a:fontRef>
+          </p:style>
+          <p:txBody>
+            <a:bodyPr rtlCol="0" anchor="ctr"/>
+            <a:lstStyle/>
+            <a:p>
+              <a:pPr algn="ctr"/>
+              <a:endParaRPr lang="it-IT"/>
+            </a:p>
+          </p:txBody>
+        </p:sp>
+        <p:sp>
+          <p:nvSpPr>
+            <p:cNvPr id="77" name="Figura a mano libera 76"/>
+            <p:cNvSpPr/>
+            <p:nvPr/>
+          </p:nvSpPr>
+          <p:spPr>
+            <a:xfrm>
+              <a:off x="2428725" y="4483961"/>
+              <a:ext cx="396000" cy="111729"/>
+            </a:xfrm>
+            <a:custGeom>
+              <a:avLst/>
+              <a:gdLst>
+                <a:gd name="connsiteX0" fmla="*/ 0 w 1549668"/>
+                <a:gd name="connsiteY0" fmla="*/ 722824 h 761325"/>
+                <a:gd name="connsiteX1" fmla="*/ 481264 w 1549668"/>
+                <a:gd name="connsiteY1" fmla="*/ 116432 h 761325"/>
+                <a:gd name="connsiteX2" fmla="*/ 770021 w 1549668"/>
+                <a:gd name="connsiteY2" fmla="*/ 929 h 761325"/>
+                <a:gd name="connsiteX3" fmla="*/ 1010653 w 1549668"/>
+                <a:gd name="connsiteY3" fmla="*/ 135683 h 761325"/>
+                <a:gd name="connsiteX4" fmla="*/ 1549668 w 1549668"/>
+                <a:gd name="connsiteY4" fmla="*/ 761325 h 761325"/>
+              </a:gdLst>
+              <a:ahLst/>
+              <a:cxnLst>
+                <a:cxn ang="0">
+                  <a:pos x="connsiteX0" y="connsiteY0"/>
+                </a:cxn>
+                <a:cxn ang="0">
+                  <a:pos x="connsiteX1" y="connsiteY1"/>
+                </a:cxn>
+                <a:cxn ang="0">
+                  <a:pos x="connsiteX2" y="connsiteY2"/>
+                </a:cxn>
+                <a:cxn ang="0">
+                  <a:pos x="connsiteX3" y="connsiteY3"/>
+                </a:cxn>
+                <a:cxn ang="0">
+                  <a:pos x="connsiteX4" y="connsiteY4"/>
+                </a:cxn>
+              </a:cxnLst>
+              <a:rect l="l" t="t" r="r" b="b"/>
+              <a:pathLst>
+                <a:path w="1549668" h="761325">
+                  <a:moveTo>
+                    <a:pt x="0" y="722824"/>
+                  </a:moveTo>
+                  <a:cubicBezTo>
+                    <a:pt x="176463" y="479786"/>
+                    <a:pt x="352927" y="236748"/>
+                    <a:pt x="481264" y="116432"/>
+                  </a:cubicBezTo>
+                  <a:cubicBezTo>
+                    <a:pt x="609601" y="-3884"/>
+                    <a:pt x="681790" y="-2279"/>
+                    <a:pt x="770021" y="929"/>
+                  </a:cubicBezTo>
+                  <a:cubicBezTo>
+                    <a:pt x="858252" y="4137"/>
+                    <a:pt x="880712" y="8950"/>
+                    <a:pt x="1010653" y="135683"/>
+                  </a:cubicBezTo>
+                  <a:cubicBezTo>
+                    <a:pt x="1140594" y="262416"/>
+                    <a:pt x="1345131" y="511870"/>
+                    <a:pt x="1549668" y="761325"/>
+                  </a:cubicBezTo>
+                </a:path>
+              </a:pathLst>
+            </a:custGeom>
             <a:noFill/>
             <a:ln w="57150">
               <a:solidFill>
-                <a:schemeClr val="tx1"/>
+                <a:schemeClr val="bg1"/>
               </a:solidFill>
             </a:ln>
           </p:spPr>
@@ -4057,23 +13401,86 @@
         </p:sp>
         <p:sp>
           <p:nvSpPr>
-            <p:cNvPr id="16" name="Ovale 15"/>
+            <p:cNvPr id="78" name="Cuore 44"/>
             <p:cNvSpPr/>
             <p:nvPr/>
           </p:nvSpPr>
           <p:spPr>
             <a:xfrm>
-              <a:off x="3635896" y="1627708"/>
-              <a:ext cx="2520280" cy="2520280"/>
+              <a:off x="2555267" y="4472795"/>
+              <a:ext cx="144793" cy="211037"/>
             </a:xfrm>
-            <a:prstGeom prst="ellipse">
+            <a:custGeom>
               <a:avLst/>
-            </a:prstGeom>
-            <a:noFill/>
-            <a:ln w="57150">
-              <a:solidFill>
-                <a:schemeClr val="tx1"/>
-              </a:solidFill>
+              <a:gdLst>
+                <a:gd name="connsiteX0" fmla="*/ 828092 w 1656184"/>
+                <a:gd name="connsiteY0" fmla="*/ 432048 h 1728192"/>
+                <a:gd name="connsiteX1" fmla="*/ 828092 w 1656184"/>
+                <a:gd name="connsiteY1" fmla="*/ 1728192 h 1728192"/>
+                <a:gd name="connsiteX2" fmla="*/ 828092 w 1656184"/>
+                <a:gd name="connsiteY2" fmla="*/ 432048 h 1728192"/>
+                <a:gd name="connsiteX0" fmla="*/ 827477 w 1668278"/>
+                <a:gd name="connsiteY0" fmla="*/ 533452 h 1329082"/>
+                <a:gd name="connsiteX1" fmla="*/ 837102 w 1668278"/>
+                <a:gd name="connsiteY1" fmla="*/ 1329082 h 1329082"/>
+                <a:gd name="connsiteX2" fmla="*/ 827477 w 1668278"/>
+                <a:gd name="connsiteY2" fmla="*/ 533452 h 1329082"/>
+                <a:gd name="connsiteX0" fmla="*/ 834130 w 1668259"/>
+                <a:gd name="connsiteY0" fmla="*/ 420315 h 1668332"/>
+                <a:gd name="connsiteX1" fmla="*/ 834130 w 1668259"/>
+                <a:gd name="connsiteY1" fmla="*/ 1668332 h 1668332"/>
+                <a:gd name="connsiteX2" fmla="*/ 834130 w 1668259"/>
+                <a:gd name="connsiteY2" fmla="*/ 420315 h 1668332"/>
+                <a:gd name="connsiteX0" fmla="*/ 834130 w 1589513"/>
+                <a:gd name="connsiteY0" fmla="*/ 420315 h 1668332"/>
+                <a:gd name="connsiteX1" fmla="*/ 834130 w 1589513"/>
+                <a:gd name="connsiteY1" fmla="*/ 1668332 h 1668332"/>
+                <a:gd name="connsiteX2" fmla="*/ 834130 w 1589513"/>
+                <a:gd name="connsiteY2" fmla="*/ 420315 h 1668332"/>
+                <a:gd name="connsiteX0" fmla="*/ 748958 w 1504341"/>
+                <a:gd name="connsiteY0" fmla="*/ 1774 h 1249791"/>
+                <a:gd name="connsiteX1" fmla="*/ 748958 w 1504341"/>
+                <a:gd name="connsiteY1" fmla="*/ 1249791 h 1249791"/>
+                <a:gd name="connsiteX2" fmla="*/ 748958 w 1504341"/>
+                <a:gd name="connsiteY2" fmla="*/ 1774 h 1249791"/>
+              </a:gdLst>
+              <a:ahLst/>
+              <a:cxnLst>
+                <a:cxn ang="0">
+                  <a:pos x="connsiteX0" y="connsiteY0"/>
+                </a:cxn>
+                <a:cxn ang="0">
+                  <a:pos x="connsiteX1" y="connsiteY1"/>
+                </a:cxn>
+                <a:cxn ang="0">
+                  <a:pos x="connsiteX2" y="connsiteY2"/>
+                </a:cxn>
+              </a:cxnLst>
+              <a:rect l="l" t="t" r="r" b="b"/>
+              <a:pathLst>
+                <a:path w="1504341" h="1249791">
+                  <a:moveTo>
+                    <a:pt x="748958" y="1774"/>
+                  </a:moveTo>
+                  <a:cubicBezTo>
+                    <a:pt x="766737" y="4315"/>
+                    <a:pt x="2439646" y="-46353"/>
+                    <a:pt x="748958" y="1249791"/>
+                  </a:cubicBezTo>
+                  <a:cubicBezTo>
+                    <a:pt x="-941730" y="-46353"/>
+                    <a:pt x="760054" y="-5311"/>
+                    <a:pt x="748958" y="1774"/>
+                  </a:cubicBezTo>
+                  <a:close/>
+                </a:path>
+              </a:pathLst>
+            </a:custGeom>
+            <a:solidFill>
+              <a:schemeClr val="bg1"/>
+            </a:solidFill>
+            <a:ln>
+              <a:noFill/>
             </a:ln>
           </p:spPr>
           <p:style>
@@ -4105,7 +13512,7 @@
     </p:spTree>
     <p:extLst>
       <p:ext uri="{BB962C8B-B14F-4D97-AF65-F5344CB8AC3E}">
-        <p14:creationId xmlns:p14="http://schemas.microsoft.com/office/powerpoint/2010/main" val="2923409438"/>
+        <p14:creationId xmlns:p14="http://schemas.microsoft.com/office/powerpoint/2010/main" val="628916777"/>
       </p:ext>
     </p:extLst>
   </p:cSld>
